--- a/开题.pptx
+++ b/开题.pptx
@@ -234,7 +234,7 @@
           <a:p>
             <a:fld id="{67E46AAF-12A8-4624-8EDF-DCD94EB31EC8}" type="datetimeFigureOut">
               <a:rPr lang="zh-CN" altLang="en-US" smtClean="0"/>
-              <a:t>2024/1/11</a:t>
+              <a:t>2024/2/18</a:t>
             </a:fld>
             <a:endParaRPr lang="zh-CN" altLang="en-US"/>
           </a:p>
@@ -1831,7 +1831,7 @@
           <a:p>
             <a:fld id="{97A4CA56-C766-4643-9C49-0B5937DF92E1}" type="datetimeFigureOut">
               <a:rPr lang="zh-CN" altLang="en-US" smtClean="0"/>
-              <a:t>2024/1/11</a:t>
+              <a:t>2024/2/18</a:t>
             </a:fld>
             <a:endParaRPr lang="zh-CN" altLang="en-US"/>
           </a:p>
@@ -1994,7 +1994,7 @@
           <a:p>
             <a:fld id="{97A4CA56-C766-4643-9C49-0B5937DF92E1}" type="datetimeFigureOut">
               <a:rPr lang="zh-CN" altLang="en-US" smtClean="0"/>
-              <a:t>2024/1/11</a:t>
+              <a:t>2024/2/18</a:t>
             </a:fld>
             <a:endParaRPr lang="zh-CN" altLang="en-US"/>
           </a:p>
@@ -2225,7 +2225,7 @@
           <a:p>
             <a:fld id="{97A4CA56-C766-4643-9C49-0B5937DF92E1}" type="datetimeFigureOut">
               <a:rPr lang="zh-CN" altLang="en-US" smtClean="0"/>
-              <a:t>2024/1/11</a:t>
+              <a:t>2024/2/18</a:t>
             </a:fld>
             <a:endParaRPr lang="zh-CN" altLang="en-US"/>
           </a:p>
@@ -2788,7 +2788,7 @@
                 <a:latin typeface="黑体" panose="02010609060101010101" pitchFamily="49" charset="-122"/>
                 <a:ea typeface="方正清刻本悦宋简体" panose="02000000000000000000" pitchFamily="2" charset="-122"/>
               </a:rPr>
-              <a:t>油行气涌出危险性判识方法与应用</a:t>
+              <a:t>油型气涌出危险性判识方法与应用</a:t>
             </a:r>
           </a:p>
         </p:txBody>

--- a/开题.pptx
+++ b/开题.pptx
@@ -234,7 +234,7 @@
           <a:p>
             <a:fld id="{67E46AAF-12A8-4624-8EDF-DCD94EB31EC8}" type="datetimeFigureOut">
               <a:rPr lang="zh-CN" altLang="en-US" smtClean="0"/>
-              <a:t>2024/2/18</a:t>
+              <a:t>2024/3/14</a:t>
             </a:fld>
             <a:endParaRPr lang="zh-CN" altLang="en-US"/>
           </a:p>
@@ -1831,7 +1831,7 @@
           <a:p>
             <a:fld id="{97A4CA56-C766-4643-9C49-0B5937DF92E1}" type="datetimeFigureOut">
               <a:rPr lang="zh-CN" altLang="en-US" smtClean="0"/>
-              <a:t>2024/2/18</a:t>
+              <a:t>2024/3/14</a:t>
             </a:fld>
             <a:endParaRPr lang="zh-CN" altLang="en-US"/>
           </a:p>
@@ -1994,7 +1994,7 @@
           <a:p>
             <a:fld id="{97A4CA56-C766-4643-9C49-0B5937DF92E1}" type="datetimeFigureOut">
               <a:rPr lang="zh-CN" altLang="en-US" smtClean="0"/>
-              <a:t>2024/2/18</a:t>
+              <a:t>2024/3/14</a:t>
             </a:fld>
             <a:endParaRPr lang="zh-CN" altLang="en-US"/>
           </a:p>
@@ -2225,7 +2225,7 @@
           <a:p>
             <a:fld id="{97A4CA56-C766-4643-9C49-0B5937DF92E1}" type="datetimeFigureOut">
               <a:rPr lang="zh-CN" altLang="en-US" smtClean="0"/>
-              <a:t>2024/2/18</a:t>
+              <a:t>2024/3/14</a:t>
             </a:fld>
             <a:endParaRPr lang="zh-CN" altLang="en-US"/>
           </a:p>
@@ -2746,8 +2746,8 @@
         </p:nvSpPr>
         <p:spPr>
           <a:xfrm>
-            <a:off x="1736231" y="2939659"/>
-            <a:ext cx="8648521" cy="1446550"/>
+            <a:off x="1171977" y="2939659"/>
+            <a:ext cx="9777035" cy="1446550"/>
           </a:xfrm>
           <a:prstGeom prst="rect">
             <a:avLst/>
@@ -2768,7 +2768,7 @@
                 <a:latin typeface="黑体" panose="02010609060101010101" pitchFamily="49" charset="-122"/>
                 <a:ea typeface="方正清刻本悦宋简体" panose="02000000000000000000" pitchFamily="2" charset="-122"/>
               </a:rPr>
-              <a:t>基于矿井直流电法的</a:t>
+              <a:t>基于直流电法的</a:t>
             </a:r>
             <a:endParaRPr kumimoji="1" lang="en-US" altLang="zh-CN" sz="4400" b="1" dirty="0">
               <a:solidFill>
@@ -2788,7 +2788,7 @@
                 <a:latin typeface="黑体" panose="02010609060101010101" pitchFamily="49" charset="-122"/>
                 <a:ea typeface="方正清刻本悦宋简体" panose="02000000000000000000" pitchFamily="2" charset="-122"/>
               </a:rPr>
-              <a:t>油型气涌出危险性判识方法与应用</a:t>
+              <a:t>矿井油型气涌出危险性判识方法与应用</a:t>
             </a:r>
           </a:p>
         </p:txBody>

--- a/开题.pptx
+++ b/开题.pptx
@@ -234,7 +234,7 @@
           <a:p>
             <a:fld id="{67E46AAF-12A8-4624-8EDF-DCD94EB31EC8}" type="datetimeFigureOut">
               <a:rPr lang="zh-CN" altLang="en-US" smtClean="0"/>
-              <a:t>2024/3/14</a:t>
+              <a:t>2024/4/12</a:t>
             </a:fld>
             <a:endParaRPr lang="zh-CN" altLang="en-US"/>
           </a:p>
@@ -1831,7 +1831,7 @@
           <a:p>
             <a:fld id="{97A4CA56-C766-4643-9C49-0B5937DF92E1}" type="datetimeFigureOut">
               <a:rPr lang="zh-CN" altLang="en-US" smtClean="0"/>
-              <a:t>2024/3/14</a:t>
+              <a:t>2024/4/12</a:t>
             </a:fld>
             <a:endParaRPr lang="zh-CN" altLang="en-US"/>
           </a:p>
@@ -1994,7 +1994,7 @@
           <a:p>
             <a:fld id="{97A4CA56-C766-4643-9C49-0B5937DF92E1}" type="datetimeFigureOut">
               <a:rPr lang="zh-CN" altLang="en-US" smtClean="0"/>
-              <a:t>2024/3/14</a:t>
+              <a:t>2024/4/12</a:t>
             </a:fld>
             <a:endParaRPr lang="zh-CN" altLang="en-US"/>
           </a:p>
@@ -2225,7 +2225,7 @@
           <a:p>
             <a:fld id="{97A4CA56-C766-4643-9C49-0B5937DF92E1}" type="datetimeFigureOut">
               <a:rPr lang="zh-CN" altLang="en-US" smtClean="0"/>
-              <a:t>2024/3/14</a:t>
+              <a:t>2024/4/12</a:t>
             </a:fld>
             <a:endParaRPr lang="zh-CN" altLang="en-US"/>
           </a:p>
@@ -15465,43 +15465,90 @@
       </p:grpSpPr>
       <p:sp>
         <p:nvSpPr>
-          <p:cNvPr id="1766" name="矩形 1765"/>
+          <p:cNvPr id="30" name="矩形: 圆角 29">
+            <a:extLst>
+              <a:ext uri="{FF2B5EF4-FFF2-40B4-BE49-F238E27FC236}">
+                <a16:creationId xmlns:a16="http://schemas.microsoft.com/office/drawing/2014/main" id="{5EE624B9-04C0-474F-BF2E-5E6096E48B03}"/>
+              </a:ext>
+            </a:extLst>
+          </p:cNvPr>
           <p:cNvSpPr/>
           <p:nvPr/>
         </p:nvSpPr>
         <p:spPr>
           <a:xfrm>
-            <a:off x="3242255" y="252859"/>
-            <a:ext cx="8949748" cy="484285"/>
-          </a:xfrm>
-          <a:prstGeom prst="rect">
+            <a:off x="3657601" y="-5137150"/>
+            <a:ext cx="609600" cy="2717800"/>
+          </a:xfrm>
+          <a:prstGeom prst="roundRect">
             <a:avLst/>
           </a:prstGeom>
-          <a:gradFill>
-            <a:gsLst>
-              <a:gs pos="0">
-                <a:schemeClr val="accent1">
-                  <a:lumMod val="5000"/>
-                  <a:lumOff val="95000"/>
-                  <a:alpha val="0"/>
-                </a:schemeClr>
-              </a:gs>
-              <a:gs pos="78000">
-                <a:srgbClr val="157E9F"/>
-              </a:gs>
-            </a:gsLst>
-            <a:lin ang="10800000" scaled="0"/>
-          </a:gradFill>
-          <a:ln>
-            <a:noFill/>
+          <a:solidFill>
+            <a:schemeClr val="accent6">
+              <a:lumMod val="60000"/>
+              <a:lumOff val="40000"/>
+            </a:schemeClr>
+          </a:solidFill>
+          <a:ln w="19050">
+            <a:solidFill>
+              <a:schemeClr val="tx1"/>
+            </a:solidFill>
           </a:ln>
-          <a:effectLst>
-            <a:outerShdw blurRad="393700" dist="76200" dir="5820000" sx="99000" sy="99000" algn="t" rotWithShape="0">
-              <a:prstClr val="black">
-                <a:alpha val="50000"/>
-              </a:prstClr>
-            </a:outerShdw>
-          </a:effectLst>
+        </p:spPr>
+        <p:style>
+          <a:lnRef idx="2">
+            <a:schemeClr val="accent3"/>
+          </a:lnRef>
+          <a:fillRef idx="1">
+            <a:schemeClr val="lt1"/>
+          </a:fillRef>
+          <a:effectRef idx="0">
+            <a:schemeClr val="accent3"/>
+          </a:effectRef>
+          <a:fontRef idx="minor">
+            <a:schemeClr val="dk1"/>
+          </a:fontRef>
+        </p:style>
+        <p:txBody>
+          <a:bodyPr vert="eaVert" rtlCol="0" anchor="ctr"/>
+          <a:lstStyle/>
+          <a:p>
+            <a:pPr algn="ctr"/>
+            <a:r>
+              <a:rPr lang="zh-CN" altLang="en-US" sz="2000" dirty="0"/>
+              <a:t>直流电法超前探测原理</a:t>
+            </a:r>
+          </a:p>
+        </p:txBody>
+      </p:sp>
+      <p:sp>
+        <p:nvSpPr>
+          <p:cNvPr id="9" name="箭头: 右 8">
+            <a:extLst>
+              <a:ext uri="{FF2B5EF4-FFF2-40B4-BE49-F238E27FC236}">
+                <a16:creationId xmlns:a16="http://schemas.microsoft.com/office/drawing/2014/main" id="{56FD557A-398A-4A03-B9CB-B941C5D7A23F}"/>
+              </a:ext>
+            </a:extLst>
+          </p:cNvPr>
+          <p:cNvSpPr/>
+          <p:nvPr/>
+        </p:nvSpPr>
+        <p:spPr>
+          <a:xfrm rot="5400000">
+            <a:off x="4775578" y="-6549305"/>
+            <a:ext cx="263928" cy="350583"/>
+          </a:xfrm>
+          <a:prstGeom prst="rightArrow">
+            <a:avLst/>
+          </a:prstGeom>
+          <a:solidFill>
+            <a:srgbClr val="92D050"/>
+          </a:solidFill>
+          <a:ln w="19050">
+            <a:solidFill>
+              <a:schemeClr val="tx1"/>
+            </a:solidFill>
+          </a:ln>
         </p:spPr>
         <p:style>
           <a:lnRef idx="2">
@@ -15520,7 +15567,7 @@
           </a:fontRef>
         </p:style>
         <p:txBody>
-          <a:bodyPr lIns="91436" tIns="45718" rIns="91436" bIns="45718" rtlCol="0" anchor="ctr"/>
+          <a:bodyPr rtlCol="0" anchor="ctr"/>
           <a:lstStyle/>
           <a:p>
             <a:pPr algn="ctr"/>
@@ -15530,33 +15577,308 @@
       </p:sp>
       <p:sp>
         <p:nvSpPr>
-          <p:cNvPr id="1767" name="圆角矩形 1766"/>
+          <p:cNvPr id="3" name="矩形: 圆角 2">
+            <a:extLst>
+              <a:ext uri="{FF2B5EF4-FFF2-40B4-BE49-F238E27FC236}">
+                <a16:creationId xmlns:a16="http://schemas.microsoft.com/office/drawing/2014/main" id="{2A6ED901-C38F-44F8-AABE-13DB11DBB974}"/>
+              </a:ext>
+            </a:extLst>
+          </p:cNvPr>
           <p:cNvSpPr/>
           <p:nvPr/>
         </p:nvSpPr>
         <p:spPr>
-          <a:xfrm rot="10800000" flipV="1">
-            <a:off x="-5664" y="249441"/>
-            <a:ext cx="484287" cy="491115"/>
+          <a:xfrm>
+            <a:off x="940362" y="-9124950"/>
+            <a:ext cx="1393200" cy="532800"/>
           </a:xfrm>
           <a:prstGeom prst="roundRect">
-            <a:avLst>
-              <a:gd name="adj" fmla="val 5039"/>
-            </a:avLst>
+            <a:avLst/>
           </a:prstGeom>
           <a:solidFill>
-            <a:srgbClr val="157E9F"/>
+            <a:srgbClr val="FCECE7"/>
           </a:solidFill>
-          <a:ln>
-            <a:noFill/>
+          <a:ln w="19050">
+            <a:solidFill>
+              <a:schemeClr val="tx1"/>
+            </a:solidFill>
           </a:ln>
-          <a:effectLst>
-            <a:outerShdw blurRad="50800" dist="38100" dir="5400000" algn="t" rotWithShape="0">
-              <a:prstClr val="black">
-                <a:alpha val="40000"/>
-              </a:prstClr>
-            </a:outerShdw>
-          </a:effectLst>
+        </p:spPr>
+        <p:style>
+          <a:lnRef idx="2">
+            <a:schemeClr val="accent3"/>
+          </a:lnRef>
+          <a:fillRef idx="1">
+            <a:schemeClr val="lt1"/>
+          </a:fillRef>
+          <a:effectRef idx="0">
+            <a:schemeClr val="accent3"/>
+          </a:effectRef>
+          <a:fontRef idx="minor">
+            <a:schemeClr val="dk1"/>
+          </a:fontRef>
+        </p:style>
+        <p:txBody>
+          <a:bodyPr rtlCol="0" anchor="ctr"/>
+          <a:lstStyle/>
+          <a:p>
+            <a:pPr algn="ctr"/>
+            <a:r>
+              <a:rPr lang="zh-CN" altLang="en-US" sz="2000" dirty="0">
+                <a:solidFill>
+                  <a:schemeClr val="tx1"/>
+                </a:solidFill>
+              </a:rPr>
+              <a:t>研究对象</a:t>
+            </a:r>
+          </a:p>
+        </p:txBody>
+      </p:sp>
+      <p:sp>
+        <p:nvSpPr>
+          <p:cNvPr id="10" name="矩形: 圆角 9">
+            <a:extLst>
+              <a:ext uri="{FF2B5EF4-FFF2-40B4-BE49-F238E27FC236}">
+                <a16:creationId xmlns:a16="http://schemas.microsoft.com/office/drawing/2014/main" id="{D38F29F0-DED5-40B7-97E2-7A3A43845970}"/>
+              </a:ext>
+            </a:extLst>
+          </p:cNvPr>
+          <p:cNvSpPr/>
+          <p:nvPr/>
+        </p:nvSpPr>
+        <p:spPr>
+          <a:xfrm>
+            <a:off x="822288" y="-1967593"/>
+            <a:ext cx="1393794" cy="532800"/>
+          </a:xfrm>
+          <a:prstGeom prst="roundRect">
+            <a:avLst/>
+          </a:prstGeom>
+          <a:solidFill>
+            <a:schemeClr val="accent1"/>
+          </a:solidFill>
+          <a:ln w="19050">
+            <a:solidFill>
+              <a:schemeClr val="tx1"/>
+            </a:solidFill>
+          </a:ln>
+        </p:spPr>
+        <p:style>
+          <a:lnRef idx="2">
+            <a:schemeClr val="accent3"/>
+          </a:lnRef>
+          <a:fillRef idx="1">
+            <a:schemeClr val="lt1"/>
+          </a:fillRef>
+          <a:effectRef idx="0">
+            <a:schemeClr val="accent3"/>
+          </a:effectRef>
+          <a:fontRef idx="minor">
+            <a:schemeClr val="dk1"/>
+          </a:fontRef>
+        </p:style>
+        <p:txBody>
+          <a:bodyPr rtlCol="0" anchor="ctr"/>
+          <a:lstStyle/>
+          <a:p>
+            <a:pPr algn="ctr"/>
+            <a:r>
+              <a:rPr lang="zh-CN" altLang="en-US" sz="2000" b="1" dirty="0">
+                <a:solidFill>
+                  <a:schemeClr val="bg1"/>
+                </a:solidFill>
+              </a:rPr>
+              <a:t>研究内容</a:t>
+            </a:r>
+          </a:p>
+        </p:txBody>
+      </p:sp>
+      <p:sp>
+        <p:nvSpPr>
+          <p:cNvPr id="12" name="矩形: 圆角 11">
+            <a:extLst>
+              <a:ext uri="{FF2B5EF4-FFF2-40B4-BE49-F238E27FC236}">
+                <a16:creationId xmlns:a16="http://schemas.microsoft.com/office/drawing/2014/main" id="{0F80F090-1695-408F-B5A1-5B3C557614DB}"/>
+              </a:ext>
+            </a:extLst>
+          </p:cNvPr>
+          <p:cNvSpPr/>
+          <p:nvPr/>
+        </p:nvSpPr>
+        <p:spPr>
+          <a:xfrm>
+            <a:off x="3749539" y="-9127259"/>
+            <a:ext cx="5337311" cy="532661"/>
+          </a:xfrm>
+          <a:prstGeom prst="roundRect">
+            <a:avLst/>
+          </a:prstGeom>
+          <a:solidFill>
+            <a:srgbClr val="FCECE7"/>
+          </a:solidFill>
+          <a:ln w="19050">
+            <a:solidFill>
+              <a:schemeClr val="tx1"/>
+            </a:solidFill>
+          </a:ln>
+        </p:spPr>
+        <p:style>
+          <a:lnRef idx="2">
+            <a:schemeClr val="accent3"/>
+          </a:lnRef>
+          <a:fillRef idx="1">
+            <a:schemeClr val="lt1"/>
+          </a:fillRef>
+          <a:effectRef idx="0">
+            <a:schemeClr val="accent3"/>
+          </a:effectRef>
+          <a:fontRef idx="minor">
+            <a:schemeClr val="dk1"/>
+          </a:fontRef>
+        </p:style>
+        <p:txBody>
+          <a:bodyPr rtlCol="0" anchor="ctr"/>
+          <a:lstStyle/>
+          <a:p>
+            <a:pPr algn="ctr"/>
+            <a:r>
+              <a:rPr lang="zh-CN" altLang="en-US" sz="2800" dirty="0"/>
+              <a:t>前方底板油型气涌出危险性</a:t>
+            </a:r>
+          </a:p>
+        </p:txBody>
+      </p:sp>
+      <p:sp>
+        <p:nvSpPr>
+          <p:cNvPr id="19" name="矩形: 圆角 18">
+            <a:extLst>
+              <a:ext uri="{FF2B5EF4-FFF2-40B4-BE49-F238E27FC236}">
+                <a16:creationId xmlns:a16="http://schemas.microsoft.com/office/drawing/2014/main" id="{5FD39F40-3C4B-453F-AE95-08D28866B8AF}"/>
+              </a:ext>
+            </a:extLst>
+          </p:cNvPr>
+          <p:cNvSpPr/>
+          <p:nvPr/>
+        </p:nvSpPr>
+        <p:spPr>
+          <a:xfrm>
+            <a:off x="4613275" y="-8153400"/>
+            <a:ext cx="3482068" cy="689552"/>
+          </a:xfrm>
+          <a:prstGeom prst="roundRect">
+            <a:avLst/>
+          </a:prstGeom>
+          <a:solidFill>
+            <a:schemeClr val="accent1"/>
+          </a:solidFill>
+          <a:ln w="19050">
+            <a:solidFill>
+              <a:schemeClr val="tx1"/>
+            </a:solidFill>
+          </a:ln>
+        </p:spPr>
+        <p:style>
+          <a:lnRef idx="2">
+            <a:schemeClr val="accent3"/>
+          </a:lnRef>
+          <a:fillRef idx="1">
+            <a:schemeClr val="lt1"/>
+          </a:fillRef>
+          <a:effectRef idx="0">
+            <a:schemeClr val="accent3"/>
+          </a:effectRef>
+          <a:fontRef idx="minor">
+            <a:schemeClr val="dk1"/>
+          </a:fontRef>
+        </p:style>
+        <p:txBody>
+          <a:bodyPr rtlCol="0" anchor="ctr"/>
+          <a:lstStyle/>
+          <a:p>
+            <a:pPr algn="ctr"/>
+            <a:r>
+              <a:rPr lang="zh-CN" altLang="en-US" b="1" dirty="0">
+                <a:solidFill>
+                  <a:schemeClr val="bg1"/>
+                </a:solidFill>
+              </a:rPr>
+              <a:t>工作面底板岩体物性参数研究</a:t>
+            </a:r>
+          </a:p>
+        </p:txBody>
+      </p:sp>
+      <p:sp>
+        <p:nvSpPr>
+          <p:cNvPr id="4" name="左大括号 3">
+            <a:extLst>
+              <a:ext uri="{FF2B5EF4-FFF2-40B4-BE49-F238E27FC236}">
+                <a16:creationId xmlns:a16="http://schemas.microsoft.com/office/drawing/2014/main" id="{EA12BAAD-5CF0-48F4-9E84-CBDE7214F36B}"/>
+              </a:ext>
+            </a:extLst>
+          </p:cNvPr>
+          <p:cNvSpPr/>
+          <p:nvPr/>
+        </p:nvSpPr>
+        <p:spPr>
+          <a:xfrm>
+            <a:off x="2497408" y="-8362950"/>
+            <a:ext cx="595619" cy="13468350"/>
+          </a:xfrm>
+          <a:prstGeom prst="leftBrace">
+            <a:avLst/>
+          </a:prstGeom>
+          <a:ln w="31750"/>
+        </p:spPr>
+        <p:style>
+          <a:lnRef idx="3">
+            <a:schemeClr val="accent1"/>
+          </a:lnRef>
+          <a:fillRef idx="0">
+            <a:schemeClr val="accent1"/>
+          </a:fillRef>
+          <a:effectRef idx="2">
+            <a:schemeClr val="accent1"/>
+          </a:effectRef>
+          <a:fontRef idx="minor">
+            <a:schemeClr val="tx1"/>
+          </a:fontRef>
+        </p:style>
+        <p:txBody>
+          <a:bodyPr rtlCol="0" anchor="ctr"/>
+          <a:lstStyle/>
+          <a:p>
+            <a:pPr algn="ctr"/>
+            <a:endParaRPr lang="zh-CN" altLang="en-US" dirty="0"/>
+          </a:p>
+        </p:txBody>
+      </p:sp>
+      <p:sp>
+        <p:nvSpPr>
+          <p:cNvPr id="6" name="矩形: 圆角 5">
+            <a:extLst>
+              <a:ext uri="{FF2B5EF4-FFF2-40B4-BE49-F238E27FC236}">
+                <a16:creationId xmlns:a16="http://schemas.microsoft.com/office/drawing/2014/main" id="{453ADC66-CE65-4951-B92C-D533A2995F57}"/>
+              </a:ext>
+            </a:extLst>
+          </p:cNvPr>
+          <p:cNvSpPr/>
+          <p:nvPr/>
+        </p:nvSpPr>
+        <p:spPr>
+          <a:xfrm>
+            <a:off x="3676650" y="-8286751"/>
+            <a:ext cx="5448300" cy="3009901"/>
+          </a:xfrm>
+          <a:prstGeom prst="roundRect">
+            <a:avLst/>
+          </a:prstGeom>
+          <a:noFill/>
+          <a:ln w="19050">
+            <a:solidFill>
+              <a:schemeClr val="tx1"/>
+            </a:solidFill>
+            <a:prstDash val="lgDashDotDot"/>
+          </a:ln>
         </p:spPr>
         <p:style>
           <a:lnRef idx="2">
@@ -15575,82 +15897,205 @@
           </a:fontRef>
         </p:style>
         <p:txBody>
-          <a:bodyPr lIns="91436" tIns="45718" rIns="91436" bIns="45718" rtlCol="0" anchor="ctr"/>
+          <a:bodyPr rtlCol="0" anchor="ctr"/>
           <a:lstStyle/>
           <a:p>
             <a:pPr algn="ctr"/>
-            <a:r>
-              <a:rPr lang="en-US" altLang="zh-CN" sz="3600" dirty="0"/>
-              <a:t>3</a:t>
-            </a:r>
-            <a:endParaRPr lang="zh-CN" altLang="en-US" sz="3600" dirty="0"/>
-          </a:p>
-        </p:txBody>
-      </p:sp>
-      <p:sp>
-        <p:nvSpPr>
-          <p:cNvPr id="1769" name="矩形 1768"/>
+            <a:endParaRPr lang="zh-CN" altLang="en-US" dirty="0"/>
+          </a:p>
+        </p:txBody>
+      </p:sp>
+      <p:sp>
+        <p:nvSpPr>
+          <p:cNvPr id="40" name="矩形: 圆角 39">
+            <a:extLst>
+              <a:ext uri="{FF2B5EF4-FFF2-40B4-BE49-F238E27FC236}">
+                <a16:creationId xmlns:a16="http://schemas.microsoft.com/office/drawing/2014/main" id="{582638DF-2936-47DE-80B4-95BFA0072044}"/>
+              </a:ext>
+            </a:extLst>
+          </p:cNvPr>
           <p:cNvSpPr/>
           <p:nvPr/>
         </p:nvSpPr>
         <p:spPr>
           <a:xfrm>
-            <a:off x="3371252" y="325927"/>
-            <a:ext cx="2671814" cy="369328"/>
-          </a:xfrm>
-          <a:prstGeom prst="rect">
+            <a:off x="3759200" y="-7163938"/>
+            <a:ext cx="2598057" cy="620263"/>
+          </a:xfrm>
+          <a:prstGeom prst="roundRect">
             <a:avLst/>
           </a:prstGeom>
-        </p:spPr>
-        <p:txBody>
-          <a:bodyPr wrap="none" lIns="91436" tIns="45718" rIns="91436" bIns="45718">
-            <a:spAutoFit/>
-          </a:bodyPr>
+          <a:solidFill>
+            <a:schemeClr val="accent1"/>
+          </a:solidFill>
+          <a:ln w="19050">
+            <a:solidFill>
+              <a:schemeClr val="tx1"/>
+            </a:solidFill>
+          </a:ln>
+        </p:spPr>
+        <p:style>
+          <a:lnRef idx="2">
+            <a:schemeClr val="accent3"/>
+          </a:lnRef>
+          <a:fillRef idx="1">
+            <a:schemeClr val="lt1"/>
+          </a:fillRef>
+          <a:effectRef idx="0">
+            <a:schemeClr val="accent3"/>
+          </a:effectRef>
+          <a:fontRef idx="minor">
+            <a:schemeClr val="dk1"/>
+          </a:fontRef>
+        </p:style>
+        <p:txBody>
+          <a:bodyPr rtlCol="0" anchor="ctr"/>
           <a:lstStyle/>
           <a:p>
             <a:pPr algn="ctr"/>
             <a:r>
-              <a:rPr lang="en-US" altLang="zh-CN" dirty="0">
+              <a:rPr lang="zh-CN" altLang="en-US" b="1" dirty="0">
                 <a:solidFill>
                   <a:schemeClr val="bg1"/>
                 </a:solidFill>
-                <a:latin typeface="微软雅黑" pitchFamily="34" charset="-122"/>
-                <a:ea typeface="微软雅黑" pitchFamily="34" charset="-122"/>
               </a:rPr>
-              <a:t>RESEARCH CONTENTS</a:t>
-            </a:r>
-          </a:p>
-        </p:txBody>
-      </p:sp>
-      <p:sp>
-        <p:nvSpPr>
-          <p:cNvPr id="1770" name="圆角矩形 1769"/>
+              <a:t>底板岩体电性特征研究</a:t>
+            </a:r>
+          </a:p>
+        </p:txBody>
+      </p:sp>
+      <p:sp>
+        <p:nvSpPr>
+          <p:cNvPr id="43" name="矩形: 圆角 42">
+            <a:extLst>
+              <a:ext uri="{FF2B5EF4-FFF2-40B4-BE49-F238E27FC236}">
+                <a16:creationId xmlns:a16="http://schemas.microsoft.com/office/drawing/2014/main" id="{A926A1C4-4B87-418F-8650-C49315216DE0}"/>
+              </a:ext>
+            </a:extLst>
+          </p:cNvPr>
           <p:cNvSpPr/>
           <p:nvPr/>
         </p:nvSpPr>
         <p:spPr>
-          <a:xfrm rot="16200000" flipV="1">
-            <a:off x="11457520" y="249444"/>
-            <a:ext cx="484287" cy="491115"/>
+          <a:xfrm>
+            <a:off x="6470280" y="-7172103"/>
+            <a:ext cx="2601149" cy="620263"/>
           </a:xfrm>
           <a:prstGeom prst="roundRect">
-            <a:avLst>
-              <a:gd name="adj" fmla="val 5039"/>
-            </a:avLst>
+            <a:avLst/>
           </a:prstGeom>
           <a:solidFill>
-            <a:srgbClr val="157E9F"/>
+            <a:schemeClr val="accent1"/>
+          </a:solidFill>
+          <a:ln w="19050">
+            <a:solidFill>
+              <a:schemeClr val="tx1"/>
+            </a:solidFill>
+          </a:ln>
+        </p:spPr>
+        <p:style>
+          <a:lnRef idx="2">
+            <a:schemeClr val="accent3"/>
+          </a:lnRef>
+          <a:fillRef idx="1">
+            <a:schemeClr val="lt1"/>
+          </a:fillRef>
+          <a:effectRef idx="0">
+            <a:schemeClr val="accent3"/>
+          </a:effectRef>
+          <a:fontRef idx="minor">
+            <a:schemeClr val="dk1"/>
+          </a:fontRef>
+        </p:style>
+        <p:txBody>
+          <a:bodyPr rtlCol="0" anchor="ctr"/>
+          <a:lstStyle/>
+          <a:p>
+            <a:pPr algn="ctr"/>
+            <a:r>
+              <a:rPr lang="zh-CN" altLang="en-US" b="1" dirty="0">
+                <a:solidFill>
+                  <a:schemeClr val="bg1"/>
+                </a:solidFill>
+              </a:rPr>
+              <a:t>底板岩体渗透性能研究</a:t>
+            </a:r>
+          </a:p>
+        </p:txBody>
+      </p:sp>
+      <p:sp>
+        <p:nvSpPr>
+          <p:cNvPr id="7" name="右大括号 6">
+            <a:extLst>
+              <a:ext uri="{FF2B5EF4-FFF2-40B4-BE49-F238E27FC236}">
+                <a16:creationId xmlns:a16="http://schemas.microsoft.com/office/drawing/2014/main" id="{1901D039-BFDE-4D18-A3D9-C6B3DAC3E82B}"/>
+              </a:ext>
+            </a:extLst>
+          </p:cNvPr>
+          <p:cNvSpPr/>
+          <p:nvPr/>
+        </p:nvSpPr>
+        <p:spPr>
+          <a:xfrm rot="16200000">
+            <a:off x="6396038" y="-8853488"/>
+            <a:ext cx="123824" cy="3124200"/>
+          </a:xfrm>
+          <a:prstGeom prst="rightBrace">
+            <a:avLst/>
+          </a:prstGeom>
+          <a:ln w="25400"/>
+        </p:spPr>
+        <p:style>
+          <a:lnRef idx="1">
+            <a:schemeClr val="accent1"/>
+          </a:lnRef>
+          <a:fillRef idx="0">
+            <a:schemeClr val="accent1"/>
+          </a:fillRef>
+          <a:effectRef idx="0">
+            <a:schemeClr val="accent1"/>
+          </a:effectRef>
+          <a:fontRef idx="minor">
+            <a:schemeClr val="tx1"/>
+          </a:fontRef>
+        </p:style>
+        <p:txBody>
+          <a:bodyPr rtlCol="0" anchor="ctr"/>
+          <a:lstStyle/>
+          <a:p>
+            <a:pPr algn="ctr"/>
+            <a:endParaRPr lang="zh-CN" altLang="en-US"/>
+          </a:p>
+        </p:txBody>
+      </p:sp>
+      <p:sp>
+        <p:nvSpPr>
+          <p:cNvPr id="14" name="箭头: 右 13">
+            <a:extLst>
+              <a:ext uri="{FF2B5EF4-FFF2-40B4-BE49-F238E27FC236}">
+                <a16:creationId xmlns:a16="http://schemas.microsoft.com/office/drawing/2014/main" id="{F35CA916-E7FF-4830-AEC1-7B488965F1A2}"/>
+              </a:ext>
+            </a:extLst>
+          </p:cNvPr>
+          <p:cNvSpPr/>
+          <p:nvPr/>
+        </p:nvSpPr>
+        <p:spPr>
+          <a:xfrm>
+            <a:off x="2603500" y="-9048750"/>
+            <a:ext cx="939800" cy="317500"/>
+          </a:xfrm>
+          <a:prstGeom prst="rightArrow">
+            <a:avLst/>
+          </a:prstGeom>
+          <a:solidFill>
+            <a:srgbClr val="FCECE7"/>
           </a:solidFill>
           <a:ln>
-            <a:noFill/>
+            <a:solidFill>
+              <a:srgbClr val="F99C7C"/>
+            </a:solidFill>
           </a:ln>
-          <a:effectLst>
-            <a:outerShdw blurRad="50800" dist="38100" dir="5400000" algn="t" rotWithShape="0">
-              <a:prstClr val="black">
-                <a:alpha val="40000"/>
-              </a:prstClr>
-            </a:outerShdw>
-          </a:effectLst>
         </p:spPr>
         <p:style>
           <a:lnRef idx="2">
@@ -15677,320 +16122,151 @@
           </a:p>
         </p:txBody>
       </p:sp>
-      <p:sp>
-        <p:nvSpPr>
-          <p:cNvPr id="1771" name="Freeform 96"/>
-          <p:cNvSpPr/>
+      <p:cxnSp>
+        <p:nvCxnSpPr>
+          <p:cNvPr id="16" name="直接箭头连接符 15">
+            <a:extLst>
+              <a:ext uri="{FF2B5EF4-FFF2-40B4-BE49-F238E27FC236}">
+                <a16:creationId xmlns:a16="http://schemas.microsoft.com/office/drawing/2014/main" id="{1C34164E-7899-4706-9F31-5A8498D3BD5C}"/>
+              </a:ext>
+            </a:extLst>
+          </p:cNvPr>
+          <p:cNvCxnSpPr>
+            <a:cxnSpLocks/>
+          </p:cNvCxnSpPr>
           <p:nvPr/>
-        </p:nvSpPr>
-        <p:spPr bwMode="auto">
-          <a:xfrm>
-            <a:off x="11559368" y="359659"/>
-            <a:ext cx="280590" cy="270687"/>
-          </a:xfrm>
-          <a:custGeom>
-            <a:avLst/>
-            <a:gdLst>
-              <a:gd name="T0" fmla="*/ 184 w 216"/>
-              <a:gd name="T1" fmla="*/ 0 h 208"/>
-              <a:gd name="T2" fmla="*/ 152 w 216"/>
-              <a:gd name="T3" fmla="*/ 32 h 208"/>
-              <a:gd name="T4" fmla="*/ 154 w 216"/>
-              <a:gd name="T5" fmla="*/ 41 h 208"/>
-              <a:gd name="T6" fmla="*/ 60 w 216"/>
-              <a:gd name="T7" fmla="*/ 80 h 208"/>
-              <a:gd name="T8" fmla="*/ 32 w 216"/>
-              <a:gd name="T9" fmla="*/ 64 h 208"/>
-              <a:gd name="T10" fmla="*/ 0 w 216"/>
-              <a:gd name="T11" fmla="*/ 96 h 208"/>
-              <a:gd name="T12" fmla="*/ 32 w 216"/>
-              <a:gd name="T13" fmla="*/ 128 h 208"/>
-              <a:gd name="T14" fmla="*/ 56 w 216"/>
-              <a:gd name="T15" fmla="*/ 118 h 208"/>
-              <a:gd name="T16" fmla="*/ 116 w 216"/>
-              <a:gd name="T17" fmla="*/ 161 h 208"/>
-              <a:gd name="T18" fmla="*/ 112 w 216"/>
-              <a:gd name="T19" fmla="*/ 176 h 208"/>
-              <a:gd name="T20" fmla="*/ 144 w 216"/>
-              <a:gd name="T21" fmla="*/ 208 h 208"/>
-              <a:gd name="T22" fmla="*/ 176 w 216"/>
-              <a:gd name="T23" fmla="*/ 176 h 208"/>
-              <a:gd name="T24" fmla="*/ 144 w 216"/>
-              <a:gd name="T25" fmla="*/ 144 h 208"/>
-              <a:gd name="T26" fmla="*/ 121 w 216"/>
-              <a:gd name="T27" fmla="*/ 154 h 208"/>
-              <a:gd name="T28" fmla="*/ 61 w 216"/>
-              <a:gd name="T29" fmla="*/ 111 h 208"/>
-              <a:gd name="T30" fmla="*/ 64 w 216"/>
-              <a:gd name="T31" fmla="*/ 96 h 208"/>
-              <a:gd name="T32" fmla="*/ 63 w 216"/>
-              <a:gd name="T33" fmla="*/ 87 h 208"/>
-              <a:gd name="T34" fmla="*/ 157 w 216"/>
-              <a:gd name="T35" fmla="*/ 48 h 208"/>
-              <a:gd name="T36" fmla="*/ 184 w 216"/>
-              <a:gd name="T37" fmla="*/ 64 h 208"/>
-              <a:gd name="T38" fmla="*/ 216 w 216"/>
-              <a:gd name="T39" fmla="*/ 32 h 208"/>
-              <a:gd name="T40" fmla="*/ 184 w 216"/>
-              <a:gd name="T41" fmla="*/ 0 h 208"/>
-            </a:gdLst>
-            <a:ahLst/>
-            <a:cxnLst>
-              <a:cxn ang="0">
-                <a:pos x="T0" y="T1"/>
-              </a:cxn>
-              <a:cxn ang="0">
-                <a:pos x="T2" y="T3"/>
-              </a:cxn>
-              <a:cxn ang="0">
-                <a:pos x="T4" y="T5"/>
-              </a:cxn>
-              <a:cxn ang="0">
-                <a:pos x="T6" y="T7"/>
-              </a:cxn>
-              <a:cxn ang="0">
-                <a:pos x="T8" y="T9"/>
-              </a:cxn>
-              <a:cxn ang="0">
-                <a:pos x="T10" y="T11"/>
-              </a:cxn>
-              <a:cxn ang="0">
-                <a:pos x="T12" y="T13"/>
-              </a:cxn>
-              <a:cxn ang="0">
-                <a:pos x="T14" y="T15"/>
-              </a:cxn>
-              <a:cxn ang="0">
-                <a:pos x="T16" y="T17"/>
-              </a:cxn>
-              <a:cxn ang="0">
-                <a:pos x="T18" y="T19"/>
-              </a:cxn>
-              <a:cxn ang="0">
-                <a:pos x="T20" y="T21"/>
-              </a:cxn>
-              <a:cxn ang="0">
-                <a:pos x="T22" y="T23"/>
-              </a:cxn>
-              <a:cxn ang="0">
-                <a:pos x="T24" y="T25"/>
-              </a:cxn>
-              <a:cxn ang="0">
-                <a:pos x="T26" y="T27"/>
-              </a:cxn>
-              <a:cxn ang="0">
-                <a:pos x="T28" y="T29"/>
-              </a:cxn>
-              <a:cxn ang="0">
-                <a:pos x="T30" y="T31"/>
-              </a:cxn>
-              <a:cxn ang="0">
-                <a:pos x="T32" y="T33"/>
-              </a:cxn>
-              <a:cxn ang="0">
-                <a:pos x="T34" y="T35"/>
-              </a:cxn>
-              <a:cxn ang="0">
-                <a:pos x="T36" y="T37"/>
-              </a:cxn>
-              <a:cxn ang="0">
-                <a:pos x="T38" y="T39"/>
-              </a:cxn>
-              <a:cxn ang="0">
-                <a:pos x="T40" y="T41"/>
-              </a:cxn>
-            </a:cxnLst>
-            <a:rect l="0" t="0" r="r" b="b"/>
-            <a:pathLst>
-              <a:path w="216" h="208">
-                <a:moveTo>
-                  <a:pt x="184" y="0"/>
-                </a:moveTo>
-                <a:cubicBezTo>
-                  <a:pt x="167" y="0"/>
-                  <a:pt x="152" y="14"/>
-                  <a:pt x="152" y="32"/>
-                </a:cubicBezTo>
-                <a:cubicBezTo>
-                  <a:pt x="152" y="35"/>
-                  <a:pt x="153" y="38"/>
-                  <a:pt x="154" y="41"/>
-                </a:cubicBezTo>
-                <a:cubicBezTo>
-                  <a:pt x="60" y="80"/>
-                  <a:pt x="60" y="80"/>
-                  <a:pt x="60" y="80"/>
-                </a:cubicBezTo>
-                <a:cubicBezTo>
-                  <a:pt x="55" y="70"/>
-                  <a:pt x="44" y="64"/>
-                  <a:pt x="32" y="64"/>
-                </a:cubicBezTo>
-                <a:cubicBezTo>
-                  <a:pt x="15" y="64"/>
-                  <a:pt x="0" y="78"/>
-                  <a:pt x="0" y="96"/>
-                </a:cubicBezTo>
-                <a:cubicBezTo>
-                  <a:pt x="0" y="113"/>
-                  <a:pt x="15" y="128"/>
-                  <a:pt x="32" y="128"/>
-                </a:cubicBezTo>
-                <a:cubicBezTo>
-                  <a:pt x="42" y="128"/>
-                  <a:pt x="50" y="124"/>
-                  <a:pt x="56" y="118"/>
-                </a:cubicBezTo>
-                <a:cubicBezTo>
-                  <a:pt x="116" y="161"/>
-                  <a:pt x="116" y="161"/>
-                  <a:pt x="116" y="161"/>
-                </a:cubicBezTo>
-                <a:cubicBezTo>
-                  <a:pt x="114" y="165"/>
-                  <a:pt x="112" y="170"/>
-                  <a:pt x="112" y="176"/>
-                </a:cubicBezTo>
-                <a:cubicBezTo>
-                  <a:pt x="112" y="193"/>
-                  <a:pt x="127" y="208"/>
-                  <a:pt x="144" y="208"/>
-                </a:cubicBezTo>
-                <a:cubicBezTo>
-                  <a:pt x="162" y="208"/>
-                  <a:pt x="176" y="193"/>
-                  <a:pt x="176" y="176"/>
-                </a:cubicBezTo>
-                <a:cubicBezTo>
-                  <a:pt x="176" y="158"/>
-                  <a:pt x="162" y="144"/>
-                  <a:pt x="144" y="144"/>
-                </a:cubicBezTo>
-                <a:cubicBezTo>
-                  <a:pt x="135" y="144"/>
-                  <a:pt x="127" y="148"/>
-                  <a:pt x="121" y="154"/>
-                </a:cubicBezTo>
-                <a:cubicBezTo>
-                  <a:pt x="61" y="111"/>
-                  <a:pt x="61" y="111"/>
-                  <a:pt x="61" y="111"/>
-                </a:cubicBezTo>
-                <a:cubicBezTo>
-                  <a:pt x="63" y="107"/>
-                  <a:pt x="64" y="101"/>
-                  <a:pt x="64" y="96"/>
-                </a:cubicBezTo>
-                <a:cubicBezTo>
-                  <a:pt x="64" y="93"/>
-                  <a:pt x="64" y="90"/>
-                  <a:pt x="63" y="87"/>
-                </a:cubicBezTo>
-                <a:cubicBezTo>
-                  <a:pt x="157" y="48"/>
-                  <a:pt x="157" y="48"/>
-                  <a:pt x="157" y="48"/>
-                </a:cubicBezTo>
-                <a:cubicBezTo>
-                  <a:pt x="162" y="57"/>
-                  <a:pt x="173" y="64"/>
-                  <a:pt x="184" y="64"/>
-                </a:cubicBezTo>
-                <a:cubicBezTo>
-                  <a:pt x="202" y="64"/>
-                  <a:pt x="216" y="49"/>
-                  <a:pt x="216" y="32"/>
-                </a:cubicBezTo>
-                <a:cubicBezTo>
-                  <a:pt x="216" y="14"/>
-                  <a:pt x="202" y="0"/>
-                  <a:pt x="184" y="0"/>
-                </a:cubicBezTo>
-                <a:close/>
-              </a:path>
-            </a:pathLst>
-          </a:custGeom>
-          <a:solidFill>
-            <a:schemeClr val="bg1"/>
-          </a:solidFill>
-          <a:ln>
-            <a:noFill/>
-          </a:ln>
-        </p:spPr>
-        <p:txBody>
-          <a:bodyPr vert="horz" wrap="square" lIns="91440" tIns="45720" rIns="91440" bIns="45720" numCol="1" anchor="t" anchorCtr="0" compatLnSpc="1"/>
-          <a:lstStyle/>
-          <a:p>
-            <a:endParaRPr lang="zh-CN" altLang="en-US">
-              <a:solidFill>
-                <a:srgbClr val="AD1C21"/>
-              </a:solidFill>
-            </a:endParaRPr>
-          </a:p>
-        </p:txBody>
-      </p:sp>
-      <p:sp>
-        <p:nvSpPr>
-          <p:cNvPr id="2" name="矩形 1"/>
-          <p:cNvSpPr/>
-          <p:nvPr/>
-        </p:nvSpPr>
+        </p:nvCxnSpPr>
         <p:spPr>
           <a:xfrm>
-            <a:off x="997061" y="117467"/>
-            <a:ext cx="1726755" cy="662554"/>
-          </a:xfrm>
-          <a:prstGeom prst="rect">
+            <a:off x="4707660" y="-5213350"/>
+            <a:ext cx="0" cy="2910114"/>
+          </a:xfrm>
+          <a:prstGeom prst="straightConnector1">
             <a:avLst/>
           </a:prstGeom>
-        </p:spPr>
-        <p:txBody>
-          <a:bodyPr wrap="none">
-            <a:spAutoFit/>
-          </a:bodyPr>
-          <a:lstStyle/>
-          <a:p>
-            <a:pPr>
-              <a:lnSpc>
-                <a:spcPct val="150000"/>
-              </a:lnSpc>
-            </a:pPr>
-            <a:r>
-              <a:rPr lang="en-US" altLang="zh-CN" sz="2800" dirty="0">
-                <a:solidFill>
-                  <a:srgbClr val="157E9F"/>
-                </a:solidFill>
-                <a:latin typeface="方正清刻本悦宋简体" panose="02000000000000000000" pitchFamily="2" charset="-122"/>
-                <a:ea typeface="方正清刻本悦宋简体" panose="02000000000000000000" pitchFamily="2" charset="-122"/>
-              </a:rPr>
-              <a:t> </a:t>
-            </a:r>
-            <a:r>
-              <a:rPr lang="zh-CN" altLang="en-US" sz="2800" dirty="0">
-                <a:solidFill>
-                  <a:srgbClr val="157E9F"/>
-                </a:solidFill>
-                <a:latin typeface="方正清刻本悦宋简体" panose="02000000000000000000" pitchFamily="2" charset="-122"/>
-                <a:ea typeface="方正清刻本悦宋简体" panose="02000000000000000000" pitchFamily="2" charset="-122"/>
-              </a:rPr>
-              <a:t>研究内容</a:t>
-            </a:r>
-            <a:endParaRPr lang="en-US" altLang="zh-CN" sz="2800" dirty="0">
-              <a:solidFill>
-                <a:srgbClr val="157E9F"/>
-              </a:solidFill>
-              <a:latin typeface="方正清刻本悦宋简体" panose="02000000000000000000" pitchFamily="2" charset="-122"/>
-              <a:ea typeface="方正清刻本悦宋简体" panose="02000000000000000000" pitchFamily="2" charset="-122"/>
-            </a:endParaRPr>
-          </a:p>
-        </p:txBody>
-      </p:sp>
-      <p:sp>
-        <p:nvSpPr>
-          <p:cNvPr id="3" name="矩形: 圆角 2">
+          <a:ln w="38100">
+            <a:solidFill>
+              <a:schemeClr val="accent6">
+                <a:lumMod val="75000"/>
+              </a:schemeClr>
+            </a:solidFill>
+            <a:prstDash val="dash"/>
+            <a:tailEnd type="triangle" w="lg" len="med"/>
+          </a:ln>
+        </p:spPr>
+        <p:style>
+          <a:lnRef idx="1">
+            <a:schemeClr val="accent1"/>
+          </a:lnRef>
+          <a:fillRef idx="0">
+            <a:schemeClr val="accent1"/>
+          </a:fillRef>
+          <a:effectRef idx="0">
+            <a:schemeClr val="accent1"/>
+          </a:effectRef>
+          <a:fontRef idx="minor">
+            <a:schemeClr val="tx1"/>
+          </a:fontRef>
+        </p:style>
+      </p:cxnSp>
+      <p:cxnSp>
+        <p:nvCxnSpPr>
+          <p:cNvPr id="44" name="直接箭头连接符 43">
             <a:extLst>
               <a:ext uri="{FF2B5EF4-FFF2-40B4-BE49-F238E27FC236}">
-                <a16:creationId xmlns:a16="http://schemas.microsoft.com/office/drawing/2014/main" id="{2A6ED901-C38F-44F8-AABE-13DB11DBB974}"/>
+                <a16:creationId xmlns:a16="http://schemas.microsoft.com/office/drawing/2014/main" id="{6B9E8DC9-0441-44CE-87E3-70B10F6E69AA}"/>
+              </a:ext>
+            </a:extLst>
+          </p:cNvPr>
+          <p:cNvCxnSpPr>
+            <a:cxnSpLocks/>
+            <a:endCxn id="6" idx="0"/>
+          </p:cNvCxnSpPr>
+          <p:nvPr/>
+        </p:nvCxnSpPr>
+        <p:spPr>
+          <a:xfrm>
+            <a:off x="6400800" y="-8587921"/>
+            <a:ext cx="0" cy="301170"/>
+          </a:xfrm>
+          <a:prstGeom prst="straightConnector1">
+            <a:avLst/>
+          </a:prstGeom>
+          <a:ln w="38100">
+            <a:solidFill>
+              <a:srgbClr val="F99C7C"/>
+            </a:solidFill>
+            <a:prstDash val="sysDash"/>
+            <a:tailEnd type="triangle" w="lg" len="med"/>
+          </a:ln>
+        </p:spPr>
+        <p:style>
+          <a:lnRef idx="1">
+            <a:schemeClr val="accent1"/>
+          </a:lnRef>
+          <a:fillRef idx="0">
+            <a:schemeClr val="accent1"/>
+          </a:fillRef>
+          <a:effectRef idx="0">
+            <a:schemeClr val="accent1"/>
+          </a:effectRef>
+          <a:fontRef idx="minor">
+            <a:schemeClr val="tx1"/>
+          </a:fontRef>
+        </p:style>
+      </p:cxnSp>
+      <p:cxnSp>
+        <p:nvCxnSpPr>
+          <p:cNvPr id="50" name="直接箭头连接符 49">
+            <a:extLst>
+              <a:ext uri="{FF2B5EF4-FFF2-40B4-BE49-F238E27FC236}">
+                <a16:creationId xmlns:a16="http://schemas.microsoft.com/office/drawing/2014/main" id="{C6CC5530-D1AC-4299-9D8F-7A7E30007CF9}"/>
+              </a:ext>
+            </a:extLst>
+          </p:cNvPr>
+          <p:cNvCxnSpPr>
+            <a:cxnSpLocks/>
+            <a:endCxn id="69" idx="0"/>
+          </p:cNvCxnSpPr>
+          <p:nvPr/>
+        </p:nvCxnSpPr>
+        <p:spPr>
+          <a:xfrm>
+            <a:off x="6994525" y="-5219700"/>
+            <a:ext cx="0" cy="501649"/>
+          </a:xfrm>
+          <a:prstGeom prst="straightConnector1">
+            <a:avLst/>
+          </a:prstGeom>
+          <a:ln w="38100">
+            <a:solidFill>
+              <a:srgbClr val="7030A0"/>
+            </a:solidFill>
+            <a:prstDash val="sysDash"/>
+            <a:tailEnd type="triangle" w="lg" len="med"/>
+          </a:ln>
+        </p:spPr>
+        <p:style>
+          <a:lnRef idx="1">
+            <a:schemeClr val="accent1"/>
+          </a:lnRef>
+          <a:fillRef idx="0">
+            <a:schemeClr val="accent1"/>
+          </a:fillRef>
+          <a:effectRef idx="0">
+            <a:schemeClr val="accent1"/>
+          </a:effectRef>
+          <a:fontRef idx="minor">
+            <a:schemeClr val="tx1"/>
+          </a:fontRef>
+        </p:style>
+      </p:cxnSp>
+      <p:sp>
+        <p:nvSpPr>
+          <p:cNvPr id="55" name="矩形: 圆角 54">
+            <a:extLst>
+              <a:ext uri="{FF2B5EF4-FFF2-40B4-BE49-F238E27FC236}">
+                <a16:creationId xmlns:a16="http://schemas.microsoft.com/office/drawing/2014/main" id="{7046E914-30E3-4AA6-8CF1-F893DF62AA49}"/>
               </a:ext>
             </a:extLst>
           </p:cNvPr>
@@ -15999,12 +16275,20 @@
         </p:nvSpPr>
         <p:spPr>
           <a:xfrm>
-            <a:off x="1545345" y="1489198"/>
-            <a:ext cx="1393794" cy="426128"/>
+            <a:off x="5355360" y="-4654534"/>
+            <a:ext cx="3166340" cy="728790"/>
           </a:xfrm>
           <a:prstGeom prst="roundRect">
             <a:avLst/>
           </a:prstGeom>
+          <a:solidFill>
+            <a:schemeClr val="accent1"/>
+          </a:solidFill>
+          <a:ln w="19050">
+            <a:solidFill>
+              <a:schemeClr val="tx1"/>
+            </a:solidFill>
+          </a:ln>
         </p:spPr>
         <p:style>
           <a:lnRef idx="2">
@@ -16026,18 +16310,22 @@
           <a:p>
             <a:pPr algn="ctr"/>
             <a:r>
-              <a:rPr lang="zh-CN" altLang="en-US" dirty="0"/>
-              <a:t>研究对象</a:t>
-            </a:r>
-          </a:p>
-        </p:txBody>
-      </p:sp>
-      <p:sp>
-        <p:nvSpPr>
-          <p:cNvPr id="10" name="矩形: 圆角 9">
+              <a:rPr lang="zh-CN" altLang="en-US" b="1" dirty="0">
+                <a:solidFill>
+                  <a:schemeClr val="bg1"/>
+                </a:solidFill>
+              </a:rPr>
+              <a:t>采动效应下油性气涌出静态影响因素研究</a:t>
+            </a:r>
+          </a:p>
+        </p:txBody>
+      </p:sp>
+      <p:sp>
+        <p:nvSpPr>
+          <p:cNvPr id="57" name="矩形: 圆角 56">
             <a:extLst>
               <a:ext uri="{FF2B5EF4-FFF2-40B4-BE49-F238E27FC236}">
-                <a16:creationId xmlns:a16="http://schemas.microsoft.com/office/drawing/2014/main" id="{D38F29F0-DED5-40B7-97E2-7A3A43845970}"/>
+                <a16:creationId xmlns:a16="http://schemas.microsoft.com/office/drawing/2014/main" id="{07E4EEF6-650F-494D-87F7-FDBCCCA6DFE9}"/>
               </a:ext>
             </a:extLst>
           </p:cNvPr>
@@ -16046,12 +16334,25 @@
         </p:nvSpPr>
         <p:spPr>
           <a:xfrm>
-            <a:off x="1540767" y="3056565"/>
-            <a:ext cx="1393794" cy="426128"/>
+            <a:off x="4203700" y="-6224138"/>
+            <a:ext cx="4330700" cy="807588"/>
           </a:xfrm>
           <a:prstGeom prst="roundRect">
             <a:avLst/>
           </a:prstGeom>
+          <a:solidFill>
+            <a:schemeClr val="accent4">
+              <a:lumMod val="60000"/>
+              <a:lumOff val="40000"/>
+            </a:schemeClr>
+          </a:solidFill>
+          <a:ln w="19050">
+            <a:solidFill>
+              <a:schemeClr val="bg1">
+                <a:lumMod val="65000"/>
+              </a:schemeClr>
+            </a:solidFill>
+          </a:ln>
         </p:spPr>
         <p:style>
           <a:lnRef idx="2">
@@ -16074,17 +16375,17 @@
             <a:pPr algn="ctr"/>
             <a:r>
               <a:rPr lang="zh-CN" altLang="en-US" dirty="0"/>
-              <a:t>研究内容</a:t>
-            </a:r>
-          </a:p>
-        </p:txBody>
-      </p:sp>
-      <p:sp>
-        <p:nvSpPr>
-          <p:cNvPr id="11" name="矩形: 圆角 10">
+              <a:t>受压情况下电阻率响应特征、渗透率变化规律以及底板岩体分布情况</a:t>
+            </a:r>
+          </a:p>
+        </p:txBody>
+      </p:sp>
+      <p:sp>
+        <p:nvSpPr>
+          <p:cNvPr id="59" name="箭头: 右 58">
             <a:extLst>
               <a:ext uri="{FF2B5EF4-FFF2-40B4-BE49-F238E27FC236}">
-                <a16:creationId xmlns:a16="http://schemas.microsoft.com/office/drawing/2014/main" id="{5126610B-CA3A-4CD8-BA27-0AC49A5246FB}"/>
+                <a16:creationId xmlns:a16="http://schemas.microsoft.com/office/drawing/2014/main" id="{28FF392D-B3AF-44F1-8B7D-20852860B403}"/>
               </a:ext>
             </a:extLst>
           </p:cNvPr>
@@ -16092,829 +16393,16 @@
           <p:nvPr/>
         </p:nvSpPr>
         <p:spPr>
-          <a:xfrm>
-            <a:off x="1540767" y="4462128"/>
-            <a:ext cx="1393794" cy="426128"/>
-          </a:xfrm>
-          <a:prstGeom prst="roundRect">
-            <a:avLst/>
-          </a:prstGeom>
-        </p:spPr>
-        <p:style>
-          <a:lnRef idx="2">
-            <a:schemeClr val="accent3"/>
-          </a:lnRef>
-          <a:fillRef idx="1">
-            <a:schemeClr val="lt1"/>
-          </a:fillRef>
-          <a:effectRef idx="0">
-            <a:schemeClr val="accent3"/>
-          </a:effectRef>
-          <a:fontRef idx="minor">
-            <a:schemeClr val="dk1"/>
-          </a:fontRef>
-        </p:style>
-        <p:txBody>
-          <a:bodyPr rtlCol="0" anchor="ctr"/>
-          <a:lstStyle/>
-          <a:p>
-            <a:pPr algn="ctr"/>
-            <a:r>
-              <a:rPr lang="zh-CN" altLang="en-US" dirty="0"/>
-              <a:t>研究方法</a:t>
-            </a:r>
-          </a:p>
-        </p:txBody>
-      </p:sp>
-      <p:sp>
-        <p:nvSpPr>
-          <p:cNvPr id="12" name="矩形: 圆角 11">
-            <a:extLst>
-              <a:ext uri="{FF2B5EF4-FFF2-40B4-BE49-F238E27FC236}">
-                <a16:creationId xmlns:a16="http://schemas.microsoft.com/office/drawing/2014/main" id="{0F80F090-1695-408F-B5A1-5B3C557614DB}"/>
-              </a:ext>
-            </a:extLst>
-          </p:cNvPr>
-          <p:cNvSpPr/>
-          <p:nvPr/>
-        </p:nvSpPr>
-        <p:spPr>
-          <a:xfrm>
-            <a:off x="5610089" y="1452251"/>
-            <a:ext cx="4055579" cy="532661"/>
-          </a:xfrm>
-          <a:prstGeom prst="roundRect">
-            <a:avLst/>
-          </a:prstGeom>
-        </p:spPr>
-        <p:style>
-          <a:lnRef idx="2">
-            <a:schemeClr val="accent3"/>
-          </a:lnRef>
-          <a:fillRef idx="1">
-            <a:schemeClr val="lt1"/>
-          </a:fillRef>
-          <a:effectRef idx="0">
-            <a:schemeClr val="accent3"/>
-          </a:effectRef>
-          <a:fontRef idx="minor">
-            <a:schemeClr val="dk1"/>
-          </a:fontRef>
-        </p:style>
-        <p:txBody>
-          <a:bodyPr rtlCol="0" anchor="ctr"/>
-          <a:lstStyle/>
-          <a:p>
-            <a:pPr algn="ctr"/>
-            <a:r>
-              <a:rPr lang="zh-CN" altLang="en-US" sz="2200" dirty="0"/>
-              <a:t>油型气涌出危险</a:t>
-            </a:r>
-          </a:p>
-        </p:txBody>
-      </p:sp>
-      <p:sp>
-        <p:nvSpPr>
-          <p:cNvPr id="13" name="矩形: 圆角 12">
-            <a:extLst>
-              <a:ext uri="{FF2B5EF4-FFF2-40B4-BE49-F238E27FC236}">
-                <a16:creationId xmlns:a16="http://schemas.microsoft.com/office/drawing/2014/main" id="{C50E1D1C-D73E-4897-BEA8-0E3C9CA39D4B}"/>
-              </a:ext>
-            </a:extLst>
-          </p:cNvPr>
-          <p:cNvSpPr/>
-          <p:nvPr/>
-        </p:nvSpPr>
-        <p:spPr>
-          <a:xfrm>
-            <a:off x="1540767" y="5816434"/>
-            <a:ext cx="1393794" cy="426128"/>
-          </a:xfrm>
-          <a:prstGeom prst="roundRect">
-            <a:avLst/>
-          </a:prstGeom>
-        </p:spPr>
-        <p:style>
-          <a:lnRef idx="2">
-            <a:schemeClr val="accent3"/>
-          </a:lnRef>
-          <a:fillRef idx="1">
-            <a:schemeClr val="lt1"/>
-          </a:fillRef>
-          <a:effectRef idx="0">
-            <a:schemeClr val="accent3"/>
-          </a:effectRef>
-          <a:fontRef idx="minor">
-            <a:schemeClr val="dk1"/>
-          </a:fontRef>
-        </p:style>
-        <p:txBody>
-          <a:bodyPr rtlCol="0" anchor="ctr"/>
-          <a:lstStyle/>
-          <a:p>
-            <a:pPr algn="ctr"/>
-            <a:r>
-              <a:rPr lang="zh-CN" altLang="en-US" dirty="0"/>
-              <a:t>研究目标</a:t>
-            </a:r>
-          </a:p>
-        </p:txBody>
-      </p:sp>
-      <p:sp>
-        <p:nvSpPr>
-          <p:cNvPr id="5" name="箭头: 右 4">
-            <a:extLst>
-              <a:ext uri="{FF2B5EF4-FFF2-40B4-BE49-F238E27FC236}">
-                <a16:creationId xmlns:a16="http://schemas.microsoft.com/office/drawing/2014/main" id="{1A9AFA3B-7936-440E-882D-0A1F506817BC}"/>
-              </a:ext>
-            </a:extLst>
-          </p:cNvPr>
-          <p:cNvSpPr/>
-          <p:nvPr/>
-        </p:nvSpPr>
-        <p:spPr>
-          <a:xfrm>
-            <a:off x="3436289" y="1489195"/>
-            <a:ext cx="752339" cy="426128"/>
+          <a:xfrm rot="5400000">
+            <a:off x="7798178" y="-6542954"/>
+            <a:ext cx="263928" cy="350583"/>
           </a:xfrm>
           <a:prstGeom prst="rightArrow">
             <a:avLst/>
           </a:prstGeom>
-        </p:spPr>
-        <p:style>
-          <a:lnRef idx="2">
-            <a:schemeClr val="dk1"/>
-          </a:lnRef>
-          <a:fillRef idx="1">
-            <a:schemeClr val="lt1"/>
-          </a:fillRef>
-          <a:effectRef idx="0">
-            <a:schemeClr val="dk1"/>
-          </a:effectRef>
-          <a:fontRef idx="minor">
-            <a:schemeClr val="dk1"/>
-          </a:fontRef>
-        </p:style>
-        <p:txBody>
-          <a:bodyPr rtlCol="0" anchor="ctr"/>
-          <a:lstStyle/>
-          <a:p>
-            <a:pPr algn="ctr"/>
-            <a:endParaRPr lang="zh-CN" altLang="en-US"/>
-          </a:p>
-        </p:txBody>
-      </p:sp>
-      <p:sp>
-        <p:nvSpPr>
-          <p:cNvPr id="18" name="矩形: 圆角 17">
-            <a:extLst>
-              <a:ext uri="{FF2B5EF4-FFF2-40B4-BE49-F238E27FC236}">
-                <a16:creationId xmlns:a16="http://schemas.microsoft.com/office/drawing/2014/main" id="{0E6813BB-B45C-400C-B7B0-9BDAC23E16E7}"/>
-              </a:ext>
-            </a:extLst>
-          </p:cNvPr>
-          <p:cNvSpPr/>
-          <p:nvPr/>
-        </p:nvSpPr>
-        <p:spPr>
-          <a:xfrm>
-            <a:off x="5164052" y="2690807"/>
-            <a:ext cx="916107" cy="1305764"/>
-          </a:xfrm>
-          <a:prstGeom prst="roundRect">
-            <a:avLst/>
-          </a:prstGeom>
-        </p:spPr>
-        <p:style>
-          <a:lnRef idx="2">
-            <a:schemeClr val="accent3"/>
-          </a:lnRef>
-          <a:fillRef idx="1">
-            <a:schemeClr val="lt1"/>
-          </a:fillRef>
-          <a:effectRef idx="0">
-            <a:schemeClr val="accent3"/>
-          </a:effectRef>
-          <a:fontRef idx="minor">
-            <a:schemeClr val="dk1"/>
-          </a:fontRef>
-        </p:style>
-        <p:txBody>
-          <a:bodyPr rtlCol="0" anchor="ctr"/>
-          <a:lstStyle/>
-          <a:p>
-            <a:pPr algn="ctr"/>
-            <a:r>
-              <a:rPr lang="zh-CN" altLang="en-US" sz="1400" dirty="0"/>
-              <a:t>油型气运移及涌出规律研究</a:t>
-            </a:r>
-          </a:p>
-        </p:txBody>
-      </p:sp>
-      <p:sp>
-        <p:nvSpPr>
-          <p:cNvPr id="19" name="矩形: 圆角 18">
-            <a:extLst>
-              <a:ext uri="{FF2B5EF4-FFF2-40B4-BE49-F238E27FC236}">
-                <a16:creationId xmlns:a16="http://schemas.microsoft.com/office/drawing/2014/main" id="{5FD39F40-3C4B-453F-AE95-08D28866B8AF}"/>
-              </a:ext>
-            </a:extLst>
-          </p:cNvPr>
-          <p:cNvSpPr/>
-          <p:nvPr/>
-        </p:nvSpPr>
-        <p:spPr>
-          <a:xfrm>
-            <a:off x="6261046" y="2690807"/>
-            <a:ext cx="814485" cy="1305764"/>
-          </a:xfrm>
-          <a:prstGeom prst="roundRect">
-            <a:avLst/>
-          </a:prstGeom>
-        </p:spPr>
-        <p:style>
-          <a:lnRef idx="2">
-            <a:schemeClr val="accent3"/>
-          </a:lnRef>
-          <a:fillRef idx="1">
-            <a:schemeClr val="lt1"/>
-          </a:fillRef>
-          <a:effectRef idx="0">
-            <a:schemeClr val="accent3"/>
-          </a:effectRef>
-          <a:fontRef idx="minor">
-            <a:schemeClr val="dk1"/>
-          </a:fontRef>
-        </p:style>
-        <p:txBody>
-          <a:bodyPr rtlCol="0" anchor="ctr"/>
-          <a:lstStyle/>
-          <a:p>
-            <a:pPr algn="ctr"/>
-            <a:r>
-              <a:rPr lang="zh-CN" altLang="en-US" sz="1400" dirty="0"/>
-              <a:t>岩体地质参数的电法响应机理</a:t>
-            </a:r>
-          </a:p>
-        </p:txBody>
-      </p:sp>
-      <p:sp>
-        <p:nvSpPr>
-          <p:cNvPr id="20" name="箭头: 右 19">
-            <a:extLst>
-              <a:ext uri="{FF2B5EF4-FFF2-40B4-BE49-F238E27FC236}">
-                <a16:creationId xmlns:a16="http://schemas.microsoft.com/office/drawing/2014/main" id="{9D8793C7-CBBE-4AAB-A1B6-E01A8782F38A}"/>
-              </a:ext>
-            </a:extLst>
-          </p:cNvPr>
-          <p:cNvSpPr/>
-          <p:nvPr/>
-        </p:nvSpPr>
-        <p:spPr>
-          <a:xfrm>
-            <a:off x="3431710" y="3056565"/>
-            <a:ext cx="752339" cy="426128"/>
-          </a:xfrm>
-          <a:prstGeom prst="rightArrow">
-            <a:avLst/>
-          </a:prstGeom>
-        </p:spPr>
-        <p:style>
-          <a:lnRef idx="2">
-            <a:schemeClr val="dk1"/>
-          </a:lnRef>
-          <a:fillRef idx="1">
-            <a:schemeClr val="lt1"/>
-          </a:fillRef>
-          <a:effectRef idx="0">
-            <a:schemeClr val="dk1"/>
-          </a:effectRef>
-          <a:fontRef idx="minor">
-            <a:schemeClr val="dk1"/>
-          </a:fontRef>
-        </p:style>
-        <p:txBody>
-          <a:bodyPr rtlCol="0" anchor="ctr"/>
-          <a:lstStyle/>
-          <a:p>
-            <a:pPr algn="ctr"/>
-            <a:endParaRPr lang="zh-CN" altLang="en-US"/>
-          </a:p>
-        </p:txBody>
-      </p:sp>
-      <p:sp>
-        <p:nvSpPr>
-          <p:cNvPr id="21" name="箭头: 右 20">
-            <a:extLst>
-              <a:ext uri="{FF2B5EF4-FFF2-40B4-BE49-F238E27FC236}">
-                <a16:creationId xmlns:a16="http://schemas.microsoft.com/office/drawing/2014/main" id="{9DCA7403-FABA-4012-B68F-89B516296F77}"/>
-              </a:ext>
-            </a:extLst>
-          </p:cNvPr>
-          <p:cNvSpPr/>
-          <p:nvPr/>
-        </p:nvSpPr>
-        <p:spPr>
-          <a:xfrm>
-            <a:off x="3431709" y="4462128"/>
-            <a:ext cx="752339" cy="426128"/>
-          </a:xfrm>
-          <a:prstGeom prst="rightArrow">
-            <a:avLst/>
-          </a:prstGeom>
-        </p:spPr>
-        <p:style>
-          <a:lnRef idx="2">
-            <a:schemeClr val="dk1"/>
-          </a:lnRef>
-          <a:fillRef idx="1">
-            <a:schemeClr val="lt1"/>
-          </a:fillRef>
-          <a:effectRef idx="0">
-            <a:schemeClr val="dk1"/>
-          </a:effectRef>
-          <a:fontRef idx="minor">
-            <a:schemeClr val="dk1"/>
-          </a:fontRef>
-        </p:style>
-        <p:txBody>
-          <a:bodyPr rtlCol="0" anchor="ctr"/>
-          <a:lstStyle/>
-          <a:p>
-            <a:pPr algn="ctr"/>
-            <a:endParaRPr lang="zh-CN" altLang="en-US"/>
-          </a:p>
-        </p:txBody>
-      </p:sp>
-      <p:sp>
-        <p:nvSpPr>
-          <p:cNvPr id="22" name="箭头: 右 21">
-            <a:extLst>
-              <a:ext uri="{FF2B5EF4-FFF2-40B4-BE49-F238E27FC236}">
-                <a16:creationId xmlns:a16="http://schemas.microsoft.com/office/drawing/2014/main" id="{CDB763A3-3F69-4644-9FF7-14ABA7783749}"/>
-              </a:ext>
-            </a:extLst>
-          </p:cNvPr>
-          <p:cNvSpPr/>
-          <p:nvPr/>
-        </p:nvSpPr>
-        <p:spPr>
-          <a:xfrm>
-            <a:off x="3433614" y="5816434"/>
-            <a:ext cx="752339" cy="426128"/>
-          </a:xfrm>
-          <a:prstGeom prst="rightArrow">
-            <a:avLst/>
-          </a:prstGeom>
-        </p:spPr>
-        <p:style>
-          <a:lnRef idx="2">
-            <a:schemeClr val="dk1"/>
-          </a:lnRef>
-          <a:fillRef idx="1">
-            <a:schemeClr val="lt1"/>
-          </a:fillRef>
-          <a:effectRef idx="0">
-            <a:schemeClr val="dk1"/>
-          </a:effectRef>
-          <a:fontRef idx="minor">
-            <a:schemeClr val="dk1"/>
-          </a:fontRef>
-        </p:style>
-        <p:txBody>
-          <a:bodyPr rtlCol="0" anchor="ctr"/>
-          <a:lstStyle/>
-          <a:p>
-            <a:pPr algn="ctr"/>
-            <a:endParaRPr lang="zh-CN" altLang="en-US"/>
-          </a:p>
-        </p:txBody>
-      </p:sp>
-      <p:sp>
-        <p:nvSpPr>
-          <p:cNvPr id="23" name="矩形: 圆角 22">
-            <a:extLst>
-              <a:ext uri="{FF2B5EF4-FFF2-40B4-BE49-F238E27FC236}">
-                <a16:creationId xmlns:a16="http://schemas.microsoft.com/office/drawing/2014/main" id="{8FEC1C8B-3943-46D0-B322-47A23AE5DF98}"/>
-              </a:ext>
-            </a:extLst>
-          </p:cNvPr>
-          <p:cNvSpPr/>
-          <p:nvPr/>
-        </p:nvSpPr>
-        <p:spPr>
-          <a:xfrm>
-            <a:off x="8863255" y="2690807"/>
-            <a:ext cx="802413" cy="1305764"/>
-          </a:xfrm>
-          <a:prstGeom prst="roundRect">
-            <a:avLst/>
-          </a:prstGeom>
-        </p:spPr>
-        <p:style>
-          <a:lnRef idx="2">
-            <a:schemeClr val="accent3"/>
-          </a:lnRef>
-          <a:fillRef idx="1">
-            <a:schemeClr val="lt1"/>
-          </a:fillRef>
-          <a:effectRef idx="0">
-            <a:schemeClr val="accent3"/>
-          </a:effectRef>
-          <a:fontRef idx="minor">
-            <a:schemeClr val="dk1"/>
-          </a:fontRef>
-        </p:style>
-        <p:txBody>
-          <a:bodyPr rtlCol="0" anchor="ctr"/>
-          <a:lstStyle/>
-          <a:p>
-            <a:pPr algn="ctr"/>
-            <a:r>
-              <a:rPr lang="zh-CN" altLang="en-US" sz="1400" dirty="0"/>
-              <a:t>油型气涌出的评价技术及方法</a:t>
-            </a:r>
-          </a:p>
-        </p:txBody>
-      </p:sp>
-      <p:sp>
-        <p:nvSpPr>
-          <p:cNvPr id="24" name="矩形: 圆角 23">
-            <a:extLst>
-              <a:ext uri="{FF2B5EF4-FFF2-40B4-BE49-F238E27FC236}">
-                <a16:creationId xmlns:a16="http://schemas.microsoft.com/office/drawing/2014/main" id="{CD5B3928-041C-431D-AD9C-F46D485CB503}"/>
-              </a:ext>
-            </a:extLst>
-          </p:cNvPr>
-          <p:cNvSpPr/>
-          <p:nvPr/>
-        </p:nvSpPr>
-        <p:spPr>
-          <a:xfrm>
-            <a:off x="9773968" y="2690807"/>
-            <a:ext cx="846981" cy="1305764"/>
-          </a:xfrm>
-          <a:prstGeom prst="roundRect">
-            <a:avLst/>
-          </a:prstGeom>
-        </p:spPr>
-        <p:style>
-          <a:lnRef idx="2">
-            <a:schemeClr val="accent3"/>
-          </a:lnRef>
-          <a:fillRef idx="1">
-            <a:schemeClr val="lt1"/>
-          </a:fillRef>
-          <a:effectRef idx="0">
-            <a:schemeClr val="accent3"/>
-          </a:effectRef>
-          <a:fontRef idx="minor">
-            <a:schemeClr val="dk1"/>
-          </a:fontRef>
-        </p:style>
-        <p:txBody>
-          <a:bodyPr rtlCol="0" anchor="ctr"/>
-          <a:lstStyle/>
-          <a:p>
-            <a:pPr algn="ctr"/>
-            <a:r>
-              <a:rPr lang="zh-CN" altLang="en-US" sz="1400" dirty="0"/>
-              <a:t>油型气涌出危险性防治技术</a:t>
-            </a:r>
-          </a:p>
-        </p:txBody>
-      </p:sp>
-      <p:sp>
-        <p:nvSpPr>
-          <p:cNvPr id="25" name="矩形: 圆角 24">
-            <a:extLst>
-              <a:ext uri="{FF2B5EF4-FFF2-40B4-BE49-F238E27FC236}">
-                <a16:creationId xmlns:a16="http://schemas.microsoft.com/office/drawing/2014/main" id="{39FEE1EF-4DD1-4783-88A3-1383D56D6475}"/>
-              </a:ext>
-            </a:extLst>
-          </p:cNvPr>
-          <p:cNvSpPr/>
-          <p:nvPr/>
-        </p:nvSpPr>
-        <p:spPr>
-          <a:xfrm>
-            <a:off x="7285389" y="2677687"/>
-            <a:ext cx="814485" cy="1305764"/>
-          </a:xfrm>
-          <a:prstGeom prst="roundRect">
-            <a:avLst/>
-          </a:prstGeom>
-        </p:spPr>
-        <p:style>
-          <a:lnRef idx="2">
-            <a:schemeClr val="accent3"/>
-          </a:lnRef>
-          <a:fillRef idx="1">
-            <a:schemeClr val="lt1"/>
-          </a:fillRef>
-          <a:effectRef idx="0">
-            <a:schemeClr val="accent3"/>
-          </a:effectRef>
-          <a:fontRef idx="minor">
-            <a:schemeClr val="dk1"/>
-          </a:fontRef>
-        </p:style>
-        <p:txBody>
-          <a:bodyPr rtlCol="0" anchor="ctr"/>
-          <a:lstStyle/>
-          <a:p>
-            <a:pPr algn="ctr"/>
-            <a:r>
-              <a:rPr lang="zh-CN" altLang="en-US" sz="1400" dirty="0"/>
-              <a:t>地质构造异常的电法评判模型研究</a:t>
-            </a:r>
-          </a:p>
-        </p:txBody>
-      </p:sp>
-      <p:sp>
-        <p:nvSpPr>
-          <p:cNvPr id="27" name="矩形: 圆角 26">
-            <a:extLst>
-              <a:ext uri="{FF2B5EF4-FFF2-40B4-BE49-F238E27FC236}">
-                <a16:creationId xmlns:a16="http://schemas.microsoft.com/office/drawing/2014/main" id="{134E379D-54C5-42A4-9675-400361A45E99}"/>
-              </a:ext>
-            </a:extLst>
-          </p:cNvPr>
-          <p:cNvSpPr/>
-          <p:nvPr/>
-        </p:nvSpPr>
-        <p:spPr>
-          <a:xfrm>
-            <a:off x="5366921" y="4585854"/>
-            <a:ext cx="2602733" cy="484285"/>
-          </a:xfrm>
-          <a:prstGeom prst="roundRect">
-            <a:avLst/>
-          </a:prstGeom>
-        </p:spPr>
-        <p:style>
-          <a:lnRef idx="2">
-            <a:schemeClr val="accent3"/>
-          </a:lnRef>
-          <a:fillRef idx="1">
-            <a:schemeClr val="lt1"/>
-          </a:fillRef>
-          <a:effectRef idx="0">
-            <a:schemeClr val="accent3"/>
-          </a:effectRef>
-          <a:fontRef idx="minor">
-            <a:schemeClr val="dk1"/>
-          </a:fontRef>
-        </p:style>
-        <p:txBody>
-          <a:bodyPr rtlCol="0" anchor="ctr"/>
-          <a:lstStyle/>
-          <a:p>
-            <a:pPr algn="ctr"/>
-            <a:r>
-              <a:rPr lang="zh-CN" altLang="en-US" sz="1400" dirty="0"/>
-              <a:t>理论分析</a:t>
-            </a:r>
-            <a:r>
-              <a:rPr lang="en-US" altLang="zh-CN" sz="1400" dirty="0"/>
-              <a:t>+</a:t>
-            </a:r>
-            <a:r>
-              <a:rPr lang="zh-CN" altLang="en-US" sz="1400" dirty="0"/>
-              <a:t>模拟仿真</a:t>
-            </a:r>
-            <a:r>
-              <a:rPr lang="en-US" altLang="zh-CN" sz="1400" dirty="0"/>
-              <a:t>+</a:t>
-            </a:r>
-            <a:r>
-              <a:rPr lang="zh-CN" altLang="en-US" sz="1400" dirty="0"/>
-              <a:t>数学计算</a:t>
-            </a:r>
-          </a:p>
-        </p:txBody>
-      </p:sp>
-      <p:sp>
-        <p:nvSpPr>
-          <p:cNvPr id="30" name="矩形: 圆角 29">
-            <a:extLst>
-              <a:ext uri="{FF2B5EF4-FFF2-40B4-BE49-F238E27FC236}">
-                <a16:creationId xmlns:a16="http://schemas.microsoft.com/office/drawing/2014/main" id="{5EE624B9-04C0-474F-BF2E-5E6096E48B03}"/>
-              </a:ext>
-            </a:extLst>
-          </p:cNvPr>
-          <p:cNvSpPr/>
-          <p:nvPr/>
-        </p:nvSpPr>
-        <p:spPr>
-          <a:xfrm>
-            <a:off x="9112619" y="4585854"/>
-            <a:ext cx="972113" cy="484285"/>
-          </a:xfrm>
-          <a:prstGeom prst="roundRect">
-            <a:avLst/>
-          </a:prstGeom>
-        </p:spPr>
-        <p:style>
-          <a:lnRef idx="2">
-            <a:schemeClr val="accent3"/>
-          </a:lnRef>
-          <a:fillRef idx="1">
-            <a:schemeClr val="lt1"/>
-          </a:fillRef>
-          <a:effectRef idx="0">
-            <a:schemeClr val="accent3"/>
-          </a:effectRef>
-          <a:fontRef idx="minor">
-            <a:schemeClr val="dk1"/>
-          </a:fontRef>
-        </p:style>
-        <p:txBody>
-          <a:bodyPr rtlCol="0" anchor="ctr"/>
-          <a:lstStyle/>
-          <a:p>
-            <a:pPr algn="ctr"/>
-            <a:r>
-              <a:rPr lang="zh-CN" altLang="en-US" sz="1400" dirty="0"/>
-              <a:t>工程应用</a:t>
-            </a:r>
-          </a:p>
-        </p:txBody>
-      </p:sp>
-      <p:sp>
-        <p:nvSpPr>
-          <p:cNvPr id="8" name="矩形 7">
-            <a:extLst>
-              <a:ext uri="{FF2B5EF4-FFF2-40B4-BE49-F238E27FC236}">
-                <a16:creationId xmlns:a16="http://schemas.microsoft.com/office/drawing/2014/main" id="{DE5CC14F-17CA-45D3-9DB5-65EB8866358E}"/>
-              </a:ext>
-            </a:extLst>
-          </p:cNvPr>
-          <p:cNvSpPr/>
-          <p:nvPr/>
-        </p:nvSpPr>
-        <p:spPr>
-          <a:xfrm>
-            <a:off x="4691360" y="2593487"/>
-            <a:ext cx="3769079" cy="1474166"/>
-          </a:xfrm>
-          <a:prstGeom prst="rect">
-            <a:avLst/>
-          </a:prstGeom>
-          <a:noFill/>
-          <a:ln w="25400">
-            <a:solidFill>
-              <a:srgbClr val="FF0000"/>
-            </a:solidFill>
-            <a:prstDash val="dash"/>
-          </a:ln>
-        </p:spPr>
-        <p:style>
-          <a:lnRef idx="2">
-            <a:schemeClr val="accent1"/>
-          </a:lnRef>
-          <a:fillRef idx="1">
-            <a:schemeClr val="lt1"/>
-          </a:fillRef>
-          <a:effectRef idx="0">
-            <a:schemeClr val="accent1"/>
-          </a:effectRef>
-          <a:fontRef idx="minor">
-            <a:schemeClr val="dk1"/>
-          </a:fontRef>
-        </p:style>
-        <p:txBody>
-          <a:bodyPr rtlCol="0" anchor="ctr"/>
-          <a:lstStyle/>
-          <a:p>
-            <a:pPr algn="ctr"/>
-            <a:endParaRPr lang="zh-CN" altLang="en-US"/>
-          </a:p>
-        </p:txBody>
-      </p:sp>
-      <p:sp>
-        <p:nvSpPr>
-          <p:cNvPr id="34" name="矩形 33">
-            <a:extLst>
-              <a:ext uri="{FF2B5EF4-FFF2-40B4-BE49-F238E27FC236}">
-                <a16:creationId xmlns:a16="http://schemas.microsoft.com/office/drawing/2014/main" id="{1B15ABEA-EAA5-4F98-A206-D51E7B39F983}"/>
-              </a:ext>
-            </a:extLst>
-          </p:cNvPr>
-          <p:cNvSpPr/>
-          <p:nvPr/>
-        </p:nvSpPr>
-        <p:spPr>
-          <a:xfrm>
-            <a:off x="8662783" y="2593487"/>
-            <a:ext cx="2051520" cy="1474166"/>
-          </a:xfrm>
-          <a:prstGeom prst="rect">
-            <a:avLst/>
-          </a:prstGeom>
-          <a:noFill/>
-          <a:ln w="25400">
-            <a:solidFill>
-              <a:srgbClr val="FF0000"/>
-            </a:solidFill>
-            <a:prstDash val="dash"/>
-          </a:ln>
-        </p:spPr>
-        <p:style>
-          <a:lnRef idx="2">
-            <a:schemeClr val="accent1"/>
-          </a:lnRef>
-          <a:fillRef idx="1">
-            <a:schemeClr val="lt1"/>
-          </a:fillRef>
-          <a:effectRef idx="0">
-            <a:schemeClr val="accent1"/>
-          </a:effectRef>
-          <a:fontRef idx="minor">
-            <a:schemeClr val="dk1"/>
-          </a:fontRef>
-        </p:style>
-        <p:txBody>
-          <a:bodyPr rtlCol="0" anchor="ctr"/>
-          <a:lstStyle/>
-          <a:p>
-            <a:pPr algn="ctr"/>
-            <a:endParaRPr lang="zh-CN" altLang="en-US"/>
-          </a:p>
-        </p:txBody>
-      </p:sp>
-      <p:sp>
-        <p:nvSpPr>
-          <p:cNvPr id="36" name="矩形 35">
-            <a:extLst>
-              <a:ext uri="{FF2B5EF4-FFF2-40B4-BE49-F238E27FC236}">
-                <a16:creationId xmlns:a16="http://schemas.microsoft.com/office/drawing/2014/main" id="{7E1AB59D-6048-43CE-BC18-10E816F47A18}"/>
-              </a:ext>
-            </a:extLst>
-          </p:cNvPr>
-          <p:cNvSpPr/>
-          <p:nvPr/>
-        </p:nvSpPr>
-        <p:spPr>
-          <a:xfrm>
-            <a:off x="4691358" y="4515557"/>
-            <a:ext cx="6022945" cy="639194"/>
-          </a:xfrm>
-          <a:prstGeom prst="rect">
-            <a:avLst/>
-          </a:prstGeom>
-          <a:noFill/>
-          <a:ln w="25400">
-            <a:solidFill>
-              <a:srgbClr val="FF0000"/>
-            </a:solidFill>
-            <a:prstDash val="dash"/>
-          </a:ln>
-        </p:spPr>
-        <p:style>
-          <a:lnRef idx="2">
-            <a:schemeClr val="accent1"/>
-          </a:lnRef>
-          <a:fillRef idx="1">
-            <a:schemeClr val="lt1"/>
-          </a:fillRef>
-          <a:effectRef idx="0">
-            <a:schemeClr val="accent1"/>
-          </a:effectRef>
-          <a:fontRef idx="minor">
-            <a:schemeClr val="dk1"/>
-          </a:fontRef>
-        </p:style>
-        <p:txBody>
-          <a:bodyPr rtlCol="0" anchor="ctr"/>
-          <a:lstStyle/>
-          <a:p>
-            <a:pPr algn="ctr"/>
-            <a:endParaRPr lang="zh-CN" altLang="en-US"/>
-          </a:p>
-        </p:txBody>
-      </p:sp>
-      <p:sp>
-        <p:nvSpPr>
-          <p:cNvPr id="9" name="箭头: 右 8">
-            <a:extLst>
-              <a:ext uri="{FF2B5EF4-FFF2-40B4-BE49-F238E27FC236}">
-                <a16:creationId xmlns:a16="http://schemas.microsoft.com/office/drawing/2014/main" id="{56FD557A-398A-4A03-B9CB-B941C5D7A23F}"/>
-              </a:ext>
-            </a:extLst>
-          </p:cNvPr>
-          <p:cNvSpPr/>
-          <p:nvPr/>
-        </p:nvSpPr>
-        <p:spPr>
-          <a:xfrm rot="5400000">
-            <a:off x="7557879" y="2033572"/>
-            <a:ext cx="318499" cy="350583"/>
-          </a:xfrm>
-          <a:prstGeom prst="rightArrow">
-            <a:avLst/>
-          </a:prstGeom>
-          <a:noFill/>
+          <a:solidFill>
+            <a:srgbClr val="92D050"/>
+          </a:solidFill>
           <a:ln w="19050">
             <a:solidFill>
               <a:schemeClr val="tx1"/>
@@ -16948,10 +16436,10 @@
       </p:sp>
       <p:sp>
         <p:nvSpPr>
-          <p:cNvPr id="38" name="箭头: 右 37">
+          <p:cNvPr id="65" name="箭头: 右 64">
             <a:extLst>
               <a:ext uri="{FF2B5EF4-FFF2-40B4-BE49-F238E27FC236}">
-                <a16:creationId xmlns:a16="http://schemas.microsoft.com/office/drawing/2014/main" id="{68D17DE3-B75C-4489-9377-77FEA499A52C}"/>
+                <a16:creationId xmlns:a16="http://schemas.microsoft.com/office/drawing/2014/main" id="{288DF485-12F1-4F12-B616-902F5A24EEC5}"/>
               </a:ext>
             </a:extLst>
           </p:cNvPr>
@@ -16960,13 +16448,15 @@
         </p:nvSpPr>
         <p:spPr>
           <a:xfrm rot="5400000">
-            <a:off x="6416649" y="4116314"/>
-            <a:ext cx="318499" cy="350583"/>
+            <a:off x="5788402" y="-3948979"/>
+            <a:ext cx="263928" cy="350583"/>
           </a:xfrm>
           <a:prstGeom prst="rightArrow">
             <a:avLst/>
           </a:prstGeom>
-          <a:noFill/>
+          <a:solidFill>
+            <a:srgbClr val="92D050"/>
+          </a:solidFill>
           <a:ln w="19050">
             <a:solidFill>
               <a:schemeClr val="tx1"/>
@@ -17000,10 +16490,10 @@
       </p:sp>
       <p:sp>
         <p:nvSpPr>
-          <p:cNvPr id="39" name="箭头: 右 38">
+          <p:cNvPr id="66" name="箭头: 右 65">
             <a:extLst>
               <a:ext uri="{FF2B5EF4-FFF2-40B4-BE49-F238E27FC236}">
-                <a16:creationId xmlns:a16="http://schemas.microsoft.com/office/drawing/2014/main" id="{0A59D46F-D722-49E5-B2B5-BEB86367F1E0}"/>
+                <a16:creationId xmlns:a16="http://schemas.microsoft.com/office/drawing/2014/main" id="{74CFB985-1AA8-4530-B4B1-FC0619B3D458}"/>
               </a:ext>
             </a:extLst>
           </p:cNvPr>
@@ -17012,13 +16502,15 @@
         </p:nvSpPr>
         <p:spPr>
           <a:xfrm rot="5400000">
-            <a:off x="9439427" y="4116314"/>
-            <a:ext cx="318499" cy="350583"/>
+            <a:off x="7769602" y="-3961678"/>
+            <a:ext cx="263928" cy="350583"/>
           </a:xfrm>
           <a:prstGeom prst="rightArrow">
             <a:avLst/>
           </a:prstGeom>
-          <a:noFill/>
+          <a:solidFill>
+            <a:srgbClr val="92D050"/>
+          </a:solidFill>
           <a:ln w="19050">
             <a:solidFill>
               <a:schemeClr val="tx1"/>
@@ -17052,10 +16544,10 @@
       </p:sp>
       <p:sp>
         <p:nvSpPr>
-          <p:cNvPr id="41" name="箭头: 右 40">
+          <p:cNvPr id="67" name="矩形: 圆角 66">
             <a:extLst>
               <a:ext uri="{FF2B5EF4-FFF2-40B4-BE49-F238E27FC236}">
-                <a16:creationId xmlns:a16="http://schemas.microsoft.com/office/drawing/2014/main" id="{8AFCBEC6-EF13-4330-88EB-3C2F9700841C}"/>
+                <a16:creationId xmlns:a16="http://schemas.microsoft.com/office/drawing/2014/main" id="{721005EB-2985-4910-AF30-BE2686ABA618}"/>
               </a:ext>
             </a:extLst>
           </p:cNvPr>
@@ -17063,11 +16555,147 @@
           <p:nvPr/>
         </p:nvSpPr>
         <p:spPr>
-          <a:xfrm rot="5400000">
-            <a:off x="7591461" y="5240197"/>
-            <a:ext cx="318499" cy="350583"/>
-          </a:xfrm>
-          <a:prstGeom prst="rightArrow">
+          <a:xfrm>
+            <a:off x="5019675" y="-3595238"/>
+            <a:ext cx="1695450" cy="604388"/>
+          </a:xfrm>
+          <a:prstGeom prst="roundRect">
+            <a:avLst/>
+          </a:prstGeom>
+          <a:solidFill>
+            <a:schemeClr val="accent4">
+              <a:lumMod val="60000"/>
+              <a:lumOff val="40000"/>
+            </a:schemeClr>
+          </a:solidFill>
+          <a:ln w="19050">
+            <a:solidFill>
+              <a:schemeClr val="bg1">
+                <a:lumMod val="65000"/>
+              </a:schemeClr>
+            </a:solidFill>
+          </a:ln>
+        </p:spPr>
+        <p:style>
+          <a:lnRef idx="2">
+            <a:schemeClr val="accent3"/>
+          </a:lnRef>
+          <a:fillRef idx="1">
+            <a:schemeClr val="lt1"/>
+          </a:fillRef>
+          <a:effectRef idx="0">
+            <a:schemeClr val="accent3"/>
+          </a:effectRef>
+          <a:fontRef idx="minor">
+            <a:schemeClr val="dk1"/>
+          </a:fontRef>
+        </p:style>
+        <p:txBody>
+          <a:bodyPr rtlCol="0" anchor="ctr"/>
+          <a:lstStyle/>
+          <a:p>
+            <a:pPr algn="ctr"/>
+            <a:r>
+              <a:rPr lang="zh-CN" altLang="en-US" dirty="0"/>
+              <a:t>采动效应下</a:t>
+            </a:r>
+            <a:endParaRPr lang="en-US" altLang="zh-CN" dirty="0"/>
+          </a:p>
+          <a:p>
+            <a:pPr algn="ctr"/>
+            <a:r>
+              <a:rPr lang="zh-CN" altLang="en-US" dirty="0"/>
+              <a:t>围岩损伤规律</a:t>
+            </a:r>
+          </a:p>
+        </p:txBody>
+      </p:sp>
+      <p:sp>
+        <p:nvSpPr>
+          <p:cNvPr id="68" name="矩形: 圆角 67">
+            <a:extLst>
+              <a:ext uri="{FF2B5EF4-FFF2-40B4-BE49-F238E27FC236}">
+                <a16:creationId xmlns:a16="http://schemas.microsoft.com/office/drawing/2014/main" id="{BDA7FC5C-0AAA-434A-AD06-706BD9DECA07}"/>
+              </a:ext>
+            </a:extLst>
+          </p:cNvPr>
+          <p:cNvSpPr/>
+          <p:nvPr/>
+        </p:nvSpPr>
+        <p:spPr>
+          <a:xfrm>
+            <a:off x="6838950" y="-3595238"/>
+            <a:ext cx="2098675" cy="613913"/>
+          </a:xfrm>
+          <a:prstGeom prst="roundRect">
+            <a:avLst/>
+          </a:prstGeom>
+          <a:solidFill>
+            <a:schemeClr val="accent4">
+              <a:lumMod val="60000"/>
+              <a:lumOff val="40000"/>
+            </a:schemeClr>
+          </a:solidFill>
+          <a:ln w="19050">
+            <a:solidFill>
+              <a:schemeClr val="bg1">
+                <a:lumMod val="65000"/>
+              </a:schemeClr>
+            </a:solidFill>
+          </a:ln>
+        </p:spPr>
+        <p:style>
+          <a:lnRef idx="2">
+            <a:schemeClr val="accent3"/>
+          </a:lnRef>
+          <a:fillRef idx="1">
+            <a:schemeClr val="lt1"/>
+          </a:fillRef>
+          <a:effectRef idx="0">
+            <a:schemeClr val="accent3"/>
+          </a:effectRef>
+          <a:fontRef idx="minor">
+            <a:schemeClr val="dk1"/>
+          </a:fontRef>
+        </p:style>
+        <p:txBody>
+          <a:bodyPr rtlCol="0" anchor="ctr"/>
+          <a:lstStyle/>
+          <a:p>
+            <a:pPr algn="ctr"/>
+            <a:r>
+              <a:rPr lang="zh-CN" altLang="en-US" dirty="0"/>
+              <a:t>油型气涌出</a:t>
+            </a:r>
+            <a:endParaRPr lang="en-US" altLang="zh-CN" dirty="0"/>
+          </a:p>
+          <a:p>
+            <a:pPr algn="ctr"/>
+            <a:r>
+              <a:rPr lang="zh-CN" altLang="en-US" dirty="0"/>
+              <a:t>静态影响因素</a:t>
+            </a:r>
+          </a:p>
+        </p:txBody>
+      </p:sp>
+      <p:sp>
+        <p:nvSpPr>
+          <p:cNvPr id="69" name="矩形: 圆角 68">
+            <a:extLst>
+              <a:ext uri="{FF2B5EF4-FFF2-40B4-BE49-F238E27FC236}">
+                <a16:creationId xmlns:a16="http://schemas.microsoft.com/office/drawing/2014/main" id="{832D278C-5969-4109-8D79-BF3738317AD6}"/>
+              </a:ext>
+            </a:extLst>
+          </p:cNvPr>
+          <p:cNvSpPr/>
+          <p:nvPr/>
+        </p:nvSpPr>
+        <p:spPr>
+          <a:xfrm>
+            <a:off x="4940300" y="-4718051"/>
+            <a:ext cx="4108450" cy="1860551"/>
+          </a:xfrm>
+          <a:prstGeom prst="roundRect">
             <a:avLst/>
           </a:prstGeom>
           <a:noFill/>
@@ -17075,6 +16703,7 @@
             <a:solidFill>
               <a:schemeClr val="tx1"/>
             </a:solidFill>
+            <a:prstDash val="lgDashDotDot"/>
           </a:ln>
         </p:spPr>
         <p:style>
@@ -17098,16 +16727,16 @@
           <a:lstStyle/>
           <a:p>
             <a:pPr algn="ctr"/>
-            <a:endParaRPr lang="zh-CN" altLang="en-US"/>
-          </a:p>
-        </p:txBody>
-      </p:sp>
-      <p:sp>
-        <p:nvSpPr>
-          <p:cNvPr id="42" name="矩形: 圆角 41">
+            <a:endParaRPr lang="zh-CN" altLang="en-US" dirty="0"/>
+          </a:p>
+        </p:txBody>
+      </p:sp>
+      <p:sp>
+        <p:nvSpPr>
+          <p:cNvPr id="77" name="矩形: 圆角 76">
             <a:extLst>
               <a:ext uri="{FF2B5EF4-FFF2-40B4-BE49-F238E27FC236}">
-                <a16:creationId xmlns:a16="http://schemas.microsoft.com/office/drawing/2014/main" id="{F0F23AE6-FC06-4E61-ADE4-E0FBE92410C2}"/>
+                <a16:creationId xmlns:a16="http://schemas.microsoft.com/office/drawing/2014/main" id="{12AE322C-053D-43B3-B001-E4A969CE57CE}"/>
               </a:ext>
             </a:extLst>
           </p:cNvPr>
@@ -17116,12 +16745,119 @@
         </p:nvSpPr>
         <p:spPr>
           <a:xfrm>
-            <a:off x="5964770" y="5617683"/>
-            <a:ext cx="3504715" cy="764644"/>
+            <a:off x="3636737" y="-2315938"/>
+            <a:ext cx="5480956" cy="3960587"/>
           </a:xfrm>
           <a:prstGeom prst="roundRect">
             <a:avLst/>
           </a:prstGeom>
+          <a:noFill/>
+          <a:ln w="19050">
+            <a:solidFill>
+              <a:schemeClr val="tx1"/>
+            </a:solidFill>
+            <a:prstDash val="lgDashDotDot"/>
+          </a:ln>
+        </p:spPr>
+        <p:style>
+          <a:lnRef idx="2">
+            <a:schemeClr val="accent1">
+              <a:shade val="50000"/>
+            </a:schemeClr>
+          </a:lnRef>
+          <a:fillRef idx="1">
+            <a:schemeClr val="accent1"/>
+          </a:fillRef>
+          <a:effectRef idx="0">
+            <a:schemeClr val="accent1"/>
+          </a:effectRef>
+          <a:fontRef idx="minor">
+            <a:schemeClr val="lt1"/>
+          </a:fontRef>
+        </p:style>
+        <p:txBody>
+          <a:bodyPr rtlCol="0" anchor="ctr"/>
+          <a:lstStyle/>
+          <a:p>
+            <a:pPr algn="ctr"/>
+            <a:endParaRPr lang="zh-CN" altLang="en-US" dirty="0"/>
+          </a:p>
+        </p:txBody>
+      </p:sp>
+      <p:cxnSp>
+        <p:nvCxnSpPr>
+          <p:cNvPr id="79" name="直接箭头连接符 78">
+            <a:extLst>
+              <a:ext uri="{FF2B5EF4-FFF2-40B4-BE49-F238E27FC236}">
+                <a16:creationId xmlns:a16="http://schemas.microsoft.com/office/drawing/2014/main" id="{83B03D6A-20B5-4FCE-B2DA-C17D7BB37833}"/>
+              </a:ext>
+            </a:extLst>
+          </p:cNvPr>
+          <p:cNvCxnSpPr>
+            <a:cxnSpLocks/>
+            <a:stCxn id="69" idx="2"/>
+          </p:cNvCxnSpPr>
+          <p:nvPr/>
+        </p:nvCxnSpPr>
+        <p:spPr>
+          <a:xfrm>
+            <a:off x="6994525" y="-2857500"/>
+            <a:ext cx="0" cy="523875"/>
+          </a:xfrm>
+          <a:prstGeom prst="straightConnector1">
+            <a:avLst/>
+          </a:prstGeom>
+          <a:ln w="38100">
+            <a:solidFill>
+              <a:srgbClr val="7030A0"/>
+            </a:solidFill>
+            <a:prstDash val="sysDash"/>
+            <a:tailEnd type="triangle" w="lg" len="med"/>
+          </a:ln>
+        </p:spPr>
+        <p:style>
+          <a:lnRef idx="1">
+            <a:schemeClr val="accent1"/>
+          </a:lnRef>
+          <a:fillRef idx="0">
+            <a:schemeClr val="accent1"/>
+          </a:fillRef>
+          <a:effectRef idx="0">
+            <a:schemeClr val="accent1"/>
+          </a:effectRef>
+          <a:fontRef idx="minor">
+            <a:schemeClr val="tx1"/>
+          </a:fontRef>
+        </p:style>
+      </p:cxnSp>
+      <p:sp>
+        <p:nvSpPr>
+          <p:cNvPr id="81" name="矩形: 圆角 80">
+            <a:extLst>
+              <a:ext uri="{FF2B5EF4-FFF2-40B4-BE49-F238E27FC236}">
+                <a16:creationId xmlns:a16="http://schemas.microsoft.com/office/drawing/2014/main" id="{16ADB997-8A50-4AF9-B834-7197912862B4}"/>
+              </a:ext>
+            </a:extLst>
+          </p:cNvPr>
+          <p:cNvSpPr/>
+          <p:nvPr/>
+        </p:nvSpPr>
+        <p:spPr>
+          <a:xfrm>
+            <a:off x="3794126" y="-2080312"/>
+            <a:ext cx="5134882" cy="566288"/>
+          </a:xfrm>
+          <a:prstGeom prst="roundRect">
+            <a:avLst/>
+          </a:prstGeom>
+          <a:solidFill>
+            <a:schemeClr val="accent1"/>
+          </a:solidFill>
+          <a:ln w="19050">
+            <a:solidFill>
+              <a:schemeClr val="tx1"/>
+            </a:solidFill>
+          </a:ln>
         </p:spPr>
         <p:style>
           <a:lnRef idx="2">
@@ -17143,12 +16879,2033 @@
           <a:p>
             <a:pPr algn="ctr"/>
             <a:r>
-              <a:rPr lang="zh-CN" altLang="en-US" sz="2200" dirty="0"/>
-              <a:t>基于岩层电性差异的油型气涌出危险性评价方法</a:t>
-            </a:r>
-          </a:p>
-        </p:txBody>
-      </p:sp>
+              <a:rPr lang="zh-CN" altLang="en-US" b="1" dirty="0">
+                <a:solidFill>
+                  <a:schemeClr val="bg1"/>
+                </a:solidFill>
+              </a:rPr>
+              <a:t>基于直流电法的油型气涌出危险性判识方法研究</a:t>
+            </a:r>
+          </a:p>
+        </p:txBody>
+      </p:sp>
+      <p:cxnSp>
+        <p:nvCxnSpPr>
+          <p:cNvPr id="75" name="直接箭头连接符 74">
+            <a:extLst>
+              <a:ext uri="{FF2B5EF4-FFF2-40B4-BE49-F238E27FC236}">
+                <a16:creationId xmlns:a16="http://schemas.microsoft.com/office/drawing/2014/main" id="{96F62BD0-5619-4AD9-B4A4-D266528AEC24}"/>
+              </a:ext>
+            </a:extLst>
+          </p:cNvPr>
+          <p:cNvCxnSpPr>
+            <a:cxnSpLocks/>
+            <a:stCxn id="30" idx="3"/>
+          </p:cNvCxnSpPr>
+          <p:nvPr/>
+        </p:nvCxnSpPr>
+        <p:spPr>
+          <a:xfrm>
+            <a:off x="4267201" y="-3778250"/>
+            <a:ext cx="419099" cy="0"/>
+          </a:xfrm>
+          <a:prstGeom prst="straightConnector1">
+            <a:avLst/>
+          </a:prstGeom>
+          <a:ln w="38100">
+            <a:solidFill>
+              <a:schemeClr val="accent6">
+                <a:lumMod val="75000"/>
+              </a:schemeClr>
+            </a:solidFill>
+            <a:prstDash val="sysDash"/>
+            <a:tailEnd type="triangle"/>
+          </a:ln>
+        </p:spPr>
+        <p:style>
+          <a:lnRef idx="1">
+            <a:schemeClr val="accent1"/>
+          </a:lnRef>
+          <a:fillRef idx="0">
+            <a:schemeClr val="accent1"/>
+          </a:fillRef>
+          <a:effectRef idx="0">
+            <a:schemeClr val="accent1"/>
+          </a:effectRef>
+          <a:fontRef idx="minor">
+            <a:schemeClr val="tx1"/>
+          </a:fontRef>
+        </p:style>
+      </p:cxnSp>
+      <p:sp>
+        <p:nvSpPr>
+          <p:cNvPr id="88" name="矩形: 圆角 87">
+            <a:extLst>
+              <a:ext uri="{FF2B5EF4-FFF2-40B4-BE49-F238E27FC236}">
+                <a16:creationId xmlns:a16="http://schemas.microsoft.com/office/drawing/2014/main" id="{55D8183C-2000-417E-9C50-73F5BC1B467C}"/>
+              </a:ext>
+            </a:extLst>
+          </p:cNvPr>
+          <p:cNvSpPr/>
+          <p:nvPr/>
+        </p:nvSpPr>
+        <p:spPr>
+          <a:xfrm>
+            <a:off x="5610225" y="-1445602"/>
+            <a:ext cx="1628775" cy="814227"/>
+          </a:xfrm>
+          <a:prstGeom prst="roundRect">
+            <a:avLst/>
+          </a:prstGeom>
+          <a:solidFill>
+            <a:schemeClr val="accent4">
+              <a:lumMod val="60000"/>
+              <a:lumOff val="40000"/>
+            </a:schemeClr>
+          </a:solidFill>
+          <a:ln w="19050">
+            <a:solidFill>
+              <a:schemeClr val="bg1">
+                <a:lumMod val="65000"/>
+              </a:schemeClr>
+            </a:solidFill>
+          </a:ln>
+        </p:spPr>
+        <p:style>
+          <a:lnRef idx="2">
+            <a:schemeClr val="accent3"/>
+          </a:lnRef>
+          <a:fillRef idx="1">
+            <a:schemeClr val="lt1"/>
+          </a:fillRef>
+          <a:effectRef idx="0">
+            <a:schemeClr val="accent3"/>
+          </a:effectRef>
+          <a:fontRef idx="minor">
+            <a:schemeClr val="dk1"/>
+          </a:fontRef>
+        </p:style>
+        <p:txBody>
+          <a:bodyPr rtlCol="0" anchor="ctr"/>
+          <a:lstStyle/>
+          <a:p>
+            <a:pPr algn="ctr"/>
+            <a:r>
+              <a:rPr lang="zh-CN" altLang="en-US" dirty="0"/>
+              <a:t>油型气涌出危险性评价指标体系</a:t>
+            </a:r>
+          </a:p>
+        </p:txBody>
+      </p:sp>
+      <p:sp>
+        <p:nvSpPr>
+          <p:cNvPr id="89" name="矩形: 圆角 88">
+            <a:extLst>
+              <a:ext uri="{FF2B5EF4-FFF2-40B4-BE49-F238E27FC236}">
+                <a16:creationId xmlns:a16="http://schemas.microsoft.com/office/drawing/2014/main" id="{BF5F0760-611E-4DBD-9BCF-4F6239BDEE74}"/>
+              </a:ext>
+            </a:extLst>
+          </p:cNvPr>
+          <p:cNvSpPr/>
+          <p:nvPr/>
+        </p:nvSpPr>
+        <p:spPr>
+          <a:xfrm>
+            <a:off x="3800475" y="-1367973"/>
+            <a:ext cx="1419225" cy="584200"/>
+          </a:xfrm>
+          <a:prstGeom prst="roundRect">
+            <a:avLst/>
+          </a:prstGeom>
+          <a:solidFill>
+            <a:srgbClr val="92D050"/>
+          </a:solidFill>
+          <a:ln w="19050">
+            <a:solidFill>
+              <a:schemeClr val="accent6">
+                <a:lumMod val="50000"/>
+              </a:schemeClr>
+            </a:solidFill>
+          </a:ln>
+        </p:spPr>
+        <p:style>
+          <a:lnRef idx="2">
+            <a:schemeClr val="accent3"/>
+          </a:lnRef>
+          <a:fillRef idx="1">
+            <a:schemeClr val="lt1"/>
+          </a:fillRef>
+          <a:effectRef idx="0">
+            <a:schemeClr val="accent3"/>
+          </a:effectRef>
+          <a:fontRef idx="minor">
+            <a:schemeClr val="dk1"/>
+          </a:fontRef>
+        </p:style>
+        <p:txBody>
+          <a:bodyPr vert="horz" rtlCol="0" anchor="ctr"/>
+          <a:lstStyle/>
+          <a:p>
+            <a:pPr algn="ctr"/>
+            <a:r>
+              <a:rPr lang="zh-CN" altLang="en-US" dirty="0">
+                <a:solidFill>
+                  <a:schemeClr val="tx1"/>
+                </a:solidFill>
+              </a:rPr>
+              <a:t>动态</a:t>
+            </a:r>
+            <a:endParaRPr lang="en-US" altLang="zh-CN" dirty="0">
+              <a:solidFill>
+                <a:schemeClr val="tx1"/>
+              </a:solidFill>
+            </a:endParaRPr>
+          </a:p>
+          <a:p>
+            <a:pPr algn="ctr"/>
+            <a:r>
+              <a:rPr lang="zh-CN" altLang="en-US" dirty="0">
+                <a:solidFill>
+                  <a:schemeClr val="tx1"/>
+                </a:solidFill>
+              </a:rPr>
+              <a:t>关键指标</a:t>
+            </a:r>
+          </a:p>
+        </p:txBody>
+      </p:sp>
+      <p:sp>
+        <p:nvSpPr>
+          <p:cNvPr id="93" name="矩形: 圆角 92">
+            <a:extLst>
+              <a:ext uri="{FF2B5EF4-FFF2-40B4-BE49-F238E27FC236}">
+                <a16:creationId xmlns:a16="http://schemas.microsoft.com/office/drawing/2014/main" id="{9FB46690-84D4-427E-BCBF-948A6208BF46}"/>
+              </a:ext>
+            </a:extLst>
+          </p:cNvPr>
+          <p:cNvSpPr/>
+          <p:nvPr/>
+        </p:nvSpPr>
+        <p:spPr>
+          <a:xfrm>
+            <a:off x="7658101" y="-1377498"/>
+            <a:ext cx="1362074" cy="584200"/>
+          </a:xfrm>
+          <a:prstGeom prst="roundRect">
+            <a:avLst/>
+          </a:prstGeom>
+          <a:solidFill>
+            <a:srgbClr val="6F6DA3"/>
+          </a:solidFill>
+          <a:ln w="19050">
+            <a:solidFill>
+              <a:schemeClr val="tx1"/>
+            </a:solidFill>
+          </a:ln>
+        </p:spPr>
+        <p:style>
+          <a:lnRef idx="2">
+            <a:schemeClr val="accent3"/>
+          </a:lnRef>
+          <a:fillRef idx="1">
+            <a:schemeClr val="lt1"/>
+          </a:fillRef>
+          <a:effectRef idx="0">
+            <a:schemeClr val="accent3"/>
+          </a:effectRef>
+          <a:fontRef idx="minor">
+            <a:schemeClr val="dk1"/>
+          </a:fontRef>
+        </p:style>
+        <p:txBody>
+          <a:bodyPr vert="horz" rtlCol="0" anchor="ctr"/>
+          <a:lstStyle/>
+          <a:p>
+            <a:pPr algn="ctr"/>
+            <a:r>
+              <a:rPr lang="zh-CN" altLang="en-US" dirty="0">
+                <a:solidFill>
+                  <a:schemeClr val="bg2"/>
+                </a:solidFill>
+              </a:rPr>
+              <a:t>静态</a:t>
+            </a:r>
+            <a:endParaRPr lang="en-US" altLang="zh-CN" dirty="0">
+              <a:solidFill>
+                <a:schemeClr val="bg2"/>
+              </a:solidFill>
+            </a:endParaRPr>
+          </a:p>
+          <a:p>
+            <a:pPr algn="ctr"/>
+            <a:r>
+              <a:rPr lang="zh-CN" altLang="en-US" dirty="0">
+                <a:solidFill>
+                  <a:schemeClr val="bg2"/>
+                </a:solidFill>
+              </a:rPr>
+              <a:t>评价指标</a:t>
+            </a:r>
+          </a:p>
+        </p:txBody>
+      </p:sp>
+      <p:sp>
+        <p:nvSpPr>
+          <p:cNvPr id="119" name="箭头: 右 118">
+            <a:extLst>
+              <a:ext uri="{FF2B5EF4-FFF2-40B4-BE49-F238E27FC236}">
+                <a16:creationId xmlns:a16="http://schemas.microsoft.com/office/drawing/2014/main" id="{BAD9BD69-6D9A-4EBC-AD2D-BA9B84E62DD3}"/>
+              </a:ext>
+            </a:extLst>
+          </p:cNvPr>
+          <p:cNvSpPr/>
+          <p:nvPr/>
+        </p:nvSpPr>
+        <p:spPr>
+          <a:xfrm rot="10800000">
+            <a:off x="7287002" y="-1240252"/>
+            <a:ext cx="263928" cy="350583"/>
+          </a:xfrm>
+          <a:prstGeom prst="rightArrow">
+            <a:avLst/>
+          </a:prstGeom>
+          <a:solidFill>
+            <a:srgbClr val="6F6DA3"/>
+          </a:solidFill>
+          <a:ln w="19050">
+            <a:solidFill>
+              <a:schemeClr val="tx1"/>
+            </a:solidFill>
+          </a:ln>
+        </p:spPr>
+        <p:style>
+          <a:lnRef idx="2">
+            <a:schemeClr val="accent1">
+              <a:shade val="50000"/>
+            </a:schemeClr>
+          </a:lnRef>
+          <a:fillRef idx="1">
+            <a:schemeClr val="accent1"/>
+          </a:fillRef>
+          <a:effectRef idx="0">
+            <a:schemeClr val="accent1"/>
+          </a:effectRef>
+          <a:fontRef idx="minor">
+            <a:schemeClr val="lt1"/>
+          </a:fontRef>
+        </p:style>
+        <p:txBody>
+          <a:bodyPr rtlCol="0" anchor="ctr"/>
+          <a:lstStyle/>
+          <a:p>
+            <a:pPr algn="ctr"/>
+            <a:endParaRPr lang="zh-CN" altLang="en-US" dirty="0"/>
+          </a:p>
+        </p:txBody>
+      </p:sp>
+      <p:sp>
+        <p:nvSpPr>
+          <p:cNvPr id="121" name="矩形: 圆角 120">
+            <a:extLst>
+              <a:ext uri="{FF2B5EF4-FFF2-40B4-BE49-F238E27FC236}">
+                <a16:creationId xmlns:a16="http://schemas.microsoft.com/office/drawing/2014/main" id="{466D3E41-8EEC-418F-9954-5CF1EBF8F277}"/>
+              </a:ext>
+            </a:extLst>
+          </p:cNvPr>
+          <p:cNvSpPr/>
+          <p:nvPr/>
+        </p:nvSpPr>
+        <p:spPr>
+          <a:xfrm>
+            <a:off x="5622925" y="-266314"/>
+            <a:ext cx="1628775" cy="887252"/>
+          </a:xfrm>
+          <a:prstGeom prst="roundRect">
+            <a:avLst/>
+          </a:prstGeom>
+          <a:solidFill>
+            <a:schemeClr val="accent4">
+              <a:lumMod val="60000"/>
+              <a:lumOff val="40000"/>
+            </a:schemeClr>
+          </a:solidFill>
+          <a:ln w="19050">
+            <a:solidFill>
+              <a:schemeClr val="bg1">
+                <a:lumMod val="65000"/>
+              </a:schemeClr>
+            </a:solidFill>
+          </a:ln>
+        </p:spPr>
+        <p:style>
+          <a:lnRef idx="2">
+            <a:schemeClr val="accent3"/>
+          </a:lnRef>
+          <a:fillRef idx="1">
+            <a:schemeClr val="lt1"/>
+          </a:fillRef>
+          <a:effectRef idx="0">
+            <a:schemeClr val="accent3"/>
+          </a:effectRef>
+          <a:fontRef idx="minor">
+            <a:schemeClr val="dk1"/>
+          </a:fontRef>
+        </p:style>
+        <p:txBody>
+          <a:bodyPr rtlCol="0" anchor="ctr"/>
+          <a:lstStyle/>
+          <a:p>
+            <a:pPr algn="ctr"/>
+            <a:r>
+              <a:rPr lang="zh-CN" altLang="en-US" dirty="0"/>
+              <a:t>油型气涌出</a:t>
+            </a:r>
+            <a:endParaRPr lang="en-US" altLang="zh-CN" dirty="0"/>
+          </a:p>
+          <a:p>
+            <a:pPr algn="ctr"/>
+            <a:r>
+              <a:rPr lang="zh-CN" altLang="en-US" dirty="0"/>
+              <a:t>危险性判识方法</a:t>
+            </a:r>
+          </a:p>
+        </p:txBody>
+      </p:sp>
+      <p:sp>
+        <p:nvSpPr>
+          <p:cNvPr id="122" name="矩形: 圆角 121">
+            <a:extLst>
+              <a:ext uri="{FF2B5EF4-FFF2-40B4-BE49-F238E27FC236}">
+                <a16:creationId xmlns:a16="http://schemas.microsoft.com/office/drawing/2014/main" id="{2389978B-5FB7-45BA-9282-DF7E12E4178B}"/>
+              </a:ext>
+            </a:extLst>
+          </p:cNvPr>
+          <p:cNvSpPr/>
+          <p:nvPr/>
+        </p:nvSpPr>
+        <p:spPr>
+          <a:xfrm>
+            <a:off x="3687043" y="-134258"/>
+            <a:ext cx="1504950" cy="584200"/>
+          </a:xfrm>
+          <a:prstGeom prst="roundRect">
+            <a:avLst/>
+          </a:prstGeom>
+          <a:solidFill>
+            <a:srgbClr val="A9D18E"/>
+          </a:solidFill>
+          <a:ln w="19050">
+            <a:solidFill>
+              <a:schemeClr val="accent6">
+                <a:lumMod val="50000"/>
+              </a:schemeClr>
+            </a:solidFill>
+          </a:ln>
+        </p:spPr>
+        <p:style>
+          <a:lnRef idx="2">
+            <a:schemeClr val="accent3"/>
+          </a:lnRef>
+          <a:fillRef idx="1">
+            <a:schemeClr val="lt1"/>
+          </a:fillRef>
+          <a:effectRef idx="0">
+            <a:schemeClr val="accent3"/>
+          </a:effectRef>
+          <a:fontRef idx="minor">
+            <a:schemeClr val="dk1"/>
+          </a:fontRef>
+        </p:style>
+        <p:txBody>
+          <a:bodyPr vert="horz" rtlCol="0" anchor="ctr"/>
+          <a:lstStyle/>
+          <a:p>
+            <a:pPr algn="ctr"/>
+            <a:r>
+              <a:rPr lang="en-US" altLang="zh-CN" dirty="0">
+                <a:solidFill>
+                  <a:schemeClr val="tx1"/>
+                </a:solidFill>
+                <a:latin typeface="Times New Roman" panose="02020603050405020304" pitchFamily="18" charset="0"/>
+                <a:cs typeface="Times New Roman" panose="02020603050405020304" pitchFamily="18" charset="0"/>
+              </a:rPr>
+              <a:t>PSO-AHP</a:t>
+            </a:r>
+            <a:r>
+              <a:rPr lang="zh-CN" altLang="en-US" dirty="0">
+                <a:solidFill>
+                  <a:schemeClr val="tx1"/>
+                </a:solidFill>
+              </a:rPr>
+              <a:t>组合赋权模型</a:t>
+            </a:r>
+          </a:p>
+        </p:txBody>
+      </p:sp>
+      <p:sp>
+        <p:nvSpPr>
+          <p:cNvPr id="123" name="箭头: 右 122">
+            <a:extLst>
+              <a:ext uri="{FF2B5EF4-FFF2-40B4-BE49-F238E27FC236}">
+                <a16:creationId xmlns:a16="http://schemas.microsoft.com/office/drawing/2014/main" id="{876B6E59-BFE7-4912-A366-60D16BD5C36B}"/>
+              </a:ext>
+            </a:extLst>
+          </p:cNvPr>
+          <p:cNvSpPr/>
+          <p:nvPr/>
+        </p:nvSpPr>
+        <p:spPr>
+          <a:xfrm>
+            <a:off x="5280402" y="-1240252"/>
+            <a:ext cx="263928" cy="354427"/>
+          </a:xfrm>
+          <a:prstGeom prst="rightArrow">
+            <a:avLst/>
+          </a:prstGeom>
+          <a:solidFill>
+            <a:srgbClr val="92D050"/>
+          </a:solidFill>
+          <a:ln w="19050">
+            <a:solidFill>
+              <a:schemeClr val="tx1"/>
+            </a:solidFill>
+          </a:ln>
+        </p:spPr>
+        <p:style>
+          <a:lnRef idx="2">
+            <a:schemeClr val="accent1">
+              <a:shade val="50000"/>
+            </a:schemeClr>
+          </a:lnRef>
+          <a:fillRef idx="1">
+            <a:schemeClr val="accent1"/>
+          </a:fillRef>
+          <a:effectRef idx="0">
+            <a:schemeClr val="accent1"/>
+          </a:effectRef>
+          <a:fontRef idx="minor">
+            <a:schemeClr val="lt1"/>
+          </a:fontRef>
+        </p:style>
+        <p:txBody>
+          <a:bodyPr rtlCol="0" anchor="ctr"/>
+          <a:lstStyle/>
+          <a:p>
+            <a:pPr algn="ctr"/>
+            <a:endParaRPr lang="zh-CN" altLang="en-US"/>
+          </a:p>
+        </p:txBody>
+      </p:sp>
+      <p:sp>
+        <p:nvSpPr>
+          <p:cNvPr id="124" name="矩形: 圆角 123">
+            <a:extLst>
+              <a:ext uri="{FF2B5EF4-FFF2-40B4-BE49-F238E27FC236}">
+                <a16:creationId xmlns:a16="http://schemas.microsoft.com/office/drawing/2014/main" id="{78582275-AD5E-4134-B697-781FA4D924C0}"/>
+              </a:ext>
+            </a:extLst>
+          </p:cNvPr>
+          <p:cNvSpPr/>
+          <p:nvPr/>
+        </p:nvSpPr>
+        <p:spPr>
+          <a:xfrm>
+            <a:off x="7666181" y="-114920"/>
+            <a:ext cx="1410566" cy="584200"/>
+          </a:xfrm>
+          <a:prstGeom prst="roundRect">
+            <a:avLst/>
+          </a:prstGeom>
+          <a:solidFill>
+            <a:srgbClr val="A9D18E"/>
+          </a:solidFill>
+          <a:ln w="19050">
+            <a:solidFill>
+              <a:schemeClr val="accent6">
+                <a:lumMod val="50000"/>
+              </a:schemeClr>
+            </a:solidFill>
+          </a:ln>
+        </p:spPr>
+        <p:style>
+          <a:lnRef idx="2">
+            <a:schemeClr val="accent3"/>
+          </a:lnRef>
+          <a:fillRef idx="1">
+            <a:schemeClr val="lt1"/>
+          </a:fillRef>
+          <a:effectRef idx="0">
+            <a:schemeClr val="accent3"/>
+          </a:effectRef>
+          <a:fontRef idx="minor">
+            <a:schemeClr val="dk1"/>
+          </a:fontRef>
+        </p:style>
+        <p:txBody>
+          <a:bodyPr vert="horz" rtlCol="0" anchor="ctr"/>
+          <a:lstStyle/>
+          <a:p>
+            <a:pPr algn="ctr"/>
+            <a:r>
+              <a:rPr lang="zh-CN" altLang="en-US" dirty="0">
+                <a:solidFill>
+                  <a:schemeClr val="tx1"/>
+                </a:solidFill>
+              </a:rPr>
+              <a:t>属性测度区间判识方法</a:t>
+            </a:r>
+          </a:p>
+        </p:txBody>
+      </p:sp>
+      <p:sp>
+        <p:nvSpPr>
+          <p:cNvPr id="127" name="箭头: 右 126">
+            <a:extLst>
+              <a:ext uri="{FF2B5EF4-FFF2-40B4-BE49-F238E27FC236}">
+                <a16:creationId xmlns:a16="http://schemas.microsoft.com/office/drawing/2014/main" id="{96B2E85A-D551-41AE-BAC5-DAE7896AA9E2}"/>
+              </a:ext>
+            </a:extLst>
+          </p:cNvPr>
+          <p:cNvSpPr/>
+          <p:nvPr/>
+        </p:nvSpPr>
+        <p:spPr>
+          <a:xfrm rot="5400000">
+            <a:off x="6303659" y="-627768"/>
+            <a:ext cx="263928" cy="385641"/>
+          </a:xfrm>
+          <a:prstGeom prst="rightArrow">
+            <a:avLst/>
+          </a:prstGeom>
+          <a:solidFill>
+            <a:srgbClr val="92D050"/>
+          </a:solidFill>
+          <a:ln w="19050">
+            <a:solidFill>
+              <a:schemeClr val="tx1"/>
+            </a:solidFill>
+          </a:ln>
+        </p:spPr>
+        <p:style>
+          <a:lnRef idx="2">
+            <a:schemeClr val="accent1">
+              <a:shade val="50000"/>
+            </a:schemeClr>
+          </a:lnRef>
+          <a:fillRef idx="1">
+            <a:schemeClr val="accent1"/>
+          </a:fillRef>
+          <a:effectRef idx="0">
+            <a:schemeClr val="accent1"/>
+          </a:effectRef>
+          <a:fontRef idx="minor">
+            <a:schemeClr val="lt1"/>
+          </a:fontRef>
+        </p:style>
+        <p:txBody>
+          <a:bodyPr rtlCol="0" anchor="ctr"/>
+          <a:lstStyle/>
+          <a:p>
+            <a:pPr algn="ctr"/>
+            <a:endParaRPr lang="zh-CN" altLang="en-US"/>
+          </a:p>
+        </p:txBody>
+      </p:sp>
+      <p:sp>
+        <p:nvSpPr>
+          <p:cNvPr id="113" name="箭头: 左右 112">
+            <a:extLst>
+              <a:ext uri="{FF2B5EF4-FFF2-40B4-BE49-F238E27FC236}">
+                <a16:creationId xmlns:a16="http://schemas.microsoft.com/office/drawing/2014/main" id="{653103E2-EB90-4BEF-BCE1-433D8AE8C9BE}"/>
+              </a:ext>
+            </a:extLst>
+          </p:cNvPr>
+          <p:cNvSpPr/>
+          <p:nvPr/>
+        </p:nvSpPr>
+        <p:spPr>
+          <a:xfrm flipV="1">
+            <a:off x="5210629" y="75785"/>
+            <a:ext cx="406400" cy="193964"/>
+          </a:xfrm>
+          <a:prstGeom prst="leftRightArrow">
+            <a:avLst/>
+          </a:prstGeom>
+          <a:solidFill>
+            <a:srgbClr val="FFD966"/>
+          </a:solidFill>
+          <a:ln w="19050">
+            <a:solidFill>
+              <a:schemeClr val="tx1"/>
+            </a:solidFill>
+          </a:ln>
+        </p:spPr>
+        <p:style>
+          <a:lnRef idx="2">
+            <a:schemeClr val="accent1">
+              <a:shade val="50000"/>
+            </a:schemeClr>
+          </a:lnRef>
+          <a:fillRef idx="1">
+            <a:schemeClr val="accent1"/>
+          </a:fillRef>
+          <a:effectRef idx="0">
+            <a:schemeClr val="accent1"/>
+          </a:effectRef>
+          <a:fontRef idx="minor">
+            <a:schemeClr val="lt1"/>
+          </a:fontRef>
+        </p:style>
+        <p:txBody>
+          <a:bodyPr rtlCol="0" anchor="ctr"/>
+          <a:lstStyle/>
+          <a:p>
+            <a:pPr algn="ctr"/>
+            <a:endParaRPr lang="zh-CN" altLang="en-US"/>
+          </a:p>
+        </p:txBody>
+      </p:sp>
+      <p:sp>
+        <p:nvSpPr>
+          <p:cNvPr id="129" name="箭头: 左右 128">
+            <a:extLst>
+              <a:ext uri="{FF2B5EF4-FFF2-40B4-BE49-F238E27FC236}">
+                <a16:creationId xmlns:a16="http://schemas.microsoft.com/office/drawing/2014/main" id="{8AFBA281-3D4B-4490-B858-8FD712F0B3ED}"/>
+              </a:ext>
+            </a:extLst>
+          </p:cNvPr>
+          <p:cNvSpPr/>
+          <p:nvPr/>
+        </p:nvSpPr>
+        <p:spPr>
+          <a:xfrm flipV="1">
+            <a:off x="7247247" y="71167"/>
+            <a:ext cx="406400" cy="193964"/>
+          </a:xfrm>
+          <a:prstGeom prst="leftRightArrow">
+            <a:avLst/>
+          </a:prstGeom>
+          <a:solidFill>
+            <a:srgbClr val="FFD966"/>
+          </a:solidFill>
+          <a:ln w="19050">
+            <a:solidFill>
+              <a:schemeClr val="tx1"/>
+            </a:solidFill>
+          </a:ln>
+        </p:spPr>
+        <p:style>
+          <a:lnRef idx="2">
+            <a:schemeClr val="accent1">
+              <a:shade val="50000"/>
+            </a:schemeClr>
+          </a:lnRef>
+          <a:fillRef idx="1">
+            <a:schemeClr val="accent1"/>
+          </a:fillRef>
+          <a:effectRef idx="0">
+            <a:schemeClr val="accent1"/>
+          </a:effectRef>
+          <a:fontRef idx="minor">
+            <a:schemeClr val="lt1"/>
+          </a:fontRef>
+        </p:style>
+        <p:txBody>
+          <a:bodyPr rtlCol="0" anchor="ctr"/>
+          <a:lstStyle/>
+          <a:p>
+            <a:pPr algn="ctr"/>
+            <a:endParaRPr lang="zh-CN" altLang="en-US"/>
+          </a:p>
+        </p:txBody>
+      </p:sp>
+      <p:sp>
+        <p:nvSpPr>
+          <p:cNvPr id="130" name="箭头: 右 129">
+            <a:extLst>
+              <a:ext uri="{FF2B5EF4-FFF2-40B4-BE49-F238E27FC236}">
+                <a16:creationId xmlns:a16="http://schemas.microsoft.com/office/drawing/2014/main" id="{97AB4735-B20C-4FB9-9FBB-4F89152779C9}"/>
+              </a:ext>
+            </a:extLst>
+          </p:cNvPr>
+          <p:cNvSpPr/>
+          <p:nvPr/>
+        </p:nvSpPr>
+        <p:spPr>
+          <a:xfrm rot="5400000">
+            <a:off x="6310917" y="605491"/>
+            <a:ext cx="263928" cy="385641"/>
+          </a:xfrm>
+          <a:prstGeom prst="rightArrow">
+            <a:avLst/>
+          </a:prstGeom>
+          <a:solidFill>
+            <a:srgbClr val="92D050"/>
+          </a:solidFill>
+          <a:ln w="19050">
+            <a:solidFill>
+              <a:schemeClr val="tx1"/>
+            </a:solidFill>
+          </a:ln>
+        </p:spPr>
+        <p:style>
+          <a:lnRef idx="2">
+            <a:schemeClr val="accent1">
+              <a:shade val="50000"/>
+            </a:schemeClr>
+          </a:lnRef>
+          <a:fillRef idx="1">
+            <a:schemeClr val="accent1"/>
+          </a:fillRef>
+          <a:effectRef idx="0">
+            <a:schemeClr val="accent1"/>
+          </a:effectRef>
+          <a:fontRef idx="minor">
+            <a:schemeClr val="lt1"/>
+          </a:fontRef>
+        </p:style>
+        <p:txBody>
+          <a:bodyPr rtlCol="0" anchor="ctr"/>
+          <a:lstStyle/>
+          <a:p>
+            <a:pPr algn="ctr"/>
+            <a:endParaRPr lang="zh-CN" altLang="en-US"/>
+          </a:p>
+        </p:txBody>
+      </p:sp>
+      <p:sp>
+        <p:nvSpPr>
+          <p:cNvPr id="132" name="矩形: 圆角 131">
+            <a:extLst>
+              <a:ext uri="{FF2B5EF4-FFF2-40B4-BE49-F238E27FC236}">
+                <a16:creationId xmlns:a16="http://schemas.microsoft.com/office/drawing/2014/main" id="{A4A768E0-9E68-4E51-A528-4AE3CC1764AE}"/>
+              </a:ext>
+            </a:extLst>
+          </p:cNvPr>
+          <p:cNvSpPr/>
+          <p:nvPr/>
+        </p:nvSpPr>
+        <p:spPr>
+          <a:xfrm>
+            <a:off x="4180115" y="1020533"/>
+            <a:ext cx="4571999" cy="522062"/>
+          </a:xfrm>
+          <a:prstGeom prst="roundRect">
+            <a:avLst/>
+          </a:prstGeom>
+          <a:solidFill>
+            <a:schemeClr val="accent4">
+              <a:lumMod val="60000"/>
+              <a:lumOff val="40000"/>
+            </a:schemeClr>
+          </a:solidFill>
+          <a:ln w="19050">
+            <a:solidFill>
+              <a:schemeClr val="bg1">
+                <a:lumMod val="65000"/>
+              </a:schemeClr>
+            </a:solidFill>
+          </a:ln>
+        </p:spPr>
+        <p:style>
+          <a:lnRef idx="2">
+            <a:schemeClr val="accent3"/>
+          </a:lnRef>
+          <a:fillRef idx="1">
+            <a:schemeClr val="lt1"/>
+          </a:fillRef>
+          <a:effectRef idx="0">
+            <a:schemeClr val="accent3"/>
+          </a:effectRef>
+          <a:fontRef idx="minor">
+            <a:schemeClr val="dk1"/>
+          </a:fontRef>
+        </p:style>
+        <p:txBody>
+          <a:bodyPr rtlCol="0" anchor="ctr"/>
+          <a:lstStyle/>
+          <a:p>
+            <a:pPr algn="ctr"/>
+            <a:r>
+              <a:rPr lang="zh-CN" altLang="en-US" dirty="0"/>
+              <a:t>设计并开发油型气涌出危险性评价软件</a:t>
+            </a:r>
+          </a:p>
+        </p:txBody>
+      </p:sp>
+      <p:sp>
+        <p:nvSpPr>
+          <p:cNvPr id="145" name="矩形: 圆角 144">
+            <a:extLst>
+              <a:ext uri="{FF2B5EF4-FFF2-40B4-BE49-F238E27FC236}">
+                <a16:creationId xmlns:a16="http://schemas.microsoft.com/office/drawing/2014/main" id="{6FA328EA-28A1-46DE-98A9-9B2B8FF6BD23}"/>
+              </a:ext>
+            </a:extLst>
+          </p:cNvPr>
+          <p:cNvSpPr/>
+          <p:nvPr/>
+        </p:nvSpPr>
+        <p:spPr>
+          <a:xfrm>
+            <a:off x="3589112" y="1990725"/>
+            <a:ext cx="5480956" cy="3153930"/>
+          </a:xfrm>
+          <a:prstGeom prst="roundRect">
+            <a:avLst/>
+          </a:prstGeom>
+          <a:noFill/>
+          <a:ln w="19050">
+            <a:solidFill>
+              <a:schemeClr val="tx1"/>
+            </a:solidFill>
+            <a:prstDash val="lgDashDotDot"/>
+          </a:ln>
+        </p:spPr>
+        <p:style>
+          <a:lnRef idx="2">
+            <a:schemeClr val="accent1">
+              <a:shade val="50000"/>
+            </a:schemeClr>
+          </a:lnRef>
+          <a:fillRef idx="1">
+            <a:schemeClr val="accent1"/>
+          </a:fillRef>
+          <a:effectRef idx="0">
+            <a:schemeClr val="accent1"/>
+          </a:effectRef>
+          <a:fontRef idx="minor">
+            <a:schemeClr val="lt1"/>
+          </a:fontRef>
+        </p:style>
+        <p:txBody>
+          <a:bodyPr rtlCol="0" anchor="ctr"/>
+          <a:lstStyle/>
+          <a:p>
+            <a:pPr algn="ctr"/>
+            <a:endParaRPr lang="zh-CN" altLang="en-US" dirty="0"/>
+          </a:p>
+        </p:txBody>
+      </p:sp>
+      <p:sp>
+        <p:nvSpPr>
+          <p:cNvPr id="146" name="矩形: 圆角 145">
+            <a:extLst>
+              <a:ext uri="{FF2B5EF4-FFF2-40B4-BE49-F238E27FC236}">
+                <a16:creationId xmlns:a16="http://schemas.microsoft.com/office/drawing/2014/main" id="{199D53EB-23A0-4A9C-8773-26F71307A03A}"/>
+              </a:ext>
+            </a:extLst>
+          </p:cNvPr>
+          <p:cNvSpPr/>
+          <p:nvPr/>
+        </p:nvSpPr>
+        <p:spPr>
+          <a:xfrm>
+            <a:off x="3763529" y="2152746"/>
+            <a:ext cx="5134882" cy="433433"/>
+          </a:xfrm>
+          <a:prstGeom prst="roundRect">
+            <a:avLst/>
+          </a:prstGeom>
+          <a:solidFill>
+            <a:schemeClr val="accent1"/>
+          </a:solidFill>
+          <a:ln w="19050">
+            <a:solidFill>
+              <a:schemeClr val="tx1"/>
+            </a:solidFill>
+          </a:ln>
+        </p:spPr>
+        <p:style>
+          <a:lnRef idx="2">
+            <a:schemeClr val="accent3"/>
+          </a:lnRef>
+          <a:fillRef idx="1">
+            <a:schemeClr val="lt1"/>
+          </a:fillRef>
+          <a:effectRef idx="0">
+            <a:schemeClr val="accent3"/>
+          </a:effectRef>
+          <a:fontRef idx="minor">
+            <a:schemeClr val="dk1"/>
+          </a:fontRef>
+        </p:style>
+        <p:txBody>
+          <a:bodyPr rtlCol="0" anchor="ctr"/>
+          <a:lstStyle/>
+          <a:p>
+            <a:pPr algn="ctr"/>
+            <a:r>
+              <a:rPr lang="zh-CN" altLang="en-US" b="1" dirty="0">
+                <a:solidFill>
+                  <a:schemeClr val="bg1"/>
+                </a:solidFill>
+              </a:rPr>
+              <a:t>油型气涌出危险性判识方法现场应用</a:t>
+            </a:r>
+          </a:p>
+        </p:txBody>
+      </p:sp>
+      <p:cxnSp>
+        <p:nvCxnSpPr>
+          <p:cNvPr id="147" name="直接箭头连接符 146">
+            <a:extLst>
+              <a:ext uri="{FF2B5EF4-FFF2-40B4-BE49-F238E27FC236}">
+                <a16:creationId xmlns:a16="http://schemas.microsoft.com/office/drawing/2014/main" id="{8A476E64-23C8-4978-8B9A-353D3824A187}"/>
+              </a:ext>
+            </a:extLst>
+          </p:cNvPr>
+          <p:cNvCxnSpPr>
+            <a:cxnSpLocks/>
+          </p:cNvCxnSpPr>
+          <p:nvPr/>
+        </p:nvCxnSpPr>
+        <p:spPr>
+          <a:xfrm>
+            <a:off x="6398779" y="1635991"/>
+            <a:ext cx="0" cy="335684"/>
+          </a:xfrm>
+          <a:prstGeom prst="straightConnector1">
+            <a:avLst/>
+          </a:prstGeom>
+          <a:ln w="38100">
+            <a:solidFill>
+              <a:schemeClr val="accent4">
+                <a:lumMod val="60000"/>
+                <a:lumOff val="40000"/>
+              </a:schemeClr>
+            </a:solidFill>
+            <a:prstDash val="sysDash"/>
+            <a:tailEnd type="triangle" w="lg" len="med"/>
+          </a:ln>
+        </p:spPr>
+        <p:style>
+          <a:lnRef idx="1">
+            <a:schemeClr val="accent1"/>
+          </a:lnRef>
+          <a:fillRef idx="0">
+            <a:schemeClr val="accent1"/>
+          </a:fillRef>
+          <a:effectRef idx="0">
+            <a:schemeClr val="accent1"/>
+          </a:effectRef>
+          <a:fontRef idx="minor">
+            <a:schemeClr val="tx1"/>
+          </a:fontRef>
+        </p:style>
+      </p:cxnSp>
+      <p:sp>
+        <p:nvSpPr>
+          <p:cNvPr id="150" name="矩形: 圆角 149">
+            <a:extLst>
+              <a:ext uri="{FF2B5EF4-FFF2-40B4-BE49-F238E27FC236}">
+                <a16:creationId xmlns:a16="http://schemas.microsoft.com/office/drawing/2014/main" id="{A98807E1-C64B-4E47-904A-A2FE5FD5E2CD}"/>
+              </a:ext>
+            </a:extLst>
+          </p:cNvPr>
+          <p:cNvSpPr/>
+          <p:nvPr/>
+        </p:nvSpPr>
+        <p:spPr>
+          <a:xfrm>
+            <a:off x="5839966" y="2654300"/>
+            <a:ext cx="1628775" cy="571499"/>
+          </a:xfrm>
+          <a:prstGeom prst="roundRect">
+            <a:avLst/>
+          </a:prstGeom>
+          <a:solidFill>
+            <a:schemeClr val="accent4">
+              <a:lumMod val="60000"/>
+              <a:lumOff val="40000"/>
+            </a:schemeClr>
+          </a:solidFill>
+          <a:ln w="19050">
+            <a:solidFill>
+              <a:schemeClr val="bg1">
+                <a:lumMod val="65000"/>
+              </a:schemeClr>
+            </a:solidFill>
+          </a:ln>
+        </p:spPr>
+        <p:style>
+          <a:lnRef idx="2">
+            <a:schemeClr val="accent3"/>
+          </a:lnRef>
+          <a:fillRef idx="1">
+            <a:schemeClr val="lt1"/>
+          </a:fillRef>
+          <a:effectRef idx="0">
+            <a:schemeClr val="accent3"/>
+          </a:effectRef>
+          <a:fontRef idx="minor">
+            <a:schemeClr val="dk1"/>
+          </a:fontRef>
+        </p:style>
+        <p:txBody>
+          <a:bodyPr rtlCol="0" anchor="ctr"/>
+          <a:lstStyle/>
+          <a:p>
+            <a:pPr algn="ctr"/>
+            <a:r>
+              <a:rPr lang="zh-CN" altLang="en-US" dirty="0"/>
+              <a:t>直流电法</a:t>
+            </a:r>
+            <a:endParaRPr lang="en-US" altLang="zh-CN" dirty="0"/>
+          </a:p>
+          <a:p>
+            <a:pPr algn="ctr"/>
+            <a:r>
+              <a:rPr lang="zh-CN" altLang="en-US" dirty="0"/>
+              <a:t>超前探测</a:t>
+            </a:r>
+          </a:p>
+        </p:txBody>
+      </p:sp>
+      <p:sp>
+        <p:nvSpPr>
+          <p:cNvPr id="151" name="矩形: 圆角 150">
+            <a:extLst>
+              <a:ext uri="{FF2B5EF4-FFF2-40B4-BE49-F238E27FC236}">
+                <a16:creationId xmlns:a16="http://schemas.microsoft.com/office/drawing/2014/main" id="{9BF08F6A-08CC-4806-8EE5-AC335CCC69D7}"/>
+              </a:ext>
+            </a:extLst>
+          </p:cNvPr>
+          <p:cNvSpPr/>
+          <p:nvPr/>
+        </p:nvSpPr>
+        <p:spPr>
+          <a:xfrm>
+            <a:off x="5777620" y="3611309"/>
+            <a:ext cx="1628775" cy="480401"/>
+          </a:xfrm>
+          <a:prstGeom prst="roundRect">
+            <a:avLst/>
+          </a:prstGeom>
+          <a:solidFill>
+            <a:schemeClr val="accent4">
+              <a:lumMod val="60000"/>
+              <a:lumOff val="40000"/>
+            </a:schemeClr>
+          </a:solidFill>
+          <a:ln w="19050">
+            <a:solidFill>
+              <a:schemeClr val="bg1">
+                <a:lumMod val="65000"/>
+              </a:schemeClr>
+            </a:solidFill>
+          </a:ln>
+        </p:spPr>
+        <p:style>
+          <a:lnRef idx="2">
+            <a:schemeClr val="accent3"/>
+          </a:lnRef>
+          <a:fillRef idx="1">
+            <a:schemeClr val="lt1"/>
+          </a:fillRef>
+          <a:effectRef idx="0">
+            <a:schemeClr val="accent3"/>
+          </a:effectRef>
+          <a:fontRef idx="minor">
+            <a:schemeClr val="dk1"/>
+          </a:fontRef>
+        </p:style>
+        <p:txBody>
+          <a:bodyPr rtlCol="0" anchor="ctr"/>
+          <a:lstStyle/>
+          <a:p>
+            <a:pPr algn="ctr"/>
+            <a:r>
+              <a:rPr lang="zh-CN" altLang="en-US" dirty="0"/>
+              <a:t>动态关键指标</a:t>
+            </a:r>
+          </a:p>
+        </p:txBody>
+      </p:sp>
+      <p:sp>
+        <p:nvSpPr>
+          <p:cNvPr id="152" name="箭头: 右 151">
+            <a:extLst>
+              <a:ext uri="{FF2B5EF4-FFF2-40B4-BE49-F238E27FC236}">
+                <a16:creationId xmlns:a16="http://schemas.microsoft.com/office/drawing/2014/main" id="{B3957056-7AE5-49E8-83E5-54C71FE0B19A}"/>
+              </a:ext>
+            </a:extLst>
+          </p:cNvPr>
+          <p:cNvSpPr/>
+          <p:nvPr/>
+        </p:nvSpPr>
+        <p:spPr>
+          <a:xfrm rot="5400000">
+            <a:off x="6553358" y="3234392"/>
+            <a:ext cx="263928" cy="385641"/>
+          </a:xfrm>
+          <a:prstGeom prst="rightArrow">
+            <a:avLst/>
+          </a:prstGeom>
+          <a:solidFill>
+            <a:srgbClr val="92D050"/>
+          </a:solidFill>
+          <a:ln w="19050">
+            <a:solidFill>
+              <a:schemeClr val="tx1"/>
+            </a:solidFill>
+          </a:ln>
+        </p:spPr>
+        <p:style>
+          <a:lnRef idx="2">
+            <a:schemeClr val="accent1">
+              <a:shade val="50000"/>
+            </a:schemeClr>
+          </a:lnRef>
+          <a:fillRef idx="1">
+            <a:schemeClr val="accent1"/>
+          </a:fillRef>
+          <a:effectRef idx="0">
+            <a:schemeClr val="accent1"/>
+          </a:effectRef>
+          <a:fontRef idx="minor">
+            <a:schemeClr val="lt1"/>
+          </a:fontRef>
+        </p:style>
+        <p:txBody>
+          <a:bodyPr rtlCol="0" anchor="ctr"/>
+          <a:lstStyle/>
+          <a:p>
+            <a:pPr algn="ctr"/>
+            <a:endParaRPr lang="zh-CN" altLang="en-US"/>
+          </a:p>
+        </p:txBody>
+      </p:sp>
+      <p:sp>
+        <p:nvSpPr>
+          <p:cNvPr id="153" name="矩形: 圆角 152">
+            <a:extLst>
+              <a:ext uri="{FF2B5EF4-FFF2-40B4-BE49-F238E27FC236}">
+                <a16:creationId xmlns:a16="http://schemas.microsoft.com/office/drawing/2014/main" id="{40E643B7-2AD1-4AFC-B169-0EC77CB5FD1A}"/>
+              </a:ext>
+            </a:extLst>
+          </p:cNvPr>
+          <p:cNvSpPr/>
+          <p:nvPr/>
+        </p:nvSpPr>
+        <p:spPr>
+          <a:xfrm>
+            <a:off x="3855306" y="2655346"/>
+            <a:ext cx="1628775" cy="572400"/>
+          </a:xfrm>
+          <a:prstGeom prst="roundRect">
+            <a:avLst/>
+          </a:prstGeom>
+          <a:solidFill>
+            <a:schemeClr val="accent4">
+              <a:lumMod val="60000"/>
+              <a:lumOff val="40000"/>
+            </a:schemeClr>
+          </a:solidFill>
+          <a:ln w="19050">
+            <a:solidFill>
+              <a:schemeClr val="bg1">
+                <a:lumMod val="65000"/>
+              </a:schemeClr>
+            </a:solidFill>
+          </a:ln>
+        </p:spPr>
+        <p:style>
+          <a:lnRef idx="2">
+            <a:schemeClr val="accent3"/>
+          </a:lnRef>
+          <a:fillRef idx="1">
+            <a:schemeClr val="lt1"/>
+          </a:fillRef>
+          <a:effectRef idx="0">
+            <a:schemeClr val="accent3"/>
+          </a:effectRef>
+          <a:fontRef idx="minor">
+            <a:schemeClr val="dk1"/>
+          </a:fontRef>
+        </p:style>
+        <p:txBody>
+          <a:bodyPr rtlCol="0" anchor="ctr"/>
+          <a:lstStyle/>
+          <a:p>
+            <a:pPr algn="ctr"/>
+            <a:r>
+              <a:rPr lang="zh-CN" altLang="en-US" dirty="0"/>
+              <a:t>直流电法</a:t>
+            </a:r>
+            <a:endParaRPr lang="en-US" altLang="zh-CN" dirty="0"/>
+          </a:p>
+          <a:p>
+            <a:pPr algn="ctr"/>
+            <a:r>
+              <a:rPr lang="zh-CN" altLang="en-US" dirty="0"/>
+              <a:t>底板探测</a:t>
+            </a:r>
+          </a:p>
+        </p:txBody>
+      </p:sp>
+      <p:sp>
+        <p:nvSpPr>
+          <p:cNvPr id="154" name="箭头: 右 153">
+            <a:extLst>
+              <a:ext uri="{FF2B5EF4-FFF2-40B4-BE49-F238E27FC236}">
+                <a16:creationId xmlns:a16="http://schemas.microsoft.com/office/drawing/2014/main" id="{ED3515A5-E303-48BD-8BB5-3CA6A4655072}"/>
+              </a:ext>
+            </a:extLst>
+          </p:cNvPr>
+          <p:cNvSpPr/>
+          <p:nvPr/>
+        </p:nvSpPr>
+        <p:spPr>
+          <a:xfrm>
+            <a:off x="5525812" y="2702148"/>
+            <a:ext cx="263928" cy="385641"/>
+          </a:xfrm>
+          <a:prstGeom prst="rightArrow">
+            <a:avLst/>
+          </a:prstGeom>
+          <a:solidFill>
+            <a:srgbClr val="92D050"/>
+          </a:solidFill>
+          <a:ln w="19050">
+            <a:solidFill>
+              <a:schemeClr val="tx1"/>
+            </a:solidFill>
+          </a:ln>
+        </p:spPr>
+        <p:style>
+          <a:lnRef idx="2">
+            <a:schemeClr val="accent1">
+              <a:shade val="50000"/>
+            </a:schemeClr>
+          </a:lnRef>
+          <a:fillRef idx="1">
+            <a:schemeClr val="accent1"/>
+          </a:fillRef>
+          <a:effectRef idx="0">
+            <a:schemeClr val="accent1"/>
+          </a:effectRef>
+          <a:fontRef idx="minor">
+            <a:schemeClr val="lt1"/>
+          </a:fontRef>
+        </p:style>
+        <p:txBody>
+          <a:bodyPr rtlCol="0" anchor="ctr"/>
+          <a:lstStyle/>
+          <a:p>
+            <a:pPr algn="ctr"/>
+            <a:endParaRPr lang="zh-CN" altLang="en-US"/>
+          </a:p>
+        </p:txBody>
+      </p:sp>
+      <p:sp>
+        <p:nvSpPr>
+          <p:cNvPr id="155" name="矩形: 圆角 154">
+            <a:extLst>
+              <a:ext uri="{FF2B5EF4-FFF2-40B4-BE49-F238E27FC236}">
+                <a16:creationId xmlns:a16="http://schemas.microsoft.com/office/drawing/2014/main" id="{20FD118B-2FE9-45AC-92B3-5AB5DAF18D2B}"/>
+              </a:ext>
+            </a:extLst>
+          </p:cNvPr>
+          <p:cNvSpPr/>
+          <p:nvPr/>
+        </p:nvSpPr>
+        <p:spPr>
+          <a:xfrm>
+            <a:off x="8259907" y="2623663"/>
+            <a:ext cx="723611" cy="1199037"/>
+          </a:xfrm>
+          <a:prstGeom prst="roundRect">
+            <a:avLst/>
+          </a:prstGeom>
+          <a:solidFill>
+            <a:srgbClr val="A9D18E"/>
+          </a:solidFill>
+          <a:ln w="19050">
+            <a:solidFill>
+              <a:schemeClr val="accent6">
+                <a:lumMod val="50000"/>
+              </a:schemeClr>
+            </a:solidFill>
+          </a:ln>
+        </p:spPr>
+        <p:style>
+          <a:lnRef idx="2">
+            <a:schemeClr val="accent3"/>
+          </a:lnRef>
+          <a:fillRef idx="1">
+            <a:schemeClr val="lt1"/>
+          </a:fillRef>
+          <a:effectRef idx="0">
+            <a:schemeClr val="accent3"/>
+          </a:effectRef>
+          <a:fontRef idx="minor">
+            <a:schemeClr val="dk1"/>
+          </a:fontRef>
+        </p:style>
+        <p:txBody>
+          <a:bodyPr vert="horz" rtlCol="0" anchor="ctr"/>
+          <a:lstStyle/>
+          <a:p>
+            <a:pPr algn="ctr"/>
+            <a:r>
+              <a:rPr lang="zh-CN" altLang="en-US" dirty="0">
+                <a:solidFill>
+                  <a:schemeClr val="tx1"/>
+                </a:solidFill>
+              </a:rPr>
+              <a:t>邻近已采工作面</a:t>
+            </a:r>
+            <a:endParaRPr lang="en-US" altLang="zh-CN" dirty="0">
+              <a:solidFill>
+                <a:schemeClr val="tx1"/>
+              </a:solidFill>
+            </a:endParaRPr>
+          </a:p>
+        </p:txBody>
+      </p:sp>
+      <p:sp>
+        <p:nvSpPr>
+          <p:cNvPr id="156" name="箭头: 右 155">
+            <a:extLst>
+              <a:ext uri="{FF2B5EF4-FFF2-40B4-BE49-F238E27FC236}">
+                <a16:creationId xmlns:a16="http://schemas.microsoft.com/office/drawing/2014/main" id="{046B2E59-D904-4B93-8755-637EE84A21CA}"/>
+              </a:ext>
+            </a:extLst>
+          </p:cNvPr>
+          <p:cNvSpPr/>
+          <p:nvPr/>
+        </p:nvSpPr>
+        <p:spPr>
+          <a:xfrm rot="10800000">
+            <a:off x="5443551" y="3667640"/>
+            <a:ext cx="263928" cy="385641"/>
+          </a:xfrm>
+          <a:prstGeom prst="rightArrow">
+            <a:avLst/>
+          </a:prstGeom>
+          <a:solidFill>
+            <a:srgbClr val="92D050"/>
+          </a:solidFill>
+          <a:ln w="19050">
+            <a:solidFill>
+              <a:schemeClr val="tx1"/>
+            </a:solidFill>
+          </a:ln>
+        </p:spPr>
+        <p:style>
+          <a:lnRef idx="2">
+            <a:schemeClr val="accent1">
+              <a:shade val="50000"/>
+            </a:schemeClr>
+          </a:lnRef>
+          <a:fillRef idx="1">
+            <a:schemeClr val="accent1"/>
+          </a:fillRef>
+          <a:effectRef idx="0">
+            <a:schemeClr val="accent1"/>
+          </a:effectRef>
+          <a:fontRef idx="minor">
+            <a:schemeClr val="lt1"/>
+          </a:fontRef>
+        </p:style>
+        <p:txBody>
+          <a:bodyPr rtlCol="0" anchor="ctr"/>
+          <a:lstStyle/>
+          <a:p>
+            <a:pPr algn="ctr"/>
+            <a:endParaRPr lang="zh-CN" altLang="en-US"/>
+          </a:p>
+        </p:txBody>
+      </p:sp>
+      <p:sp>
+        <p:nvSpPr>
+          <p:cNvPr id="158" name="箭头: 左右 157">
+            <a:extLst>
+              <a:ext uri="{FF2B5EF4-FFF2-40B4-BE49-F238E27FC236}">
+                <a16:creationId xmlns:a16="http://schemas.microsoft.com/office/drawing/2014/main" id="{ABB86B10-8844-4763-A93B-4EAA7610CA4A}"/>
+              </a:ext>
+            </a:extLst>
+          </p:cNvPr>
+          <p:cNvSpPr/>
+          <p:nvPr/>
+        </p:nvSpPr>
+        <p:spPr>
+          <a:xfrm rot="9030700" flipV="1">
+            <a:off x="7399644" y="3314700"/>
+            <a:ext cx="855353" cy="419098"/>
+          </a:xfrm>
+          <a:prstGeom prst="leftRightArrow">
+            <a:avLst/>
+          </a:prstGeom>
+          <a:solidFill>
+            <a:srgbClr val="A9D18E"/>
+          </a:solidFill>
+          <a:ln w="19050">
+            <a:solidFill>
+              <a:schemeClr val="tx1"/>
+            </a:solidFill>
+          </a:ln>
+        </p:spPr>
+        <p:style>
+          <a:lnRef idx="2">
+            <a:schemeClr val="accent1">
+              <a:shade val="50000"/>
+            </a:schemeClr>
+          </a:lnRef>
+          <a:fillRef idx="1">
+            <a:schemeClr val="accent1"/>
+          </a:fillRef>
+          <a:effectRef idx="0">
+            <a:schemeClr val="accent1"/>
+          </a:effectRef>
+          <a:fontRef idx="minor">
+            <a:schemeClr val="lt1"/>
+          </a:fontRef>
+        </p:style>
+        <p:txBody>
+          <a:bodyPr rtlCol="0" anchor="ctr"/>
+          <a:lstStyle/>
+          <a:p>
+            <a:pPr algn="ctr"/>
+            <a:r>
+              <a:rPr lang="zh-CN" altLang="en-US" sz="1600" dirty="0">
+                <a:solidFill>
+                  <a:schemeClr val="tx1"/>
+                </a:solidFill>
+              </a:rPr>
+              <a:t>对比</a:t>
+            </a:r>
+          </a:p>
+        </p:txBody>
+      </p:sp>
+      <p:sp>
+        <p:nvSpPr>
+          <p:cNvPr id="159" name="矩形: 圆角 158">
+            <a:extLst>
+              <a:ext uri="{FF2B5EF4-FFF2-40B4-BE49-F238E27FC236}">
+                <a16:creationId xmlns:a16="http://schemas.microsoft.com/office/drawing/2014/main" id="{BFE41956-1A42-4AF3-B1B7-F09186ED8883}"/>
+              </a:ext>
+            </a:extLst>
+          </p:cNvPr>
+          <p:cNvSpPr/>
+          <p:nvPr/>
+        </p:nvSpPr>
+        <p:spPr>
+          <a:xfrm>
+            <a:off x="3771020" y="3517900"/>
+            <a:ext cx="1628775" cy="635000"/>
+          </a:xfrm>
+          <a:prstGeom prst="roundRect">
+            <a:avLst/>
+          </a:prstGeom>
+          <a:solidFill>
+            <a:schemeClr val="accent4">
+              <a:lumMod val="60000"/>
+              <a:lumOff val="40000"/>
+            </a:schemeClr>
+          </a:solidFill>
+          <a:ln w="19050">
+            <a:solidFill>
+              <a:schemeClr val="bg1">
+                <a:lumMod val="65000"/>
+              </a:schemeClr>
+            </a:solidFill>
+          </a:ln>
+        </p:spPr>
+        <p:style>
+          <a:lnRef idx="2">
+            <a:schemeClr val="accent3"/>
+          </a:lnRef>
+          <a:fillRef idx="1">
+            <a:schemeClr val="lt1"/>
+          </a:fillRef>
+          <a:effectRef idx="0">
+            <a:schemeClr val="accent3"/>
+          </a:effectRef>
+          <a:fontRef idx="minor">
+            <a:schemeClr val="dk1"/>
+          </a:fontRef>
+        </p:style>
+        <p:txBody>
+          <a:bodyPr rtlCol="0" anchor="ctr"/>
+          <a:lstStyle/>
+          <a:p>
+            <a:pPr algn="ctr"/>
+            <a:r>
+              <a:rPr lang="zh-CN" altLang="en-US" dirty="0"/>
+              <a:t>油型气涌出危险性评价软件</a:t>
+            </a:r>
+          </a:p>
+        </p:txBody>
+      </p:sp>
+      <p:sp>
+        <p:nvSpPr>
+          <p:cNvPr id="160" name="箭头: 右 159">
+            <a:extLst>
+              <a:ext uri="{FF2B5EF4-FFF2-40B4-BE49-F238E27FC236}">
+                <a16:creationId xmlns:a16="http://schemas.microsoft.com/office/drawing/2014/main" id="{946D7C67-FCFB-4F3B-90D0-4CEF53C7609F}"/>
+              </a:ext>
+            </a:extLst>
+          </p:cNvPr>
+          <p:cNvSpPr/>
+          <p:nvPr/>
+        </p:nvSpPr>
+        <p:spPr>
+          <a:xfrm rot="5400000">
+            <a:off x="4483258" y="4161493"/>
+            <a:ext cx="263928" cy="385641"/>
+          </a:xfrm>
+          <a:prstGeom prst="rightArrow">
+            <a:avLst/>
+          </a:prstGeom>
+          <a:solidFill>
+            <a:srgbClr val="92D050"/>
+          </a:solidFill>
+          <a:ln w="19050">
+            <a:solidFill>
+              <a:schemeClr val="tx1"/>
+            </a:solidFill>
+          </a:ln>
+        </p:spPr>
+        <p:style>
+          <a:lnRef idx="2">
+            <a:schemeClr val="accent1">
+              <a:shade val="50000"/>
+            </a:schemeClr>
+          </a:lnRef>
+          <a:fillRef idx="1">
+            <a:schemeClr val="accent1"/>
+          </a:fillRef>
+          <a:effectRef idx="0">
+            <a:schemeClr val="accent1"/>
+          </a:effectRef>
+          <a:fontRef idx="minor">
+            <a:schemeClr val="lt1"/>
+          </a:fontRef>
+        </p:style>
+        <p:txBody>
+          <a:bodyPr rtlCol="0" anchor="ctr"/>
+          <a:lstStyle/>
+          <a:p>
+            <a:pPr algn="ctr"/>
+            <a:endParaRPr lang="zh-CN" altLang="en-US"/>
+          </a:p>
+        </p:txBody>
+      </p:sp>
+      <p:sp>
+        <p:nvSpPr>
+          <p:cNvPr id="161" name="矩形: 圆角 160">
+            <a:extLst>
+              <a:ext uri="{FF2B5EF4-FFF2-40B4-BE49-F238E27FC236}">
+                <a16:creationId xmlns:a16="http://schemas.microsoft.com/office/drawing/2014/main" id="{2E17508A-897A-471B-8E81-B2F2E2BFFBD0}"/>
+              </a:ext>
+            </a:extLst>
+          </p:cNvPr>
+          <p:cNvSpPr/>
+          <p:nvPr/>
+        </p:nvSpPr>
+        <p:spPr>
+          <a:xfrm>
+            <a:off x="3768725" y="4534286"/>
+            <a:ext cx="3203575" cy="431414"/>
+          </a:xfrm>
+          <a:prstGeom prst="roundRect">
+            <a:avLst/>
+          </a:prstGeom>
+          <a:solidFill>
+            <a:schemeClr val="accent4">
+              <a:lumMod val="60000"/>
+              <a:lumOff val="40000"/>
+            </a:schemeClr>
+          </a:solidFill>
+          <a:ln w="19050">
+            <a:solidFill>
+              <a:schemeClr val="bg1">
+                <a:lumMod val="65000"/>
+              </a:schemeClr>
+            </a:solidFill>
+          </a:ln>
+        </p:spPr>
+        <p:style>
+          <a:lnRef idx="2">
+            <a:schemeClr val="accent3"/>
+          </a:lnRef>
+          <a:fillRef idx="1">
+            <a:schemeClr val="lt1"/>
+          </a:fillRef>
+          <a:effectRef idx="0">
+            <a:schemeClr val="accent3"/>
+          </a:effectRef>
+          <a:fontRef idx="minor">
+            <a:schemeClr val="dk1"/>
+          </a:fontRef>
+        </p:style>
+        <p:txBody>
+          <a:bodyPr rtlCol="0" anchor="ctr"/>
+          <a:lstStyle/>
+          <a:p>
+            <a:pPr algn="ctr"/>
+            <a:r>
+              <a:rPr lang="zh-CN" altLang="en-US" dirty="0"/>
+              <a:t>油型气涌出危险性等级判识</a:t>
+            </a:r>
+          </a:p>
+        </p:txBody>
+      </p:sp>
+      <p:sp>
+        <p:nvSpPr>
+          <p:cNvPr id="162" name="箭头: 左右 161">
+            <a:extLst>
+              <a:ext uri="{FF2B5EF4-FFF2-40B4-BE49-F238E27FC236}">
+                <a16:creationId xmlns:a16="http://schemas.microsoft.com/office/drawing/2014/main" id="{323BFB96-2B29-4490-9898-BB46B2DD3350}"/>
+              </a:ext>
+            </a:extLst>
+          </p:cNvPr>
+          <p:cNvSpPr/>
+          <p:nvPr/>
+        </p:nvSpPr>
+        <p:spPr>
+          <a:xfrm rot="9139252" flipV="1">
+            <a:off x="6955145" y="4381499"/>
+            <a:ext cx="855353" cy="419098"/>
+          </a:xfrm>
+          <a:prstGeom prst="leftRightArrow">
+            <a:avLst/>
+          </a:prstGeom>
+          <a:solidFill>
+            <a:srgbClr val="A9D18E"/>
+          </a:solidFill>
+          <a:ln w="19050">
+            <a:solidFill>
+              <a:schemeClr val="tx1"/>
+            </a:solidFill>
+          </a:ln>
+        </p:spPr>
+        <p:style>
+          <a:lnRef idx="2">
+            <a:schemeClr val="accent1">
+              <a:shade val="50000"/>
+            </a:schemeClr>
+          </a:lnRef>
+          <a:fillRef idx="1">
+            <a:schemeClr val="accent1"/>
+          </a:fillRef>
+          <a:effectRef idx="0">
+            <a:schemeClr val="accent1"/>
+          </a:effectRef>
+          <a:fontRef idx="minor">
+            <a:schemeClr val="lt1"/>
+          </a:fontRef>
+        </p:style>
+        <p:txBody>
+          <a:bodyPr rtlCol="0" anchor="ctr"/>
+          <a:lstStyle/>
+          <a:p>
+            <a:pPr algn="ctr"/>
+            <a:r>
+              <a:rPr lang="zh-CN" altLang="en-US" sz="1600" dirty="0">
+                <a:solidFill>
+                  <a:schemeClr val="tx1"/>
+                </a:solidFill>
+              </a:rPr>
+              <a:t>对比</a:t>
+            </a:r>
+          </a:p>
+        </p:txBody>
+      </p:sp>
+      <p:sp>
+        <p:nvSpPr>
+          <p:cNvPr id="163" name="矩形: 圆角 162">
+            <a:extLst>
+              <a:ext uri="{FF2B5EF4-FFF2-40B4-BE49-F238E27FC236}">
+                <a16:creationId xmlns:a16="http://schemas.microsoft.com/office/drawing/2014/main" id="{4643C5B8-4B27-49EE-9705-B95F1C213111}"/>
+              </a:ext>
+            </a:extLst>
+          </p:cNvPr>
+          <p:cNvSpPr/>
+          <p:nvPr/>
+        </p:nvSpPr>
+        <p:spPr>
+          <a:xfrm>
+            <a:off x="7891607" y="3868263"/>
+            <a:ext cx="896793" cy="1199037"/>
+          </a:xfrm>
+          <a:prstGeom prst="roundRect">
+            <a:avLst/>
+          </a:prstGeom>
+          <a:solidFill>
+            <a:srgbClr val="A9D18E"/>
+          </a:solidFill>
+          <a:ln w="19050">
+            <a:solidFill>
+              <a:schemeClr val="accent6">
+                <a:lumMod val="50000"/>
+              </a:schemeClr>
+            </a:solidFill>
+          </a:ln>
+        </p:spPr>
+        <p:style>
+          <a:lnRef idx="2">
+            <a:schemeClr val="accent3"/>
+          </a:lnRef>
+          <a:fillRef idx="1">
+            <a:schemeClr val="lt1"/>
+          </a:fillRef>
+          <a:effectRef idx="0">
+            <a:schemeClr val="accent3"/>
+          </a:effectRef>
+          <a:fontRef idx="minor">
+            <a:schemeClr val="dk1"/>
+          </a:fontRef>
+        </p:style>
+        <p:txBody>
+          <a:bodyPr vert="horz" rtlCol="0" anchor="ctr"/>
+          <a:lstStyle/>
+          <a:p>
+            <a:pPr algn="ctr"/>
+            <a:r>
+              <a:rPr lang="zh-CN" altLang="en-US" dirty="0">
+                <a:solidFill>
+                  <a:schemeClr val="tx1"/>
+                </a:solidFill>
+              </a:rPr>
+              <a:t>瓦斯抽采纯量</a:t>
+            </a:r>
+            <a:endParaRPr lang="en-US" altLang="zh-CN" dirty="0">
+              <a:solidFill>
+                <a:schemeClr val="tx1"/>
+              </a:solidFill>
+            </a:endParaRPr>
+          </a:p>
+        </p:txBody>
+      </p:sp>
+      <p:sp>
+        <p:nvSpPr>
+          <p:cNvPr id="164" name="矩形: 圆角 163">
+            <a:extLst>
+              <a:ext uri="{FF2B5EF4-FFF2-40B4-BE49-F238E27FC236}">
+                <a16:creationId xmlns:a16="http://schemas.microsoft.com/office/drawing/2014/main" id="{FFA0D58E-86C6-4013-8532-5B05A16FCBCC}"/>
+              </a:ext>
+            </a:extLst>
+          </p:cNvPr>
+          <p:cNvSpPr/>
+          <p:nvPr/>
+        </p:nvSpPr>
+        <p:spPr>
+          <a:xfrm>
+            <a:off x="807012" y="5676900"/>
+            <a:ext cx="1393200" cy="532800"/>
+          </a:xfrm>
+          <a:prstGeom prst="roundRect">
+            <a:avLst/>
+          </a:prstGeom>
+          <a:solidFill>
+            <a:srgbClr val="FB8C62"/>
+          </a:solidFill>
+          <a:ln w="19050">
+            <a:solidFill>
+              <a:schemeClr val="tx1"/>
+            </a:solidFill>
+          </a:ln>
+        </p:spPr>
+        <p:style>
+          <a:lnRef idx="2">
+            <a:schemeClr val="accent3"/>
+          </a:lnRef>
+          <a:fillRef idx="1">
+            <a:schemeClr val="lt1"/>
+          </a:fillRef>
+          <a:effectRef idx="0">
+            <a:schemeClr val="accent3"/>
+          </a:effectRef>
+          <a:fontRef idx="minor">
+            <a:schemeClr val="dk1"/>
+          </a:fontRef>
+        </p:style>
+        <p:txBody>
+          <a:bodyPr rtlCol="0" anchor="ctr"/>
+          <a:lstStyle/>
+          <a:p>
+            <a:pPr algn="ctr"/>
+            <a:r>
+              <a:rPr lang="zh-CN" altLang="en-US" sz="2000" dirty="0">
+                <a:solidFill>
+                  <a:schemeClr val="tx1"/>
+                </a:solidFill>
+              </a:rPr>
+              <a:t>研究目的</a:t>
+            </a:r>
+          </a:p>
+        </p:txBody>
+      </p:sp>
+      <p:sp>
+        <p:nvSpPr>
+          <p:cNvPr id="165" name="箭头: 右 164">
+            <a:extLst>
+              <a:ext uri="{FF2B5EF4-FFF2-40B4-BE49-F238E27FC236}">
+                <a16:creationId xmlns:a16="http://schemas.microsoft.com/office/drawing/2014/main" id="{08109D6C-5D04-4BD2-84F3-9737AF5B6A93}"/>
+              </a:ext>
+            </a:extLst>
+          </p:cNvPr>
+          <p:cNvSpPr/>
+          <p:nvPr/>
+        </p:nvSpPr>
+        <p:spPr>
+          <a:xfrm>
+            <a:off x="2355850" y="5791200"/>
+            <a:ext cx="939800" cy="317500"/>
+          </a:xfrm>
+          <a:prstGeom prst="rightArrow">
+            <a:avLst/>
+          </a:prstGeom>
+          <a:solidFill>
+            <a:srgbClr val="FB8C62"/>
+          </a:solidFill>
+          <a:ln>
+            <a:solidFill>
+              <a:schemeClr val="accent2">
+                <a:lumMod val="75000"/>
+              </a:schemeClr>
+            </a:solidFill>
+          </a:ln>
+        </p:spPr>
+        <p:style>
+          <a:lnRef idx="2">
+            <a:schemeClr val="accent1">
+              <a:shade val="50000"/>
+            </a:schemeClr>
+          </a:lnRef>
+          <a:fillRef idx="1">
+            <a:schemeClr val="accent1"/>
+          </a:fillRef>
+          <a:effectRef idx="0">
+            <a:schemeClr val="accent1"/>
+          </a:effectRef>
+          <a:fontRef idx="minor">
+            <a:schemeClr val="lt1"/>
+          </a:fontRef>
+        </p:style>
+        <p:txBody>
+          <a:bodyPr rtlCol="0" anchor="ctr"/>
+          <a:lstStyle/>
+          <a:p>
+            <a:pPr algn="ctr"/>
+            <a:endParaRPr lang="zh-CN" altLang="en-US"/>
+          </a:p>
+        </p:txBody>
+      </p:sp>
+      <p:sp>
+        <p:nvSpPr>
+          <p:cNvPr id="166" name="矩形: 圆角 165">
+            <a:extLst>
+              <a:ext uri="{FF2B5EF4-FFF2-40B4-BE49-F238E27FC236}">
+                <a16:creationId xmlns:a16="http://schemas.microsoft.com/office/drawing/2014/main" id="{AACAEFAE-F6A2-435A-9119-F2FAA40B4911}"/>
+              </a:ext>
+            </a:extLst>
+          </p:cNvPr>
+          <p:cNvSpPr/>
+          <p:nvPr/>
+        </p:nvSpPr>
+        <p:spPr>
+          <a:xfrm>
+            <a:off x="3578089" y="5588000"/>
+            <a:ext cx="5451611" cy="812799"/>
+          </a:xfrm>
+          <a:prstGeom prst="roundRect">
+            <a:avLst/>
+          </a:prstGeom>
+          <a:solidFill>
+            <a:srgbClr val="FB8C62"/>
+          </a:solidFill>
+          <a:ln w="19050">
+            <a:solidFill>
+              <a:schemeClr val="tx1"/>
+            </a:solidFill>
+          </a:ln>
+        </p:spPr>
+        <p:style>
+          <a:lnRef idx="2">
+            <a:schemeClr val="accent3"/>
+          </a:lnRef>
+          <a:fillRef idx="1">
+            <a:schemeClr val="lt1"/>
+          </a:fillRef>
+          <a:effectRef idx="0">
+            <a:schemeClr val="accent3"/>
+          </a:effectRef>
+          <a:fontRef idx="minor">
+            <a:schemeClr val="dk1"/>
+          </a:fontRef>
+        </p:style>
+        <p:txBody>
+          <a:bodyPr rtlCol="0" anchor="ctr"/>
+          <a:lstStyle/>
+          <a:p>
+            <a:pPr algn="ctr"/>
+            <a:r>
+              <a:rPr lang="zh-CN" altLang="en-US" sz="2800" dirty="0"/>
+              <a:t>基于直流电法的</a:t>
+            </a:r>
+            <a:endParaRPr lang="en-US" altLang="zh-CN" sz="2800" dirty="0"/>
+          </a:p>
+          <a:p>
+            <a:pPr algn="ctr"/>
+            <a:r>
+              <a:rPr lang="zh-CN" altLang="en-US" sz="2800" dirty="0"/>
+              <a:t>油型气涌出危险性判识</a:t>
+            </a:r>
+          </a:p>
+        </p:txBody>
+      </p:sp>
+      <p:cxnSp>
+        <p:nvCxnSpPr>
+          <p:cNvPr id="167" name="直接箭头连接符 166">
+            <a:extLst>
+              <a:ext uri="{FF2B5EF4-FFF2-40B4-BE49-F238E27FC236}">
+                <a16:creationId xmlns:a16="http://schemas.microsoft.com/office/drawing/2014/main" id="{C2F7399B-EE78-46AA-BABF-E3B6261532E7}"/>
+              </a:ext>
+            </a:extLst>
+          </p:cNvPr>
+          <p:cNvCxnSpPr>
+            <a:cxnSpLocks/>
+            <a:endCxn id="166" idx="0"/>
+          </p:cNvCxnSpPr>
+          <p:nvPr/>
+        </p:nvCxnSpPr>
+        <p:spPr>
+          <a:xfrm flipH="1">
+            <a:off x="6303895" y="5166591"/>
+            <a:ext cx="5984" cy="421409"/>
+          </a:xfrm>
+          <a:prstGeom prst="straightConnector1">
+            <a:avLst/>
+          </a:prstGeom>
+          <a:ln w="38100">
+            <a:solidFill>
+              <a:schemeClr val="accent4">
+                <a:lumMod val="60000"/>
+                <a:lumOff val="40000"/>
+              </a:schemeClr>
+            </a:solidFill>
+            <a:prstDash val="sysDash"/>
+            <a:tailEnd type="triangle" w="lg" len="med"/>
+          </a:ln>
+        </p:spPr>
+        <p:style>
+          <a:lnRef idx="1">
+            <a:schemeClr val="accent1"/>
+          </a:lnRef>
+          <a:fillRef idx="0">
+            <a:schemeClr val="accent1"/>
+          </a:fillRef>
+          <a:effectRef idx="0">
+            <a:schemeClr val="accent1"/>
+          </a:effectRef>
+          <a:fontRef idx="minor">
+            <a:schemeClr val="tx1"/>
+          </a:fontRef>
+        </p:style>
+      </p:cxnSp>
     </p:spTree>
     <p:extLst>
       <p:ext uri="{BB962C8B-B14F-4D97-AF65-F5344CB8AC3E}">

--- a/开题.pptx
+++ b/开题.pptx
@@ -5,7 +5,7 @@
     <p:sldMasterId id="2147483648" r:id="rId1"/>
   </p:sldMasterIdLst>
   <p:notesMasterIdLst>
-    <p:notesMasterId r:id="rId17"/>
+    <p:notesMasterId r:id="rId27"/>
   </p:notesMasterIdLst>
   <p:sldIdLst>
     <p:sldId id="256" r:id="rId2"/>
@@ -21,8 +21,18 @@
     <p:sldId id="327" r:id="rId12"/>
     <p:sldId id="326" r:id="rId13"/>
     <p:sldId id="320" r:id="rId14"/>
-    <p:sldId id="304" r:id="rId15"/>
-    <p:sldId id="307" r:id="rId16"/>
+    <p:sldId id="329" r:id="rId15"/>
+    <p:sldId id="331" r:id="rId16"/>
+    <p:sldId id="332" r:id="rId17"/>
+    <p:sldId id="333" r:id="rId18"/>
+    <p:sldId id="334" r:id="rId19"/>
+    <p:sldId id="335" r:id="rId20"/>
+    <p:sldId id="336" r:id="rId21"/>
+    <p:sldId id="337" r:id="rId22"/>
+    <p:sldId id="338" r:id="rId23"/>
+    <p:sldId id="330" r:id="rId24"/>
+    <p:sldId id="304" r:id="rId25"/>
+    <p:sldId id="307" r:id="rId26"/>
   </p:sldIdLst>
   <p:sldSz cx="12192000" cy="6858000"/>
   <p:notesSz cx="6858000" cy="9144000"/>
@@ -234,7 +244,7 @@
           <a:p>
             <a:fld id="{67E46AAF-12A8-4624-8EDF-DCD94EB31EC8}" type="datetimeFigureOut">
               <a:rPr lang="zh-CN" altLang="en-US" smtClean="0"/>
-              <a:t>2024/4/12</a:t>
+              <a:t>2024/4/15</a:t>
             </a:fld>
             <a:endParaRPr lang="zh-CN" altLang="en-US"/>
           </a:p>
@@ -995,7 +1005,7 @@
     </p:spTree>
     <p:extLst>
       <p:ext uri="{BB962C8B-B14F-4D97-AF65-F5344CB8AC3E}">
-        <p14:creationId xmlns:p14="http://schemas.microsoft.com/office/powerpoint/2010/main" val="1444184318"/>
+        <p14:creationId xmlns:p14="http://schemas.microsoft.com/office/powerpoint/2010/main" val="3877558550"/>
       </p:ext>
     </p:extLst>
   </p:cSld>
@@ -1079,7 +1089,343 @@
     </p:spTree>
     <p:extLst>
       <p:ext uri="{BB962C8B-B14F-4D97-AF65-F5344CB8AC3E}">
-        <p14:creationId xmlns:p14="http://schemas.microsoft.com/office/powerpoint/2010/main" val="3883091448"/>
+        <p14:creationId xmlns:p14="http://schemas.microsoft.com/office/powerpoint/2010/main" val="529673846"/>
+      </p:ext>
+    </p:extLst>
+  </p:cSld>
+  <p:clrMapOvr>
+    <a:masterClrMapping/>
+  </p:clrMapOvr>
+</p:notes>
+</file>
+
+<file path=ppt/notesSlides/notesSlide16.xml><?xml version="1.0" encoding="utf-8"?>
+<p:notes xmlns:a="http://schemas.openxmlformats.org/drawingml/2006/main" xmlns:r="http://schemas.openxmlformats.org/officeDocument/2006/relationships" xmlns:p="http://schemas.openxmlformats.org/presentationml/2006/main">
+  <p:cSld>
+    <p:spTree>
+      <p:nvGrpSpPr>
+        <p:cNvPr id="1" name=""/>
+        <p:cNvGrpSpPr/>
+        <p:nvPr/>
+      </p:nvGrpSpPr>
+      <p:grpSpPr>
+        <a:xfrm>
+          <a:off x="0" y="0"/>
+          <a:ext cx="0" cy="0"/>
+          <a:chOff x="0" y="0"/>
+          <a:chExt cx="0" cy="0"/>
+        </a:xfrm>
+      </p:grpSpPr>
+      <p:sp>
+        <p:nvSpPr>
+          <p:cNvPr id="2" name="幻灯片图像占位符 1"/>
+          <p:cNvSpPr>
+            <a:spLocks noGrp="1" noRot="1" noChangeAspect="1"/>
+          </p:cNvSpPr>
+          <p:nvPr>
+            <p:ph type="sldImg"/>
+          </p:nvPr>
+        </p:nvSpPr>
+        <p:spPr/>
+      </p:sp>
+      <p:sp>
+        <p:nvSpPr>
+          <p:cNvPr id="3" name="备注占位符 2"/>
+          <p:cNvSpPr>
+            <a:spLocks noGrp="1"/>
+          </p:cNvSpPr>
+          <p:nvPr>
+            <p:ph type="body" idx="1"/>
+          </p:nvPr>
+        </p:nvSpPr>
+        <p:spPr/>
+        <p:txBody>
+          <a:bodyPr/>
+          <a:lstStyle/>
+          <a:p>
+            <a:endParaRPr lang="zh-CN" altLang="en-US"/>
+          </a:p>
+        </p:txBody>
+      </p:sp>
+      <p:sp>
+        <p:nvSpPr>
+          <p:cNvPr id="4" name="灯片编号占位符 3"/>
+          <p:cNvSpPr>
+            <a:spLocks noGrp="1"/>
+          </p:cNvSpPr>
+          <p:nvPr>
+            <p:ph type="sldNum" sz="quarter" idx="10"/>
+          </p:nvPr>
+        </p:nvSpPr>
+        <p:spPr/>
+        <p:txBody>
+          <a:bodyPr/>
+          <a:lstStyle/>
+          <a:p>
+            <a:fld id="{51101410-6C15-4D5A-8C58-45F0BF97249F}" type="slidenum">
+              <a:rPr lang="zh-CN" altLang="en-US" smtClean="0"/>
+              <a:t>16</a:t>
+            </a:fld>
+            <a:endParaRPr lang="zh-CN" altLang="en-US"/>
+          </a:p>
+        </p:txBody>
+      </p:sp>
+    </p:spTree>
+    <p:extLst>
+      <p:ext uri="{BB962C8B-B14F-4D97-AF65-F5344CB8AC3E}">
+        <p14:creationId xmlns:p14="http://schemas.microsoft.com/office/powerpoint/2010/main" val="1328958740"/>
+      </p:ext>
+    </p:extLst>
+  </p:cSld>
+  <p:clrMapOvr>
+    <a:masterClrMapping/>
+  </p:clrMapOvr>
+</p:notes>
+</file>
+
+<file path=ppt/notesSlides/notesSlide17.xml><?xml version="1.0" encoding="utf-8"?>
+<p:notes xmlns:a="http://schemas.openxmlformats.org/drawingml/2006/main" xmlns:r="http://schemas.openxmlformats.org/officeDocument/2006/relationships" xmlns:p="http://schemas.openxmlformats.org/presentationml/2006/main">
+  <p:cSld>
+    <p:spTree>
+      <p:nvGrpSpPr>
+        <p:cNvPr id="1" name=""/>
+        <p:cNvGrpSpPr/>
+        <p:nvPr/>
+      </p:nvGrpSpPr>
+      <p:grpSpPr>
+        <a:xfrm>
+          <a:off x="0" y="0"/>
+          <a:ext cx="0" cy="0"/>
+          <a:chOff x="0" y="0"/>
+          <a:chExt cx="0" cy="0"/>
+        </a:xfrm>
+      </p:grpSpPr>
+      <p:sp>
+        <p:nvSpPr>
+          <p:cNvPr id="2" name="幻灯片图像占位符 1"/>
+          <p:cNvSpPr>
+            <a:spLocks noGrp="1" noRot="1" noChangeAspect="1"/>
+          </p:cNvSpPr>
+          <p:nvPr>
+            <p:ph type="sldImg"/>
+          </p:nvPr>
+        </p:nvSpPr>
+        <p:spPr/>
+      </p:sp>
+      <p:sp>
+        <p:nvSpPr>
+          <p:cNvPr id="3" name="备注占位符 2"/>
+          <p:cNvSpPr>
+            <a:spLocks noGrp="1"/>
+          </p:cNvSpPr>
+          <p:nvPr>
+            <p:ph type="body" idx="1"/>
+          </p:nvPr>
+        </p:nvSpPr>
+        <p:spPr/>
+        <p:txBody>
+          <a:bodyPr/>
+          <a:lstStyle/>
+          <a:p>
+            <a:endParaRPr lang="zh-CN" altLang="en-US"/>
+          </a:p>
+        </p:txBody>
+      </p:sp>
+      <p:sp>
+        <p:nvSpPr>
+          <p:cNvPr id="4" name="灯片编号占位符 3"/>
+          <p:cNvSpPr>
+            <a:spLocks noGrp="1"/>
+          </p:cNvSpPr>
+          <p:nvPr>
+            <p:ph type="sldNum" sz="quarter" idx="10"/>
+          </p:nvPr>
+        </p:nvSpPr>
+        <p:spPr/>
+        <p:txBody>
+          <a:bodyPr/>
+          <a:lstStyle/>
+          <a:p>
+            <a:fld id="{51101410-6C15-4D5A-8C58-45F0BF97249F}" type="slidenum">
+              <a:rPr lang="zh-CN" altLang="en-US" smtClean="0"/>
+              <a:t>17</a:t>
+            </a:fld>
+            <a:endParaRPr lang="zh-CN" altLang="en-US"/>
+          </a:p>
+        </p:txBody>
+      </p:sp>
+    </p:spTree>
+    <p:extLst>
+      <p:ext uri="{BB962C8B-B14F-4D97-AF65-F5344CB8AC3E}">
+        <p14:creationId xmlns:p14="http://schemas.microsoft.com/office/powerpoint/2010/main" val="2036756423"/>
+      </p:ext>
+    </p:extLst>
+  </p:cSld>
+  <p:clrMapOvr>
+    <a:masterClrMapping/>
+  </p:clrMapOvr>
+</p:notes>
+</file>
+
+<file path=ppt/notesSlides/notesSlide18.xml><?xml version="1.0" encoding="utf-8"?>
+<p:notes xmlns:a="http://schemas.openxmlformats.org/drawingml/2006/main" xmlns:r="http://schemas.openxmlformats.org/officeDocument/2006/relationships" xmlns:p="http://schemas.openxmlformats.org/presentationml/2006/main">
+  <p:cSld>
+    <p:spTree>
+      <p:nvGrpSpPr>
+        <p:cNvPr id="1" name=""/>
+        <p:cNvGrpSpPr/>
+        <p:nvPr/>
+      </p:nvGrpSpPr>
+      <p:grpSpPr>
+        <a:xfrm>
+          <a:off x="0" y="0"/>
+          <a:ext cx="0" cy="0"/>
+          <a:chOff x="0" y="0"/>
+          <a:chExt cx="0" cy="0"/>
+        </a:xfrm>
+      </p:grpSpPr>
+      <p:sp>
+        <p:nvSpPr>
+          <p:cNvPr id="2" name="幻灯片图像占位符 1"/>
+          <p:cNvSpPr>
+            <a:spLocks noGrp="1" noRot="1" noChangeAspect="1"/>
+          </p:cNvSpPr>
+          <p:nvPr>
+            <p:ph type="sldImg"/>
+          </p:nvPr>
+        </p:nvSpPr>
+        <p:spPr/>
+      </p:sp>
+      <p:sp>
+        <p:nvSpPr>
+          <p:cNvPr id="3" name="备注占位符 2"/>
+          <p:cNvSpPr>
+            <a:spLocks noGrp="1"/>
+          </p:cNvSpPr>
+          <p:nvPr>
+            <p:ph type="body" idx="1"/>
+          </p:nvPr>
+        </p:nvSpPr>
+        <p:spPr/>
+        <p:txBody>
+          <a:bodyPr/>
+          <a:lstStyle/>
+          <a:p>
+            <a:endParaRPr lang="zh-CN" altLang="en-US"/>
+          </a:p>
+        </p:txBody>
+      </p:sp>
+      <p:sp>
+        <p:nvSpPr>
+          <p:cNvPr id="4" name="灯片编号占位符 3"/>
+          <p:cNvSpPr>
+            <a:spLocks noGrp="1"/>
+          </p:cNvSpPr>
+          <p:nvPr>
+            <p:ph type="sldNum" sz="quarter" idx="10"/>
+          </p:nvPr>
+        </p:nvSpPr>
+        <p:spPr/>
+        <p:txBody>
+          <a:bodyPr/>
+          <a:lstStyle/>
+          <a:p>
+            <a:fld id="{51101410-6C15-4D5A-8C58-45F0BF97249F}" type="slidenum">
+              <a:rPr lang="zh-CN" altLang="en-US" smtClean="0"/>
+              <a:t>18</a:t>
+            </a:fld>
+            <a:endParaRPr lang="zh-CN" altLang="en-US"/>
+          </a:p>
+        </p:txBody>
+      </p:sp>
+    </p:spTree>
+    <p:extLst>
+      <p:ext uri="{BB962C8B-B14F-4D97-AF65-F5344CB8AC3E}">
+        <p14:creationId xmlns:p14="http://schemas.microsoft.com/office/powerpoint/2010/main" val="3882212331"/>
+      </p:ext>
+    </p:extLst>
+  </p:cSld>
+  <p:clrMapOvr>
+    <a:masterClrMapping/>
+  </p:clrMapOvr>
+</p:notes>
+</file>
+
+<file path=ppt/notesSlides/notesSlide19.xml><?xml version="1.0" encoding="utf-8"?>
+<p:notes xmlns:a="http://schemas.openxmlformats.org/drawingml/2006/main" xmlns:r="http://schemas.openxmlformats.org/officeDocument/2006/relationships" xmlns:p="http://schemas.openxmlformats.org/presentationml/2006/main">
+  <p:cSld>
+    <p:spTree>
+      <p:nvGrpSpPr>
+        <p:cNvPr id="1" name=""/>
+        <p:cNvGrpSpPr/>
+        <p:nvPr/>
+      </p:nvGrpSpPr>
+      <p:grpSpPr>
+        <a:xfrm>
+          <a:off x="0" y="0"/>
+          <a:ext cx="0" cy="0"/>
+          <a:chOff x="0" y="0"/>
+          <a:chExt cx="0" cy="0"/>
+        </a:xfrm>
+      </p:grpSpPr>
+      <p:sp>
+        <p:nvSpPr>
+          <p:cNvPr id="2" name="幻灯片图像占位符 1"/>
+          <p:cNvSpPr>
+            <a:spLocks noGrp="1" noRot="1" noChangeAspect="1"/>
+          </p:cNvSpPr>
+          <p:nvPr>
+            <p:ph type="sldImg"/>
+          </p:nvPr>
+        </p:nvSpPr>
+        <p:spPr/>
+      </p:sp>
+      <p:sp>
+        <p:nvSpPr>
+          <p:cNvPr id="3" name="备注占位符 2"/>
+          <p:cNvSpPr>
+            <a:spLocks noGrp="1"/>
+          </p:cNvSpPr>
+          <p:nvPr>
+            <p:ph type="body" idx="1"/>
+          </p:nvPr>
+        </p:nvSpPr>
+        <p:spPr/>
+        <p:txBody>
+          <a:bodyPr/>
+          <a:lstStyle/>
+          <a:p>
+            <a:endParaRPr lang="zh-CN" altLang="en-US"/>
+          </a:p>
+        </p:txBody>
+      </p:sp>
+      <p:sp>
+        <p:nvSpPr>
+          <p:cNvPr id="4" name="灯片编号占位符 3"/>
+          <p:cNvSpPr>
+            <a:spLocks noGrp="1"/>
+          </p:cNvSpPr>
+          <p:nvPr>
+            <p:ph type="sldNum" sz="quarter" idx="10"/>
+          </p:nvPr>
+        </p:nvSpPr>
+        <p:spPr/>
+        <p:txBody>
+          <a:bodyPr/>
+          <a:lstStyle/>
+          <a:p>
+            <a:fld id="{51101410-6C15-4D5A-8C58-45F0BF97249F}" type="slidenum">
+              <a:rPr lang="zh-CN" altLang="en-US" smtClean="0"/>
+              <a:t>19</a:t>
+            </a:fld>
+            <a:endParaRPr lang="zh-CN" altLang="en-US"/>
+          </a:p>
+        </p:txBody>
+      </p:sp>
+    </p:spTree>
+    <p:extLst>
+      <p:ext uri="{BB962C8B-B14F-4D97-AF65-F5344CB8AC3E}">
+        <p14:creationId xmlns:p14="http://schemas.microsoft.com/office/powerpoint/2010/main" val="644796094"/>
       </p:ext>
     </p:extLst>
   </p:cSld>
@@ -1164,6 +1510,510 @@
     <p:extLst>
       <p:ext uri="{BB962C8B-B14F-4D97-AF65-F5344CB8AC3E}">
         <p14:creationId xmlns:p14="http://schemas.microsoft.com/office/powerpoint/2010/main" val="1458453424"/>
+      </p:ext>
+    </p:extLst>
+  </p:cSld>
+  <p:clrMapOvr>
+    <a:masterClrMapping/>
+  </p:clrMapOvr>
+</p:notes>
+</file>
+
+<file path=ppt/notesSlides/notesSlide20.xml><?xml version="1.0" encoding="utf-8"?>
+<p:notes xmlns:a="http://schemas.openxmlformats.org/drawingml/2006/main" xmlns:r="http://schemas.openxmlformats.org/officeDocument/2006/relationships" xmlns:p="http://schemas.openxmlformats.org/presentationml/2006/main">
+  <p:cSld>
+    <p:spTree>
+      <p:nvGrpSpPr>
+        <p:cNvPr id="1" name=""/>
+        <p:cNvGrpSpPr/>
+        <p:nvPr/>
+      </p:nvGrpSpPr>
+      <p:grpSpPr>
+        <a:xfrm>
+          <a:off x="0" y="0"/>
+          <a:ext cx="0" cy="0"/>
+          <a:chOff x="0" y="0"/>
+          <a:chExt cx="0" cy="0"/>
+        </a:xfrm>
+      </p:grpSpPr>
+      <p:sp>
+        <p:nvSpPr>
+          <p:cNvPr id="2" name="幻灯片图像占位符 1"/>
+          <p:cNvSpPr>
+            <a:spLocks noGrp="1" noRot="1" noChangeAspect="1"/>
+          </p:cNvSpPr>
+          <p:nvPr>
+            <p:ph type="sldImg"/>
+          </p:nvPr>
+        </p:nvSpPr>
+        <p:spPr/>
+      </p:sp>
+      <p:sp>
+        <p:nvSpPr>
+          <p:cNvPr id="3" name="备注占位符 2"/>
+          <p:cNvSpPr>
+            <a:spLocks noGrp="1"/>
+          </p:cNvSpPr>
+          <p:nvPr>
+            <p:ph type="body" idx="1"/>
+          </p:nvPr>
+        </p:nvSpPr>
+        <p:spPr/>
+        <p:txBody>
+          <a:bodyPr/>
+          <a:lstStyle/>
+          <a:p>
+            <a:endParaRPr lang="zh-CN" altLang="en-US"/>
+          </a:p>
+        </p:txBody>
+      </p:sp>
+      <p:sp>
+        <p:nvSpPr>
+          <p:cNvPr id="4" name="灯片编号占位符 3"/>
+          <p:cNvSpPr>
+            <a:spLocks noGrp="1"/>
+          </p:cNvSpPr>
+          <p:nvPr>
+            <p:ph type="sldNum" sz="quarter" idx="10"/>
+          </p:nvPr>
+        </p:nvSpPr>
+        <p:spPr/>
+        <p:txBody>
+          <a:bodyPr/>
+          <a:lstStyle/>
+          <a:p>
+            <a:fld id="{51101410-6C15-4D5A-8C58-45F0BF97249F}" type="slidenum">
+              <a:rPr lang="zh-CN" altLang="en-US" smtClean="0"/>
+              <a:t>20</a:t>
+            </a:fld>
+            <a:endParaRPr lang="zh-CN" altLang="en-US"/>
+          </a:p>
+        </p:txBody>
+      </p:sp>
+    </p:spTree>
+    <p:extLst>
+      <p:ext uri="{BB962C8B-B14F-4D97-AF65-F5344CB8AC3E}">
+        <p14:creationId xmlns:p14="http://schemas.microsoft.com/office/powerpoint/2010/main" val="145731408"/>
+      </p:ext>
+    </p:extLst>
+  </p:cSld>
+  <p:clrMapOvr>
+    <a:masterClrMapping/>
+  </p:clrMapOvr>
+</p:notes>
+</file>
+
+<file path=ppt/notesSlides/notesSlide21.xml><?xml version="1.0" encoding="utf-8"?>
+<p:notes xmlns:a="http://schemas.openxmlformats.org/drawingml/2006/main" xmlns:r="http://schemas.openxmlformats.org/officeDocument/2006/relationships" xmlns:p="http://schemas.openxmlformats.org/presentationml/2006/main">
+  <p:cSld>
+    <p:spTree>
+      <p:nvGrpSpPr>
+        <p:cNvPr id="1" name=""/>
+        <p:cNvGrpSpPr/>
+        <p:nvPr/>
+      </p:nvGrpSpPr>
+      <p:grpSpPr>
+        <a:xfrm>
+          <a:off x="0" y="0"/>
+          <a:ext cx="0" cy="0"/>
+          <a:chOff x="0" y="0"/>
+          <a:chExt cx="0" cy="0"/>
+        </a:xfrm>
+      </p:grpSpPr>
+      <p:sp>
+        <p:nvSpPr>
+          <p:cNvPr id="2" name="幻灯片图像占位符 1"/>
+          <p:cNvSpPr>
+            <a:spLocks noGrp="1" noRot="1" noChangeAspect="1"/>
+          </p:cNvSpPr>
+          <p:nvPr>
+            <p:ph type="sldImg"/>
+          </p:nvPr>
+        </p:nvSpPr>
+        <p:spPr/>
+      </p:sp>
+      <p:sp>
+        <p:nvSpPr>
+          <p:cNvPr id="3" name="备注占位符 2"/>
+          <p:cNvSpPr>
+            <a:spLocks noGrp="1"/>
+          </p:cNvSpPr>
+          <p:nvPr>
+            <p:ph type="body" idx="1"/>
+          </p:nvPr>
+        </p:nvSpPr>
+        <p:spPr/>
+        <p:txBody>
+          <a:bodyPr/>
+          <a:lstStyle/>
+          <a:p>
+            <a:endParaRPr lang="zh-CN" altLang="en-US"/>
+          </a:p>
+        </p:txBody>
+      </p:sp>
+      <p:sp>
+        <p:nvSpPr>
+          <p:cNvPr id="4" name="灯片编号占位符 3"/>
+          <p:cNvSpPr>
+            <a:spLocks noGrp="1"/>
+          </p:cNvSpPr>
+          <p:nvPr>
+            <p:ph type="sldNum" sz="quarter" idx="10"/>
+          </p:nvPr>
+        </p:nvSpPr>
+        <p:spPr/>
+        <p:txBody>
+          <a:bodyPr/>
+          <a:lstStyle/>
+          <a:p>
+            <a:fld id="{51101410-6C15-4D5A-8C58-45F0BF97249F}" type="slidenum">
+              <a:rPr lang="zh-CN" altLang="en-US" smtClean="0"/>
+              <a:t>21</a:t>
+            </a:fld>
+            <a:endParaRPr lang="zh-CN" altLang="en-US"/>
+          </a:p>
+        </p:txBody>
+      </p:sp>
+    </p:spTree>
+    <p:extLst>
+      <p:ext uri="{BB962C8B-B14F-4D97-AF65-F5344CB8AC3E}">
+        <p14:creationId xmlns:p14="http://schemas.microsoft.com/office/powerpoint/2010/main" val="2847485244"/>
+      </p:ext>
+    </p:extLst>
+  </p:cSld>
+  <p:clrMapOvr>
+    <a:masterClrMapping/>
+  </p:clrMapOvr>
+</p:notes>
+</file>
+
+<file path=ppt/notesSlides/notesSlide22.xml><?xml version="1.0" encoding="utf-8"?>
+<p:notes xmlns:a="http://schemas.openxmlformats.org/drawingml/2006/main" xmlns:r="http://schemas.openxmlformats.org/officeDocument/2006/relationships" xmlns:p="http://schemas.openxmlformats.org/presentationml/2006/main">
+  <p:cSld>
+    <p:spTree>
+      <p:nvGrpSpPr>
+        <p:cNvPr id="1" name=""/>
+        <p:cNvGrpSpPr/>
+        <p:nvPr/>
+      </p:nvGrpSpPr>
+      <p:grpSpPr>
+        <a:xfrm>
+          <a:off x="0" y="0"/>
+          <a:ext cx="0" cy="0"/>
+          <a:chOff x="0" y="0"/>
+          <a:chExt cx="0" cy="0"/>
+        </a:xfrm>
+      </p:grpSpPr>
+      <p:sp>
+        <p:nvSpPr>
+          <p:cNvPr id="2" name="幻灯片图像占位符 1"/>
+          <p:cNvSpPr>
+            <a:spLocks noGrp="1" noRot="1" noChangeAspect="1"/>
+          </p:cNvSpPr>
+          <p:nvPr>
+            <p:ph type="sldImg"/>
+          </p:nvPr>
+        </p:nvSpPr>
+        <p:spPr/>
+      </p:sp>
+      <p:sp>
+        <p:nvSpPr>
+          <p:cNvPr id="3" name="备注占位符 2"/>
+          <p:cNvSpPr>
+            <a:spLocks noGrp="1"/>
+          </p:cNvSpPr>
+          <p:nvPr>
+            <p:ph type="body" idx="1"/>
+          </p:nvPr>
+        </p:nvSpPr>
+        <p:spPr/>
+        <p:txBody>
+          <a:bodyPr/>
+          <a:lstStyle/>
+          <a:p>
+            <a:endParaRPr lang="zh-CN" altLang="en-US"/>
+          </a:p>
+        </p:txBody>
+      </p:sp>
+      <p:sp>
+        <p:nvSpPr>
+          <p:cNvPr id="4" name="灯片编号占位符 3"/>
+          <p:cNvSpPr>
+            <a:spLocks noGrp="1"/>
+          </p:cNvSpPr>
+          <p:nvPr>
+            <p:ph type="sldNum" sz="quarter" idx="10"/>
+          </p:nvPr>
+        </p:nvSpPr>
+        <p:spPr/>
+        <p:txBody>
+          <a:bodyPr/>
+          <a:lstStyle/>
+          <a:p>
+            <a:fld id="{51101410-6C15-4D5A-8C58-45F0BF97249F}" type="slidenum">
+              <a:rPr lang="zh-CN" altLang="en-US" smtClean="0"/>
+              <a:t>22</a:t>
+            </a:fld>
+            <a:endParaRPr lang="zh-CN" altLang="en-US"/>
+          </a:p>
+        </p:txBody>
+      </p:sp>
+    </p:spTree>
+    <p:extLst>
+      <p:ext uri="{BB962C8B-B14F-4D97-AF65-F5344CB8AC3E}">
+        <p14:creationId xmlns:p14="http://schemas.microsoft.com/office/powerpoint/2010/main" val="1380872570"/>
+      </p:ext>
+    </p:extLst>
+  </p:cSld>
+  <p:clrMapOvr>
+    <a:masterClrMapping/>
+  </p:clrMapOvr>
+</p:notes>
+</file>
+
+<file path=ppt/notesSlides/notesSlide23.xml><?xml version="1.0" encoding="utf-8"?>
+<p:notes xmlns:a="http://schemas.openxmlformats.org/drawingml/2006/main" xmlns:r="http://schemas.openxmlformats.org/officeDocument/2006/relationships" xmlns:p="http://schemas.openxmlformats.org/presentationml/2006/main">
+  <p:cSld>
+    <p:spTree>
+      <p:nvGrpSpPr>
+        <p:cNvPr id="1" name=""/>
+        <p:cNvGrpSpPr/>
+        <p:nvPr/>
+      </p:nvGrpSpPr>
+      <p:grpSpPr>
+        <a:xfrm>
+          <a:off x="0" y="0"/>
+          <a:ext cx="0" cy="0"/>
+          <a:chOff x="0" y="0"/>
+          <a:chExt cx="0" cy="0"/>
+        </a:xfrm>
+      </p:grpSpPr>
+      <p:sp>
+        <p:nvSpPr>
+          <p:cNvPr id="2" name="幻灯片图像占位符 1"/>
+          <p:cNvSpPr>
+            <a:spLocks noGrp="1" noRot="1" noChangeAspect="1"/>
+          </p:cNvSpPr>
+          <p:nvPr>
+            <p:ph type="sldImg"/>
+          </p:nvPr>
+        </p:nvSpPr>
+        <p:spPr/>
+      </p:sp>
+      <p:sp>
+        <p:nvSpPr>
+          <p:cNvPr id="3" name="备注占位符 2"/>
+          <p:cNvSpPr>
+            <a:spLocks noGrp="1"/>
+          </p:cNvSpPr>
+          <p:nvPr>
+            <p:ph type="body" idx="1"/>
+          </p:nvPr>
+        </p:nvSpPr>
+        <p:spPr/>
+        <p:txBody>
+          <a:bodyPr/>
+          <a:lstStyle/>
+          <a:p>
+            <a:endParaRPr lang="zh-CN" altLang="en-US"/>
+          </a:p>
+        </p:txBody>
+      </p:sp>
+      <p:sp>
+        <p:nvSpPr>
+          <p:cNvPr id="4" name="灯片编号占位符 3"/>
+          <p:cNvSpPr>
+            <a:spLocks noGrp="1"/>
+          </p:cNvSpPr>
+          <p:nvPr>
+            <p:ph type="sldNum" sz="quarter" idx="10"/>
+          </p:nvPr>
+        </p:nvSpPr>
+        <p:spPr/>
+        <p:txBody>
+          <a:bodyPr/>
+          <a:lstStyle/>
+          <a:p>
+            <a:fld id="{51101410-6C15-4D5A-8C58-45F0BF97249F}" type="slidenum">
+              <a:rPr lang="zh-CN" altLang="en-US" smtClean="0"/>
+              <a:t>23</a:t>
+            </a:fld>
+            <a:endParaRPr lang="zh-CN" altLang="en-US"/>
+          </a:p>
+        </p:txBody>
+      </p:sp>
+    </p:spTree>
+    <p:extLst>
+      <p:ext uri="{BB962C8B-B14F-4D97-AF65-F5344CB8AC3E}">
+        <p14:creationId xmlns:p14="http://schemas.microsoft.com/office/powerpoint/2010/main" val="2573237822"/>
+      </p:ext>
+    </p:extLst>
+  </p:cSld>
+  <p:clrMapOvr>
+    <a:masterClrMapping/>
+  </p:clrMapOvr>
+</p:notes>
+</file>
+
+<file path=ppt/notesSlides/notesSlide24.xml><?xml version="1.0" encoding="utf-8"?>
+<p:notes xmlns:a="http://schemas.openxmlformats.org/drawingml/2006/main" xmlns:r="http://schemas.openxmlformats.org/officeDocument/2006/relationships" xmlns:p="http://schemas.openxmlformats.org/presentationml/2006/main">
+  <p:cSld>
+    <p:spTree>
+      <p:nvGrpSpPr>
+        <p:cNvPr id="1" name=""/>
+        <p:cNvGrpSpPr/>
+        <p:nvPr/>
+      </p:nvGrpSpPr>
+      <p:grpSpPr>
+        <a:xfrm>
+          <a:off x="0" y="0"/>
+          <a:ext cx="0" cy="0"/>
+          <a:chOff x="0" y="0"/>
+          <a:chExt cx="0" cy="0"/>
+        </a:xfrm>
+      </p:grpSpPr>
+      <p:sp>
+        <p:nvSpPr>
+          <p:cNvPr id="2" name="幻灯片图像占位符 1"/>
+          <p:cNvSpPr>
+            <a:spLocks noGrp="1" noRot="1" noChangeAspect="1"/>
+          </p:cNvSpPr>
+          <p:nvPr>
+            <p:ph type="sldImg"/>
+          </p:nvPr>
+        </p:nvSpPr>
+        <p:spPr/>
+      </p:sp>
+      <p:sp>
+        <p:nvSpPr>
+          <p:cNvPr id="3" name="备注占位符 2"/>
+          <p:cNvSpPr>
+            <a:spLocks noGrp="1"/>
+          </p:cNvSpPr>
+          <p:nvPr>
+            <p:ph type="body" idx="1"/>
+          </p:nvPr>
+        </p:nvSpPr>
+        <p:spPr/>
+        <p:txBody>
+          <a:bodyPr/>
+          <a:lstStyle/>
+          <a:p>
+            <a:endParaRPr lang="zh-CN" altLang="en-US"/>
+          </a:p>
+        </p:txBody>
+      </p:sp>
+      <p:sp>
+        <p:nvSpPr>
+          <p:cNvPr id="4" name="灯片编号占位符 3"/>
+          <p:cNvSpPr>
+            <a:spLocks noGrp="1"/>
+          </p:cNvSpPr>
+          <p:nvPr>
+            <p:ph type="sldNum" sz="quarter" idx="10"/>
+          </p:nvPr>
+        </p:nvSpPr>
+        <p:spPr/>
+        <p:txBody>
+          <a:bodyPr/>
+          <a:lstStyle/>
+          <a:p>
+            <a:fld id="{51101410-6C15-4D5A-8C58-45F0BF97249F}" type="slidenum">
+              <a:rPr lang="zh-CN" altLang="en-US" smtClean="0"/>
+              <a:t>24</a:t>
+            </a:fld>
+            <a:endParaRPr lang="zh-CN" altLang="en-US"/>
+          </a:p>
+        </p:txBody>
+      </p:sp>
+    </p:spTree>
+    <p:extLst>
+      <p:ext uri="{BB962C8B-B14F-4D97-AF65-F5344CB8AC3E}">
+        <p14:creationId xmlns:p14="http://schemas.microsoft.com/office/powerpoint/2010/main" val="1444184318"/>
+      </p:ext>
+    </p:extLst>
+  </p:cSld>
+  <p:clrMapOvr>
+    <a:masterClrMapping/>
+  </p:clrMapOvr>
+</p:notes>
+</file>
+
+<file path=ppt/notesSlides/notesSlide25.xml><?xml version="1.0" encoding="utf-8"?>
+<p:notes xmlns:a="http://schemas.openxmlformats.org/drawingml/2006/main" xmlns:r="http://schemas.openxmlformats.org/officeDocument/2006/relationships" xmlns:p="http://schemas.openxmlformats.org/presentationml/2006/main">
+  <p:cSld>
+    <p:spTree>
+      <p:nvGrpSpPr>
+        <p:cNvPr id="1" name=""/>
+        <p:cNvGrpSpPr/>
+        <p:nvPr/>
+      </p:nvGrpSpPr>
+      <p:grpSpPr>
+        <a:xfrm>
+          <a:off x="0" y="0"/>
+          <a:ext cx="0" cy="0"/>
+          <a:chOff x="0" y="0"/>
+          <a:chExt cx="0" cy="0"/>
+        </a:xfrm>
+      </p:grpSpPr>
+      <p:sp>
+        <p:nvSpPr>
+          <p:cNvPr id="2" name="幻灯片图像占位符 1"/>
+          <p:cNvSpPr>
+            <a:spLocks noGrp="1" noRot="1" noChangeAspect="1"/>
+          </p:cNvSpPr>
+          <p:nvPr>
+            <p:ph type="sldImg"/>
+          </p:nvPr>
+        </p:nvSpPr>
+        <p:spPr/>
+      </p:sp>
+      <p:sp>
+        <p:nvSpPr>
+          <p:cNvPr id="3" name="备注占位符 2"/>
+          <p:cNvSpPr>
+            <a:spLocks noGrp="1"/>
+          </p:cNvSpPr>
+          <p:nvPr>
+            <p:ph type="body" idx="1"/>
+          </p:nvPr>
+        </p:nvSpPr>
+        <p:spPr/>
+        <p:txBody>
+          <a:bodyPr/>
+          <a:lstStyle/>
+          <a:p>
+            <a:endParaRPr lang="zh-CN" altLang="en-US"/>
+          </a:p>
+        </p:txBody>
+      </p:sp>
+      <p:sp>
+        <p:nvSpPr>
+          <p:cNvPr id="4" name="灯片编号占位符 3"/>
+          <p:cNvSpPr>
+            <a:spLocks noGrp="1"/>
+          </p:cNvSpPr>
+          <p:nvPr>
+            <p:ph type="sldNum" sz="quarter" idx="10"/>
+          </p:nvPr>
+        </p:nvSpPr>
+        <p:spPr/>
+        <p:txBody>
+          <a:bodyPr/>
+          <a:lstStyle/>
+          <a:p>
+            <a:fld id="{51101410-6C15-4D5A-8C58-45F0BF97249F}" type="slidenum">
+              <a:rPr lang="zh-CN" altLang="en-US" smtClean="0"/>
+              <a:t>25</a:t>
+            </a:fld>
+            <a:endParaRPr lang="zh-CN" altLang="en-US"/>
+          </a:p>
+        </p:txBody>
+      </p:sp>
+    </p:spTree>
+    <p:extLst>
+      <p:ext uri="{BB962C8B-B14F-4D97-AF65-F5344CB8AC3E}">
+        <p14:creationId xmlns:p14="http://schemas.microsoft.com/office/powerpoint/2010/main" val="3883091448"/>
       </p:ext>
     </p:extLst>
   </p:cSld>
@@ -1831,7 +2681,7 @@
           <a:p>
             <a:fld id="{97A4CA56-C766-4643-9C49-0B5937DF92E1}" type="datetimeFigureOut">
               <a:rPr lang="zh-CN" altLang="en-US" smtClean="0"/>
-              <a:t>2024/4/12</a:t>
+              <a:t>2024/4/15</a:t>
             </a:fld>
             <a:endParaRPr lang="zh-CN" altLang="en-US"/>
           </a:p>
@@ -1994,7 +2844,7 @@
           <a:p>
             <a:fld id="{97A4CA56-C766-4643-9C49-0B5937DF92E1}" type="datetimeFigureOut">
               <a:rPr lang="zh-CN" altLang="en-US" smtClean="0"/>
-              <a:t>2024/4/12</a:t>
+              <a:t>2024/4/15</a:t>
             </a:fld>
             <a:endParaRPr lang="zh-CN" altLang="en-US"/>
           </a:p>
@@ -2225,7 +3075,7 @@
           <a:p>
             <a:fld id="{97A4CA56-C766-4643-9C49-0B5937DF92E1}" type="datetimeFigureOut">
               <a:rPr lang="zh-CN" altLang="en-US" smtClean="0"/>
-              <a:t>2024/4/12</a:t>
+              <a:t>2024/4/15</a:t>
             </a:fld>
             <a:endParaRPr lang="zh-CN" altLang="en-US"/>
           </a:p>
@@ -8424,21 +9274,6 @@
 <file path=ppt/slides/slide14.xml><?xml version="1.0" encoding="utf-8"?>
 <p:sld xmlns:a="http://schemas.openxmlformats.org/drawingml/2006/main" xmlns:r="http://schemas.openxmlformats.org/officeDocument/2006/relationships" xmlns:p="http://schemas.openxmlformats.org/presentationml/2006/main">
   <p:cSld>
-    <p:bg>
-      <p:bgPr>
-        <a:pattFill prst="dkDnDiag">
-          <a:fgClr>
-            <a:schemeClr val="bg1">
-              <a:lumMod val="95000"/>
-            </a:schemeClr>
-          </a:fgClr>
-          <a:bgClr>
-            <a:schemeClr val="bg1"/>
-          </a:bgClr>
-        </a:pattFill>
-        <a:effectLst/>
-      </p:bgPr>
-    </p:bg>
     <p:spTree>
       <p:nvGrpSpPr>
         <p:cNvPr id="1" name=""/>
@@ -8571,7 +9406,7 @@
             <a:pPr algn="ctr"/>
             <a:r>
               <a:rPr lang="en-US" altLang="zh-CN" sz="3600" dirty="0"/>
-              <a:t>5</a:t>
+              <a:t>4</a:t>
             </a:r>
             <a:endParaRPr lang="zh-CN" altLang="en-US" sz="3600" dirty="0"/>
           </a:p>
@@ -8585,8 +9420,8 @@
         </p:nvSpPr>
         <p:spPr>
           <a:xfrm>
-            <a:off x="3958625" y="310334"/>
-            <a:ext cx="2049143" cy="369328"/>
+            <a:off x="3966736" y="310334"/>
+            <a:ext cx="2032921" cy="369328"/>
           </a:xfrm>
           <a:prstGeom prst="rect">
             <a:avLst/>
@@ -8607,7 +9442,7 @@
                 <a:latin typeface="微软雅黑" pitchFamily="34" charset="-122"/>
                 <a:ea typeface="微软雅黑" pitchFamily="34" charset="-122"/>
               </a:rPr>
-              <a:t>RESEARCH PLAN</a:t>
+              <a:t>FINISHED WORK</a:t>
             </a:r>
           </a:p>
         </p:txBody>
@@ -8963,7 +9798,7 @@
                 <a:latin typeface="方正清刻本悦宋简体" panose="02000000000000000000" pitchFamily="2" charset="-122"/>
                 <a:ea typeface="方正清刻本悦宋简体" panose="02000000000000000000" pitchFamily="2" charset="-122"/>
               </a:rPr>
-              <a:t>研究计划安排</a:t>
+              <a:t>已完成的工作</a:t>
             </a:r>
             <a:endParaRPr lang="en-US" altLang="zh-CN" sz="2800" dirty="0">
               <a:solidFill>
@@ -8977,237 +9812,231 @@
       </p:sp>
       <p:sp>
         <p:nvSpPr>
-          <p:cNvPr id="52" name="矩形 51"/>
+          <p:cNvPr id="35" name="圆角矩形 34"/>
           <p:cNvSpPr/>
+          <p:nvPr/>
+        </p:nvSpPr>
+        <p:spPr>
+          <a:xfrm rot="10800000" flipV="1">
+            <a:off x="824852" y="963311"/>
+            <a:ext cx="1299872" cy="491115"/>
+          </a:xfrm>
+          <a:prstGeom prst="roundRect">
+            <a:avLst>
+              <a:gd name="adj" fmla="val 5039"/>
+            </a:avLst>
+          </a:prstGeom>
+          <a:solidFill>
+            <a:srgbClr val="157E9F"/>
+          </a:solidFill>
+          <a:ln>
+            <a:noFill/>
+          </a:ln>
+          <a:effectLst>
+            <a:outerShdw blurRad="50800" dist="38100" dir="5400000" algn="t" rotWithShape="0">
+              <a:prstClr val="black">
+                <a:alpha val="40000"/>
+              </a:prstClr>
+            </a:outerShdw>
+          </a:effectLst>
+        </p:spPr>
+        <p:style>
+          <a:lnRef idx="2">
+            <a:schemeClr val="accent1">
+              <a:shade val="50000"/>
+            </a:schemeClr>
+          </a:lnRef>
+          <a:fillRef idx="1">
+            <a:schemeClr val="accent1"/>
+          </a:fillRef>
+          <a:effectRef idx="0">
+            <a:schemeClr val="accent1"/>
+          </a:effectRef>
+          <a:fontRef idx="minor">
+            <a:schemeClr val="lt1"/>
+          </a:fontRef>
+        </p:style>
+        <p:txBody>
+          <a:bodyPr lIns="91436" tIns="45718" rIns="91436" bIns="45718" rtlCol="0" anchor="ctr"/>
+          <a:lstStyle/>
+          <a:p>
+            <a:pPr algn="ctr"/>
+            <a:r>
+              <a:rPr lang="en-US" altLang="zh-CN" sz="2400" dirty="0">
+                <a:latin typeface="方正清刻本悦宋简体" panose="02000000000000000000" pitchFamily="2" charset="-122"/>
+                <a:ea typeface="方正清刻本悦宋简体" panose="02000000000000000000" pitchFamily="2" charset="-122"/>
+              </a:rPr>
+              <a:t>4</a:t>
+            </a:r>
+            <a:endParaRPr lang="zh-CN" altLang="en-US" sz="2400" dirty="0">
+              <a:latin typeface="方正清刻本悦宋简体" panose="02000000000000000000" pitchFamily="2" charset="-122"/>
+              <a:ea typeface="方正清刻本悦宋简体" panose="02000000000000000000" pitchFamily="2" charset="-122"/>
+            </a:endParaRPr>
+          </a:p>
+        </p:txBody>
+      </p:sp>
+      <p:sp>
+        <p:nvSpPr>
+          <p:cNvPr id="24" name="文本框 23">
+            <a:extLst>
+              <a:ext uri="{FF2B5EF4-FFF2-40B4-BE49-F238E27FC236}">
+                <a16:creationId xmlns:a16="http://schemas.microsoft.com/office/drawing/2014/main" id="{4BD851DA-3CC3-4FAA-9C50-B9558AE2E9DB}"/>
+              </a:ext>
+            </a:extLst>
+          </p:cNvPr>
+          <p:cNvSpPr txBox="1"/>
           <p:nvPr/>
         </p:nvSpPr>
         <p:spPr>
           <a:xfrm>
-            <a:off x="633077" y="1285684"/>
-            <a:ext cx="8725645" cy="2053892"/>
+            <a:off x="2314021" y="1003246"/>
+            <a:ext cx="3262423" cy="400105"/>
           </a:xfrm>
           <a:prstGeom prst="rect">
             <a:avLst/>
           </a:prstGeom>
-        </p:spPr>
-        <p:txBody>
-          <a:bodyPr wrap="square" lIns="91436" tIns="45718" rIns="91436" bIns="45718">
+          <a:noFill/>
+        </p:spPr>
+        <p:txBody>
+          <a:bodyPr wrap="none" lIns="91436" tIns="45718" rIns="91436" bIns="45718" rtlCol="0">
             <a:spAutoFit/>
           </a:bodyPr>
           <a:lstStyle/>
           <a:p>
-            <a:pPr marL="285750" indent="-285750">
-              <a:lnSpc>
-                <a:spcPct val="130000"/>
-              </a:lnSpc>
-              <a:buFont typeface="Wingdings" panose="05000000000000000000" pitchFamily="2" charset="2"/>
-              <a:buChar char="u"/>
-            </a:pPr>
-            <a:r>
-              <a:rPr lang="en-US" altLang="zh-CN" sz="2000" dirty="0">
+            <a:r>
+              <a:rPr lang="zh-CN" altLang="en-US" sz="2000" dirty="0">
                 <a:solidFill>
-                  <a:schemeClr val="bg2">
-                    <a:lumMod val="50000"/>
+                  <a:schemeClr val="tx1">
+                    <a:lumMod val="75000"/>
+                    <a:lumOff val="25000"/>
                   </a:schemeClr>
                 </a:solidFill>
-                <a:latin typeface="微软雅黑" pitchFamily="34" charset="-122"/>
+                <a:latin typeface="Segoe UI Semilight" panose="020B0402040204020203" pitchFamily="34" charset="0"/>
                 <a:ea typeface="微软雅黑" pitchFamily="34" charset="-122"/>
+                <a:cs typeface="Segoe UI Semilight" panose="020B0402040204020203" pitchFamily="34" charset="0"/>
               </a:rPr>
-              <a:t>2023.5-2023.8</a:t>
-            </a:r>
-            <a:r>
-              <a:rPr lang="zh-CN" altLang="en-US" sz="2000" dirty="0">
-                <a:solidFill>
-                  <a:schemeClr val="bg2">
-                    <a:lumMod val="50000"/>
-                  </a:schemeClr>
-                </a:solidFill>
-                <a:latin typeface="微软雅黑" pitchFamily="34" charset="-122"/>
-                <a:ea typeface="微软雅黑" pitchFamily="34" charset="-122"/>
-              </a:rPr>
-              <a:t>：整理实验数据，建立油型气涌出危险性评价模型</a:t>
-            </a:r>
-            <a:endParaRPr lang="en-US" altLang="zh-CN" sz="2000" dirty="0">
-              <a:solidFill>
-                <a:schemeClr val="bg2">
-                  <a:lumMod val="50000"/>
-                </a:schemeClr>
-              </a:solidFill>
-              <a:latin typeface="微软雅黑" pitchFamily="34" charset="-122"/>
-              <a:ea typeface="微软雅黑" pitchFamily="34" charset="-122"/>
-            </a:endParaRPr>
-          </a:p>
-          <a:p>
-            <a:pPr marL="285750" indent="-285750">
-              <a:lnSpc>
-                <a:spcPct val="130000"/>
-              </a:lnSpc>
-              <a:buFont typeface="Wingdings" panose="05000000000000000000" pitchFamily="2" charset="2"/>
-              <a:buChar char="u"/>
-            </a:pPr>
-            <a:r>
-              <a:rPr lang="en-US" altLang="zh-CN" sz="2000" dirty="0">
-                <a:solidFill>
-                  <a:schemeClr val="bg2">
-                    <a:lumMod val="50000"/>
-                  </a:schemeClr>
-                </a:solidFill>
-                <a:latin typeface="微软雅黑" pitchFamily="34" charset="-122"/>
-                <a:ea typeface="微软雅黑" pitchFamily="34" charset="-122"/>
-              </a:rPr>
-              <a:t>2023.8-2023.10</a:t>
-            </a:r>
-            <a:r>
-              <a:rPr lang="zh-CN" altLang="en-US" sz="2000" dirty="0">
-                <a:solidFill>
-                  <a:schemeClr val="bg2">
-                    <a:lumMod val="50000"/>
-                  </a:schemeClr>
-                </a:solidFill>
-                <a:latin typeface="微软雅黑" pitchFamily="34" charset="-122"/>
-                <a:ea typeface="微软雅黑" pitchFamily="34" charset="-122"/>
-              </a:rPr>
-              <a:t>：可视化界面的开发与改进；</a:t>
-            </a:r>
-            <a:endParaRPr lang="en-US" altLang="zh-CN" sz="2000" dirty="0">
-              <a:solidFill>
-                <a:schemeClr val="bg2">
-                  <a:lumMod val="50000"/>
-                </a:schemeClr>
-              </a:solidFill>
-              <a:latin typeface="微软雅黑" pitchFamily="34" charset="-122"/>
-              <a:ea typeface="微软雅黑" pitchFamily="34" charset="-122"/>
-            </a:endParaRPr>
-          </a:p>
-          <a:p>
-            <a:pPr marL="285750" indent="-285750">
-              <a:lnSpc>
-                <a:spcPct val="130000"/>
-              </a:lnSpc>
-              <a:buFont typeface="Wingdings" panose="05000000000000000000" pitchFamily="2" charset="2"/>
-              <a:buChar char="u"/>
-            </a:pPr>
-            <a:r>
-              <a:rPr lang="en-US" altLang="zh-CN" sz="2000" dirty="0">
-                <a:solidFill>
-                  <a:schemeClr val="bg2">
-                    <a:lumMod val="50000"/>
-                  </a:schemeClr>
-                </a:solidFill>
-                <a:latin typeface="微软雅黑" pitchFamily="34" charset="-122"/>
-                <a:ea typeface="微软雅黑" pitchFamily="34" charset="-122"/>
-              </a:rPr>
-              <a:t>2023.10-2023.1</a:t>
-            </a:r>
-            <a:r>
-              <a:rPr lang="zh-CN" altLang="en-US" sz="2000" dirty="0">
-                <a:solidFill>
-                  <a:schemeClr val="bg2">
-                    <a:lumMod val="50000"/>
-                  </a:schemeClr>
-                </a:solidFill>
-                <a:latin typeface="微软雅黑" pitchFamily="34" charset="-122"/>
-                <a:ea typeface="微软雅黑" pitchFamily="34" charset="-122"/>
-              </a:rPr>
-              <a:t>：工程实际应用，拟定油型气防治方案；</a:t>
-            </a:r>
-            <a:endParaRPr lang="en-US" altLang="zh-CN" sz="2000" dirty="0">
-              <a:solidFill>
-                <a:schemeClr val="bg2">
-                  <a:lumMod val="50000"/>
-                </a:schemeClr>
-              </a:solidFill>
-              <a:latin typeface="微软雅黑" pitchFamily="34" charset="-122"/>
-              <a:ea typeface="微软雅黑" pitchFamily="34" charset="-122"/>
-            </a:endParaRPr>
-          </a:p>
-          <a:p>
-            <a:pPr marL="285750" indent="-285750">
-              <a:lnSpc>
-                <a:spcPct val="130000"/>
-              </a:lnSpc>
-              <a:buFont typeface="Wingdings" panose="05000000000000000000" pitchFamily="2" charset="2"/>
-              <a:buChar char="u"/>
-            </a:pPr>
-            <a:r>
-              <a:rPr lang="en-US" altLang="zh-CN" sz="2000" dirty="0">
-                <a:solidFill>
-                  <a:schemeClr val="bg2">
-                    <a:lumMod val="50000"/>
-                  </a:schemeClr>
-                </a:solidFill>
-                <a:latin typeface="微软雅黑" pitchFamily="34" charset="-122"/>
-                <a:ea typeface="微软雅黑" pitchFamily="34" charset="-122"/>
-              </a:rPr>
-              <a:t>2024.1-2024.4</a:t>
-            </a:r>
-            <a:r>
-              <a:rPr lang="zh-CN" altLang="en-US" sz="2000" dirty="0">
-                <a:solidFill>
-                  <a:schemeClr val="bg2">
-                    <a:lumMod val="50000"/>
-                  </a:schemeClr>
-                </a:solidFill>
-                <a:latin typeface="微软雅黑" pitchFamily="34" charset="-122"/>
-                <a:ea typeface="微软雅黑" pitchFamily="34" charset="-122"/>
-              </a:rPr>
-              <a:t>：整理资料，撰写论文；</a:t>
-            </a:r>
-            <a:endParaRPr lang="en-US" altLang="zh-CN" sz="2000" dirty="0">
-              <a:solidFill>
-                <a:schemeClr val="bg2">
-                  <a:lumMod val="50000"/>
-                </a:schemeClr>
-              </a:solidFill>
-              <a:latin typeface="微软雅黑" pitchFamily="34" charset="-122"/>
-              <a:ea typeface="微软雅黑" pitchFamily="34" charset="-122"/>
-            </a:endParaRPr>
-          </a:p>
-          <a:p>
-            <a:pPr marL="285750" indent="-285750">
-              <a:lnSpc>
-                <a:spcPct val="130000"/>
-              </a:lnSpc>
-              <a:buFont typeface="Wingdings" panose="05000000000000000000" pitchFamily="2" charset="2"/>
-              <a:buChar char="u"/>
-            </a:pPr>
-            <a:r>
-              <a:rPr lang="en-US" altLang="zh-CN" sz="2000" dirty="0">
-                <a:solidFill>
-                  <a:schemeClr val="bg2">
-                    <a:lumMod val="50000"/>
-                  </a:schemeClr>
-                </a:solidFill>
-                <a:latin typeface="微软雅黑" pitchFamily="34" charset="-122"/>
-                <a:ea typeface="微软雅黑" pitchFamily="34" charset="-122"/>
-              </a:rPr>
-              <a:t>2024.4-2024.5</a:t>
-            </a:r>
-            <a:r>
-              <a:rPr lang="zh-CN" altLang="en-US" sz="2000" dirty="0">
-                <a:solidFill>
-                  <a:schemeClr val="bg2">
-                    <a:lumMod val="50000"/>
-                  </a:schemeClr>
-                </a:solidFill>
-                <a:latin typeface="微软雅黑" pitchFamily="34" charset="-122"/>
-                <a:ea typeface="微软雅黑" pitchFamily="34" charset="-122"/>
-              </a:rPr>
-              <a:t>：修改论文，毕业答辩。</a:t>
-            </a:r>
-            <a:endParaRPr lang="en-US" altLang="zh-CN" sz="2000" dirty="0">
-              <a:solidFill>
-                <a:schemeClr val="bg2">
-                  <a:lumMod val="50000"/>
-                </a:schemeClr>
-              </a:solidFill>
-              <a:latin typeface="微软雅黑" pitchFamily="34" charset="-122"/>
-              <a:ea typeface="微软雅黑" pitchFamily="34" charset="-122"/>
-            </a:endParaRPr>
-          </a:p>
-        </p:txBody>
-      </p:sp>
+              <a:t>油型气涌出危险性评价软件</a:t>
+            </a:r>
+          </a:p>
+        </p:txBody>
+      </p:sp>
+      <p:grpSp>
+        <p:nvGrpSpPr>
+          <p:cNvPr id="6" name="组合 5">
+            <a:extLst>
+              <a:ext uri="{FF2B5EF4-FFF2-40B4-BE49-F238E27FC236}">
+                <a16:creationId xmlns:a16="http://schemas.microsoft.com/office/drawing/2014/main" id="{95765160-3CB3-4E50-920A-F01A4A5A972D}"/>
+              </a:ext>
+            </a:extLst>
+          </p:cNvPr>
+          <p:cNvGrpSpPr/>
+          <p:nvPr/>
+        </p:nvGrpSpPr>
+        <p:grpSpPr>
+          <a:xfrm>
+            <a:off x="156974" y="1591443"/>
+            <a:ext cx="3960000" cy="2674286"/>
+            <a:chOff x="156974" y="1591443"/>
+            <a:chExt cx="3960000" cy="2674286"/>
+          </a:xfrm>
+        </p:grpSpPr>
+        <p:pic>
+          <p:nvPicPr>
+            <p:cNvPr id="32" name="图片 31">
+              <a:extLst>
+                <a:ext uri="{FF2B5EF4-FFF2-40B4-BE49-F238E27FC236}">
+                  <a16:creationId xmlns:a16="http://schemas.microsoft.com/office/drawing/2014/main" id="{6F972E6C-B9F4-41D3-BF3B-DE59728AD5D4}"/>
+                </a:ext>
+              </a:extLst>
+            </p:cNvPr>
+            <p:cNvPicPr>
+              <a:picLocks noChangeAspect="1"/>
+            </p:cNvPicPr>
+            <p:nvPr/>
+          </p:nvPicPr>
+          <p:blipFill>
+            <a:blip r:embed="rId3"/>
+            <a:stretch>
+              <a:fillRect/>
+            </a:stretch>
+          </p:blipFill>
+          <p:spPr>
+            <a:xfrm>
+              <a:off x="156974" y="1591443"/>
+              <a:ext cx="3960000" cy="2674286"/>
+            </a:xfrm>
+            <a:prstGeom prst="rect">
+              <a:avLst/>
+            </a:prstGeom>
+          </p:spPr>
+        </p:pic>
+        <p:pic>
+          <p:nvPicPr>
+            <p:cNvPr id="5" name="图片 4">
+              <a:extLst>
+                <a:ext uri="{FF2B5EF4-FFF2-40B4-BE49-F238E27FC236}">
+                  <a16:creationId xmlns:a16="http://schemas.microsoft.com/office/drawing/2014/main" id="{F77F8D17-6847-4E4A-B2BF-B8C55A9F96EC}"/>
+                </a:ext>
+              </a:extLst>
+            </p:cNvPr>
+            <p:cNvPicPr>
+              <a:picLocks noChangeAspect="1"/>
+            </p:cNvPicPr>
+            <p:nvPr/>
+          </p:nvPicPr>
+          <p:blipFill>
+            <a:blip r:embed="rId4"/>
+            <a:stretch>
+              <a:fillRect/>
+            </a:stretch>
+          </p:blipFill>
+          <p:spPr>
+            <a:xfrm>
+              <a:off x="1044575" y="2462213"/>
+              <a:ext cx="3044825" cy="958025"/>
+            </a:xfrm>
+            <a:prstGeom prst="rect">
+              <a:avLst/>
+            </a:prstGeom>
+          </p:spPr>
+        </p:pic>
+        <p:pic>
+          <p:nvPicPr>
+            <p:cNvPr id="33" name="图片 32">
+              <a:extLst>
+                <a:ext uri="{FF2B5EF4-FFF2-40B4-BE49-F238E27FC236}">
+                  <a16:creationId xmlns:a16="http://schemas.microsoft.com/office/drawing/2014/main" id="{2B429BCF-E606-4160-B570-B0118BB54F77}"/>
+                </a:ext>
+              </a:extLst>
+            </p:cNvPr>
+            <p:cNvPicPr>
+              <a:picLocks noChangeAspect="1"/>
+            </p:cNvPicPr>
+            <p:nvPr/>
+          </p:nvPicPr>
+          <p:blipFill>
+            <a:blip r:embed="rId5"/>
+            <a:stretch>
+              <a:fillRect/>
+            </a:stretch>
+          </p:blipFill>
+          <p:spPr>
+            <a:xfrm>
+              <a:off x="180339" y="1615917"/>
+              <a:ext cx="241439" cy="209551"/>
+            </a:xfrm>
+            <a:prstGeom prst="rect">
+              <a:avLst/>
+            </a:prstGeom>
+          </p:spPr>
+        </p:pic>
+      </p:grpSp>
     </p:spTree>
+    <p:extLst>
+      <p:ext uri="{BB962C8B-B14F-4D97-AF65-F5344CB8AC3E}">
+        <p14:creationId xmlns:p14="http://schemas.microsoft.com/office/powerpoint/2010/main" val="1620132836"/>
+      </p:ext>
+    </p:extLst>
   </p:cSld>
   <p:clrMapOvr>
     <a:masterClrMapping/>
@@ -9230,21 +10059,6 @@
 <file path=ppt/slides/slide15.xml><?xml version="1.0" encoding="utf-8"?>
 <p:sld xmlns:a="http://schemas.openxmlformats.org/drawingml/2006/main" xmlns:r="http://schemas.openxmlformats.org/officeDocument/2006/relationships" xmlns:p="http://schemas.openxmlformats.org/presentationml/2006/main">
   <p:cSld>
-    <p:bg>
-      <p:bgPr>
-        <a:pattFill prst="dkDnDiag">
-          <a:fgClr>
-            <a:schemeClr val="bg1">
-              <a:lumMod val="95000"/>
-            </a:schemeClr>
-          </a:fgClr>
-          <a:bgClr>
-            <a:schemeClr val="bg1"/>
-          </a:bgClr>
-        </a:pattFill>
-        <a:effectLst/>
-      </p:bgPr>
-    </p:bg>
     <p:spTree>
       <p:nvGrpSpPr>
         <p:cNvPr id="1" name=""/>
@@ -9259,12 +10073,725 @@
           <a:chExt cx="0" cy="0"/>
         </a:xfrm>
       </p:grpSpPr>
+      <p:sp>
+        <p:nvSpPr>
+          <p:cNvPr id="17" name="矩形 16"/>
+          <p:cNvSpPr/>
+          <p:nvPr/>
+        </p:nvSpPr>
+        <p:spPr>
+          <a:xfrm>
+            <a:off x="3473651" y="252859"/>
+            <a:ext cx="8718351" cy="484285"/>
+          </a:xfrm>
+          <a:prstGeom prst="rect">
+            <a:avLst/>
+          </a:prstGeom>
+          <a:gradFill>
+            <a:gsLst>
+              <a:gs pos="0">
+                <a:schemeClr val="accent1">
+                  <a:lumMod val="5000"/>
+                  <a:lumOff val="95000"/>
+                  <a:alpha val="0"/>
+                </a:schemeClr>
+              </a:gs>
+              <a:gs pos="78000">
+                <a:srgbClr val="157E9F"/>
+              </a:gs>
+            </a:gsLst>
+            <a:lin ang="10800000" scaled="0"/>
+          </a:gradFill>
+          <a:ln>
+            <a:noFill/>
+          </a:ln>
+          <a:effectLst>
+            <a:outerShdw blurRad="393700" dist="76200" dir="5820000" sx="99000" sy="99000" algn="t" rotWithShape="0">
+              <a:prstClr val="black">
+                <a:alpha val="50000"/>
+              </a:prstClr>
+            </a:outerShdw>
+          </a:effectLst>
+        </p:spPr>
+        <p:style>
+          <a:lnRef idx="2">
+            <a:schemeClr val="accent1">
+              <a:shade val="50000"/>
+            </a:schemeClr>
+          </a:lnRef>
+          <a:fillRef idx="1">
+            <a:schemeClr val="accent1"/>
+          </a:fillRef>
+          <a:effectRef idx="0">
+            <a:schemeClr val="accent1"/>
+          </a:effectRef>
+          <a:fontRef idx="minor">
+            <a:schemeClr val="lt1"/>
+          </a:fontRef>
+        </p:style>
+        <p:txBody>
+          <a:bodyPr lIns="91436" tIns="45718" rIns="91436" bIns="45718" rtlCol="0" anchor="ctr"/>
+          <a:lstStyle/>
+          <a:p>
+            <a:pPr algn="ctr"/>
+            <a:endParaRPr lang="zh-CN" altLang="en-US"/>
+          </a:p>
+        </p:txBody>
+      </p:sp>
+      <p:sp>
+        <p:nvSpPr>
+          <p:cNvPr id="18" name="圆角矩形 17"/>
+          <p:cNvSpPr/>
+          <p:nvPr/>
+        </p:nvSpPr>
+        <p:spPr>
+          <a:xfrm rot="10800000" flipV="1">
+            <a:off x="-5664" y="249441"/>
+            <a:ext cx="484287" cy="491115"/>
+          </a:xfrm>
+          <a:prstGeom prst="roundRect">
+            <a:avLst>
+              <a:gd name="adj" fmla="val 5039"/>
+            </a:avLst>
+          </a:prstGeom>
+          <a:solidFill>
+            <a:srgbClr val="157E9F"/>
+          </a:solidFill>
+          <a:ln>
+            <a:noFill/>
+          </a:ln>
+          <a:effectLst>
+            <a:outerShdw blurRad="50800" dist="38100" dir="5400000" algn="t" rotWithShape="0">
+              <a:prstClr val="black">
+                <a:alpha val="40000"/>
+              </a:prstClr>
+            </a:outerShdw>
+          </a:effectLst>
+        </p:spPr>
+        <p:style>
+          <a:lnRef idx="2">
+            <a:schemeClr val="accent1">
+              <a:shade val="50000"/>
+            </a:schemeClr>
+          </a:lnRef>
+          <a:fillRef idx="1">
+            <a:schemeClr val="accent1"/>
+          </a:fillRef>
+          <a:effectRef idx="0">
+            <a:schemeClr val="accent1"/>
+          </a:effectRef>
+          <a:fontRef idx="minor">
+            <a:schemeClr val="lt1"/>
+          </a:fontRef>
+        </p:style>
+        <p:txBody>
+          <a:bodyPr lIns="91436" tIns="45718" rIns="91436" bIns="45718" rtlCol="0" anchor="ctr"/>
+          <a:lstStyle/>
+          <a:p>
+            <a:pPr algn="ctr"/>
+            <a:r>
+              <a:rPr lang="en-US" altLang="zh-CN" sz="3600" dirty="0"/>
+              <a:t>4</a:t>
+            </a:r>
+            <a:endParaRPr lang="zh-CN" altLang="en-US" sz="3600" dirty="0"/>
+          </a:p>
+        </p:txBody>
+      </p:sp>
+      <p:sp>
+        <p:nvSpPr>
+          <p:cNvPr id="19" name="矩形 18"/>
+          <p:cNvSpPr/>
+          <p:nvPr/>
+        </p:nvSpPr>
+        <p:spPr>
+          <a:xfrm>
+            <a:off x="3966736" y="310334"/>
+            <a:ext cx="2032921" cy="369328"/>
+          </a:xfrm>
+          <a:prstGeom prst="rect">
+            <a:avLst/>
+          </a:prstGeom>
+        </p:spPr>
+        <p:txBody>
+          <a:bodyPr wrap="none" lIns="91436" tIns="45718" rIns="91436" bIns="45718">
+            <a:spAutoFit/>
+          </a:bodyPr>
+          <a:lstStyle/>
+          <a:p>
+            <a:pPr algn="ctr"/>
+            <a:r>
+              <a:rPr lang="en-US" altLang="zh-CN" dirty="0">
+                <a:solidFill>
+                  <a:schemeClr val="bg1"/>
+                </a:solidFill>
+                <a:latin typeface="微软雅黑" pitchFamily="34" charset="-122"/>
+                <a:ea typeface="微软雅黑" pitchFamily="34" charset="-122"/>
+              </a:rPr>
+              <a:t>FINISHED WORK</a:t>
+            </a:r>
+          </a:p>
+        </p:txBody>
+      </p:sp>
+      <p:sp>
+        <p:nvSpPr>
+          <p:cNvPr id="20" name="圆角矩形 19"/>
+          <p:cNvSpPr/>
+          <p:nvPr/>
+        </p:nvSpPr>
+        <p:spPr>
+          <a:xfrm rot="16200000" flipV="1">
+            <a:off x="11457520" y="249444"/>
+            <a:ext cx="484287" cy="491115"/>
+          </a:xfrm>
+          <a:prstGeom prst="roundRect">
+            <a:avLst>
+              <a:gd name="adj" fmla="val 5039"/>
+            </a:avLst>
+          </a:prstGeom>
+          <a:solidFill>
+            <a:srgbClr val="157E9F"/>
+          </a:solidFill>
+          <a:ln>
+            <a:noFill/>
+          </a:ln>
+          <a:effectLst>
+            <a:outerShdw blurRad="50800" dist="38100" dir="5400000" algn="t" rotWithShape="0">
+              <a:prstClr val="black">
+                <a:alpha val="40000"/>
+              </a:prstClr>
+            </a:outerShdw>
+          </a:effectLst>
+        </p:spPr>
+        <p:style>
+          <a:lnRef idx="2">
+            <a:schemeClr val="accent1">
+              <a:shade val="50000"/>
+            </a:schemeClr>
+          </a:lnRef>
+          <a:fillRef idx="1">
+            <a:schemeClr val="accent1"/>
+          </a:fillRef>
+          <a:effectRef idx="0">
+            <a:schemeClr val="accent1"/>
+          </a:effectRef>
+          <a:fontRef idx="minor">
+            <a:schemeClr val="lt1"/>
+          </a:fontRef>
+        </p:style>
+        <p:txBody>
+          <a:bodyPr rtlCol="0" anchor="ctr"/>
+          <a:lstStyle/>
+          <a:p>
+            <a:pPr algn="ctr"/>
+            <a:endParaRPr lang="zh-CN" altLang="en-US"/>
+          </a:p>
+        </p:txBody>
+      </p:sp>
+      <p:sp>
+        <p:nvSpPr>
+          <p:cNvPr id="21" name="Freeform 96"/>
+          <p:cNvSpPr/>
+          <p:nvPr/>
+        </p:nvSpPr>
+        <p:spPr bwMode="auto">
+          <a:xfrm>
+            <a:off x="11559368" y="359659"/>
+            <a:ext cx="280590" cy="270687"/>
+          </a:xfrm>
+          <a:custGeom>
+            <a:avLst/>
+            <a:gdLst>
+              <a:gd name="T0" fmla="*/ 184 w 216"/>
+              <a:gd name="T1" fmla="*/ 0 h 208"/>
+              <a:gd name="T2" fmla="*/ 152 w 216"/>
+              <a:gd name="T3" fmla="*/ 32 h 208"/>
+              <a:gd name="T4" fmla="*/ 154 w 216"/>
+              <a:gd name="T5" fmla="*/ 41 h 208"/>
+              <a:gd name="T6" fmla="*/ 60 w 216"/>
+              <a:gd name="T7" fmla="*/ 80 h 208"/>
+              <a:gd name="T8" fmla="*/ 32 w 216"/>
+              <a:gd name="T9" fmla="*/ 64 h 208"/>
+              <a:gd name="T10" fmla="*/ 0 w 216"/>
+              <a:gd name="T11" fmla="*/ 96 h 208"/>
+              <a:gd name="T12" fmla="*/ 32 w 216"/>
+              <a:gd name="T13" fmla="*/ 128 h 208"/>
+              <a:gd name="T14" fmla="*/ 56 w 216"/>
+              <a:gd name="T15" fmla="*/ 118 h 208"/>
+              <a:gd name="T16" fmla="*/ 116 w 216"/>
+              <a:gd name="T17" fmla="*/ 161 h 208"/>
+              <a:gd name="T18" fmla="*/ 112 w 216"/>
+              <a:gd name="T19" fmla="*/ 176 h 208"/>
+              <a:gd name="T20" fmla="*/ 144 w 216"/>
+              <a:gd name="T21" fmla="*/ 208 h 208"/>
+              <a:gd name="T22" fmla="*/ 176 w 216"/>
+              <a:gd name="T23" fmla="*/ 176 h 208"/>
+              <a:gd name="T24" fmla="*/ 144 w 216"/>
+              <a:gd name="T25" fmla="*/ 144 h 208"/>
+              <a:gd name="T26" fmla="*/ 121 w 216"/>
+              <a:gd name="T27" fmla="*/ 154 h 208"/>
+              <a:gd name="T28" fmla="*/ 61 w 216"/>
+              <a:gd name="T29" fmla="*/ 111 h 208"/>
+              <a:gd name="T30" fmla="*/ 64 w 216"/>
+              <a:gd name="T31" fmla="*/ 96 h 208"/>
+              <a:gd name="T32" fmla="*/ 63 w 216"/>
+              <a:gd name="T33" fmla="*/ 87 h 208"/>
+              <a:gd name="T34" fmla="*/ 157 w 216"/>
+              <a:gd name="T35" fmla="*/ 48 h 208"/>
+              <a:gd name="T36" fmla="*/ 184 w 216"/>
+              <a:gd name="T37" fmla="*/ 64 h 208"/>
+              <a:gd name="T38" fmla="*/ 216 w 216"/>
+              <a:gd name="T39" fmla="*/ 32 h 208"/>
+              <a:gd name="T40" fmla="*/ 184 w 216"/>
+              <a:gd name="T41" fmla="*/ 0 h 208"/>
+            </a:gdLst>
+            <a:ahLst/>
+            <a:cxnLst>
+              <a:cxn ang="0">
+                <a:pos x="T0" y="T1"/>
+              </a:cxn>
+              <a:cxn ang="0">
+                <a:pos x="T2" y="T3"/>
+              </a:cxn>
+              <a:cxn ang="0">
+                <a:pos x="T4" y="T5"/>
+              </a:cxn>
+              <a:cxn ang="0">
+                <a:pos x="T6" y="T7"/>
+              </a:cxn>
+              <a:cxn ang="0">
+                <a:pos x="T8" y="T9"/>
+              </a:cxn>
+              <a:cxn ang="0">
+                <a:pos x="T10" y="T11"/>
+              </a:cxn>
+              <a:cxn ang="0">
+                <a:pos x="T12" y="T13"/>
+              </a:cxn>
+              <a:cxn ang="0">
+                <a:pos x="T14" y="T15"/>
+              </a:cxn>
+              <a:cxn ang="0">
+                <a:pos x="T16" y="T17"/>
+              </a:cxn>
+              <a:cxn ang="0">
+                <a:pos x="T18" y="T19"/>
+              </a:cxn>
+              <a:cxn ang="0">
+                <a:pos x="T20" y="T21"/>
+              </a:cxn>
+              <a:cxn ang="0">
+                <a:pos x="T22" y="T23"/>
+              </a:cxn>
+              <a:cxn ang="0">
+                <a:pos x="T24" y="T25"/>
+              </a:cxn>
+              <a:cxn ang="0">
+                <a:pos x="T26" y="T27"/>
+              </a:cxn>
+              <a:cxn ang="0">
+                <a:pos x="T28" y="T29"/>
+              </a:cxn>
+              <a:cxn ang="0">
+                <a:pos x="T30" y="T31"/>
+              </a:cxn>
+              <a:cxn ang="0">
+                <a:pos x="T32" y="T33"/>
+              </a:cxn>
+              <a:cxn ang="0">
+                <a:pos x="T34" y="T35"/>
+              </a:cxn>
+              <a:cxn ang="0">
+                <a:pos x="T36" y="T37"/>
+              </a:cxn>
+              <a:cxn ang="0">
+                <a:pos x="T38" y="T39"/>
+              </a:cxn>
+              <a:cxn ang="0">
+                <a:pos x="T40" y="T41"/>
+              </a:cxn>
+            </a:cxnLst>
+            <a:rect l="0" t="0" r="r" b="b"/>
+            <a:pathLst>
+              <a:path w="216" h="208">
+                <a:moveTo>
+                  <a:pt x="184" y="0"/>
+                </a:moveTo>
+                <a:cubicBezTo>
+                  <a:pt x="167" y="0"/>
+                  <a:pt x="152" y="14"/>
+                  <a:pt x="152" y="32"/>
+                </a:cubicBezTo>
+                <a:cubicBezTo>
+                  <a:pt x="152" y="35"/>
+                  <a:pt x="153" y="38"/>
+                  <a:pt x="154" y="41"/>
+                </a:cubicBezTo>
+                <a:cubicBezTo>
+                  <a:pt x="60" y="80"/>
+                  <a:pt x="60" y="80"/>
+                  <a:pt x="60" y="80"/>
+                </a:cubicBezTo>
+                <a:cubicBezTo>
+                  <a:pt x="55" y="70"/>
+                  <a:pt x="44" y="64"/>
+                  <a:pt x="32" y="64"/>
+                </a:cubicBezTo>
+                <a:cubicBezTo>
+                  <a:pt x="15" y="64"/>
+                  <a:pt x="0" y="78"/>
+                  <a:pt x="0" y="96"/>
+                </a:cubicBezTo>
+                <a:cubicBezTo>
+                  <a:pt x="0" y="113"/>
+                  <a:pt x="15" y="128"/>
+                  <a:pt x="32" y="128"/>
+                </a:cubicBezTo>
+                <a:cubicBezTo>
+                  <a:pt x="42" y="128"/>
+                  <a:pt x="50" y="124"/>
+                  <a:pt x="56" y="118"/>
+                </a:cubicBezTo>
+                <a:cubicBezTo>
+                  <a:pt x="116" y="161"/>
+                  <a:pt x="116" y="161"/>
+                  <a:pt x="116" y="161"/>
+                </a:cubicBezTo>
+                <a:cubicBezTo>
+                  <a:pt x="114" y="165"/>
+                  <a:pt x="112" y="170"/>
+                  <a:pt x="112" y="176"/>
+                </a:cubicBezTo>
+                <a:cubicBezTo>
+                  <a:pt x="112" y="193"/>
+                  <a:pt x="127" y="208"/>
+                  <a:pt x="144" y="208"/>
+                </a:cubicBezTo>
+                <a:cubicBezTo>
+                  <a:pt x="162" y="208"/>
+                  <a:pt x="176" y="193"/>
+                  <a:pt x="176" y="176"/>
+                </a:cubicBezTo>
+                <a:cubicBezTo>
+                  <a:pt x="176" y="158"/>
+                  <a:pt x="162" y="144"/>
+                  <a:pt x="144" y="144"/>
+                </a:cubicBezTo>
+                <a:cubicBezTo>
+                  <a:pt x="135" y="144"/>
+                  <a:pt x="127" y="148"/>
+                  <a:pt x="121" y="154"/>
+                </a:cubicBezTo>
+                <a:cubicBezTo>
+                  <a:pt x="61" y="111"/>
+                  <a:pt x="61" y="111"/>
+                  <a:pt x="61" y="111"/>
+                </a:cubicBezTo>
+                <a:cubicBezTo>
+                  <a:pt x="63" y="107"/>
+                  <a:pt x="64" y="101"/>
+                  <a:pt x="64" y="96"/>
+                </a:cubicBezTo>
+                <a:cubicBezTo>
+                  <a:pt x="64" y="93"/>
+                  <a:pt x="64" y="90"/>
+                  <a:pt x="63" y="87"/>
+                </a:cubicBezTo>
+                <a:cubicBezTo>
+                  <a:pt x="157" y="48"/>
+                  <a:pt x="157" y="48"/>
+                  <a:pt x="157" y="48"/>
+                </a:cubicBezTo>
+                <a:cubicBezTo>
+                  <a:pt x="162" y="57"/>
+                  <a:pt x="173" y="64"/>
+                  <a:pt x="184" y="64"/>
+                </a:cubicBezTo>
+                <a:cubicBezTo>
+                  <a:pt x="202" y="64"/>
+                  <a:pt x="216" y="49"/>
+                  <a:pt x="216" y="32"/>
+                </a:cubicBezTo>
+                <a:cubicBezTo>
+                  <a:pt x="216" y="14"/>
+                  <a:pt x="202" y="0"/>
+                  <a:pt x="184" y="0"/>
+                </a:cubicBezTo>
+                <a:close/>
+              </a:path>
+            </a:pathLst>
+          </a:custGeom>
+          <a:solidFill>
+            <a:schemeClr val="bg1"/>
+          </a:solidFill>
+          <a:ln>
+            <a:noFill/>
+          </a:ln>
+        </p:spPr>
+        <p:txBody>
+          <a:bodyPr vert="horz" wrap="square" lIns="91440" tIns="45720" rIns="91440" bIns="45720" numCol="1" anchor="t" anchorCtr="0" compatLnSpc="1"/>
+          <a:lstStyle/>
+          <a:p>
+            <a:endParaRPr lang="zh-CN" altLang="en-US">
+              <a:solidFill>
+                <a:srgbClr val="AD1C21"/>
+              </a:solidFill>
+            </a:endParaRPr>
+          </a:p>
+        </p:txBody>
+      </p:sp>
+      <p:sp>
+        <p:nvSpPr>
+          <p:cNvPr id="22" name="矩形 21"/>
+          <p:cNvSpPr/>
+          <p:nvPr/>
+        </p:nvSpPr>
+        <p:spPr>
+          <a:xfrm>
+            <a:off x="633077" y="125666"/>
+            <a:ext cx="2444900" cy="662554"/>
+          </a:xfrm>
+          <a:prstGeom prst="rect">
+            <a:avLst/>
+          </a:prstGeom>
+        </p:spPr>
+        <p:txBody>
+          <a:bodyPr wrap="none">
+            <a:spAutoFit/>
+          </a:bodyPr>
+          <a:lstStyle/>
+          <a:p>
+            <a:pPr>
+              <a:lnSpc>
+                <a:spcPct val="150000"/>
+              </a:lnSpc>
+            </a:pPr>
+            <a:r>
+              <a:rPr lang="en-US" altLang="zh-CN" sz="2800" dirty="0">
+                <a:solidFill>
+                  <a:srgbClr val="157E9F"/>
+                </a:solidFill>
+                <a:latin typeface="方正清刻本悦宋简体" panose="02000000000000000000" pitchFamily="2" charset="-122"/>
+                <a:ea typeface="方正清刻本悦宋简体" panose="02000000000000000000" pitchFamily="2" charset="-122"/>
+              </a:rPr>
+              <a:t> </a:t>
+            </a:r>
+            <a:r>
+              <a:rPr lang="zh-CN" altLang="en-US" sz="2800" dirty="0">
+                <a:solidFill>
+                  <a:srgbClr val="157E9F"/>
+                </a:solidFill>
+                <a:latin typeface="方正清刻本悦宋简体" panose="02000000000000000000" pitchFamily="2" charset="-122"/>
+                <a:ea typeface="方正清刻本悦宋简体" panose="02000000000000000000" pitchFamily="2" charset="-122"/>
+              </a:rPr>
+              <a:t>已完成的工作</a:t>
+            </a:r>
+            <a:endParaRPr lang="en-US" altLang="zh-CN" sz="2800" dirty="0">
+              <a:solidFill>
+                <a:srgbClr val="157E9F"/>
+              </a:solidFill>
+              <a:latin typeface="方正清刻本悦宋简体" panose="02000000000000000000" pitchFamily="2" charset="-122"/>
+              <a:ea typeface="方正清刻本悦宋简体" panose="02000000000000000000" pitchFamily="2" charset="-122"/>
+            </a:endParaRPr>
+          </a:p>
+        </p:txBody>
+      </p:sp>
+      <p:sp>
+        <p:nvSpPr>
+          <p:cNvPr id="35" name="圆角矩形 34"/>
+          <p:cNvSpPr/>
+          <p:nvPr/>
+        </p:nvSpPr>
+        <p:spPr>
+          <a:xfrm rot="10800000" flipV="1">
+            <a:off x="824852" y="963311"/>
+            <a:ext cx="1299872" cy="491115"/>
+          </a:xfrm>
+          <a:prstGeom prst="roundRect">
+            <a:avLst>
+              <a:gd name="adj" fmla="val 5039"/>
+            </a:avLst>
+          </a:prstGeom>
+          <a:solidFill>
+            <a:srgbClr val="157E9F"/>
+          </a:solidFill>
+          <a:ln>
+            <a:noFill/>
+          </a:ln>
+          <a:effectLst>
+            <a:outerShdw blurRad="50800" dist="38100" dir="5400000" algn="t" rotWithShape="0">
+              <a:prstClr val="black">
+                <a:alpha val="40000"/>
+              </a:prstClr>
+            </a:outerShdw>
+          </a:effectLst>
+        </p:spPr>
+        <p:style>
+          <a:lnRef idx="2">
+            <a:schemeClr val="accent1">
+              <a:shade val="50000"/>
+            </a:schemeClr>
+          </a:lnRef>
+          <a:fillRef idx="1">
+            <a:schemeClr val="accent1"/>
+          </a:fillRef>
+          <a:effectRef idx="0">
+            <a:schemeClr val="accent1"/>
+          </a:effectRef>
+          <a:fontRef idx="minor">
+            <a:schemeClr val="lt1"/>
+          </a:fontRef>
+        </p:style>
+        <p:txBody>
+          <a:bodyPr lIns="91436" tIns="45718" rIns="91436" bIns="45718" rtlCol="0" anchor="ctr"/>
+          <a:lstStyle/>
+          <a:p>
+            <a:pPr algn="ctr"/>
+            <a:r>
+              <a:rPr lang="en-US" altLang="zh-CN" sz="2400" dirty="0">
+                <a:latin typeface="方正清刻本悦宋简体" panose="02000000000000000000" pitchFamily="2" charset="-122"/>
+                <a:ea typeface="方正清刻本悦宋简体" panose="02000000000000000000" pitchFamily="2" charset="-122"/>
+              </a:rPr>
+              <a:t>4</a:t>
+            </a:r>
+            <a:endParaRPr lang="zh-CN" altLang="en-US" sz="2400" dirty="0">
+              <a:latin typeface="方正清刻本悦宋简体" panose="02000000000000000000" pitchFamily="2" charset="-122"/>
+              <a:ea typeface="方正清刻本悦宋简体" panose="02000000000000000000" pitchFamily="2" charset="-122"/>
+            </a:endParaRPr>
+          </a:p>
+        </p:txBody>
+      </p:sp>
+      <p:sp>
+        <p:nvSpPr>
+          <p:cNvPr id="24" name="文本框 23">
+            <a:extLst>
+              <a:ext uri="{FF2B5EF4-FFF2-40B4-BE49-F238E27FC236}">
+                <a16:creationId xmlns:a16="http://schemas.microsoft.com/office/drawing/2014/main" id="{4BD851DA-3CC3-4FAA-9C50-B9558AE2E9DB}"/>
+              </a:ext>
+            </a:extLst>
+          </p:cNvPr>
+          <p:cNvSpPr txBox="1"/>
+          <p:nvPr/>
+        </p:nvSpPr>
+        <p:spPr>
+          <a:xfrm>
+            <a:off x="2314021" y="1003246"/>
+            <a:ext cx="3262423" cy="400105"/>
+          </a:xfrm>
+          <a:prstGeom prst="rect">
+            <a:avLst/>
+          </a:prstGeom>
+          <a:noFill/>
+        </p:spPr>
+        <p:txBody>
+          <a:bodyPr wrap="none" lIns="91436" tIns="45718" rIns="91436" bIns="45718" rtlCol="0">
+            <a:spAutoFit/>
+          </a:bodyPr>
+          <a:lstStyle/>
+          <a:p>
+            <a:r>
+              <a:rPr lang="zh-CN" altLang="en-US" sz="2000" dirty="0">
+                <a:solidFill>
+                  <a:schemeClr val="tx1">
+                    <a:lumMod val="75000"/>
+                    <a:lumOff val="25000"/>
+                  </a:schemeClr>
+                </a:solidFill>
+                <a:latin typeface="Segoe UI Semilight" panose="020B0402040204020203" pitchFamily="34" charset="0"/>
+                <a:ea typeface="微软雅黑" pitchFamily="34" charset="-122"/>
+                <a:cs typeface="Segoe UI Semilight" panose="020B0402040204020203" pitchFamily="34" charset="0"/>
+              </a:rPr>
+              <a:t>油型气涌出危险性评价软件</a:t>
+            </a:r>
+          </a:p>
+        </p:txBody>
+      </p:sp>
+      <p:grpSp>
+        <p:nvGrpSpPr>
+          <p:cNvPr id="3" name="组合 2">
+            <a:extLst>
+              <a:ext uri="{FF2B5EF4-FFF2-40B4-BE49-F238E27FC236}">
+                <a16:creationId xmlns:a16="http://schemas.microsoft.com/office/drawing/2014/main" id="{30CD3DBE-D684-4315-B41D-0ADFB78C5D67}"/>
+              </a:ext>
+            </a:extLst>
+          </p:cNvPr>
+          <p:cNvGrpSpPr/>
+          <p:nvPr/>
+        </p:nvGrpSpPr>
+        <p:grpSpPr>
+          <a:xfrm>
+            <a:off x="620017" y="1763556"/>
+            <a:ext cx="3960000" cy="2675477"/>
+            <a:chOff x="85665" y="1571626"/>
+            <a:chExt cx="3960000" cy="2675477"/>
+          </a:xfrm>
+        </p:grpSpPr>
+        <p:pic>
+          <p:nvPicPr>
+            <p:cNvPr id="12" name="图片 11">
+              <a:extLst>
+                <a:ext uri="{FF2B5EF4-FFF2-40B4-BE49-F238E27FC236}">
+                  <a16:creationId xmlns:a16="http://schemas.microsoft.com/office/drawing/2014/main" id="{2DA2758F-F8CE-4E68-BAC1-65F68388411D}"/>
+                </a:ext>
+              </a:extLst>
+            </p:cNvPr>
+            <p:cNvPicPr>
+              <a:picLocks noChangeAspect="1"/>
+            </p:cNvPicPr>
+            <p:nvPr/>
+          </p:nvPicPr>
+          <p:blipFill>
+            <a:blip r:embed="rId3"/>
+            <a:stretch>
+              <a:fillRect/>
+            </a:stretch>
+          </p:blipFill>
+          <p:spPr>
+            <a:xfrm>
+              <a:off x="85665" y="1571626"/>
+              <a:ext cx="3960000" cy="2675477"/>
+            </a:xfrm>
+            <a:prstGeom prst="rect">
+              <a:avLst/>
+            </a:prstGeom>
+          </p:spPr>
+        </p:pic>
+        <p:pic>
+          <p:nvPicPr>
+            <p:cNvPr id="2" name="图片 1">
+              <a:extLst>
+                <a:ext uri="{FF2B5EF4-FFF2-40B4-BE49-F238E27FC236}">
+                  <a16:creationId xmlns:a16="http://schemas.microsoft.com/office/drawing/2014/main" id="{4DC10EC3-37CB-4603-BD67-4308FE6790F5}"/>
+                </a:ext>
+              </a:extLst>
+            </p:cNvPr>
+            <p:cNvPicPr>
+              <a:picLocks noChangeAspect="1"/>
+            </p:cNvPicPr>
+            <p:nvPr/>
+          </p:nvPicPr>
+          <p:blipFill>
+            <a:blip r:embed="rId4"/>
+            <a:stretch>
+              <a:fillRect/>
+            </a:stretch>
+          </p:blipFill>
+          <p:spPr>
+            <a:xfrm>
+              <a:off x="109537" y="1595437"/>
+              <a:ext cx="241439" cy="209551"/>
+            </a:xfrm>
+            <a:prstGeom prst="rect">
+              <a:avLst/>
+            </a:prstGeom>
+          </p:spPr>
+        </p:pic>
+      </p:grpSp>
       <p:pic>
         <p:nvPicPr>
-          <p:cNvPr id="3" name="图片 2">
+          <p:cNvPr id="6" name="图片 5">
             <a:extLst>
               <a:ext uri="{FF2B5EF4-FFF2-40B4-BE49-F238E27FC236}">
-                <a16:creationId xmlns:a16="http://schemas.microsoft.com/office/drawing/2014/main" id="{BBCE54A0-421E-42DB-9F2D-26457A673588}"/>
+                <a16:creationId xmlns:a16="http://schemas.microsoft.com/office/drawing/2014/main" id="{E4AFE498-1B6A-4BA1-AF57-5DB3399404DD}"/>
               </a:ext>
             </a:extLst>
           </p:cNvPr>
@@ -9274,159 +10801,3047 @@
           <p:nvPr/>
         </p:nvPicPr>
         <p:blipFill>
-          <a:blip r:embed="rId3">
-            <a:extLst>
-              <a:ext uri="{28A0092B-C50C-407E-A947-70E740481C1C}">
-                <a14:useLocalDpi xmlns:a14="http://schemas.microsoft.com/office/drawing/2010/main" val="0"/>
-              </a:ext>
-            </a:extLst>
-          </a:blip>
+          <a:blip r:embed="rId5"/>
           <a:stretch>
             <a:fillRect/>
           </a:stretch>
         </p:blipFill>
         <p:spPr>
           <a:xfrm>
-            <a:off x="-597528" y="1551029"/>
-            <a:ext cx="7653027" cy="5739770"/>
+            <a:off x="2371725" y="2666999"/>
+            <a:ext cx="2205038" cy="877221"/>
           </a:xfrm>
           <a:prstGeom prst="rect">
             <a:avLst/>
           </a:prstGeom>
         </p:spPr>
       </p:pic>
-      <p:sp>
-        <p:nvSpPr>
-          <p:cNvPr id="15" name="矩形 14"/>
+    </p:spTree>
+    <p:extLst>
+      <p:ext uri="{BB962C8B-B14F-4D97-AF65-F5344CB8AC3E}">
+        <p14:creationId xmlns:p14="http://schemas.microsoft.com/office/powerpoint/2010/main" val="1080846733"/>
+      </p:ext>
+    </p:extLst>
+  </p:cSld>
+  <p:clrMapOvr>
+    <a:masterClrMapping/>
+  </p:clrMapOvr>
+  <mc:AlternateContent xmlns:mc="http://schemas.openxmlformats.org/markup-compatibility/2006" xmlns:p14="http://schemas.microsoft.com/office/powerpoint/2010/main">
+    <mc:Choice Requires="p14">
+      <p:transition spd="med" p14:dur="700">
+        <p:fade/>
+      </p:transition>
+    </mc:Choice>
+    <mc:Fallback xmlns="">
+      <p:transition spd="med">
+        <p:fade/>
+      </p:transition>
+    </mc:Fallback>
+  </mc:AlternateContent>
+</p:sld>
+</file>
+
+<file path=ppt/slides/slide16.xml><?xml version="1.0" encoding="utf-8"?>
+<p:sld xmlns:a="http://schemas.openxmlformats.org/drawingml/2006/main" xmlns:r="http://schemas.openxmlformats.org/officeDocument/2006/relationships" xmlns:p="http://schemas.openxmlformats.org/presentationml/2006/main">
+  <p:cSld>
+    <p:spTree>
+      <p:nvGrpSpPr>
+        <p:cNvPr id="1" name=""/>
+        <p:cNvGrpSpPr/>
+        <p:nvPr/>
+      </p:nvGrpSpPr>
+      <p:grpSpPr>
+        <a:xfrm>
+          <a:off x="0" y="0"/>
+          <a:ext cx="0" cy="0"/>
+          <a:chOff x="0" y="0"/>
+          <a:chExt cx="0" cy="0"/>
+        </a:xfrm>
+      </p:grpSpPr>
+      <p:sp>
+        <p:nvSpPr>
+          <p:cNvPr id="17" name="矩形 16"/>
           <p:cNvSpPr/>
           <p:nvPr/>
         </p:nvSpPr>
         <p:spPr>
           <a:xfrm>
-            <a:off x="4724252" y="2729383"/>
-            <a:ext cx="5262979" cy="1446550"/>
+            <a:off x="3473651" y="252859"/>
+            <a:ext cx="8718351" cy="484285"/>
           </a:xfrm>
           <a:prstGeom prst="rect">
             <a:avLst/>
           </a:prstGeom>
-        </p:spPr>
-        <p:txBody>
-          <a:bodyPr wrap="none">
-            <a:spAutoFit/>
-          </a:bodyPr>
-          <a:lstStyle/>
-          <a:p>
-            <a:pPr algn="ctr"/>
-            <a:r>
-              <a:rPr kumimoji="1" lang="zh-CN" altLang="en-US" sz="4400" b="1" dirty="0">
-                <a:solidFill>
-                  <a:srgbClr val="0D5267"/>
-                </a:solidFill>
-                <a:latin typeface="方正清刻本悦宋简体" panose="02000000000000000000" pitchFamily="2" charset="-122"/>
-                <a:ea typeface="方正清刻本悦宋简体" panose="02000000000000000000" pitchFamily="2" charset="-122"/>
-              </a:rPr>
-              <a:t>谢谢！</a:t>
-            </a:r>
-            <a:endParaRPr kumimoji="1" lang="en-US" altLang="zh-CN" sz="4400" b="1" dirty="0">
-              <a:solidFill>
-                <a:srgbClr val="0D5267"/>
-              </a:solidFill>
-              <a:latin typeface="方正清刻本悦宋简体" panose="02000000000000000000" pitchFamily="2" charset="-122"/>
-              <a:ea typeface="方正清刻本悦宋简体" panose="02000000000000000000" pitchFamily="2" charset="-122"/>
-            </a:endParaRPr>
-          </a:p>
-          <a:p>
-            <a:r>
-              <a:rPr kumimoji="1" lang="zh-CN" altLang="en-US" sz="4400" b="1" dirty="0">
-                <a:solidFill>
-                  <a:srgbClr val="0D5267"/>
-                </a:solidFill>
-                <a:latin typeface="方正清刻本悦宋简体" panose="02000000000000000000" pitchFamily="2" charset="-122"/>
-                <a:ea typeface="方正清刻本悦宋简体" panose="02000000000000000000" pitchFamily="2" charset="-122"/>
-              </a:rPr>
-              <a:t>请各位老师批评指正</a:t>
-            </a:r>
-            <a:endParaRPr kumimoji="1" lang="en-US" altLang="zh-CN" sz="4400" b="1" dirty="0">
-              <a:solidFill>
-                <a:srgbClr val="0D5267"/>
-              </a:solidFill>
-              <a:latin typeface="方正清刻本悦宋简体" panose="02000000000000000000" pitchFamily="2" charset="-122"/>
-              <a:ea typeface="方正清刻本悦宋简体" panose="02000000000000000000" pitchFamily="2" charset="-122"/>
-            </a:endParaRPr>
-          </a:p>
-        </p:txBody>
-      </p:sp>
-      <p:cxnSp>
-        <p:nvCxnSpPr>
-          <p:cNvPr id="69" name="直接连接符 68"/>
-          <p:cNvCxnSpPr/>
-          <p:nvPr/>
-        </p:nvCxnSpPr>
-        <p:spPr>
-          <a:xfrm>
-            <a:off x="4725501" y="2592712"/>
-            <a:ext cx="5185097" cy="0"/>
-          </a:xfrm>
-          <a:prstGeom prst="line">
-            <a:avLst/>
-          </a:prstGeom>
+          <a:gradFill>
+            <a:gsLst>
+              <a:gs pos="0">
+                <a:schemeClr val="accent1">
+                  <a:lumMod val="5000"/>
+                  <a:lumOff val="95000"/>
+                  <a:alpha val="0"/>
+                </a:schemeClr>
+              </a:gs>
+              <a:gs pos="78000">
+                <a:srgbClr val="157E9F"/>
+              </a:gs>
+            </a:gsLst>
+            <a:lin ang="10800000" scaled="0"/>
+          </a:gradFill>
           <a:ln>
-            <a:solidFill>
-              <a:srgbClr val="157E9F"/>
-            </a:solidFill>
+            <a:noFill/>
           </a:ln>
+          <a:effectLst>
+            <a:outerShdw blurRad="393700" dist="76200" dir="5820000" sx="99000" sy="99000" algn="t" rotWithShape="0">
+              <a:prstClr val="black">
+                <a:alpha val="50000"/>
+              </a:prstClr>
+            </a:outerShdw>
+          </a:effectLst>
         </p:spPr>
         <p:style>
-          <a:lnRef idx="1">
-            <a:schemeClr val="accent1"/>
+          <a:lnRef idx="2">
+            <a:schemeClr val="accent1">
+              <a:shade val="50000"/>
+            </a:schemeClr>
           </a:lnRef>
-          <a:fillRef idx="0">
+          <a:fillRef idx="1">
             <a:schemeClr val="accent1"/>
           </a:fillRef>
           <a:effectRef idx="0">
             <a:schemeClr val="accent1"/>
           </a:effectRef>
           <a:fontRef idx="minor">
-            <a:schemeClr val="tx1"/>
+            <a:schemeClr val="lt1"/>
           </a:fontRef>
         </p:style>
-      </p:cxnSp>
-      <p:cxnSp>
-        <p:nvCxnSpPr>
-          <p:cNvPr id="71" name="直接连接符 70"/>
-          <p:cNvCxnSpPr/>
-          <p:nvPr/>
-        </p:nvCxnSpPr>
+        <p:txBody>
+          <a:bodyPr lIns="91436" tIns="45718" rIns="91436" bIns="45718" rtlCol="0" anchor="ctr"/>
+          <a:lstStyle/>
+          <a:p>
+            <a:pPr algn="ctr"/>
+            <a:endParaRPr lang="zh-CN" altLang="en-US"/>
+          </a:p>
+        </p:txBody>
+      </p:sp>
+      <p:sp>
+        <p:nvSpPr>
+          <p:cNvPr id="18" name="圆角矩形 17"/>
+          <p:cNvSpPr/>
+          <p:nvPr/>
+        </p:nvSpPr>
         <p:spPr>
-          <a:xfrm>
-            <a:off x="4725501" y="4084188"/>
-            <a:ext cx="5185097" cy="0"/>
-          </a:xfrm>
-          <a:prstGeom prst="line">
-            <a:avLst/>
+          <a:xfrm rot="10800000" flipV="1">
+            <a:off x="-5664" y="249441"/>
+            <a:ext cx="484287" cy="491115"/>
+          </a:xfrm>
+          <a:prstGeom prst="roundRect">
+            <a:avLst>
+              <a:gd name="adj" fmla="val 5039"/>
+            </a:avLst>
           </a:prstGeom>
+          <a:solidFill>
+            <a:srgbClr val="157E9F"/>
+          </a:solidFill>
           <a:ln>
-            <a:solidFill>
-              <a:srgbClr val="157E9F"/>
-            </a:solidFill>
+            <a:noFill/>
           </a:ln>
+          <a:effectLst>
+            <a:outerShdw blurRad="50800" dist="38100" dir="5400000" algn="t" rotWithShape="0">
+              <a:prstClr val="black">
+                <a:alpha val="40000"/>
+              </a:prstClr>
+            </a:outerShdw>
+          </a:effectLst>
         </p:spPr>
         <p:style>
-          <a:lnRef idx="1">
-            <a:schemeClr val="accent1"/>
+          <a:lnRef idx="2">
+            <a:schemeClr val="accent1">
+              <a:shade val="50000"/>
+            </a:schemeClr>
           </a:lnRef>
-          <a:fillRef idx="0">
+          <a:fillRef idx="1">
             <a:schemeClr val="accent1"/>
           </a:fillRef>
           <a:effectRef idx="0">
             <a:schemeClr val="accent1"/>
           </a:effectRef>
           <a:fontRef idx="minor">
-            <a:schemeClr val="tx1"/>
+            <a:schemeClr val="lt1"/>
           </a:fontRef>
         </p:style>
-      </p:cxnSp>
+        <p:txBody>
+          <a:bodyPr lIns="91436" tIns="45718" rIns="91436" bIns="45718" rtlCol="0" anchor="ctr"/>
+          <a:lstStyle/>
+          <a:p>
+            <a:pPr algn="ctr"/>
+            <a:r>
+              <a:rPr lang="en-US" altLang="zh-CN" sz="3600" dirty="0"/>
+              <a:t>4</a:t>
+            </a:r>
+            <a:endParaRPr lang="zh-CN" altLang="en-US" sz="3600" dirty="0"/>
+          </a:p>
+        </p:txBody>
+      </p:sp>
+      <p:sp>
+        <p:nvSpPr>
+          <p:cNvPr id="19" name="矩形 18"/>
+          <p:cNvSpPr/>
+          <p:nvPr/>
+        </p:nvSpPr>
+        <p:spPr>
+          <a:xfrm>
+            <a:off x="3966736" y="310334"/>
+            <a:ext cx="2032921" cy="369328"/>
+          </a:xfrm>
+          <a:prstGeom prst="rect">
+            <a:avLst/>
+          </a:prstGeom>
+        </p:spPr>
+        <p:txBody>
+          <a:bodyPr wrap="none" lIns="91436" tIns="45718" rIns="91436" bIns="45718">
+            <a:spAutoFit/>
+          </a:bodyPr>
+          <a:lstStyle/>
+          <a:p>
+            <a:pPr algn="ctr"/>
+            <a:r>
+              <a:rPr lang="en-US" altLang="zh-CN" dirty="0">
+                <a:solidFill>
+                  <a:schemeClr val="bg1"/>
+                </a:solidFill>
+                <a:latin typeface="微软雅黑" pitchFamily="34" charset="-122"/>
+                <a:ea typeface="微软雅黑" pitchFamily="34" charset="-122"/>
+              </a:rPr>
+              <a:t>FINISHED WORK</a:t>
+            </a:r>
+          </a:p>
+        </p:txBody>
+      </p:sp>
+      <p:sp>
+        <p:nvSpPr>
+          <p:cNvPr id="20" name="圆角矩形 19"/>
+          <p:cNvSpPr/>
+          <p:nvPr/>
+        </p:nvSpPr>
+        <p:spPr>
+          <a:xfrm rot="16200000" flipV="1">
+            <a:off x="11457520" y="249444"/>
+            <a:ext cx="484287" cy="491115"/>
+          </a:xfrm>
+          <a:prstGeom prst="roundRect">
+            <a:avLst>
+              <a:gd name="adj" fmla="val 5039"/>
+            </a:avLst>
+          </a:prstGeom>
+          <a:solidFill>
+            <a:srgbClr val="157E9F"/>
+          </a:solidFill>
+          <a:ln>
+            <a:noFill/>
+          </a:ln>
+          <a:effectLst>
+            <a:outerShdw blurRad="50800" dist="38100" dir="5400000" algn="t" rotWithShape="0">
+              <a:prstClr val="black">
+                <a:alpha val="40000"/>
+              </a:prstClr>
+            </a:outerShdw>
+          </a:effectLst>
+        </p:spPr>
+        <p:style>
+          <a:lnRef idx="2">
+            <a:schemeClr val="accent1">
+              <a:shade val="50000"/>
+            </a:schemeClr>
+          </a:lnRef>
+          <a:fillRef idx="1">
+            <a:schemeClr val="accent1"/>
+          </a:fillRef>
+          <a:effectRef idx="0">
+            <a:schemeClr val="accent1"/>
+          </a:effectRef>
+          <a:fontRef idx="minor">
+            <a:schemeClr val="lt1"/>
+          </a:fontRef>
+        </p:style>
+        <p:txBody>
+          <a:bodyPr rtlCol="0" anchor="ctr"/>
+          <a:lstStyle/>
+          <a:p>
+            <a:pPr algn="ctr"/>
+            <a:endParaRPr lang="zh-CN" altLang="en-US"/>
+          </a:p>
+        </p:txBody>
+      </p:sp>
+      <p:sp>
+        <p:nvSpPr>
+          <p:cNvPr id="21" name="Freeform 96"/>
+          <p:cNvSpPr/>
+          <p:nvPr/>
+        </p:nvSpPr>
+        <p:spPr bwMode="auto">
+          <a:xfrm>
+            <a:off x="11559368" y="359659"/>
+            <a:ext cx="280590" cy="270687"/>
+          </a:xfrm>
+          <a:custGeom>
+            <a:avLst/>
+            <a:gdLst>
+              <a:gd name="T0" fmla="*/ 184 w 216"/>
+              <a:gd name="T1" fmla="*/ 0 h 208"/>
+              <a:gd name="T2" fmla="*/ 152 w 216"/>
+              <a:gd name="T3" fmla="*/ 32 h 208"/>
+              <a:gd name="T4" fmla="*/ 154 w 216"/>
+              <a:gd name="T5" fmla="*/ 41 h 208"/>
+              <a:gd name="T6" fmla="*/ 60 w 216"/>
+              <a:gd name="T7" fmla="*/ 80 h 208"/>
+              <a:gd name="T8" fmla="*/ 32 w 216"/>
+              <a:gd name="T9" fmla="*/ 64 h 208"/>
+              <a:gd name="T10" fmla="*/ 0 w 216"/>
+              <a:gd name="T11" fmla="*/ 96 h 208"/>
+              <a:gd name="T12" fmla="*/ 32 w 216"/>
+              <a:gd name="T13" fmla="*/ 128 h 208"/>
+              <a:gd name="T14" fmla="*/ 56 w 216"/>
+              <a:gd name="T15" fmla="*/ 118 h 208"/>
+              <a:gd name="T16" fmla="*/ 116 w 216"/>
+              <a:gd name="T17" fmla="*/ 161 h 208"/>
+              <a:gd name="T18" fmla="*/ 112 w 216"/>
+              <a:gd name="T19" fmla="*/ 176 h 208"/>
+              <a:gd name="T20" fmla="*/ 144 w 216"/>
+              <a:gd name="T21" fmla="*/ 208 h 208"/>
+              <a:gd name="T22" fmla="*/ 176 w 216"/>
+              <a:gd name="T23" fmla="*/ 176 h 208"/>
+              <a:gd name="T24" fmla="*/ 144 w 216"/>
+              <a:gd name="T25" fmla="*/ 144 h 208"/>
+              <a:gd name="T26" fmla="*/ 121 w 216"/>
+              <a:gd name="T27" fmla="*/ 154 h 208"/>
+              <a:gd name="T28" fmla="*/ 61 w 216"/>
+              <a:gd name="T29" fmla="*/ 111 h 208"/>
+              <a:gd name="T30" fmla="*/ 64 w 216"/>
+              <a:gd name="T31" fmla="*/ 96 h 208"/>
+              <a:gd name="T32" fmla="*/ 63 w 216"/>
+              <a:gd name="T33" fmla="*/ 87 h 208"/>
+              <a:gd name="T34" fmla="*/ 157 w 216"/>
+              <a:gd name="T35" fmla="*/ 48 h 208"/>
+              <a:gd name="T36" fmla="*/ 184 w 216"/>
+              <a:gd name="T37" fmla="*/ 64 h 208"/>
+              <a:gd name="T38" fmla="*/ 216 w 216"/>
+              <a:gd name="T39" fmla="*/ 32 h 208"/>
+              <a:gd name="T40" fmla="*/ 184 w 216"/>
+              <a:gd name="T41" fmla="*/ 0 h 208"/>
+            </a:gdLst>
+            <a:ahLst/>
+            <a:cxnLst>
+              <a:cxn ang="0">
+                <a:pos x="T0" y="T1"/>
+              </a:cxn>
+              <a:cxn ang="0">
+                <a:pos x="T2" y="T3"/>
+              </a:cxn>
+              <a:cxn ang="0">
+                <a:pos x="T4" y="T5"/>
+              </a:cxn>
+              <a:cxn ang="0">
+                <a:pos x="T6" y="T7"/>
+              </a:cxn>
+              <a:cxn ang="0">
+                <a:pos x="T8" y="T9"/>
+              </a:cxn>
+              <a:cxn ang="0">
+                <a:pos x="T10" y="T11"/>
+              </a:cxn>
+              <a:cxn ang="0">
+                <a:pos x="T12" y="T13"/>
+              </a:cxn>
+              <a:cxn ang="0">
+                <a:pos x="T14" y="T15"/>
+              </a:cxn>
+              <a:cxn ang="0">
+                <a:pos x="T16" y="T17"/>
+              </a:cxn>
+              <a:cxn ang="0">
+                <a:pos x="T18" y="T19"/>
+              </a:cxn>
+              <a:cxn ang="0">
+                <a:pos x="T20" y="T21"/>
+              </a:cxn>
+              <a:cxn ang="0">
+                <a:pos x="T22" y="T23"/>
+              </a:cxn>
+              <a:cxn ang="0">
+                <a:pos x="T24" y="T25"/>
+              </a:cxn>
+              <a:cxn ang="0">
+                <a:pos x="T26" y="T27"/>
+              </a:cxn>
+              <a:cxn ang="0">
+                <a:pos x="T28" y="T29"/>
+              </a:cxn>
+              <a:cxn ang="0">
+                <a:pos x="T30" y="T31"/>
+              </a:cxn>
+              <a:cxn ang="0">
+                <a:pos x="T32" y="T33"/>
+              </a:cxn>
+              <a:cxn ang="0">
+                <a:pos x="T34" y="T35"/>
+              </a:cxn>
+              <a:cxn ang="0">
+                <a:pos x="T36" y="T37"/>
+              </a:cxn>
+              <a:cxn ang="0">
+                <a:pos x="T38" y="T39"/>
+              </a:cxn>
+              <a:cxn ang="0">
+                <a:pos x="T40" y="T41"/>
+              </a:cxn>
+            </a:cxnLst>
+            <a:rect l="0" t="0" r="r" b="b"/>
+            <a:pathLst>
+              <a:path w="216" h="208">
+                <a:moveTo>
+                  <a:pt x="184" y="0"/>
+                </a:moveTo>
+                <a:cubicBezTo>
+                  <a:pt x="167" y="0"/>
+                  <a:pt x="152" y="14"/>
+                  <a:pt x="152" y="32"/>
+                </a:cubicBezTo>
+                <a:cubicBezTo>
+                  <a:pt x="152" y="35"/>
+                  <a:pt x="153" y="38"/>
+                  <a:pt x="154" y="41"/>
+                </a:cubicBezTo>
+                <a:cubicBezTo>
+                  <a:pt x="60" y="80"/>
+                  <a:pt x="60" y="80"/>
+                  <a:pt x="60" y="80"/>
+                </a:cubicBezTo>
+                <a:cubicBezTo>
+                  <a:pt x="55" y="70"/>
+                  <a:pt x="44" y="64"/>
+                  <a:pt x="32" y="64"/>
+                </a:cubicBezTo>
+                <a:cubicBezTo>
+                  <a:pt x="15" y="64"/>
+                  <a:pt x="0" y="78"/>
+                  <a:pt x="0" y="96"/>
+                </a:cubicBezTo>
+                <a:cubicBezTo>
+                  <a:pt x="0" y="113"/>
+                  <a:pt x="15" y="128"/>
+                  <a:pt x="32" y="128"/>
+                </a:cubicBezTo>
+                <a:cubicBezTo>
+                  <a:pt x="42" y="128"/>
+                  <a:pt x="50" y="124"/>
+                  <a:pt x="56" y="118"/>
+                </a:cubicBezTo>
+                <a:cubicBezTo>
+                  <a:pt x="116" y="161"/>
+                  <a:pt x="116" y="161"/>
+                  <a:pt x="116" y="161"/>
+                </a:cubicBezTo>
+                <a:cubicBezTo>
+                  <a:pt x="114" y="165"/>
+                  <a:pt x="112" y="170"/>
+                  <a:pt x="112" y="176"/>
+                </a:cubicBezTo>
+                <a:cubicBezTo>
+                  <a:pt x="112" y="193"/>
+                  <a:pt x="127" y="208"/>
+                  <a:pt x="144" y="208"/>
+                </a:cubicBezTo>
+                <a:cubicBezTo>
+                  <a:pt x="162" y="208"/>
+                  <a:pt x="176" y="193"/>
+                  <a:pt x="176" y="176"/>
+                </a:cubicBezTo>
+                <a:cubicBezTo>
+                  <a:pt x="176" y="158"/>
+                  <a:pt x="162" y="144"/>
+                  <a:pt x="144" y="144"/>
+                </a:cubicBezTo>
+                <a:cubicBezTo>
+                  <a:pt x="135" y="144"/>
+                  <a:pt x="127" y="148"/>
+                  <a:pt x="121" y="154"/>
+                </a:cubicBezTo>
+                <a:cubicBezTo>
+                  <a:pt x="61" y="111"/>
+                  <a:pt x="61" y="111"/>
+                  <a:pt x="61" y="111"/>
+                </a:cubicBezTo>
+                <a:cubicBezTo>
+                  <a:pt x="63" y="107"/>
+                  <a:pt x="64" y="101"/>
+                  <a:pt x="64" y="96"/>
+                </a:cubicBezTo>
+                <a:cubicBezTo>
+                  <a:pt x="64" y="93"/>
+                  <a:pt x="64" y="90"/>
+                  <a:pt x="63" y="87"/>
+                </a:cubicBezTo>
+                <a:cubicBezTo>
+                  <a:pt x="157" y="48"/>
+                  <a:pt x="157" y="48"/>
+                  <a:pt x="157" y="48"/>
+                </a:cubicBezTo>
+                <a:cubicBezTo>
+                  <a:pt x="162" y="57"/>
+                  <a:pt x="173" y="64"/>
+                  <a:pt x="184" y="64"/>
+                </a:cubicBezTo>
+                <a:cubicBezTo>
+                  <a:pt x="202" y="64"/>
+                  <a:pt x="216" y="49"/>
+                  <a:pt x="216" y="32"/>
+                </a:cubicBezTo>
+                <a:cubicBezTo>
+                  <a:pt x="216" y="14"/>
+                  <a:pt x="202" y="0"/>
+                  <a:pt x="184" y="0"/>
+                </a:cubicBezTo>
+                <a:close/>
+              </a:path>
+            </a:pathLst>
+          </a:custGeom>
+          <a:solidFill>
+            <a:schemeClr val="bg1"/>
+          </a:solidFill>
+          <a:ln>
+            <a:noFill/>
+          </a:ln>
+        </p:spPr>
+        <p:txBody>
+          <a:bodyPr vert="horz" wrap="square" lIns="91440" tIns="45720" rIns="91440" bIns="45720" numCol="1" anchor="t" anchorCtr="0" compatLnSpc="1"/>
+          <a:lstStyle/>
+          <a:p>
+            <a:endParaRPr lang="zh-CN" altLang="en-US">
+              <a:solidFill>
+                <a:srgbClr val="AD1C21"/>
+              </a:solidFill>
+            </a:endParaRPr>
+          </a:p>
+        </p:txBody>
+      </p:sp>
+      <p:sp>
+        <p:nvSpPr>
+          <p:cNvPr id="22" name="矩形 21"/>
+          <p:cNvSpPr/>
+          <p:nvPr/>
+        </p:nvSpPr>
+        <p:spPr>
+          <a:xfrm>
+            <a:off x="633077" y="125666"/>
+            <a:ext cx="2444900" cy="662554"/>
+          </a:xfrm>
+          <a:prstGeom prst="rect">
+            <a:avLst/>
+          </a:prstGeom>
+        </p:spPr>
+        <p:txBody>
+          <a:bodyPr wrap="none">
+            <a:spAutoFit/>
+          </a:bodyPr>
+          <a:lstStyle/>
+          <a:p>
+            <a:pPr>
+              <a:lnSpc>
+                <a:spcPct val="150000"/>
+              </a:lnSpc>
+            </a:pPr>
+            <a:r>
+              <a:rPr lang="en-US" altLang="zh-CN" sz="2800" dirty="0">
+                <a:solidFill>
+                  <a:srgbClr val="157E9F"/>
+                </a:solidFill>
+                <a:latin typeface="方正清刻本悦宋简体" panose="02000000000000000000" pitchFamily="2" charset="-122"/>
+                <a:ea typeface="方正清刻本悦宋简体" panose="02000000000000000000" pitchFamily="2" charset="-122"/>
+              </a:rPr>
+              <a:t> </a:t>
+            </a:r>
+            <a:r>
+              <a:rPr lang="zh-CN" altLang="en-US" sz="2800" dirty="0">
+                <a:solidFill>
+                  <a:srgbClr val="157E9F"/>
+                </a:solidFill>
+                <a:latin typeface="方正清刻本悦宋简体" panose="02000000000000000000" pitchFamily="2" charset="-122"/>
+                <a:ea typeface="方正清刻本悦宋简体" panose="02000000000000000000" pitchFamily="2" charset="-122"/>
+              </a:rPr>
+              <a:t>已完成的工作</a:t>
+            </a:r>
+            <a:endParaRPr lang="en-US" altLang="zh-CN" sz="2800" dirty="0">
+              <a:solidFill>
+                <a:srgbClr val="157E9F"/>
+              </a:solidFill>
+              <a:latin typeface="方正清刻本悦宋简体" panose="02000000000000000000" pitchFamily="2" charset="-122"/>
+              <a:ea typeface="方正清刻本悦宋简体" panose="02000000000000000000" pitchFamily="2" charset="-122"/>
+            </a:endParaRPr>
+          </a:p>
+        </p:txBody>
+      </p:sp>
+      <p:sp>
+        <p:nvSpPr>
+          <p:cNvPr id="35" name="圆角矩形 34"/>
+          <p:cNvSpPr/>
+          <p:nvPr/>
+        </p:nvSpPr>
+        <p:spPr>
+          <a:xfrm rot="10800000" flipV="1">
+            <a:off x="824852" y="963311"/>
+            <a:ext cx="1299872" cy="491115"/>
+          </a:xfrm>
+          <a:prstGeom prst="roundRect">
+            <a:avLst>
+              <a:gd name="adj" fmla="val 5039"/>
+            </a:avLst>
+          </a:prstGeom>
+          <a:solidFill>
+            <a:srgbClr val="157E9F"/>
+          </a:solidFill>
+          <a:ln>
+            <a:noFill/>
+          </a:ln>
+          <a:effectLst>
+            <a:outerShdw blurRad="50800" dist="38100" dir="5400000" algn="t" rotWithShape="0">
+              <a:prstClr val="black">
+                <a:alpha val="40000"/>
+              </a:prstClr>
+            </a:outerShdw>
+          </a:effectLst>
+        </p:spPr>
+        <p:style>
+          <a:lnRef idx="2">
+            <a:schemeClr val="accent1">
+              <a:shade val="50000"/>
+            </a:schemeClr>
+          </a:lnRef>
+          <a:fillRef idx="1">
+            <a:schemeClr val="accent1"/>
+          </a:fillRef>
+          <a:effectRef idx="0">
+            <a:schemeClr val="accent1"/>
+          </a:effectRef>
+          <a:fontRef idx="minor">
+            <a:schemeClr val="lt1"/>
+          </a:fontRef>
+        </p:style>
+        <p:txBody>
+          <a:bodyPr lIns="91436" tIns="45718" rIns="91436" bIns="45718" rtlCol="0" anchor="ctr"/>
+          <a:lstStyle/>
+          <a:p>
+            <a:pPr algn="ctr"/>
+            <a:r>
+              <a:rPr lang="en-US" altLang="zh-CN" sz="2400" dirty="0">
+                <a:latin typeface="方正清刻本悦宋简体" panose="02000000000000000000" pitchFamily="2" charset="-122"/>
+                <a:ea typeface="方正清刻本悦宋简体" panose="02000000000000000000" pitchFamily="2" charset="-122"/>
+              </a:rPr>
+              <a:t>4</a:t>
+            </a:r>
+            <a:endParaRPr lang="zh-CN" altLang="en-US" sz="2400" dirty="0">
+              <a:latin typeface="方正清刻本悦宋简体" panose="02000000000000000000" pitchFamily="2" charset="-122"/>
+              <a:ea typeface="方正清刻本悦宋简体" panose="02000000000000000000" pitchFamily="2" charset="-122"/>
+            </a:endParaRPr>
+          </a:p>
+        </p:txBody>
+      </p:sp>
+      <p:sp>
+        <p:nvSpPr>
+          <p:cNvPr id="24" name="文本框 23">
+            <a:extLst>
+              <a:ext uri="{FF2B5EF4-FFF2-40B4-BE49-F238E27FC236}">
+                <a16:creationId xmlns:a16="http://schemas.microsoft.com/office/drawing/2014/main" id="{4BD851DA-3CC3-4FAA-9C50-B9558AE2E9DB}"/>
+              </a:ext>
+            </a:extLst>
+          </p:cNvPr>
+          <p:cNvSpPr txBox="1"/>
+          <p:nvPr/>
+        </p:nvSpPr>
+        <p:spPr>
+          <a:xfrm>
+            <a:off x="2314021" y="1003246"/>
+            <a:ext cx="3262423" cy="400105"/>
+          </a:xfrm>
+          <a:prstGeom prst="rect">
+            <a:avLst/>
+          </a:prstGeom>
+          <a:noFill/>
+        </p:spPr>
+        <p:txBody>
+          <a:bodyPr wrap="none" lIns="91436" tIns="45718" rIns="91436" bIns="45718" rtlCol="0">
+            <a:spAutoFit/>
+          </a:bodyPr>
+          <a:lstStyle/>
+          <a:p>
+            <a:r>
+              <a:rPr lang="zh-CN" altLang="en-US" sz="2000" dirty="0">
+                <a:solidFill>
+                  <a:schemeClr val="tx1">
+                    <a:lumMod val="75000"/>
+                    <a:lumOff val="25000"/>
+                  </a:schemeClr>
+                </a:solidFill>
+                <a:latin typeface="Segoe UI Semilight" panose="020B0402040204020203" pitchFamily="34" charset="0"/>
+                <a:ea typeface="微软雅黑" pitchFamily="34" charset="-122"/>
+                <a:cs typeface="Segoe UI Semilight" panose="020B0402040204020203" pitchFamily="34" charset="0"/>
+              </a:rPr>
+              <a:t>油型气涌出危险性评价软件</a:t>
+            </a:r>
+          </a:p>
+        </p:txBody>
+      </p:sp>
+      <p:grpSp>
+        <p:nvGrpSpPr>
+          <p:cNvPr id="3" name="组合 2">
+            <a:extLst>
+              <a:ext uri="{FF2B5EF4-FFF2-40B4-BE49-F238E27FC236}">
+                <a16:creationId xmlns:a16="http://schemas.microsoft.com/office/drawing/2014/main" id="{561C1491-1984-483C-8D71-6501F4A7E6CE}"/>
+              </a:ext>
+            </a:extLst>
+          </p:cNvPr>
+          <p:cNvGrpSpPr/>
+          <p:nvPr/>
+        </p:nvGrpSpPr>
+        <p:grpSpPr>
+          <a:xfrm>
+            <a:off x="726300" y="1584960"/>
+            <a:ext cx="3960000" cy="2674286"/>
+            <a:chOff x="726300" y="1584960"/>
+            <a:chExt cx="3960000" cy="2674286"/>
+          </a:xfrm>
+        </p:grpSpPr>
+        <p:pic>
+          <p:nvPicPr>
+            <p:cNvPr id="10" name="图片 9">
+              <a:extLst>
+                <a:ext uri="{FF2B5EF4-FFF2-40B4-BE49-F238E27FC236}">
+                  <a16:creationId xmlns:a16="http://schemas.microsoft.com/office/drawing/2014/main" id="{257E0368-0404-4E82-BF7A-166655AA456E}"/>
+                </a:ext>
+              </a:extLst>
+            </p:cNvPr>
+            <p:cNvPicPr>
+              <a:picLocks noChangeAspect="1"/>
+            </p:cNvPicPr>
+            <p:nvPr/>
+          </p:nvPicPr>
+          <p:blipFill>
+            <a:blip r:embed="rId3"/>
+            <a:stretch>
+              <a:fillRect/>
+            </a:stretch>
+          </p:blipFill>
+          <p:spPr>
+            <a:xfrm>
+              <a:off x="726300" y="1584960"/>
+              <a:ext cx="3960000" cy="2674286"/>
+            </a:xfrm>
+            <a:prstGeom prst="rect">
+              <a:avLst/>
+            </a:prstGeom>
+          </p:spPr>
+        </p:pic>
+        <p:pic>
+          <p:nvPicPr>
+            <p:cNvPr id="2" name="图片 1">
+              <a:extLst>
+                <a:ext uri="{FF2B5EF4-FFF2-40B4-BE49-F238E27FC236}">
+                  <a16:creationId xmlns:a16="http://schemas.microsoft.com/office/drawing/2014/main" id="{B437C745-2275-44AA-82C6-89108D01A988}"/>
+                </a:ext>
+              </a:extLst>
+            </p:cNvPr>
+            <p:cNvPicPr>
+              <a:picLocks noChangeAspect="1"/>
+            </p:cNvPicPr>
+            <p:nvPr/>
+          </p:nvPicPr>
+          <p:blipFill>
+            <a:blip r:embed="rId4"/>
+            <a:stretch>
+              <a:fillRect/>
+            </a:stretch>
+          </p:blipFill>
+          <p:spPr>
+            <a:xfrm>
+              <a:off x="747712" y="1609726"/>
+              <a:ext cx="253154" cy="219076"/>
+            </a:xfrm>
+            <a:prstGeom prst="rect">
+              <a:avLst/>
+            </a:prstGeom>
+          </p:spPr>
+        </p:pic>
+      </p:grpSp>
     </p:spTree>
+    <p:extLst>
+      <p:ext uri="{BB962C8B-B14F-4D97-AF65-F5344CB8AC3E}">
+        <p14:creationId xmlns:p14="http://schemas.microsoft.com/office/powerpoint/2010/main" val="4293694494"/>
+      </p:ext>
+    </p:extLst>
+  </p:cSld>
+  <p:clrMapOvr>
+    <a:masterClrMapping/>
+  </p:clrMapOvr>
+  <mc:AlternateContent xmlns:mc="http://schemas.openxmlformats.org/markup-compatibility/2006" xmlns:p14="http://schemas.microsoft.com/office/powerpoint/2010/main">
+    <mc:Choice Requires="p14">
+      <p:transition spd="med" p14:dur="700">
+        <p:fade/>
+      </p:transition>
+    </mc:Choice>
+    <mc:Fallback xmlns="">
+      <p:transition spd="med">
+        <p:fade/>
+      </p:transition>
+    </mc:Fallback>
+  </mc:AlternateContent>
+</p:sld>
+</file>
+
+<file path=ppt/slides/slide17.xml><?xml version="1.0" encoding="utf-8"?>
+<p:sld xmlns:a="http://schemas.openxmlformats.org/drawingml/2006/main" xmlns:r="http://schemas.openxmlformats.org/officeDocument/2006/relationships" xmlns:p="http://schemas.openxmlformats.org/presentationml/2006/main">
+  <p:cSld>
+    <p:spTree>
+      <p:nvGrpSpPr>
+        <p:cNvPr id="1" name=""/>
+        <p:cNvGrpSpPr/>
+        <p:nvPr/>
+      </p:nvGrpSpPr>
+      <p:grpSpPr>
+        <a:xfrm>
+          <a:off x="0" y="0"/>
+          <a:ext cx="0" cy="0"/>
+          <a:chOff x="0" y="0"/>
+          <a:chExt cx="0" cy="0"/>
+        </a:xfrm>
+      </p:grpSpPr>
+      <p:sp>
+        <p:nvSpPr>
+          <p:cNvPr id="17" name="矩形 16"/>
+          <p:cNvSpPr/>
+          <p:nvPr/>
+        </p:nvSpPr>
+        <p:spPr>
+          <a:xfrm>
+            <a:off x="3473651" y="252859"/>
+            <a:ext cx="8718351" cy="484285"/>
+          </a:xfrm>
+          <a:prstGeom prst="rect">
+            <a:avLst/>
+          </a:prstGeom>
+          <a:gradFill>
+            <a:gsLst>
+              <a:gs pos="0">
+                <a:schemeClr val="accent1">
+                  <a:lumMod val="5000"/>
+                  <a:lumOff val="95000"/>
+                  <a:alpha val="0"/>
+                </a:schemeClr>
+              </a:gs>
+              <a:gs pos="78000">
+                <a:srgbClr val="157E9F"/>
+              </a:gs>
+            </a:gsLst>
+            <a:lin ang="10800000" scaled="0"/>
+          </a:gradFill>
+          <a:ln>
+            <a:noFill/>
+          </a:ln>
+          <a:effectLst>
+            <a:outerShdw blurRad="393700" dist="76200" dir="5820000" sx="99000" sy="99000" algn="t" rotWithShape="0">
+              <a:prstClr val="black">
+                <a:alpha val="50000"/>
+              </a:prstClr>
+            </a:outerShdw>
+          </a:effectLst>
+        </p:spPr>
+        <p:style>
+          <a:lnRef idx="2">
+            <a:schemeClr val="accent1">
+              <a:shade val="50000"/>
+            </a:schemeClr>
+          </a:lnRef>
+          <a:fillRef idx="1">
+            <a:schemeClr val="accent1"/>
+          </a:fillRef>
+          <a:effectRef idx="0">
+            <a:schemeClr val="accent1"/>
+          </a:effectRef>
+          <a:fontRef idx="minor">
+            <a:schemeClr val="lt1"/>
+          </a:fontRef>
+        </p:style>
+        <p:txBody>
+          <a:bodyPr lIns="91436" tIns="45718" rIns="91436" bIns="45718" rtlCol="0" anchor="ctr"/>
+          <a:lstStyle/>
+          <a:p>
+            <a:pPr algn="ctr"/>
+            <a:endParaRPr lang="zh-CN" altLang="en-US"/>
+          </a:p>
+        </p:txBody>
+      </p:sp>
+      <p:sp>
+        <p:nvSpPr>
+          <p:cNvPr id="18" name="圆角矩形 17"/>
+          <p:cNvSpPr/>
+          <p:nvPr/>
+        </p:nvSpPr>
+        <p:spPr>
+          <a:xfrm rot="10800000" flipV="1">
+            <a:off x="-5664" y="249441"/>
+            <a:ext cx="484287" cy="491115"/>
+          </a:xfrm>
+          <a:prstGeom prst="roundRect">
+            <a:avLst>
+              <a:gd name="adj" fmla="val 5039"/>
+            </a:avLst>
+          </a:prstGeom>
+          <a:solidFill>
+            <a:srgbClr val="157E9F"/>
+          </a:solidFill>
+          <a:ln>
+            <a:noFill/>
+          </a:ln>
+          <a:effectLst>
+            <a:outerShdw blurRad="50800" dist="38100" dir="5400000" algn="t" rotWithShape="0">
+              <a:prstClr val="black">
+                <a:alpha val="40000"/>
+              </a:prstClr>
+            </a:outerShdw>
+          </a:effectLst>
+        </p:spPr>
+        <p:style>
+          <a:lnRef idx="2">
+            <a:schemeClr val="accent1">
+              <a:shade val="50000"/>
+            </a:schemeClr>
+          </a:lnRef>
+          <a:fillRef idx="1">
+            <a:schemeClr val="accent1"/>
+          </a:fillRef>
+          <a:effectRef idx="0">
+            <a:schemeClr val="accent1"/>
+          </a:effectRef>
+          <a:fontRef idx="minor">
+            <a:schemeClr val="lt1"/>
+          </a:fontRef>
+        </p:style>
+        <p:txBody>
+          <a:bodyPr lIns="91436" tIns="45718" rIns="91436" bIns="45718" rtlCol="0" anchor="ctr"/>
+          <a:lstStyle/>
+          <a:p>
+            <a:pPr algn="ctr"/>
+            <a:r>
+              <a:rPr lang="en-US" altLang="zh-CN" sz="3600" dirty="0"/>
+              <a:t>4</a:t>
+            </a:r>
+            <a:endParaRPr lang="zh-CN" altLang="en-US" sz="3600" dirty="0"/>
+          </a:p>
+        </p:txBody>
+      </p:sp>
+      <p:sp>
+        <p:nvSpPr>
+          <p:cNvPr id="19" name="矩形 18"/>
+          <p:cNvSpPr/>
+          <p:nvPr/>
+        </p:nvSpPr>
+        <p:spPr>
+          <a:xfrm>
+            <a:off x="3966736" y="310334"/>
+            <a:ext cx="2032921" cy="369328"/>
+          </a:xfrm>
+          <a:prstGeom prst="rect">
+            <a:avLst/>
+          </a:prstGeom>
+        </p:spPr>
+        <p:txBody>
+          <a:bodyPr wrap="none" lIns="91436" tIns="45718" rIns="91436" bIns="45718">
+            <a:spAutoFit/>
+          </a:bodyPr>
+          <a:lstStyle/>
+          <a:p>
+            <a:pPr algn="ctr"/>
+            <a:r>
+              <a:rPr lang="en-US" altLang="zh-CN" dirty="0">
+                <a:solidFill>
+                  <a:schemeClr val="bg1"/>
+                </a:solidFill>
+                <a:latin typeface="微软雅黑" pitchFamily="34" charset="-122"/>
+                <a:ea typeface="微软雅黑" pitchFamily="34" charset="-122"/>
+              </a:rPr>
+              <a:t>FINISHED WORK</a:t>
+            </a:r>
+          </a:p>
+        </p:txBody>
+      </p:sp>
+      <p:sp>
+        <p:nvSpPr>
+          <p:cNvPr id="20" name="圆角矩形 19"/>
+          <p:cNvSpPr/>
+          <p:nvPr/>
+        </p:nvSpPr>
+        <p:spPr>
+          <a:xfrm rot="16200000" flipV="1">
+            <a:off x="11457520" y="249444"/>
+            <a:ext cx="484287" cy="491115"/>
+          </a:xfrm>
+          <a:prstGeom prst="roundRect">
+            <a:avLst>
+              <a:gd name="adj" fmla="val 5039"/>
+            </a:avLst>
+          </a:prstGeom>
+          <a:solidFill>
+            <a:srgbClr val="157E9F"/>
+          </a:solidFill>
+          <a:ln>
+            <a:noFill/>
+          </a:ln>
+          <a:effectLst>
+            <a:outerShdw blurRad="50800" dist="38100" dir="5400000" algn="t" rotWithShape="0">
+              <a:prstClr val="black">
+                <a:alpha val="40000"/>
+              </a:prstClr>
+            </a:outerShdw>
+          </a:effectLst>
+        </p:spPr>
+        <p:style>
+          <a:lnRef idx="2">
+            <a:schemeClr val="accent1">
+              <a:shade val="50000"/>
+            </a:schemeClr>
+          </a:lnRef>
+          <a:fillRef idx="1">
+            <a:schemeClr val="accent1"/>
+          </a:fillRef>
+          <a:effectRef idx="0">
+            <a:schemeClr val="accent1"/>
+          </a:effectRef>
+          <a:fontRef idx="minor">
+            <a:schemeClr val="lt1"/>
+          </a:fontRef>
+        </p:style>
+        <p:txBody>
+          <a:bodyPr rtlCol="0" anchor="ctr"/>
+          <a:lstStyle/>
+          <a:p>
+            <a:pPr algn="ctr"/>
+            <a:endParaRPr lang="zh-CN" altLang="en-US"/>
+          </a:p>
+        </p:txBody>
+      </p:sp>
+      <p:sp>
+        <p:nvSpPr>
+          <p:cNvPr id="21" name="Freeform 96"/>
+          <p:cNvSpPr/>
+          <p:nvPr/>
+        </p:nvSpPr>
+        <p:spPr bwMode="auto">
+          <a:xfrm>
+            <a:off x="11559368" y="359659"/>
+            <a:ext cx="280590" cy="270687"/>
+          </a:xfrm>
+          <a:custGeom>
+            <a:avLst/>
+            <a:gdLst>
+              <a:gd name="T0" fmla="*/ 184 w 216"/>
+              <a:gd name="T1" fmla="*/ 0 h 208"/>
+              <a:gd name="T2" fmla="*/ 152 w 216"/>
+              <a:gd name="T3" fmla="*/ 32 h 208"/>
+              <a:gd name="T4" fmla="*/ 154 w 216"/>
+              <a:gd name="T5" fmla="*/ 41 h 208"/>
+              <a:gd name="T6" fmla="*/ 60 w 216"/>
+              <a:gd name="T7" fmla="*/ 80 h 208"/>
+              <a:gd name="T8" fmla="*/ 32 w 216"/>
+              <a:gd name="T9" fmla="*/ 64 h 208"/>
+              <a:gd name="T10" fmla="*/ 0 w 216"/>
+              <a:gd name="T11" fmla="*/ 96 h 208"/>
+              <a:gd name="T12" fmla="*/ 32 w 216"/>
+              <a:gd name="T13" fmla="*/ 128 h 208"/>
+              <a:gd name="T14" fmla="*/ 56 w 216"/>
+              <a:gd name="T15" fmla="*/ 118 h 208"/>
+              <a:gd name="T16" fmla="*/ 116 w 216"/>
+              <a:gd name="T17" fmla="*/ 161 h 208"/>
+              <a:gd name="T18" fmla="*/ 112 w 216"/>
+              <a:gd name="T19" fmla="*/ 176 h 208"/>
+              <a:gd name="T20" fmla="*/ 144 w 216"/>
+              <a:gd name="T21" fmla="*/ 208 h 208"/>
+              <a:gd name="T22" fmla="*/ 176 w 216"/>
+              <a:gd name="T23" fmla="*/ 176 h 208"/>
+              <a:gd name="T24" fmla="*/ 144 w 216"/>
+              <a:gd name="T25" fmla="*/ 144 h 208"/>
+              <a:gd name="T26" fmla="*/ 121 w 216"/>
+              <a:gd name="T27" fmla="*/ 154 h 208"/>
+              <a:gd name="T28" fmla="*/ 61 w 216"/>
+              <a:gd name="T29" fmla="*/ 111 h 208"/>
+              <a:gd name="T30" fmla="*/ 64 w 216"/>
+              <a:gd name="T31" fmla="*/ 96 h 208"/>
+              <a:gd name="T32" fmla="*/ 63 w 216"/>
+              <a:gd name="T33" fmla="*/ 87 h 208"/>
+              <a:gd name="T34" fmla="*/ 157 w 216"/>
+              <a:gd name="T35" fmla="*/ 48 h 208"/>
+              <a:gd name="T36" fmla="*/ 184 w 216"/>
+              <a:gd name="T37" fmla="*/ 64 h 208"/>
+              <a:gd name="T38" fmla="*/ 216 w 216"/>
+              <a:gd name="T39" fmla="*/ 32 h 208"/>
+              <a:gd name="T40" fmla="*/ 184 w 216"/>
+              <a:gd name="T41" fmla="*/ 0 h 208"/>
+            </a:gdLst>
+            <a:ahLst/>
+            <a:cxnLst>
+              <a:cxn ang="0">
+                <a:pos x="T0" y="T1"/>
+              </a:cxn>
+              <a:cxn ang="0">
+                <a:pos x="T2" y="T3"/>
+              </a:cxn>
+              <a:cxn ang="0">
+                <a:pos x="T4" y="T5"/>
+              </a:cxn>
+              <a:cxn ang="0">
+                <a:pos x="T6" y="T7"/>
+              </a:cxn>
+              <a:cxn ang="0">
+                <a:pos x="T8" y="T9"/>
+              </a:cxn>
+              <a:cxn ang="0">
+                <a:pos x="T10" y="T11"/>
+              </a:cxn>
+              <a:cxn ang="0">
+                <a:pos x="T12" y="T13"/>
+              </a:cxn>
+              <a:cxn ang="0">
+                <a:pos x="T14" y="T15"/>
+              </a:cxn>
+              <a:cxn ang="0">
+                <a:pos x="T16" y="T17"/>
+              </a:cxn>
+              <a:cxn ang="0">
+                <a:pos x="T18" y="T19"/>
+              </a:cxn>
+              <a:cxn ang="0">
+                <a:pos x="T20" y="T21"/>
+              </a:cxn>
+              <a:cxn ang="0">
+                <a:pos x="T22" y="T23"/>
+              </a:cxn>
+              <a:cxn ang="0">
+                <a:pos x="T24" y="T25"/>
+              </a:cxn>
+              <a:cxn ang="0">
+                <a:pos x="T26" y="T27"/>
+              </a:cxn>
+              <a:cxn ang="0">
+                <a:pos x="T28" y="T29"/>
+              </a:cxn>
+              <a:cxn ang="0">
+                <a:pos x="T30" y="T31"/>
+              </a:cxn>
+              <a:cxn ang="0">
+                <a:pos x="T32" y="T33"/>
+              </a:cxn>
+              <a:cxn ang="0">
+                <a:pos x="T34" y="T35"/>
+              </a:cxn>
+              <a:cxn ang="0">
+                <a:pos x="T36" y="T37"/>
+              </a:cxn>
+              <a:cxn ang="0">
+                <a:pos x="T38" y="T39"/>
+              </a:cxn>
+              <a:cxn ang="0">
+                <a:pos x="T40" y="T41"/>
+              </a:cxn>
+            </a:cxnLst>
+            <a:rect l="0" t="0" r="r" b="b"/>
+            <a:pathLst>
+              <a:path w="216" h="208">
+                <a:moveTo>
+                  <a:pt x="184" y="0"/>
+                </a:moveTo>
+                <a:cubicBezTo>
+                  <a:pt x="167" y="0"/>
+                  <a:pt x="152" y="14"/>
+                  <a:pt x="152" y="32"/>
+                </a:cubicBezTo>
+                <a:cubicBezTo>
+                  <a:pt x="152" y="35"/>
+                  <a:pt x="153" y="38"/>
+                  <a:pt x="154" y="41"/>
+                </a:cubicBezTo>
+                <a:cubicBezTo>
+                  <a:pt x="60" y="80"/>
+                  <a:pt x="60" y="80"/>
+                  <a:pt x="60" y="80"/>
+                </a:cubicBezTo>
+                <a:cubicBezTo>
+                  <a:pt x="55" y="70"/>
+                  <a:pt x="44" y="64"/>
+                  <a:pt x="32" y="64"/>
+                </a:cubicBezTo>
+                <a:cubicBezTo>
+                  <a:pt x="15" y="64"/>
+                  <a:pt x="0" y="78"/>
+                  <a:pt x="0" y="96"/>
+                </a:cubicBezTo>
+                <a:cubicBezTo>
+                  <a:pt x="0" y="113"/>
+                  <a:pt x="15" y="128"/>
+                  <a:pt x="32" y="128"/>
+                </a:cubicBezTo>
+                <a:cubicBezTo>
+                  <a:pt x="42" y="128"/>
+                  <a:pt x="50" y="124"/>
+                  <a:pt x="56" y="118"/>
+                </a:cubicBezTo>
+                <a:cubicBezTo>
+                  <a:pt x="116" y="161"/>
+                  <a:pt x="116" y="161"/>
+                  <a:pt x="116" y="161"/>
+                </a:cubicBezTo>
+                <a:cubicBezTo>
+                  <a:pt x="114" y="165"/>
+                  <a:pt x="112" y="170"/>
+                  <a:pt x="112" y="176"/>
+                </a:cubicBezTo>
+                <a:cubicBezTo>
+                  <a:pt x="112" y="193"/>
+                  <a:pt x="127" y="208"/>
+                  <a:pt x="144" y="208"/>
+                </a:cubicBezTo>
+                <a:cubicBezTo>
+                  <a:pt x="162" y="208"/>
+                  <a:pt x="176" y="193"/>
+                  <a:pt x="176" y="176"/>
+                </a:cubicBezTo>
+                <a:cubicBezTo>
+                  <a:pt x="176" y="158"/>
+                  <a:pt x="162" y="144"/>
+                  <a:pt x="144" y="144"/>
+                </a:cubicBezTo>
+                <a:cubicBezTo>
+                  <a:pt x="135" y="144"/>
+                  <a:pt x="127" y="148"/>
+                  <a:pt x="121" y="154"/>
+                </a:cubicBezTo>
+                <a:cubicBezTo>
+                  <a:pt x="61" y="111"/>
+                  <a:pt x="61" y="111"/>
+                  <a:pt x="61" y="111"/>
+                </a:cubicBezTo>
+                <a:cubicBezTo>
+                  <a:pt x="63" y="107"/>
+                  <a:pt x="64" y="101"/>
+                  <a:pt x="64" y="96"/>
+                </a:cubicBezTo>
+                <a:cubicBezTo>
+                  <a:pt x="64" y="93"/>
+                  <a:pt x="64" y="90"/>
+                  <a:pt x="63" y="87"/>
+                </a:cubicBezTo>
+                <a:cubicBezTo>
+                  <a:pt x="157" y="48"/>
+                  <a:pt x="157" y="48"/>
+                  <a:pt x="157" y="48"/>
+                </a:cubicBezTo>
+                <a:cubicBezTo>
+                  <a:pt x="162" y="57"/>
+                  <a:pt x="173" y="64"/>
+                  <a:pt x="184" y="64"/>
+                </a:cubicBezTo>
+                <a:cubicBezTo>
+                  <a:pt x="202" y="64"/>
+                  <a:pt x="216" y="49"/>
+                  <a:pt x="216" y="32"/>
+                </a:cubicBezTo>
+                <a:cubicBezTo>
+                  <a:pt x="216" y="14"/>
+                  <a:pt x="202" y="0"/>
+                  <a:pt x="184" y="0"/>
+                </a:cubicBezTo>
+                <a:close/>
+              </a:path>
+            </a:pathLst>
+          </a:custGeom>
+          <a:solidFill>
+            <a:schemeClr val="bg1"/>
+          </a:solidFill>
+          <a:ln>
+            <a:noFill/>
+          </a:ln>
+        </p:spPr>
+        <p:txBody>
+          <a:bodyPr vert="horz" wrap="square" lIns="91440" tIns="45720" rIns="91440" bIns="45720" numCol="1" anchor="t" anchorCtr="0" compatLnSpc="1"/>
+          <a:lstStyle/>
+          <a:p>
+            <a:endParaRPr lang="zh-CN" altLang="en-US">
+              <a:solidFill>
+                <a:srgbClr val="AD1C21"/>
+              </a:solidFill>
+            </a:endParaRPr>
+          </a:p>
+        </p:txBody>
+      </p:sp>
+      <p:sp>
+        <p:nvSpPr>
+          <p:cNvPr id="22" name="矩形 21"/>
+          <p:cNvSpPr/>
+          <p:nvPr/>
+        </p:nvSpPr>
+        <p:spPr>
+          <a:xfrm>
+            <a:off x="633077" y="125666"/>
+            <a:ext cx="2444900" cy="662554"/>
+          </a:xfrm>
+          <a:prstGeom prst="rect">
+            <a:avLst/>
+          </a:prstGeom>
+        </p:spPr>
+        <p:txBody>
+          <a:bodyPr wrap="none">
+            <a:spAutoFit/>
+          </a:bodyPr>
+          <a:lstStyle/>
+          <a:p>
+            <a:pPr>
+              <a:lnSpc>
+                <a:spcPct val="150000"/>
+              </a:lnSpc>
+            </a:pPr>
+            <a:r>
+              <a:rPr lang="en-US" altLang="zh-CN" sz="2800" dirty="0">
+                <a:solidFill>
+                  <a:srgbClr val="157E9F"/>
+                </a:solidFill>
+                <a:latin typeface="方正清刻本悦宋简体" panose="02000000000000000000" pitchFamily="2" charset="-122"/>
+                <a:ea typeface="方正清刻本悦宋简体" panose="02000000000000000000" pitchFamily="2" charset="-122"/>
+              </a:rPr>
+              <a:t> </a:t>
+            </a:r>
+            <a:r>
+              <a:rPr lang="zh-CN" altLang="en-US" sz="2800" dirty="0">
+                <a:solidFill>
+                  <a:srgbClr val="157E9F"/>
+                </a:solidFill>
+                <a:latin typeface="方正清刻本悦宋简体" panose="02000000000000000000" pitchFamily="2" charset="-122"/>
+                <a:ea typeface="方正清刻本悦宋简体" panose="02000000000000000000" pitchFamily="2" charset="-122"/>
+              </a:rPr>
+              <a:t>已完成的工作</a:t>
+            </a:r>
+            <a:endParaRPr lang="en-US" altLang="zh-CN" sz="2800" dirty="0">
+              <a:solidFill>
+                <a:srgbClr val="157E9F"/>
+              </a:solidFill>
+              <a:latin typeface="方正清刻本悦宋简体" panose="02000000000000000000" pitchFamily="2" charset="-122"/>
+              <a:ea typeface="方正清刻本悦宋简体" panose="02000000000000000000" pitchFamily="2" charset="-122"/>
+            </a:endParaRPr>
+          </a:p>
+        </p:txBody>
+      </p:sp>
+      <p:sp>
+        <p:nvSpPr>
+          <p:cNvPr id="35" name="圆角矩形 34"/>
+          <p:cNvSpPr/>
+          <p:nvPr/>
+        </p:nvSpPr>
+        <p:spPr>
+          <a:xfrm rot="10800000" flipV="1">
+            <a:off x="824852" y="963311"/>
+            <a:ext cx="1299872" cy="491115"/>
+          </a:xfrm>
+          <a:prstGeom prst="roundRect">
+            <a:avLst>
+              <a:gd name="adj" fmla="val 5039"/>
+            </a:avLst>
+          </a:prstGeom>
+          <a:solidFill>
+            <a:srgbClr val="157E9F"/>
+          </a:solidFill>
+          <a:ln>
+            <a:noFill/>
+          </a:ln>
+          <a:effectLst>
+            <a:outerShdw blurRad="50800" dist="38100" dir="5400000" algn="t" rotWithShape="0">
+              <a:prstClr val="black">
+                <a:alpha val="40000"/>
+              </a:prstClr>
+            </a:outerShdw>
+          </a:effectLst>
+        </p:spPr>
+        <p:style>
+          <a:lnRef idx="2">
+            <a:schemeClr val="accent1">
+              <a:shade val="50000"/>
+            </a:schemeClr>
+          </a:lnRef>
+          <a:fillRef idx="1">
+            <a:schemeClr val="accent1"/>
+          </a:fillRef>
+          <a:effectRef idx="0">
+            <a:schemeClr val="accent1"/>
+          </a:effectRef>
+          <a:fontRef idx="minor">
+            <a:schemeClr val="lt1"/>
+          </a:fontRef>
+        </p:style>
+        <p:txBody>
+          <a:bodyPr lIns="91436" tIns="45718" rIns="91436" bIns="45718" rtlCol="0" anchor="ctr"/>
+          <a:lstStyle/>
+          <a:p>
+            <a:pPr algn="ctr"/>
+            <a:r>
+              <a:rPr lang="en-US" altLang="zh-CN" sz="2400" dirty="0">
+                <a:latin typeface="方正清刻本悦宋简体" panose="02000000000000000000" pitchFamily="2" charset="-122"/>
+                <a:ea typeface="方正清刻本悦宋简体" panose="02000000000000000000" pitchFamily="2" charset="-122"/>
+              </a:rPr>
+              <a:t>4</a:t>
+            </a:r>
+            <a:endParaRPr lang="zh-CN" altLang="en-US" sz="2400" dirty="0">
+              <a:latin typeface="方正清刻本悦宋简体" panose="02000000000000000000" pitchFamily="2" charset="-122"/>
+              <a:ea typeface="方正清刻本悦宋简体" panose="02000000000000000000" pitchFamily="2" charset="-122"/>
+            </a:endParaRPr>
+          </a:p>
+        </p:txBody>
+      </p:sp>
+      <p:sp>
+        <p:nvSpPr>
+          <p:cNvPr id="24" name="文本框 23">
+            <a:extLst>
+              <a:ext uri="{FF2B5EF4-FFF2-40B4-BE49-F238E27FC236}">
+                <a16:creationId xmlns:a16="http://schemas.microsoft.com/office/drawing/2014/main" id="{4BD851DA-3CC3-4FAA-9C50-B9558AE2E9DB}"/>
+              </a:ext>
+            </a:extLst>
+          </p:cNvPr>
+          <p:cNvSpPr txBox="1"/>
+          <p:nvPr/>
+        </p:nvSpPr>
+        <p:spPr>
+          <a:xfrm>
+            <a:off x="2314021" y="1003246"/>
+            <a:ext cx="3262423" cy="400105"/>
+          </a:xfrm>
+          <a:prstGeom prst="rect">
+            <a:avLst/>
+          </a:prstGeom>
+          <a:noFill/>
+        </p:spPr>
+        <p:txBody>
+          <a:bodyPr wrap="none" lIns="91436" tIns="45718" rIns="91436" bIns="45718" rtlCol="0">
+            <a:spAutoFit/>
+          </a:bodyPr>
+          <a:lstStyle/>
+          <a:p>
+            <a:r>
+              <a:rPr lang="zh-CN" altLang="en-US" sz="2000" dirty="0">
+                <a:solidFill>
+                  <a:schemeClr val="tx1">
+                    <a:lumMod val="75000"/>
+                    <a:lumOff val="25000"/>
+                  </a:schemeClr>
+                </a:solidFill>
+                <a:latin typeface="Segoe UI Semilight" panose="020B0402040204020203" pitchFamily="34" charset="0"/>
+                <a:ea typeface="微软雅黑" pitchFamily="34" charset="-122"/>
+                <a:cs typeface="Segoe UI Semilight" panose="020B0402040204020203" pitchFamily="34" charset="0"/>
+              </a:rPr>
+              <a:t>油型气涌出危险性评价软件</a:t>
+            </a:r>
+          </a:p>
+        </p:txBody>
+      </p:sp>
+      <p:grpSp>
+        <p:nvGrpSpPr>
+          <p:cNvPr id="3" name="组合 2">
+            <a:extLst>
+              <a:ext uri="{FF2B5EF4-FFF2-40B4-BE49-F238E27FC236}">
+                <a16:creationId xmlns:a16="http://schemas.microsoft.com/office/drawing/2014/main" id="{99D8181E-EC6C-4C10-99C4-176B731C338A}"/>
+              </a:ext>
+            </a:extLst>
+          </p:cNvPr>
+          <p:cNvGrpSpPr/>
+          <p:nvPr/>
+        </p:nvGrpSpPr>
+        <p:grpSpPr>
+          <a:xfrm>
+            <a:off x="660250" y="1611631"/>
+            <a:ext cx="3960000" cy="2676769"/>
+            <a:chOff x="660250" y="1611631"/>
+            <a:chExt cx="3960000" cy="2676769"/>
+          </a:xfrm>
+        </p:grpSpPr>
+        <p:pic>
+          <p:nvPicPr>
+            <p:cNvPr id="10" name="图片 9">
+              <a:extLst>
+                <a:ext uri="{FF2B5EF4-FFF2-40B4-BE49-F238E27FC236}">
+                  <a16:creationId xmlns:a16="http://schemas.microsoft.com/office/drawing/2014/main" id="{BD17B26E-B54A-4049-BC51-4DEA9FCB1CA4}"/>
+                </a:ext>
+              </a:extLst>
+            </p:cNvPr>
+            <p:cNvPicPr>
+              <a:picLocks noChangeAspect="1"/>
+            </p:cNvPicPr>
+            <p:nvPr/>
+          </p:nvPicPr>
+          <p:blipFill>
+            <a:blip r:embed="rId3"/>
+            <a:stretch>
+              <a:fillRect/>
+            </a:stretch>
+          </p:blipFill>
+          <p:spPr>
+            <a:xfrm>
+              <a:off x="660250" y="1611631"/>
+              <a:ext cx="3960000" cy="2676769"/>
+            </a:xfrm>
+            <a:prstGeom prst="rect">
+              <a:avLst/>
+            </a:prstGeom>
+          </p:spPr>
+        </p:pic>
+        <p:pic>
+          <p:nvPicPr>
+            <p:cNvPr id="2" name="图片 1">
+              <a:extLst>
+                <a:ext uri="{FF2B5EF4-FFF2-40B4-BE49-F238E27FC236}">
+                  <a16:creationId xmlns:a16="http://schemas.microsoft.com/office/drawing/2014/main" id="{E9D67C83-0B39-46D6-A406-E32540D4CDDD}"/>
+                </a:ext>
+              </a:extLst>
+            </p:cNvPr>
+            <p:cNvPicPr>
+              <a:picLocks noChangeAspect="1"/>
+            </p:cNvPicPr>
+            <p:nvPr/>
+          </p:nvPicPr>
+          <p:blipFill>
+            <a:blip r:embed="rId4"/>
+            <a:stretch>
+              <a:fillRect/>
+            </a:stretch>
+          </p:blipFill>
+          <p:spPr>
+            <a:xfrm>
+              <a:off x="690559" y="1657350"/>
+              <a:ext cx="242147" cy="209551"/>
+            </a:xfrm>
+            <a:prstGeom prst="rect">
+              <a:avLst/>
+            </a:prstGeom>
+          </p:spPr>
+        </p:pic>
+      </p:grpSp>
+    </p:spTree>
+    <p:extLst>
+      <p:ext uri="{BB962C8B-B14F-4D97-AF65-F5344CB8AC3E}">
+        <p14:creationId xmlns:p14="http://schemas.microsoft.com/office/powerpoint/2010/main" val="322265961"/>
+      </p:ext>
+    </p:extLst>
+  </p:cSld>
+  <p:clrMapOvr>
+    <a:masterClrMapping/>
+  </p:clrMapOvr>
+  <mc:AlternateContent xmlns:mc="http://schemas.openxmlformats.org/markup-compatibility/2006" xmlns:p14="http://schemas.microsoft.com/office/powerpoint/2010/main">
+    <mc:Choice Requires="p14">
+      <p:transition spd="med" p14:dur="700">
+        <p:fade/>
+      </p:transition>
+    </mc:Choice>
+    <mc:Fallback xmlns="">
+      <p:transition spd="med">
+        <p:fade/>
+      </p:transition>
+    </mc:Fallback>
+  </mc:AlternateContent>
+</p:sld>
+</file>
+
+<file path=ppt/slides/slide18.xml><?xml version="1.0" encoding="utf-8"?>
+<p:sld xmlns:a="http://schemas.openxmlformats.org/drawingml/2006/main" xmlns:r="http://schemas.openxmlformats.org/officeDocument/2006/relationships" xmlns:p="http://schemas.openxmlformats.org/presentationml/2006/main">
+  <p:cSld>
+    <p:spTree>
+      <p:nvGrpSpPr>
+        <p:cNvPr id="1" name=""/>
+        <p:cNvGrpSpPr/>
+        <p:nvPr/>
+      </p:nvGrpSpPr>
+      <p:grpSpPr>
+        <a:xfrm>
+          <a:off x="0" y="0"/>
+          <a:ext cx="0" cy="0"/>
+          <a:chOff x="0" y="0"/>
+          <a:chExt cx="0" cy="0"/>
+        </a:xfrm>
+      </p:grpSpPr>
+      <p:sp>
+        <p:nvSpPr>
+          <p:cNvPr id="17" name="矩形 16"/>
+          <p:cNvSpPr/>
+          <p:nvPr/>
+        </p:nvSpPr>
+        <p:spPr>
+          <a:xfrm>
+            <a:off x="3473651" y="252859"/>
+            <a:ext cx="8718351" cy="484285"/>
+          </a:xfrm>
+          <a:prstGeom prst="rect">
+            <a:avLst/>
+          </a:prstGeom>
+          <a:gradFill>
+            <a:gsLst>
+              <a:gs pos="0">
+                <a:schemeClr val="accent1">
+                  <a:lumMod val="5000"/>
+                  <a:lumOff val="95000"/>
+                  <a:alpha val="0"/>
+                </a:schemeClr>
+              </a:gs>
+              <a:gs pos="78000">
+                <a:srgbClr val="157E9F"/>
+              </a:gs>
+            </a:gsLst>
+            <a:lin ang="10800000" scaled="0"/>
+          </a:gradFill>
+          <a:ln>
+            <a:noFill/>
+          </a:ln>
+          <a:effectLst>
+            <a:outerShdw blurRad="393700" dist="76200" dir="5820000" sx="99000" sy="99000" algn="t" rotWithShape="0">
+              <a:prstClr val="black">
+                <a:alpha val="50000"/>
+              </a:prstClr>
+            </a:outerShdw>
+          </a:effectLst>
+        </p:spPr>
+        <p:style>
+          <a:lnRef idx="2">
+            <a:schemeClr val="accent1">
+              <a:shade val="50000"/>
+            </a:schemeClr>
+          </a:lnRef>
+          <a:fillRef idx="1">
+            <a:schemeClr val="accent1"/>
+          </a:fillRef>
+          <a:effectRef idx="0">
+            <a:schemeClr val="accent1"/>
+          </a:effectRef>
+          <a:fontRef idx="minor">
+            <a:schemeClr val="lt1"/>
+          </a:fontRef>
+        </p:style>
+        <p:txBody>
+          <a:bodyPr lIns="91436" tIns="45718" rIns="91436" bIns="45718" rtlCol="0" anchor="ctr"/>
+          <a:lstStyle/>
+          <a:p>
+            <a:pPr algn="ctr"/>
+            <a:endParaRPr lang="zh-CN" altLang="en-US"/>
+          </a:p>
+        </p:txBody>
+      </p:sp>
+      <p:sp>
+        <p:nvSpPr>
+          <p:cNvPr id="18" name="圆角矩形 17"/>
+          <p:cNvSpPr/>
+          <p:nvPr/>
+        </p:nvSpPr>
+        <p:spPr>
+          <a:xfrm rot="10800000" flipV="1">
+            <a:off x="-5664" y="249441"/>
+            <a:ext cx="484287" cy="491115"/>
+          </a:xfrm>
+          <a:prstGeom prst="roundRect">
+            <a:avLst>
+              <a:gd name="adj" fmla="val 5039"/>
+            </a:avLst>
+          </a:prstGeom>
+          <a:solidFill>
+            <a:srgbClr val="157E9F"/>
+          </a:solidFill>
+          <a:ln>
+            <a:noFill/>
+          </a:ln>
+          <a:effectLst>
+            <a:outerShdw blurRad="50800" dist="38100" dir="5400000" algn="t" rotWithShape="0">
+              <a:prstClr val="black">
+                <a:alpha val="40000"/>
+              </a:prstClr>
+            </a:outerShdw>
+          </a:effectLst>
+        </p:spPr>
+        <p:style>
+          <a:lnRef idx="2">
+            <a:schemeClr val="accent1">
+              <a:shade val="50000"/>
+            </a:schemeClr>
+          </a:lnRef>
+          <a:fillRef idx="1">
+            <a:schemeClr val="accent1"/>
+          </a:fillRef>
+          <a:effectRef idx="0">
+            <a:schemeClr val="accent1"/>
+          </a:effectRef>
+          <a:fontRef idx="minor">
+            <a:schemeClr val="lt1"/>
+          </a:fontRef>
+        </p:style>
+        <p:txBody>
+          <a:bodyPr lIns="91436" tIns="45718" rIns="91436" bIns="45718" rtlCol="0" anchor="ctr"/>
+          <a:lstStyle/>
+          <a:p>
+            <a:pPr algn="ctr"/>
+            <a:r>
+              <a:rPr lang="en-US" altLang="zh-CN" sz="3600" dirty="0"/>
+              <a:t>4</a:t>
+            </a:r>
+            <a:endParaRPr lang="zh-CN" altLang="en-US" sz="3600" dirty="0"/>
+          </a:p>
+        </p:txBody>
+      </p:sp>
+      <p:sp>
+        <p:nvSpPr>
+          <p:cNvPr id="19" name="矩形 18"/>
+          <p:cNvSpPr/>
+          <p:nvPr/>
+        </p:nvSpPr>
+        <p:spPr>
+          <a:xfrm>
+            <a:off x="3966736" y="310334"/>
+            <a:ext cx="2032921" cy="369328"/>
+          </a:xfrm>
+          <a:prstGeom prst="rect">
+            <a:avLst/>
+          </a:prstGeom>
+        </p:spPr>
+        <p:txBody>
+          <a:bodyPr wrap="none" lIns="91436" tIns="45718" rIns="91436" bIns="45718">
+            <a:spAutoFit/>
+          </a:bodyPr>
+          <a:lstStyle/>
+          <a:p>
+            <a:pPr algn="ctr"/>
+            <a:r>
+              <a:rPr lang="en-US" altLang="zh-CN" dirty="0">
+                <a:solidFill>
+                  <a:schemeClr val="bg1"/>
+                </a:solidFill>
+                <a:latin typeface="微软雅黑" pitchFamily="34" charset="-122"/>
+                <a:ea typeface="微软雅黑" pitchFamily="34" charset="-122"/>
+              </a:rPr>
+              <a:t>FINISHED WORK</a:t>
+            </a:r>
+          </a:p>
+        </p:txBody>
+      </p:sp>
+      <p:sp>
+        <p:nvSpPr>
+          <p:cNvPr id="20" name="圆角矩形 19"/>
+          <p:cNvSpPr/>
+          <p:nvPr/>
+        </p:nvSpPr>
+        <p:spPr>
+          <a:xfrm rot="16200000" flipV="1">
+            <a:off x="11457520" y="249444"/>
+            <a:ext cx="484287" cy="491115"/>
+          </a:xfrm>
+          <a:prstGeom prst="roundRect">
+            <a:avLst>
+              <a:gd name="adj" fmla="val 5039"/>
+            </a:avLst>
+          </a:prstGeom>
+          <a:solidFill>
+            <a:srgbClr val="157E9F"/>
+          </a:solidFill>
+          <a:ln>
+            <a:noFill/>
+          </a:ln>
+          <a:effectLst>
+            <a:outerShdw blurRad="50800" dist="38100" dir="5400000" algn="t" rotWithShape="0">
+              <a:prstClr val="black">
+                <a:alpha val="40000"/>
+              </a:prstClr>
+            </a:outerShdw>
+          </a:effectLst>
+        </p:spPr>
+        <p:style>
+          <a:lnRef idx="2">
+            <a:schemeClr val="accent1">
+              <a:shade val="50000"/>
+            </a:schemeClr>
+          </a:lnRef>
+          <a:fillRef idx="1">
+            <a:schemeClr val="accent1"/>
+          </a:fillRef>
+          <a:effectRef idx="0">
+            <a:schemeClr val="accent1"/>
+          </a:effectRef>
+          <a:fontRef idx="minor">
+            <a:schemeClr val="lt1"/>
+          </a:fontRef>
+        </p:style>
+        <p:txBody>
+          <a:bodyPr rtlCol="0" anchor="ctr"/>
+          <a:lstStyle/>
+          <a:p>
+            <a:pPr algn="ctr"/>
+            <a:endParaRPr lang="zh-CN" altLang="en-US"/>
+          </a:p>
+        </p:txBody>
+      </p:sp>
+      <p:sp>
+        <p:nvSpPr>
+          <p:cNvPr id="21" name="Freeform 96"/>
+          <p:cNvSpPr/>
+          <p:nvPr/>
+        </p:nvSpPr>
+        <p:spPr bwMode="auto">
+          <a:xfrm>
+            <a:off x="11559368" y="359659"/>
+            <a:ext cx="280590" cy="270687"/>
+          </a:xfrm>
+          <a:custGeom>
+            <a:avLst/>
+            <a:gdLst>
+              <a:gd name="T0" fmla="*/ 184 w 216"/>
+              <a:gd name="T1" fmla="*/ 0 h 208"/>
+              <a:gd name="T2" fmla="*/ 152 w 216"/>
+              <a:gd name="T3" fmla="*/ 32 h 208"/>
+              <a:gd name="T4" fmla="*/ 154 w 216"/>
+              <a:gd name="T5" fmla="*/ 41 h 208"/>
+              <a:gd name="T6" fmla="*/ 60 w 216"/>
+              <a:gd name="T7" fmla="*/ 80 h 208"/>
+              <a:gd name="T8" fmla="*/ 32 w 216"/>
+              <a:gd name="T9" fmla="*/ 64 h 208"/>
+              <a:gd name="T10" fmla="*/ 0 w 216"/>
+              <a:gd name="T11" fmla="*/ 96 h 208"/>
+              <a:gd name="T12" fmla="*/ 32 w 216"/>
+              <a:gd name="T13" fmla="*/ 128 h 208"/>
+              <a:gd name="T14" fmla="*/ 56 w 216"/>
+              <a:gd name="T15" fmla="*/ 118 h 208"/>
+              <a:gd name="T16" fmla="*/ 116 w 216"/>
+              <a:gd name="T17" fmla="*/ 161 h 208"/>
+              <a:gd name="T18" fmla="*/ 112 w 216"/>
+              <a:gd name="T19" fmla="*/ 176 h 208"/>
+              <a:gd name="T20" fmla="*/ 144 w 216"/>
+              <a:gd name="T21" fmla="*/ 208 h 208"/>
+              <a:gd name="T22" fmla="*/ 176 w 216"/>
+              <a:gd name="T23" fmla="*/ 176 h 208"/>
+              <a:gd name="T24" fmla="*/ 144 w 216"/>
+              <a:gd name="T25" fmla="*/ 144 h 208"/>
+              <a:gd name="T26" fmla="*/ 121 w 216"/>
+              <a:gd name="T27" fmla="*/ 154 h 208"/>
+              <a:gd name="T28" fmla="*/ 61 w 216"/>
+              <a:gd name="T29" fmla="*/ 111 h 208"/>
+              <a:gd name="T30" fmla="*/ 64 w 216"/>
+              <a:gd name="T31" fmla="*/ 96 h 208"/>
+              <a:gd name="T32" fmla="*/ 63 w 216"/>
+              <a:gd name="T33" fmla="*/ 87 h 208"/>
+              <a:gd name="T34" fmla="*/ 157 w 216"/>
+              <a:gd name="T35" fmla="*/ 48 h 208"/>
+              <a:gd name="T36" fmla="*/ 184 w 216"/>
+              <a:gd name="T37" fmla="*/ 64 h 208"/>
+              <a:gd name="T38" fmla="*/ 216 w 216"/>
+              <a:gd name="T39" fmla="*/ 32 h 208"/>
+              <a:gd name="T40" fmla="*/ 184 w 216"/>
+              <a:gd name="T41" fmla="*/ 0 h 208"/>
+            </a:gdLst>
+            <a:ahLst/>
+            <a:cxnLst>
+              <a:cxn ang="0">
+                <a:pos x="T0" y="T1"/>
+              </a:cxn>
+              <a:cxn ang="0">
+                <a:pos x="T2" y="T3"/>
+              </a:cxn>
+              <a:cxn ang="0">
+                <a:pos x="T4" y="T5"/>
+              </a:cxn>
+              <a:cxn ang="0">
+                <a:pos x="T6" y="T7"/>
+              </a:cxn>
+              <a:cxn ang="0">
+                <a:pos x="T8" y="T9"/>
+              </a:cxn>
+              <a:cxn ang="0">
+                <a:pos x="T10" y="T11"/>
+              </a:cxn>
+              <a:cxn ang="0">
+                <a:pos x="T12" y="T13"/>
+              </a:cxn>
+              <a:cxn ang="0">
+                <a:pos x="T14" y="T15"/>
+              </a:cxn>
+              <a:cxn ang="0">
+                <a:pos x="T16" y="T17"/>
+              </a:cxn>
+              <a:cxn ang="0">
+                <a:pos x="T18" y="T19"/>
+              </a:cxn>
+              <a:cxn ang="0">
+                <a:pos x="T20" y="T21"/>
+              </a:cxn>
+              <a:cxn ang="0">
+                <a:pos x="T22" y="T23"/>
+              </a:cxn>
+              <a:cxn ang="0">
+                <a:pos x="T24" y="T25"/>
+              </a:cxn>
+              <a:cxn ang="0">
+                <a:pos x="T26" y="T27"/>
+              </a:cxn>
+              <a:cxn ang="0">
+                <a:pos x="T28" y="T29"/>
+              </a:cxn>
+              <a:cxn ang="0">
+                <a:pos x="T30" y="T31"/>
+              </a:cxn>
+              <a:cxn ang="0">
+                <a:pos x="T32" y="T33"/>
+              </a:cxn>
+              <a:cxn ang="0">
+                <a:pos x="T34" y="T35"/>
+              </a:cxn>
+              <a:cxn ang="0">
+                <a:pos x="T36" y="T37"/>
+              </a:cxn>
+              <a:cxn ang="0">
+                <a:pos x="T38" y="T39"/>
+              </a:cxn>
+              <a:cxn ang="0">
+                <a:pos x="T40" y="T41"/>
+              </a:cxn>
+            </a:cxnLst>
+            <a:rect l="0" t="0" r="r" b="b"/>
+            <a:pathLst>
+              <a:path w="216" h="208">
+                <a:moveTo>
+                  <a:pt x="184" y="0"/>
+                </a:moveTo>
+                <a:cubicBezTo>
+                  <a:pt x="167" y="0"/>
+                  <a:pt x="152" y="14"/>
+                  <a:pt x="152" y="32"/>
+                </a:cubicBezTo>
+                <a:cubicBezTo>
+                  <a:pt x="152" y="35"/>
+                  <a:pt x="153" y="38"/>
+                  <a:pt x="154" y="41"/>
+                </a:cubicBezTo>
+                <a:cubicBezTo>
+                  <a:pt x="60" y="80"/>
+                  <a:pt x="60" y="80"/>
+                  <a:pt x="60" y="80"/>
+                </a:cubicBezTo>
+                <a:cubicBezTo>
+                  <a:pt x="55" y="70"/>
+                  <a:pt x="44" y="64"/>
+                  <a:pt x="32" y="64"/>
+                </a:cubicBezTo>
+                <a:cubicBezTo>
+                  <a:pt x="15" y="64"/>
+                  <a:pt x="0" y="78"/>
+                  <a:pt x="0" y="96"/>
+                </a:cubicBezTo>
+                <a:cubicBezTo>
+                  <a:pt x="0" y="113"/>
+                  <a:pt x="15" y="128"/>
+                  <a:pt x="32" y="128"/>
+                </a:cubicBezTo>
+                <a:cubicBezTo>
+                  <a:pt x="42" y="128"/>
+                  <a:pt x="50" y="124"/>
+                  <a:pt x="56" y="118"/>
+                </a:cubicBezTo>
+                <a:cubicBezTo>
+                  <a:pt x="116" y="161"/>
+                  <a:pt x="116" y="161"/>
+                  <a:pt x="116" y="161"/>
+                </a:cubicBezTo>
+                <a:cubicBezTo>
+                  <a:pt x="114" y="165"/>
+                  <a:pt x="112" y="170"/>
+                  <a:pt x="112" y="176"/>
+                </a:cubicBezTo>
+                <a:cubicBezTo>
+                  <a:pt x="112" y="193"/>
+                  <a:pt x="127" y="208"/>
+                  <a:pt x="144" y="208"/>
+                </a:cubicBezTo>
+                <a:cubicBezTo>
+                  <a:pt x="162" y="208"/>
+                  <a:pt x="176" y="193"/>
+                  <a:pt x="176" y="176"/>
+                </a:cubicBezTo>
+                <a:cubicBezTo>
+                  <a:pt x="176" y="158"/>
+                  <a:pt x="162" y="144"/>
+                  <a:pt x="144" y="144"/>
+                </a:cubicBezTo>
+                <a:cubicBezTo>
+                  <a:pt x="135" y="144"/>
+                  <a:pt x="127" y="148"/>
+                  <a:pt x="121" y="154"/>
+                </a:cubicBezTo>
+                <a:cubicBezTo>
+                  <a:pt x="61" y="111"/>
+                  <a:pt x="61" y="111"/>
+                  <a:pt x="61" y="111"/>
+                </a:cubicBezTo>
+                <a:cubicBezTo>
+                  <a:pt x="63" y="107"/>
+                  <a:pt x="64" y="101"/>
+                  <a:pt x="64" y="96"/>
+                </a:cubicBezTo>
+                <a:cubicBezTo>
+                  <a:pt x="64" y="93"/>
+                  <a:pt x="64" y="90"/>
+                  <a:pt x="63" y="87"/>
+                </a:cubicBezTo>
+                <a:cubicBezTo>
+                  <a:pt x="157" y="48"/>
+                  <a:pt x="157" y="48"/>
+                  <a:pt x="157" y="48"/>
+                </a:cubicBezTo>
+                <a:cubicBezTo>
+                  <a:pt x="162" y="57"/>
+                  <a:pt x="173" y="64"/>
+                  <a:pt x="184" y="64"/>
+                </a:cubicBezTo>
+                <a:cubicBezTo>
+                  <a:pt x="202" y="64"/>
+                  <a:pt x="216" y="49"/>
+                  <a:pt x="216" y="32"/>
+                </a:cubicBezTo>
+                <a:cubicBezTo>
+                  <a:pt x="216" y="14"/>
+                  <a:pt x="202" y="0"/>
+                  <a:pt x="184" y="0"/>
+                </a:cubicBezTo>
+                <a:close/>
+              </a:path>
+            </a:pathLst>
+          </a:custGeom>
+          <a:solidFill>
+            <a:schemeClr val="bg1"/>
+          </a:solidFill>
+          <a:ln>
+            <a:noFill/>
+          </a:ln>
+        </p:spPr>
+        <p:txBody>
+          <a:bodyPr vert="horz" wrap="square" lIns="91440" tIns="45720" rIns="91440" bIns="45720" numCol="1" anchor="t" anchorCtr="0" compatLnSpc="1"/>
+          <a:lstStyle/>
+          <a:p>
+            <a:endParaRPr lang="zh-CN" altLang="en-US">
+              <a:solidFill>
+                <a:srgbClr val="AD1C21"/>
+              </a:solidFill>
+            </a:endParaRPr>
+          </a:p>
+        </p:txBody>
+      </p:sp>
+      <p:sp>
+        <p:nvSpPr>
+          <p:cNvPr id="22" name="矩形 21"/>
+          <p:cNvSpPr/>
+          <p:nvPr/>
+        </p:nvSpPr>
+        <p:spPr>
+          <a:xfrm>
+            <a:off x="633077" y="125666"/>
+            <a:ext cx="2444900" cy="662554"/>
+          </a:xfrm>
+          <a:prstGeom prst="rect">
+            <a:avLst/>
+          </a:prstGeom>
+        </p:spPr>
+        <p:txBody>
+          <a:bodyPr wrap="none">
+            <a:spAutoFit/>
+          </a:bodyPr>
+          <a:lstStyle/>
+          <a:p>
+            <a:pPr>
+              <a:lnSpc>
+                <a:spcPct val="150000"/>
+              </a:lnSpc>
+            </a:pPr>
+            <a:r>
+              <a:rPr lang="en-US" altLang="zh-CN" sz="2800" dirty="0">
+                <a:solidFill>
+                  <a:srgbClr val="157E9F"/>
+                </a:solidFill>
+                <a:latin typeface="方正清刻本悦宋简体" panose="02000000000000000000" pitchFamily="2" charset="-122"/>
+                <a:ea typeface="方正清刻本悦宋简体" panose="02000000000000000000" pitchFamily="2" charset="-122"/>
+              </a:rPr>
+              <a:t> </a:t>
+            </a:r>
+            <a:r>
+              <a:rPr lang="zh-CN" altLang="en-US" sz="2800" dirty="0">
+                <a:solidFill>
+                  <a:srgbClr val="157E9F"/>
+                </a:solidFill>
+                <a:latin typeface="方正清刻本悦宋简体" panose="02000000000000000000" pitchFamily="2" charset="-122"/>
+                <a:ea typeface="方正清刻本悦宋简体" panose="02000000000000000000" pitchFamily="2" charset="-122"/>
+              </a:rPr>
+              <a:t>已完成的工作</a:t>
+            </a:r>
+            <a:endParaRPr lang="en-US" altLang="zh-CN" sz="2800" dirty="0">
+              <a:solidFill>
+                <a:srgbClr val="157E9F"/>
+              </a:solidFill>
+              <a:latin typeface="方正清刻本悦宋简体" panose="02000000000000000000" pitchFamily="2" charset="-122"/>
+              <a:ea typeface="方正清刻本悦宋简体" panose="02000000000000000000" pitchFamily="2" charset="-122"/>
+            </a:endParaRPr>
+          </a:p>
+        </p:txBody>
+      </p:sp>
+      <p:sp>
+        <p:nvSpPr>
+          <p:cNvPr id="35" name="圆角矩形 34"/>
+          <p:cNvSpPr/>
+          <p:nvPr/>
+        </p:nvSpPr>
+        <p:spPr>
+          <a:xfrm rot="10800000" flipV="1">
+            <a:off x="824852" y="963311"/>
+            <a:ext cx="1299872" cy="491115"/>
+          </a:xfrm>
+          <a:prstGeom prst="roundRect">
+            <a:avLst>
+              <a:gd name="adj" fmla="val 5039"/>
+            </a:avLst>
+          </a:prstGeom>
+          <a:solidFill>
+            <a:srgbClr val="157E9F"/>
+          </a:solidFill>
+          <a:ln>
+            <a:noFill/>
+          </a:ln>
+          <a:effectLst>
+            <a:outerShdw blurRad="50800" dist="38100" dir="5400000" algn="t" rotWithShape="0">
+              <a:prstClr val="black">
+                <a:alpha val="40000"/>
+              </a:prstClr>
+            </a:outerShdw>
+          </a:effectLst>
+        </p:spPr>
+        <p:style>
+          <a:lnRef idx="2">
+            <a:schemeClr val="accent1">
+              <a:shade val="50000"/>
+            </a:schemeClr>
+          </a:lnRef>
+          <a:fillRef idx="1">
+            <a:schemeClr val="accent1"/>
+          </a:fillRef>
+          <a:effectRef idx="0">
+            <a:schemeClr val="accent1"/>
+          </a:effectRef>
+          <a:fontRef idx="minor">
+            <a:schemeClr val="lt1"/>
+          </a:fontRef>
+        </p:style>
+        <p:txBody>
+          <a:bodyPr lIns="91436" tIns="45718" rIns="91436" bIns="45718" rtlCol="0" anchor="ctr"/>
+          <a:lstStyle/>
+          <a:p>
+            <a:pPr algn="ctr"/>
+            <a:r>
+              <a:rPr lang="en-US" altLang="zh-CN" sz="2400" dirty="0">
+                <a:latin typeface="方正清刻本悦宋简体" panose="02000000000000000000" pitchFamily="2" charset="-122"/>
+                <a:ea typeface="方正清刻本悦宋简体" panose="02000000000000000000" pitchFamily="2" charset="-122"/>
+              </a:rPr>
+              <a:t>4</a:t>
+            </a:r>
+            <a:endParaRPr lang="zh-CN" altLang="en-US" sz="2400" dirty="0">
+              <a:latin typeface="方正清刻本悦宋简体" panose="02000000000000000000" pitchFamily="2" charset="-122"/>
+              <a:ea typeface="方正清刻本悦宋简体" panose="02000000000000000000" pitchFamily="2" charset="-122"/>
+            </a:endParaRPr>
+          </a:p>
+        </p:txBody>
+      </p:sp>
+      <p:sp>
+        <p:nvSpPr>
+          <p:cNvPr id="24" name="文本框 23">
+            <a:extLst>
+              <a:ext uri="{FF2B5EF4-FFF2-40B4-BE49-F238E27FC236}">
+                <a16:creationId xmlns:a16="http://schemas.microsoft.com/office/drawing/2014/main" id="{4BD851DA-3CC3-4FAA-9C50-B9558AE2E9DB}"/>
+              </a:ext>
+            </a:extLst>
+          </p:cNvPr>
+          <p:cNvSpPr txBox="1"/>
+          <p:nvPr/>
+        </p:nvSpPr>
+        <p:spPr>
+          <a:xfrm>
+            <a:off x="2314021" y="1003246"/>
+            <a:ext cx="3262423" cy="400105"/>
+          </a:xfrm>
+          <a:prstGeom prst="rect">
+            <a:avLst/>
+          </a:prstGeom>
+          <a:noFill/>
+        </p:spPr>
+        <p:txBody>
+          <a:bodyPr wrap="none" lIns="91436" tIns="45718" rIns="91436" bIns="45718" rtlCol="0">
+            <a:spAutoFit/>
+          </a:bodyPr>
+          <a:lstStyle/>
+          <a:p>
+            <a:r>
+              <a:rPr lang="zh-CN" altLang="en-US" sz="2000" dirty="0">
+                <a:solidFill>
+                  <a:schemeClr val="tx1">
+                    <a:lumMod val="75000"/>
+                    <a:lumOff val="25000"/>
+                  </a:schemeClr>
+                </a:solidFill>
+                <a:latin typeface="Segoe UI Semilight" panose="020B0402040204020203" pitchFamily="34" charset="0"/>
+                <a:ea typeface="微软雅黑" pitchFamily="34" charset="-122"/>
+                <a:cs typeface="Segoe UI Semilight" panose="020B0402040204020203" pitchFamily="34" charset="0"/>
+              </a:rPr>
+              <a:t>油型气涌出危险性评价软件</a:t>
+            </a:r>
+          </a:p>
+        </p:txBody>
+      </p:sp>
+      <p:grpSp>
+        <p:nvGrpSpPr>
+          <p:cNvPr id="2" name="组合 1">
+            <a:extLst>
+              <a:ext uri="{FF2B5EF4-FFF2-40B4-BE49-F238E27FC236}">
+                <a16:creationId xmlns:a16="http://schemas.microsoft.com/office/drawing/2014/main" id="{133BEAA7-80C3-4CAB-BD85-1B63FA603A0C}"/>
+              </a:ext>
+            </a:extLst>
+          </p:cNvPr>
+          <p:cNvGrpSpPr/>
+          <p:nvPr/>
+        </p:nvGrpSpPr>
+        <p:grpSpPr>
+          <a:xfrm>
+            <a:off x="1008995" y="1671638"/>
+            <a:ext cx="3960000" cy="2336786"/>
+            <a:chOff x="1008995" y="1671638"/>
+            <a:chExt cx="3960000" cy="2336786"/>
+          </a:xfrm>
+        </p:grpSpPr>
+        <p:pic>
+          <p:nvPicPr>
+            <p:cNvPr id="13" name="图片 12">
+              <a:extLst>
+                <a:ext uri="{FF2B5EF4-FFF2-40B4-BE49-F238E27FC236}">
+                  <a16:creationId xmlns:a16="http://schemas.microsoft.com/office/drawing/2014/main" id="{3C5521BF-4C3F-42F9-BE94-C3F390554913}"/>
+                </a:ext>
+              </a:extLst>
+            </p:cNvPr>
+            <p:cNvPicPr>
+              <a:picLocks noChangeAspect="1"/>
+            </p:cNvPicPr>
+            <p:nvPr/>
+          </p:nvPicPr>
+          <p:blipFill>
+            <a:blip r:embed="rId3"/>
+            <a:stretch>
+              <a:fillRect/>
+            </a:stretch>
+          </p:blipFill>
+          <p:spPr>
+            <a:xfrm>
+              <a:off x="1008995" y="1671638"/>
+              <a:ext cx="3960000" cy="2336786"/>
+            </a:xfrm>
+            <a:prstGeom prst="rect">
+              <a:avLst/>
+            </a:prstGeom>
+          </p:spPr>
+        </p:pic>
+        <p:pic>
+          <p:nvPicPr>
+            <p:cNvPr id="14" name="图片 13">
+              <a:extLst>
+                <a:ext uri="{FF2B5EF4-FFF2-40B4-BE49-F238E27FC236}">
+                  <a16:creationId xmlns:a16="http://schemas.microsoft.com/office/drawing/2014/main" id="{3BD6213F-D441-45F8-B20B-F17B2CA023EF}"/>
+                </a:ext>
+              </a:extLst>
+            </p:cNvPr>
+            <p:cNvPicPr>
+              <a:picLocks noChangeAspect="1"/>
+            </p:cNvPicPr>
+            <p:nvPr/>
+          </p:nvPicPr>
+          <p:blipFill>
+            <a:blip r:embed="rId4"/>
+            <a:stretch>
+              <a:fillRect/>
+            </a:stretch>
+          </p:blipFill>
+          <p:spPr>
+            <a:xfrm>
+              <a:off x="1014409" y="1690687"/>
+              <a:ext cx="242147" cy="209551"/>
+            </a:xfrm>
+            <a:prstGeom prst="rect">
+              <a:avLst/>
+            </a:prstGeom>
+          </p:spPr>
+        </p:pic>
+      </p:grpSp>
+    </p:spTree>
+    <p:extLst>
+      <p:ext uri="{BB962C8B-B14F-4D97-AF65-F5344CB8AC3E}">
+        <p14:creationId xmlns:p14="http://schemas.microsoft.com/office/powerpoint/2010/main" val="2734474666"/>
+      </p:ext>
+    </p:extLst>
+  </p:cSld>
+  <p:clrMapOvr>
+    <a:masterClrMapping/>
+  </p:clrMapOvr>
+  <mc:AlternateContent xmlns:mc="http://schemas.openxmlformats.org/markup-compatibility/2006" xmlns:p14="http://schemas.microsoft.com/office/powerpoint/2010/main">
+    <mc:Choice Requires="p14">
+      <p:transition spd="med" p14:dur="700">
+        <p:fade/>
+      </p:transition>
+    </mc:Choice>
+    <mc:Fallback xmlns="">
+      <p:transition spd="med">
+        <p:fade/>
+      </p:transition>
+    </mc:Fallback>
+  </mc:AlternateContent>
+</p:sld>
+</file>
+
+<file path=ppt/slides/slide19.xml><?xml version="1.0" encoding="utf-8"?>
+<p:sld xmlns:a="http://schemas.openxmlformats.org/drawingml/2006/main" xmlns:r="http://schemas.openxmlformats.org/officeDocument/2006/relationships" xmlns:p="http://schemas.openxmlformats.org/presentationml/2006/main">
+  <p:cSld>
+    <p:spTree>
+      <p:nvGrpSpPr>
+        <p:cNvPr id="1" name=""/>
+        <p:cNvGrpSpPr/>
+        <p:nvPr/>
+      </p:nvGrpSpPr>
+      <p:grpSpPr>
+        <a:xfrm>
+          <a:off x="0" y="0"/>
+          <a:ext cx="0" cy="0"/>
+          <a:chOff x="0" y="0"/>
+          <a:chExt cx="0" cy="0"/>
+        </a:xfrm>
+      </p:grpSpPr>
+      <p:sp>
+        <p:nvSpPr>
+          <p:cNvPr id="17" name="矩形 16"/>
+          <p:cNvSpPr/>
+          <p:nvPr/>
+        </p:nvSpPr>
+        <p:spPr>
+          <a:xfrm>
+            <a:off x="3473651" y="252859"/>
+            <a:ext cx="8718351" cy="484285"/>
+          </a:xfrm>
+          <a:prstGeom prst="rect">
+            <a:avLst/>
+          </a:prstGeom>
+          <a:gradFill>
+            <a:gsLst>
+              <a:gs pos="0">
+                <a:schemeClr val="accent1">
+                  <a:lumMod val="5000"/>
+                  <a:lumOff val="95000"/>
+                  <a:alpha val="0"/>
+                </a:schemeClr>
+              </a:gs>
+              <a:gs pos="78000">
+                <a:srgbClr val="157E9F"/>
+              </a:gs>
+            </a:gsLst>
+            <a:lin ang="10800000" scaled="0"/>
+          </a:gradFill>
+          <a:ln>
+            <a:noFill/>
+          </a:ln>
+          <a:effectLst>
+            <a:outerShdw blurRad="393700" dist="76200" dir="5820000" sx="99000" sy="99000" algn="t" rotWithShape="0">
+              <a:prstClr val="black">
+                <a:alpha val="50000"/>
+              </a:prstClr>
+            </a:outerShdw>
+          </a:effectLst>
+        </p:spPr>
+        <p:style>
+          <a:lnRef idx="2">
+            <a:schemeClr val="accent1">
+              <a:shade val="50000"/>
+            </a:schemeClr>
+          </a:lnRef>
+          <a:fillRef idx="1">
+            <a:schemeClr val="accent1"/>
+          </a:fillRef>
+          <a:effectRef idx="0">
+            <a:schemeClr val="accent1"/>
+          </a:effectRef>
+          <a:fontRef idx="minor">
+            <a:schemeClr val="lt1"/>
+          </a:fontRef>
+        </p:style>
+        <p:txBody>
+          <a:bodyPr lIns="91436" tIns="45718" rIns="91436" bIns="45718" rtlCol="0" anchor="ctr"/>
+          <a:lstStyle/>
+          <a:p>
+            <a:pPr algn="ctr"/>
+            <a:endParaRPr lang="zh-CN" altLang="en-US"/>
+          </a:p>
+        </p:txBody>
+      </p:sp>
+      <p:sp>
+        <p:nvSpPr>
+          <p:cNvPr id="18" name="圆角矩形 17"/>
+          <p:cNvSpPr/>
+          <p:nvPr/>
+        </p:nvSpPr>
+        <p:spPr>
+          <a:xfrm rot="10800000" flipV="1">
+            <a:off x="-5664" y="249441"/>
+            <a:ext cx="484287" cy="491115"/>
+          </a:xfrm>
+          <a:prstGeom prst="roundRect">
+            <a:avLst>
+              <a:gd name="adj" fmla="val 5039"/>
+            </a:avLst>
+          </a:prstGeom>
+          <a:solidFill>
+            <a:srgbClr val="157E9F"/>
+          </a:solidFill>
+          <a:ln>
+            <a:noFill/>
+          </a:ln>
+          <a:effectLst>
+            <a:outerShdw blurRad="50800" dist="38100" dir="5400000" algn="t" rotWithShape="0">
+              <a:prstClr val="black">
+                <a:alpha val="40000"/>
+              </a:prstClr>
+            </a:outerShdw>
+          </a:effectLst>
+        </p:spPr>
+        <p:style>
+          <a:lnRef idx="2">
+            <a:schemeClr val="accent1">
+              <a:shade val="50000"/>
+            </a:schemeClr>
+          </a:lnRef>
+          <a:fillRef idx="1">
+            <a:schemeClr val="accent1"/>
+          </a:fillRef>
+          <a:effectRef idx="0">
+            <a:schemeClr val="accent1"/>
+          </a:effectRef>
+          <a:fontRef idx="minor">
+            <a:schemeClr val="lt1"/>
+          </a:fontRef>
+        </p:style>
+        <p:txBody>
+          <a:bodyPr lIns="91436" tIns="45718" rIns="91436" bIns="45718" rtlCol="0" anchor="ctr"/>
+          <a:lstStyle/>
+          <a:p>
+            <a:pPr algn="ctr"/>
+            <a:r>
+              <a:rPr lang="en-US" altLang="zh-CN" sz="3600" dirty="0"/>
+              <a:t>4</a:t>
+            </a:r>
+            <a:endParaRPr lang="zh-CN" altLang="en-US" sz="3600" dirty="0"/>
+          </a:p>
+        </p:txBody>
+      </p:sp>
+      <p:sp>
+        <p:nvSpPr>
+          <p:cNvPr id="19" name="矩形 18"/>
+          <p:cNvSpPr/>
+          <p:nvPr/>
+        </p:nvSpPr>
+        <p:spPr>
+          <a:xfrm>
+            <a:off x="3966736" y="310334"/>
+            <a:ext cx="2032921" cy="369328"/>
+          </a:xfrm>
+          <a:prstGeom prst="rect">
+            <a:avLst/>
+          </a:prstGeom>
+        </p:spPr>
+        <p:txBody>
+          <a:bodyPr wrap="none" lIns="91436" tIns="45718" rIns="91436" bIns="45718">
+            <a:spAutoFit/>
+          </a:bodyPr>
+          <a:lstStyle/>
+          <a:p>
+            <a:pPr algn="ctr"/>
+            <a:r>
+              <a:rPr lang="en-US" altLang="zh-CN" dirty="0">
+                <a:solidFill>
+                  <a:schemeClr val="bg1"/>
+                </a:solidFill>
+                <a:latin typeface="微软雅黑" pitchFamily="34" charset="-122"/>
+                <a:ea typeface="微软雅黑" pitchFamily="34" charset="-122"/>
+              </a:rPr>
+              <a:t>FINISHED WORK</a:t>
+            </a:r>
+          </a:p>
+        </p:txBody>
+      </p:sp>
+      <p:sp>
+        <p:nvSpPr>
+          <p:cNvPr id="20" name="圆角矩形 19"/>
+          <p:cNvSpPr/>
+          <p:nvPr/>
+        </p:nvSpPr>
+        <p:spPr>
+          <a:xfrm rot="16200000" flipV="1">
+            <a:off x="11457520" y="249444"/>
+            <a:ext cx="484287" cy="491115"/>
+          </a:xfrm>
+          <a:prstGeom prst="roundRect">
+            <a:avLst>
+              <a:gd name="adj" fmla="val 5039"/>
+            </a:avLst>
+          </a:prstGeom>
+          <a:solidFill>
+            <a:srgbClr val="157E9F"/>
+          </a:solidFill>
+          <a:ln>
+            <a:noFill/>
+          </a:ln>
+          <a:effectLst>
+            <a:outerShdw blurRad="50800" dist="38100" dir="5400000" algn="t" rotWithShape="0">
+              <a:prstClr val="black">
+                <a:alpha val="40000"/>
+              </a:prstClr>
+            </a:outerShdw>
+          </a:effectLst>
+        </p:spPr>
+        <p:style>
+          <a:lnRef idx="2">
+            <a:schemeClr val="accent1">
+              <a:shade val="50000"/>
+            </a:schemeClr>
+          </a:lnRef>
+          <a:fillRef idx="1">
+            <a:schemeClr val="accent1"/>
+          </a:fillRef>
+          <a:effectRef idx="0">
+            <a:schemeClr val="accent1"/>
+          </a:effectRef>
+          <a:fontRef idx="minor">
+            <a:schemeClr val="lt1"/>
+          </a:fontRef>
+        </p:style>
+        <p:txBody>
+          <a:bodyPr rtlCol="0" anchor="ctr"/>
+          <a:lstStyle/>
+          <a:p>
+            <a:pPr algn="ctr"/>
+            <a:endParaRPr lang="zh-CN" altLang="en-US"/>
+          </a:p>
+        </p:txBody>
+      </p:sp>
+      <p:sp>
+        <p:nvSpPr>
+          <p:cNvPr id="21" name="Freeform 96"/>
+          <p:cNvSpPr/>
+          <p:nvPr/>
+        </p:nvSpPr>
+        <p:spPr bwMode="auto">
+          <a:xfrm>
+            <a:off x="11559368" y="359659"/>
+            <a:ext cx="280590" cy="270687"/>
+          </a:xfrm>
+          <a:custGeom>
+            <a:avLst/>
+            <a:gdLst>
+              <a:gd name="T0" fmla="*/ 184 w 216"/>
+              <a:gd name="T1" fmla="*/ 0 h 208"/>
+              <a:gd name="T2" fmla="*/ 152 w 216"/>
+              <a:gd name="T3" fmla="*/ 32 h 208"/>
+              <a:gd name="T4" fmla="*/ 154 w 216"/>
+              <a:gd name="T5" fmla="*/ 41 h 208"/>
+              <a:gd name="T6" fmla="*/ 60 w 216"/>
+              <a:gd name="T7" fmla="*/ 80 h 208"/>
+              <a:gd name="T8" fmla="*/ 32 w 216"/>
+              <a:gd name="T9" fmla="*/ 64 h 208"/>
+              <a:gd name="T10" fmla="*/ 0 w 216"/>
+              <a:gd name="T11" fmla="*/ 96 h 208"/>
+              <a:gd name="T12" fmla="*/ 32 w 216"/>
+              <a:gd name="T13" fmla="*/ 128 h 208"/>
+              <a:gd name="T14" fmla="*/ 56 w 216"/>
+              <a:gd name="T15" fmla="*/ 118 h 208"/>
+              <a:gd name="T16" fmla="*/ 116 w 216"/>
+              <a:gd name="T17" fmla="*/ 161 h 208"/>
+              <a:gd name="T18" fmla="*/ 112 w 216"/>
+              <a:gd name="T19" fmla="*/ 176 h 208"/>
+              <a:gd name="T20" fmla="*/ 144 w 216"/>
+              <a:gd name="T21" fmla="*/ 208 h 208"/>
+              <a:gd name="T22" fmla="*/ 176 w 216"/>
+              <a:gd name="T23" fmla="*/ 176 h 208"/>
+              <a:gd name="T24" fmla="*/ 144 w 216"/>
+              <a:gd name="T25" fmla="*/ 144 h 208"/>
+              <a:gd name="T26" fmla="*/ 121 w 216"/>
+              <a:gd name="T27" fmla="*/ 154 h 208"/>
+              <a:gd name="T28" fmla="*/ 61 w 216"/>
+              <a:gd name="T29" fmla="*/ 111 h 208"/>
+              <a:gd name="T30" fmla="*/ 64 w 216"/>
+              <a:gd name="T31" fmla="*/ 96 h 208"/>
+              <a:gd name="T32" fmla="*/ 63 w 216"/>
+              <a:gd name="T33" fmla="*/ 87 h 208"/>
+              <a:gd name="T34" fmla="*/ 157 w 216"/>
+              <a:gd name="T35" fmla="*/ 48 h 208"/>
+              <a:gd name="T36" fmla="*/ 184 w 216"/>
+              <a:gd name="T37" fmla="*/ 64 h 208"/>
+              <a:gd name="T38" fmla="*/ 216 w 216"/>
+              <a:gd name="T39" fmla="*/ 32 h 208"/>
+              <a:gd name="T40" fmla="*/ 184 w 216"/>
+              <a:gd name="T41" fmla="*/ 0 h 208"/>
+            </a:gdLst>
+            <a:ahLst/>
+            <a:cxnLst>
+              <a:cxn ang="0">
+                <a:pos x="T0" y="T1"/>
+              </a:cxn>
+              <a:cxn ang="0">
+                <a:pos x="T2" y="T3"/>
+              </a:cxn>
+              <a:cxn ang="0">
+                <a:pos x="T4" y="T5"/>
+              </a:cxn>
+              <a:cxn ang="0">
+                <a:pos x="T6" y="T7"/>
+              </a:cxn>
+              <a:cxn ang="0">
+                <a:pos x="T8" y="T9"/>
+              </a:cxn>
+              <a:cxn ang="0">
+                <a:pos x="T10" y="T11"/>
+              </a:cxn>
+              <a:cxn ang="0">
+                <a:pos x="T12" y="T13"/>
+              </a:cxn>
+              <a:cxn ang="0">
+                <a:pos x="T14" y="T15"/>
+              </a:cxn>
+              <a:cxn ang="0">
+                <a:pos x="T16" y="T17"/>
+              </a:cxn>
+              <a:cxn ang="0">
+                <a:pos x="T18" y="T19"/>
+              </a:cxn>
+              <a:cxn ang="0">
+                <a:pos x="T20" y="T21"/>
+              </a:cxn>
+              <a:cxn ang="0">
+                <a:pos x="T22" y="T23"/>
+              </a:cxn>
+              <a:cxn ang="0">
+                <a:pos x="T24" y="T25"/>
+              </a:cxn>
+              <a:cxn ang="0">
+                <a:pos x="T26" y="T27"/>
+              </a:cxn>
+              <a:cxn ang="0">
+                <a:pos x="T28" y="T29"/>
+              </a:cxn>
+              <a:cxn ang="0">
+                <a:pos x="T30" y="T31"/>
+              </a:cxn>
+              <a:cxn ang="0">
+                <a:pos x="T32" y="T33"/>
+              </a:cxn>
+              <a:cxn ang="0">
+                <a:pos x="T34" y="T35"/>
+              </a:cxn>
+              <a:cxn ang="0">
+                <a:pos x="T36" y="T37"/>
+              </a:cxn>
+              <a:cxn ang="0">
+                <a:pos x="T38" y="T39"/>
+              </a:cxn>
+              <a:cxn ang="0">
+                <a:pos x="T40" y="T41"/>
+              </a:cxn>
+            </a:cxnLst>
+            <a:rect l="0" t="0" r="r" b="b"/>
+            <a:pathLst>
+              <a:path w="216" h="208">
+                <a:moveTo>
+                  <a:pt x="184" y="0"/>
+                </a:moveTo>
+                <a:cubicBezTo>
+                  <a:pt x="167" y="0"/>
+                  <a:pt x="152" y="14"/>
+                  <a:pt x="152" y="32"/>
+                </a:cubicBezTo>
+                <a:cubicBezTo>
+                  <a:pt x="152" y="35"/>
+                  <a:pt x="153" y="38"/>
+                  <a:pt x="154" y="41"/>
+                </a:cubicBezTo>
+                <a:cubicBezTo>
+                  <a:pt x="60" y="80"/>
+                  <a:pt x="60" y="80"/>
+                  <a:pt x="60" y="80"/>
+                </a:cubicBezTo>
+                <a:cubicBezTo>
+                  <a:pt x="55" y="70"/>
+                  <a:pt x="44" y="64"/>
+                  <a:pt x="32" y="64"/>
+                </a:cubicBezTo>
+                <a:cubicBezTo>
+                  <a:pt x="15" y="64"/>
+                  <a:pt x="0" y="78"/>
+                  <a:pt x="0" y="96"/>
+                </a:cubicBezTo>
+                <a:cubicBezTo>
+                  <a:pt x="0" y="113"/>
+                  <a:pt x="15" y="128"/>
+                  <a:pt x="32" y="128"/>
+                </a:cubicBezTo>
+                <a:cubicBezTo>
+                  <a:pt x="42" y="128"/>
+                  <a:pt x="50" y="124"/>
+                  <a:pt x="56" y="118"/>
+                </a:cubicBezTo>
+                <a:cubicBezTo>
+                  <a:pt x="116" y="161"/>
+                  <a:pt x="116" y="161"/>
+                  <a:pt x="116" y="161"/>
+                </a:cubicBezTo>
+                <a:cubicBezTo>
+                  <a:pt x="114" y="165"/>
+                  <a:pt x="112" y="170"/>
+                  <a:pt x="112" y="176"/>
+                </a:cubicBezTo>
+                <a:cubicBezTo>
+                  <a:pt x="112" y="193"/>
+                  <a:pt x="127" y="208"/>
+                  <a:pt x="144" y="208"/>
+                </a:cubicBezTo>
+                <a:cubicBezTo>
+                  <a:pt x="162" y="208"/>
+                  <a:pt x="176" y="193"/>
+                  <a:pt x="176" y="176"/>
+                </a:cubicBezTo>
+                <a:cubicBezTo>
+                  <a:pt x="176" y="158"/>
+                  <a:pt x="162" y="144"/>
+                  <a:pt x="144" y="144"/>
+                </a:cubicBezTo>
+                <a:cubicBezTo>
+                  <a:pt x="135" y="144"/>
+                  <a:pt x="127" y="148"/>
+                  <a:pt x="121" y="154"/>
+                </a:cubicBezTo>
+                <a:cubicBezTo>
+                  <a:pt x="61" y="111"/>
+                  <a:pt x="61" y="111"/>
+                  <a:pt x="61" y="111"/>
+                </a:cubicBezTo>
+                <a:cubicBezTo>
+                  <a:pt x="63" y="107"/>
+                  <a:pt x="64" y="101"/>
+                  <a:pt x="64" y="96"/>
+                </a:cubicBezTo>
+                <a:cubicBezTo>
+                  <a:pt x="64" y="93"/>
+                  <a:pt x="64" y="90"/>
+                  <a:pt x="63" y="87"/>
+                </a:cubicBezTo>
+                <a:cubicBezTo>
+                  <a:pt x="157" y="48"/>
+                  <a:pt x="157" y="48"/>
+                  <a:pt x="157" y="48"/>
+                </a:cubicBezTo>
+                <a:cubicBezTo>
+                  <a:pt x="162" y="57"/>
+                  <a:pt x="173" y="64"/>
+                  <a:pt x="184" y="64"/>
+                </a:cubicBezTo>
+                <a:cubicBezTo>
+                  <a:pt x="202" y="64"/>
+                  <a:pt x="216" y="49"/>
+                  <a:pt x="216" y="32"/>
+                </a:cubicBezTo>
+                <a:cubicBezTo>
+                  <a:pt x="216" y="14"/>
+                  <a:pt x="202" y="0"/>
+                  <a:pt x="184" y="0"/>
+                </a:cubicBezTo>
+                <a:close/>
+              </a:path>
+            </a:pathLst>
+          </a:custGeom>
+          <a:solidFill>
+            <a:schemeClr val="bg1"/>
+          </a:solidFill>
+          <a:ln>
+            <a:noFill/>
+          </a:ln>
+        </p:spPr>
+        <p:txBody>
+          <a:bodyPr vert="horz" wrap="square" lIns="91440" tIns="45720" rIns="91440" bIns="45720" numCol="1" anchor="t" anchorCtr="0" compatLnSpc="1"/>
+          <a:lstStyle/>
+          <a:p>
+            <a:endParaRPr lang="zh-CN" altLang="en-US">
+              <a:solidFill>
+                <a:srgbClr val="AD1C21"/>
+              </a:solidFill>
+            </a:endParaRPr>
+          </a:p>
+        </p:txBody>
+      </p:sp>
+      <p:sp>
+        <p:nvSpPr>
+          <p:cNvPr id="22" name="矩形 21"/>
+          <p:cNvSpPr/>
+          <p:nvPr/>
+        </p:nvSpPr>
+        <p:spPr>
+          <a:xfrm>
+            <a:off x="633077" y="125666"/>
+            <a:ext cx="2444900" cy="662554"/>
+          </a:xfrm>
+          <a:prstGeom prst="rect">
+            <a:avLst/>
+          </a:prstGeom>
+        </p:spPr>
+        <p:txBody>
+          <a:bodyPr wrap="none">
+            <a:spAutoFit/>
+          </a:bodyPr>
+          <a:lstStyle/>
+          <a:p>
+            <a:pPr>
+              <a:lnSpc>
+                <a:spcPct val="150000"/>
+              </a:lnSpc>
+            </a:pPr>
+            <a:r>
+              <a:rPr lang="en-US" altLang="zh-CN" sz="2800" dirty="0">
+                <a:solidFill>
+                  <a:srgbClr val="157E9F"/>
+                </a:solidFill>
+                <a:latin typeface="方正清刻本悦宋简体" panose="02000000000000000000" pitchFamily="2" charset="-122"/>
+                <a:ea typeface="方正清刻本悦宋简体" panose="02000000000000000000" pitchFamily="2" charset="-122"/>
+              </a:rPr>
+              <a:t> </a:t>
+            </a:r>
+            <a:r>
+              <a:rPr lang="zh-CN" altLang="en-US" sz="2800" dirty="0">
+                <a:solidFill>
+                  <a:srgbClr val="157E9F"/>
+                </a:solidFill>
+                <a:latin typeface="方正清刻本悦宋简体" panose="02000000000000000000" pitchFamily="2" charset="-122"/>
+                <a:ea typeface="方正清刻本悦宋简体" panose="02000000000000000000" pitchFamily="2" charset="-122"/>
+              </a:rPr>
+              <a:t>已完成的工作</a:t>
+            </a:r>
+            <a:endParaRPr lang="en-US" altLang="zh-CN" sz="2800" dirty="0">
+              <a:solidFill>
+                <a:srgbClr val="157E9F"/>
+              </a:solidFill>
+              <a:latin typeface="方正清刻本悦宋简体" panose="02000000000000000000" pitchFamily="2" charset="-122"/>
+              <a:ea typeface="方正清刻本悦宋简体" panose="02000000000000000000" pitchFamily="2" charset="-122"/>
+            </a:endParaRPr>
+          </a:p>
+        </p:txBody>
+      </p:sp>
+      <p:sp>
+        <p:nvSpPr>
+          <p:cNvPr id="35" name="圆角矩形 34"/>
+          <p:cNvSpPr/>
+          <p:nvPr/>
+        </p:nvSpPr>
+        <p:spPr>
+          <a:xfrm rot="10800000" flipV="1">
+            <a:off x="824852" y="963311"/>
+            <a:ext cx="1299872" cy="491115"/>
+          </a:xfrm>
+          <a:prstGeom prst="roundRect">
+            <a:avLst>
+              <a:gd name="adj" fmla="val 5039"/>
+            </a:avLst>
+          </a:prstGeom>
+          <a:solidFill>
+            <a:srgbClr val="157E9F"/>
+          </a:solidFill>
+          <a:ln>
+            <a:noFill/>
+          </a:ln>
+          <a:effectLst>
+            <a:outerShdw blurRad="50800" dist="38100" dir="5400000" algn="t" rotWithShape="0">
+              <a:prstClr val="black">
+                <a:alpha val="40000"/>
+              </a:prstClr>
+            </a:outerShdw>
+          </a:effectLst>
+        </p:spPr>
+        <p:style>
+          <a:lnRef idx="2">
+            <a:schemeClr val="accent1">
+              <a:shade val="50000"/>
+            </a:schemeClr>
+          </a:lnRef>
+          <a:fillRef idx="1">
+            <a:schemeClr val="accent1"/>
+          </a:fillRef>
+          <a:effectRef idx="0">
+            <a:schemeClr val="accent1"/>
+          </a:effectRef>
+          <a:fontRef idx="minor">
+            <a:schemeClr val="lt1"/>
+          </a:fontRef>
+        </p:style>
+        <p:txBody>
+          <a:bodyPr lIns="91436" tIns="45718" rIns="91436" bIns="45718" rtlCol="0" anchor="ctr"/>
+          <a:lstStyle/>
+          <a:p>
+            <a:pPr algn="ctr"/>
+            <a:r>
+              <a:rPr lang="en-US" altLang="zh-CN" sz="2400" dirty="0">
+                <a:latin typeface="方正清刻本悦宋简体" panose="02000000000000000000" pitchFamily="2" charset="-122"/>
+                <a:ea typeface="方正清刻本悦宋简体" panose="02000000000000000000" pitchFamily="2" charset="-122"/>
+              </a:rPr>
+              <a:t>4</a:t>
+            </a:r>
+            <a:endParaRPr lang="zh-CN" altLang="en-US" sz="2400" dirty="0">
+              <a:latin typeface="方正清刻本悦宋简体" panose="02000000000000000000" pitchFamily="2" charset="-122"/>
+              <a:ea typeface="方正清刻本悦宋简体" panose="02000000000000000000" pitchFamily="2" charset="-122"/>
+            </a:endParaRPr>
+          </a:p>
+        </p:txBody>
+      </p:sp>
+      <p:sp>
+        <p:nvSpPr>
+          <p:cNvPr id="24" name="文本框 23">
+            <a:extLst>
+              <a:ext uri="{FF2B5EF4-FFF2-40B4-BE49-F238E27FC236}">
+                <a16:creationId xmlns:a16="http://schemas.microsoft.com/office/drawing/2014/main" id="{4BD851DA-3CC3-4FAA-9C50-B9558AE2E9DB}"/>
+              </a:ext>
+            </a:extLst>
+          </p:cNvPr>
+          <p:cNvSpPr txBox="1"/>
+          <p:nvPr/>
+        </p:nvSpPr>
+        <p:spPr>
+          <a:xfrm>
+            <a:off x="2314021" y="1003246"/>
+            <a:ext cx="3262423" cy="400105"/>
+          </a:xfrm>
+          <a:prstGeom prst="rect">
+            <a:avLst/>
+          </a:prstGeom>
+          <a:noFill/>
+        </p:spPr>
+        <p:txBody>
+          <a:bodyPr wrap="none" lIns="91436" tIns="45718" rIns="91436" bIns="45718" rtlCol="0">
+            <a:spAutoFit/>
+          </a:bodyPr>
+          <a:lstStyle/>
+          <a:p>
+            <a:r>
+              <a:rPr lang="zh-CN" altLang="en-US" sz="2000" dirty="0">
+                <a:solidFill>
+                  <a:schemeClr val="tx1">
+                    <a:lumMod val="75000"/>
+                    <a:lumOff val="25000"/>
+                  </a:schemeClr>
+                </a:solidFill>
+                <a:latin typeface="Segoe UI Semilight" panose="020B0402040204020203" pitchFamily="34" charset="0"/>
+                <a:ea typeface="微软雅黑" pitchFamily="34" charset="-122"/>
+                <a:cs typeface="Segoe UI Semilight" panose="020B0402040204020203" pitchFamily="34" charset="0"/>
+              </a:rPr>
+              <a:t>油型气涌出危险性评价软件</a:t>
+            </a:r>
+          </a:p>
+        </p:txBody>
+      </p:sp>
+      <p:grpSp>
+        <p:nvGrpSpPr>
+          <p:cNvPr id="2" name="组合 1">
+            <a:extLst>
+              <a:ext uri="{FF2B5EF4-FFF2-40B4-BE49-F238E27FC236}">
+                <a16:creationId xmlns:a16="http://schemas.microsoft.com/office/drawing/2014/main" id="{C755EA7F-026D-4304-96C8-4539DDD82904}"/>
+              </a:ext>
+            </a:extLst>
+          </p:cNvPr>
+          <p:cNvGrpSpPr/>
+          <p:nvPr/>
+        </p:nvGrpSpPr>
+        <p:grpSpPr>
+          <a:xfrm>
+            <a:off x="494394" y="1992798"/>
+            <a:ext cx="3960000" cy="2422039"/>
+            <a:chOff x="494394" y="1992798"/>
+            <a:chExt cx="3960000" cy="2422039"/>
+          </a:xfrm>
+        </p:grpSpPr>
+        <p:pic>
+          <p:nvPicPr>
+            <p:cNvPr id="12" name="图片 11">
+              <a:extLst>
+                <a:ext uri="{FF2B5EF4-FFF2-40B4-BE49-F238E27FC236}">
+                  <a16:creationId xmlns:a16="http://schemas.microsoft.com/office/drawing/2014/main" id="{6002AA89-EBA9-43FC-967D-2E09AB350FAD}"/>
+                </a:ext>
+              </a:extLst>
+            </p:cNvPr>
+            <p:cNvPicPr>
+              <a:picLocks noChangeAspect="1"/>
+            </p:cNvPicPr>
+            <p:nvPr/>
+          </p:nvPicPr>
+          <p:blipFill>
+            <a:blip r:embed="rId3"/>
+            <a:stretch>
+              <a:fillRect/>
+            </a:stretch>
+          </p:blipFill>
+          <p:spPr>
+            <a:xfrm>
+              <a:off x="494394" y="1992798"/>
+              <a:ext cx="3960000" cy="2422039"/>
+            </a:xfrm>
+            <a:prstGeom prst="rect">
+              <a:avLst/>
+            </a:prstGeom>
+          </p:spPr>
+        </p:pic>
+        <p:pic>
+          <p:nvPicPr>
+            <p:cNvPr id="14" name="图片 13">
+              <a:extLst>
+                <a:ext uri="{FF2B5EF4-FFF2-40B4-BE49-F238E27FC236}">
+                  <a16:creationId xmlns:a16="http://schemas.microsoft.com/office/drawing/2014/main" id="{1775D5F5-A035-47F8-AD5F-52218CDB4508}"/>
+                </a:ext>
+              </a:extLst>
+            </p:cNvPr>
+            <p:cNvPicPr>
+              <a:picLocks noChangeAspect="1"/>
+            </p:cNvPicPr>
+            <p:nvPr/>
+          </p:nvPicPr>
+          <p:blipFill>
+            <a:blip r:embed="rId4"/>
+            <a:stretch>
+              <a:fillRect/>
+            </a:stretch>
+          </p:blipFill>
+          <p:spPr>
+            <a:xfrm>
+              <a:off x="500059" y="2019300"/>
+              <a:ext cx="242147" cy="209551"/>
+            </a:xfrm>
+            <a:prstGeom prst="rect">
+              <a:avLst/>
+            </a:prstGeom>
+          </p:spPr>
+        </p:pic>
+      </p:grpSp>
+    </p:spTree>
+    <p:extLst>
+      <p:ext uri="{BB962C8B-B14F-4D97-AF65-F5344CB8AC3E}">
+        <p14:creationId xmlns:p14="http://schemas.microsoft.com/office/powerpoint/2010/main" val="3851456883"/>
+      </p:ext>
+    </p:extLst>
   </p:cSld>
   <p:clrMapOvr>
     <a:masterClrMapping/>
@@ -10496,6 +14911,4079 @@
           </a:p>
         </p:txBody>
       </p:sp>
+    </p:spTree>
+  </p:cSld>
+  <p:clrMapOvr>
+    <a:masterClrMapping/>
+  </p:clrMapOvr>
+  <mc:AlternateContent xmlns:mc="http://schemas.openxmlformats.org/markup-compatibility/2006" xmlns:p14="http://schemas.microsoft.com/office/powerpoint/2010/main">
+    <mc:Choice Requires="p14">
+      <p:transition spd="med" p14:dur="700">
+        <p:fade/>
+      </p:transition>
+    </mc:Choice>
+    <mc:Fallback xmlns="">
+      <p:transition spd="med">
+        <p:fade/>
+      </p:transition>
+    </mc:Fallback>
+  </mc:AlternateContent>
+</p:sld>
+</file>
+
+<file path=ppt/slides/slide20.xml><?xml version="1.0" encoding="utf-8"?>
+<p:sld xmlns:a="http://schemas.openxmlformats.org/drawingml/2006/main" xmlns:r="http://schemas.openxmlformats.org/officeDocument/2006/relationships" xmlns:p="http://schemas.openxmlformats.org/presentationml/2006/main">
+  <p:cSld>
+    <p:spTree>
+      <p:nvGrpSpPr>
+        <p:cNvPr id="1" name=""/>
+        <p:cNvGrpSpPr/>
+        <p:nvPr/>
+      </p:nvGrpSpPr>
+      <p:grpSpPr>
+        <a:xfrm>
+          <a:off x="0" y="0"/>
+          <a:ext cx="0" cy="0"/>
+          <a:chOff x="0" y="0"/>
+          <a:chExt cx="0" cy="0"/>
+        </a:xfrm>
+      </p:grpSpPr>
+      <p:sp>
+        <p:nvSpPr>
+          <p:cNvPr id="17" name="矩形 16"/>
+          <p:cNvSpPr/>
+          <p:nvPr/>
+        </p:nvSpPr>
+        <p:spPr>
+          <a:xfrm>
+            <a:off x="3473651" y="252859"/>
+            <a:ext cx="8718351" cy="484285"/>
+          </a:xfrm>
+          <a:prstGeom prst="rect">
+            <a:avLst/>
+          </a:prstGeom>
+          <a:gradFill>
+            <a:gsLst>
+              <a:gs pos="0">
+                <a:schemeClr val="accent1">
+                  <a:lumMod val="5000"/>
+                  <a:lumOff val="95000"/>
+                  <a:alpha val="0"/>
+                </a:schemeClr>
+              </a:gs>
+              <a:gs pos="78000">
+                <a:srgbClr val="157E9F"/>
+              </a:gs>
+            </a:gsLst>
+            <a:lin ang="10800000" scaled="0"/>
+          </a:gradFill>
+          <a:ln>
+            <a:noFill/>
+          </a:ln>
+          <a:effectLst>
+            <a:outerShdw blurRad="393700" dist="76200" dir="5820000" sx="99000" sy="99000" algn="t" rotWithShape="0">
+              <a:prstClr val="black">
+                <a:alpha val="50000"/>
+              </a:prstClr>
+            </a:outerShdw>
+          </a:effectLst>
+        </p:spPr>
+        <p:style>
+          <a:lnRef idx="2">
+            <a:schemeClr val="accent1">
+              <a:shade val="50000"/>
+            </a:schemeClr>
+          </a:lnRef>
+          <a:fillRef idx="1">
+            <a:schemeClr val="accent1"/>
+          </a:fillRef>
+          <a:effectRef idx="0">
+            <a:schemeClr val="accent1"/>
+          </a:effectRef>
+          <a:fontRef idx="minor">
+            <a:schemeClr val="lt1"/>
+          </a:fontRef>
+        </p:style>
+        <p:txBody>
+          <a:bodyPr lIns="91436" tIns="45718" rIns="91436" bIns="45718" rtlCol="0" anchor="ctr"/>
+          <a:lstStyle/>
+          <a:p>
+            <a:pPr algn="ctr"/>
+            <a:endParaRPr lang="zh-CN" altLang="en-US"/>
+          </a:p>
+        </p:txBody>
+      </p:sp>
+      <p:sp>
+        <p:nvSpPr>
+          <p:cNvPr id="18" name="圆角矩形 17"/>
+          <p:cNvSpPr/>
+          <p:nvPr/>
+        </p:nvSpPr>
+        <p:spPr>
+          <a:xfrm rot="10800000" flipV="1">
+            <a:off x="-5664" y="249441"/>
+            <a:ext cx="484287" cy="491115"/>
+          </a:xfrm>
+          <a:prstGeom prst="roundRect">
+            <a:avLst>
+              <a:gd name="adj" fmla="val 5039"/>
+            </a:avLst>
+          </a:prstGeom>
+          <a:solidFill>
+            <a:srgbClr val="157E9F"/>
+          </a:solidFill>
+          <a:ln>
+            <a:noFill/>
+          </a:ln>
+          <a:effectLst>
+            <a:outerShdw blurRad="50800" dist="38100" dir="5400000" algn="t" rotWithShape="0">
+              <a:prstClr val="black">
+                <a:alpha val="40000"/>
+              </a:prstClr>
+            </a:outerShdw>
+          </a:effectLst>
+        </p:spPr>
+        <p:style>
+          <a:lnRef idx="2">
+            <a:schemeClr val="accent1">
+              <a:shade val="50000"/>
+            </a:schemeClr>
+          </a:lnRef>
+          <a:fillRef idx="1">
+            <a:schemeClr val="accent1"/>
+          </a:fillRef>
+          <a:effectRef idx="0">
+            <a:schemeClr val="accent1"/>
+          </a:effectRef>
+          <a:fontRef idx="minor">
+            <a:schemeClr val="lt1"/>
+          </a:fontRef>
+        </p:style>
+        <p:txBody>
+          <a:bodyPr lIns="91436" tIns="45718" rIns="91436" bIns="45718" rtlCol="0" anchor="ctr"/>
+          <a:lstStyle/>
+          <a:p>
+            <a:pPr algn="ctr"/>
+            <a:r>
+              <a:rPr lang="en-US" altLang="zh-CN" sz="3600" dirty="0"/>
+              <a:t>4</a:t>
+            </a:r>
+            <a:endParaRPr lang="zh-CN" altLang="en-US" sz="3600" dirty="0"/>
+          </a:p>
+        </p:txBody>
+      </p:sp>
+      <p:sp>
+        <p:nvSpPr>
+          <p:cNvPr id="19" name="矩形 18"/>
+          <p:cNvSpPr/>
+          <p:nvPr/>
+        </p:nvSpPr>
+        <p:spPr>
+          <a:xfrm>
+            <a:off x="3966736" y="310334"/>
+            <a:ext cx="2032921" cy="369328"/>
+          </a:xfrm>
+          <a:prstGeom prst="rect">
+            <a:avLst/>
+          </a:prstGeom>
+        </p:spPr>
+        <p:txBody>
+          <a:bodyPr wrap="none" lIns="91436" tIns="45718" rIns="91436" bIns="45718">
+            <a:spAutoFit/>
+          </a:bodyPr>
+          <a:lstStyle/>
+          <a:p>
+            <a:pPr algn="ctr"/>
+            <a:r>
+              <a:rPr lang="en-US" altLang="zh-CN" dirty="0">
+                <a:solidFill>
+                  <a:schemeClr val="bg1"/>
+                </a:solidFill>
+                <a:latin typeface="微软雅黑" pitchFamily="34" charset="-122"/>
+                <a:ea typeface="微软雅黑" pitchFamily="34" charset="-122"/>
+              </a:rPr>
+              <a:t>FINISHED WORK</a:t>
+            </a:r>
+          </a:p>
+        </p:txBody>
+      </p:sp>
+      <p:sp>
+        <p:nvSpPr>
+          <p:cNvPr id="20" name="圆角矩形 19"/>
+          <p:cNvSpPr/>
+          <p:nvPr/>
+        </p:nvSpPr>
+        <p:spPr>
+          <a:xfrm rot="16200000" flipV="1">
+            <a:off x="11457520" y="249444"/>
+            <a:ext cx="484287" cy="491115"/>
+          </a:xfrm>
+          <a:prstGeom prst="roundRect">
+            <a:avLst>
+              <a:gd name="adj" fmla="val 5039"/>
+            </a:avLst>
+          </a:prstGeom>
+          <a:solidFill>
+            <a:srgbClr val="157E9F"/>
+          </a:solidFill>
+          <a:ln>
+            <a:noFill/>
+          </a:ln>
+          <a:effectLst>
+            <a:outerShdw blurRad="50800" dist="38100" dir="5400000" algn="t" rotWithShape="0">
+              <a:prstClr val="black">
+                <a:alpha val="40000"/>
+              </a:prstClr>
+            </a:outerShdw>
+          </a:effectLst>
+        </p:spPr>
+        <p:style>
+          <a:lnRef idx="2">
+            <a:schemeClr val="accent1">
+              <a:shade val="50000"/>
+            </a:schemeClr>
+          </a:lnRef>
+          <a:fillRef idx="1">
+            <a:schemeClr val="accent1"/>
+          </a:fillRef>
+          <a:effectRef idx="0">
+            <a:schemeClr val="accent1"/>
+          </a:effectRef>
+          <a:fontRef idx="minor">
+            <a:schemeClr val="lt1"/>
+          </a:fontRef>
+        </p:style>
+        <p:txBody>
+          <a:bodyPr rtlCol="0" anchor="ctr"/>
+          <a:lstStyle/>
+          <a:p>
+            <a:pPr algn="ctr"/>
+            <a:endParaRPr lang="zh-CN" altLang="en-US"/>
+          </a:p>
+        </p:txBody>
+      </p:sp>
+      <p:sp>
+        <p:nvSpPr>
+          <p:cNvPr id="21" name="Freeform 96"/>
+          <p:cNvSpPr/>
+          <p:nvPr/>
+        </p:nvSpPr>
+        <p:spPr bwMode="auto">
+          <a:xfrm>
+            <a:off x="11559368" y="359659"/>
+            <a:ext cx="280590" cy="270687"/>
+          </a:xfrm>
+          <a:custGeom>
+            <a:avLst/>
+            <a:gdLst>
+              <a:gd name="T0" fmla="*/ 184 w 216"/>
+              <a:gd name="T1" fmla="*/ 0 h 208"/>
+              <a:gd name="T2" fmla="*/ 152 w 216"/>
+              <a:gd name="T3" fmla="*/ 32 h 208"/>
+              <a:gd name="T4" fmla="*/ 154 w 216"/>
+              <a:gd name="T5" fmla="*/ 41 h 208"/>
+              <a:gd name="T6" fmla="*/ 60 w 216"/>
+              <a:gd name="T7" fmla="*/ 80 h 208"/>
+              <a:gd name="T8" fmla="*/ 32 w 216"/>
+              <a:gd name="T9" fmla="*/ 64 h 208"/>
+              <a:gd name="T10" fmla="*/ 0 w 216"/>
+              <a:gd name="T11" fmla="*/ 96 h 208"/>
+              <a:gd name="T12" fmla="*/ 32 w 216"/>
+              <a:gd name="T13" fmla="*/ 128 h 208"/>
+              <a:gd name="T14" fmla="*/ 56 w 216"/>
+              <a:gd name="T15" fmla="*/ 118 h 208"/>
+              <a:gd name="T16" fmla="*/ 116 w 216"/>
+              <a:gd name="T17" fmla="*/ 161 h 208"/>
+              <a:gd name="T18" fmla="*/ 112 w 216"/>
+              <a:gd name="T19" fmla="*/ 176 h 208"/>
+              <a:gd name="T20" fmla="*/ 144 w 216"/>
+              <a:gd name="T21" fmla="*/ 208 h 208"/>
+              <a:gd name="T22" fmla="*/ 176 w 216"/>
+              <a:gd name="T23" fmla="*/ 176 h 208"/>
+              <a:gd name="T24" fmla="*/ 144 w 216"/>
+              <a:gd name="T25" fmla="*/ 144 h 208"/>
+              <a:gd name="T26" fmla="*/ 121 w 216"/>
+              <a:gd name="T27" fmla="*/ 154 h 208"/>
+              <a:gd name="T28" fmla="*/ 61 w 216"/>
+              <a:gd name="T29" fmla="*/ 111 h 208"/>
+              <a:gd name="T30" fmla="*/ 64 w 216"/>
+              <a:gd name="T31" fmla="*/ 96 h 208"/>
+              <a:gd name="T32" fmla="*/ 63 w 216"/>
+              <a:gd name="T33" fmla="*/ 87 h 208"/>
+              <a:gd name="T34" fmla="*/ 157 w 216"/>
+              <a:gd name="T35" fmla="*/ 48 h 208"/>
+              <a:gd name="T36" fmla="*/ 184 w 216"/>
+              <a:gd name="T37" fmla="*/ 64 h 208"/>
+              <a:gd name="T38" fmla="*/ 216 w 216"/>
+              <a:gd name="T39" fmla="*/ 32 h 208"/>
+              <a:gd name="T40" fmla="*/ 184 w 216"/>
+              <a:gd name="T41" fmla="*/ 0 h 208"/>
+            </a:gdLst>
+            <a:ahLst/>
+            <a:cxnLst>
+              <a:cxn ang="0">
+                <a:pos x="T0" y="T1"/>
+              </a:cxn>
+              <a:cxn ang="0">
+                <a:pos x="T2" y="T3"/>
+              </a:cxn>
+              <a:cxn ang="0">
+                <a:pos x="T4" y="T5"/>
+              </a:cxn>
+              <a:cxn ang="0">
+                <a:pos x="T6" y="T7"/>
+              </a:cxn>
+              <a:cxn ang="0">
+                <a:pos x="T8" y="T9"/>
+              </a:cxn>
+              <a:cxn ang="0">
+                <a:pos x="T10" y="T11"/>
+              </a:cxn>
+              <a:cxn ang="0">
+                <a:pos x="T12" y="T13"/>
+              </a:cxn>
+              <a:cxn ang="0">
+                <a:pos x="T14" y="T15"/>
+              </a:cxn>
+              <a:cxn ang="0">
+                <a:pos x="T16" y="T17"/>
+              </a:cxn>
+              <a:cxn ang="0">
+                <a:pos x="T18" y="T19"/>
+              </a:cxn>
+              <a:cxn ang="0">
+                <a:pos x="T20" y="T21"/>
+              </a:cxn>
+              <a:cxn ang="0">
+                <a:pos x="T22" y="T23"/>
+              </a:cxn>
+              <a:cxn ang="0">
+                <a:pos x="T24" y="T25"/>
+              </a:cxn>
+              <a:cxn ang="0">
+                <a:pos x="T26" y="T27"/>
+              </a:cxn>
+              <a:cxn ang="0">
+                <a:pos x="T28" y="T29"/>
+              </a:cxn>
+              <a:cxn ang="0">
+                <a:pos x="T30" y="T31"/>
+              </a:cxn>
+              <a:cxn ang="0">
+                <a:pos x="T32" y="T33"/>
+              </a:cxn>
+              <a:cxn ang="0">
+                <a:pos x="T34" y="T35"/>
+              </a:cxn>
+              <a:cxn ang="0">
+                <a:pos x="T36" y="T37"/>
+              </a:cxn>
+              <a:cxn ang="0">
+                <a:pos x="T38" y="T39"/>
+              </a:cxn>
+              <a:cxn ang="0">
+                <a:pos x="T40" y="T41"/>
+              </a:cxn>
+            </a:cxnLst>
+            <a:rect l="0" t="0" r="r" b="b"/>
+            <a:pathLst>
+              <a:path w="216" h="208">
+                <a:moveTo>
+                  <a:pt x="184" y="0"/>
+                </a:moveTo>
+                <a:cubicBezTo>
+                  <a:pt x="167" y="0"/>
+                  <a:pt x="152" y="14"/>
+                  <a:pt x="152" y="32"/>
+                </a:cubicBezTo>
+                <a:cubicBezTo>
+                  <a:pt x="152" y="35"/>
+                  <a:pt x="153" y="38"/>
+                  <a:pt x="154" y="41"/>
+                </a:cubicBezTo>
+                <a:cubicBezTo>
+                  <a:pt x="60" y="80"/>
+                  <a:pt x="60" y="80"/>
+                  <a:pt x="60" y="80"/>
+                </a:cubicBezTo>
+                <a:cubicBezTo>
+                  <a:pt x="55" y="70"/>
+                  <a:pt x="44" y="64"/>
+                  <a:pt x="32" y="64"/>
+                </a:cubicBezTo>
+                <a:cubicBezTo>
+                  <a:pt x="15" y="64"/>
+                  <a:pt x="0" y="78"/>
+                  <a:pt x="0" y="96"/>
+                </a:cubicBezTo>
+                <a:cubicBezTo>
+                  <a:pt x="0" y="113"/>
+                  <a:pt x="15" y="128"/>
+                  <a:pt x="32" y="128"/>
+                </a:cubicBezTo>
+                <a:cubicBezTo>
+                  <a:pt x="42" y="128"/>
+                  <a:pt x="50" y="124"/>
+                  <a:pt x="56" y="118"/>
+                </a:cubicBezTo>
+                <a:cubicBezTo>
+                  <a:pt x="116" y="161"/>
+                  <a:pt x="116" y="161"/>
+                  <a:pt x="116" y="161"/>
+                </a:cubicBezTo>
+                <a:cubicBezTo>
+                  <a:pt x="114" y="165"/>
+                  <a:pt x="112" y="170"/>
+                  <a:pt x="112" y="176"/>
+                </a:cubicBezTo>
+                <a:cubicBezTo>
+                  <a:pt x="112" y="193"/>
+                  <a:pt x="127" y="208"/>
+                  <a:pt x="144" y="208"/>
+                </a:cubicBezTo>
+                <a:cubicBezTo>
+                  <a:pt x="162" y="208"/>
+                  <a:pt x="176" y="193"/>
+                  <a:pt x="176" y="176"/>
+                </a:cubicBezTo>
+                <a:cubicBezTo>
+                  <a:pt x="176" y="158"/>
+                  <a:pt x="162" y="144"/>
+                  <a:pt x="144" y="144"/>
+                </a:cubicBezTo>
+                <a:cubicBezTo>
+                  <a:pt x="135" y="144"/>
+                  <a:pt x="127" y="148"/>
+                  <a:pt x="121" y="154"/>
+                </a:cubicBezTo>
+                <a:cubicBezTo>
+                  <a:pt x="61" y="111"/>
+                  <a:pt x="61" y="111"/>
+                  <a:pt x="61" y="111"/>
+                </a:cubicBezTo>
+                <a:cubicBezTo>
+                  <a:pt x="63" y="107"/>
+                  <a:pt x="64" y="101"/>
+                  <a:pt x="64" y="96"/>
+                </a:cubicBezTo>
+                <a:cubicBezTo>
+                  <a:pt x="64" y="93"/>
+                  <a:pt x="64" y="90"/>
+                  <a:pt x="63" y="87"/>
+                </a:cubicBezTo>
+                <a:cubicBezTo>
+                  <a:pt x="157" y="48"/>
+                  <a:pt x="157" y="48"/>
+                  <a:pt x="157" y="48"/>
+                </a:cubicBezTo>
+                <a:cubicBezTo>
+                  <a:pt x="162" y="57"/>
+                  <a:pt x="173" y="64"/>
+                  <a:pt x="184" y="64"/>
+                </a:cubicBezTo>
+                <a:cubicBezTo>
+                  <a:pt x="202" y="64"/>
+                  <a:pt x="216" y="49"/>
+                  <a:pt x="216" y="32"/>
+                </a:cubicBezTo>
+                <a:cubicBezTo>
+                  <a:pt x="216" y="14"/>
+                  <a:pt x="202" y="0"/>
+                  <a:pt x="184" y="0"/>
+                </a:cubicBezTo>
+                <a:close/>
+              </a:path>
+            </a:pathLst>
+          </a:custGeom>
+          <a:solidFill>
+            <a:schemeClr val="bg1"/>
+          </a:solidFill>
+          <a:ln>
+            <a:noFill/>
+          </a:ln>
+        </p:spPr>
+        <p:txBody>
+          <a:bodyPr vert="horz" wrap="square" lIns="91440" tIns="45720" rIns="91440" bIns="45720" numCol="1" anchor="t" anchorCtr="0" compatLnSpc="1"/>
+          <a:lstStyle/>
+          <a:p>
+            <a:endParaRPr lang="zh-CN" altLang="en-US">
+              <a:solidFill>
+                <a:srgbClr val="AD1C21"/>
+              </a:solidFill>
+            </a:endParaRPr>
+          </a:p>
+        </p:txBody>
+      </p:sp>
+      <p:sp>
+        <p:nvSpPr>
+          <p:cNvPr id="22" name="矩形 21"/>
+          <p:cNvSpPr/>
+          <p:nvPr/>
+        </p:nvSpPr>
+        <p:spPr>
+          <a:xfrm>
+            <a:off x="633077" y="125666"/>
+            <a:ext cx="2444900" cy="662554"/>
+          </a:xfrm>
+          <a:prstGeom prst="rect">
+            <a:avLst/>
+          </a:prstGeom>
+        </p:spPr>
+        <p:txBody>
+          <a:bodyPr wrap="none">
+            <a:spAutoFit/>
+          </a:bodyPr>
+          <a:lstStyle/>
+          <a:p>
+            <a:pPr>
+              <a:lnSpc>
+                <a:spcPct val="150000"/>
+              </a:lnSpc>
+            </a:pPr>
+            <a:r>
+              <a:rPr lang="en-US" altLang="zh-CN" sz="2800" dirty="0">
+                <a:solidFill>
+                  <a:srgbClr val="157E9F"/>
+                </a:solidFill>
+                <a:latin typeface="方正清刻本悦宋简体" panose="02000000000000000000" pitchFamily="2" charset="-122"/>
+                <a:ea typeface="方正清刻本悦宋简体" panose="02000000000000000000" pitchFamily="2" charset="-122"/>
+              </a:rPr>
+              <a:t> </a:t>
+            </a:r>
+            <a:r>
+              <a:rPr lang="zh-CN" altLang="en-US" sz="2800" dirty="0">
+                <a:solidFill>
+                  <a:srgbClr val="157E9F"/>
+                </a:solidFill>
+                <a:latin typeface="方正清刻本悦宋简体" panose="02000000000000000000" pitchFamily="2" charset="-122"/>
+                <a:ea typeface="方正清刻本悦宋简体" panose="02000000000000000000" pitchFamily="2" charset="-122"/>
+              </a:rPr>
+              <a:t>已完成的工作</a:t>
+            </a:r>
+            <a:endParaRPr lang="en-US" altLang="zh-CN" sz="2800" dirty="0">
+              <a:solidFill>
+                <a:srgbClr val="157E9F"/>
+              </a:solidFill>
+              <a:latin typeface="方正清刻本悦宋简体" panose="02000000000000000000" pitchFamily="2" charset="-122"/>
+              <a:ea typeface="方正清刻本悦宋简体" panose="02000000000000000000" pitchFamily="2" charset="-122"/>
+            </a:endParaRPr>
+          </a:p>
+        </p:txBody>
+      </p:sp>
+      <p:sp>
+        <p:nvSpPr>
+          <p:cNvPr id="35" name="圆角矩形 34"/>
+          <p:cNvSpPr/>
+          <p:nvPr/>
+        </p:nvSpPr>
+        <p:spPr>
+          <a:xfrm rot="10800000" flipV="1">
+            <a:off x="824852" y="963311"/>
+            <a:ext cx="1299872" cy="491115"/>
+          </a:xfrm>
+          <a:prstGeom prst="roundRect">
+            <a:avLst>
+              <a:gd name="adj" fmla="val 5039"/>
+            </a:avLst>
+          </a:prstGeom>
+          <a:solidFill>
+            <a:srgbClr val="157E9F"/>
+          </a:solidFill>
+          <a:ln>
+            <a:noFill/>
+          </a:ln>
+          <a:effectLst>
+            <a:outerShdw blurRad="50800" dist="38100" dir="5400000" algn="t" rotWithShape="0">
+              <a:prstClr val="black">
+                <a:alpha val="40000"/>
+              </a:prstClr>
+            </a:outerShdw>
+          </a:effectLst>
+        </p:spPr>
+        <p:style>
+          <a:lnRef idx="2">
+            <a:schemeClr val="accent1">
+              <a:shade val="50000"/>
+            </a:schemeClr>
+          </a:lnRef>
+          <a:fillRef idx="1">
+            <a:schemeClr val="accent1"/>
+          </a:fillRef>
+          <a:effectRef idx="0">
+            <a:schemeClr val="accent1"/>
+          </a:effectRef>
+          <a:fontRef idx="minor">
+            <a:schemeClr val="lt1"/>
+          </a:fontRef>
+        </p:style>
+        <p:txBody>
+          <a:bodyPr lIns="91436" tIns="45718" rIns="91436" bIns="45718" rtlCol="0" anchor="ctr"/>
+          <a:lstStyle/>
+          <a:p>
+            <a:pPr algn="ctr"/>
+            <a:r>
+              <a:rPr lang="en-US" altLang="zh-CN" sz="2400" dirty="0">
+                <a:latin typeface="方正清刻本悦宋简体" panose="02000000000000000000" pitchFamily="2" charset="-122"/>
+                <a:ea typeface="方正清刻本悦宋简体" panose="02000000000000000000" pitchFamily="2" charset="-122"/>
+              </a:rPr>
+              <a:t>4</a:t>
+            </a:r>
+            <a:endParaRPr lang="zh-CN" altLang="en-US" sz="2400" dirty="0">
+              <a:latin typeface="方正清刻本悦宋简体" panose="02000000000000000000" pitchFamily="2" charset="-122"/>
+              <a:ea typeface="方正清刻本悦宋简体" panose="02000000000000000000" pitchFamily="2" charset="-122"/>
+            </a:endParaRPr>
+          </a:p>
+        </p:txBody>
+      </p:sp>
+      <p:sp>
+        <p:nvSpPr>
+          <p:cNvPr id="24" name="文本框 23">
+            <a:extLst>
+              <a:ext uri="{FF2B5EF4-FFF2-40B4-BE49-F238E27FC236}">
+                <a16:creationId xmlns:a16="http://schemas.microsoft.com/office/drawing/2014/main" id="{4BD851DA-3CC3-4FAA-9C50-B9558AE2E9DB}"/>
+              </a:ext>
+            </a:extLst>
+          </p:cNvPr>
+          <p:cNvSpPr txBox="1"/>
+          <p:nvPr/>
+        </p:nvSpPr>
+        <p:spPr>
+          <a:xfrm>
+            <a:off x="2314021" y="1003246"/>
+            <a:ext cx="3262423" cy="400105"/>
+          </a:xfrm>
+          <a:prstGeom prst="rect">
+            <a:avLst/>
+          </a:prstGeom>
+          <a:noFill/>
+        </p:spPr>
+        <p:txBody>
+          <a:bodyPr wrap="none" lIns="91436" tIns="45718" rIns="91436" bIns="45718" rtlCol="0">
+            <a:spAutoFit/>
+          </a:bodyPr>
+          <a:lstStyle/>
+          <a:p>
+            <a:r>
+              <a:rPr lang="zh-CN" altLang="en-US" sz="2000" dirty="0">
+                <a:solidFill>
+                  <a:schemeClr val="tx1">
+                    <a:lumMod val="75000"/>
+                    <a:lumOff val="25000"/>
+                  </a:schemeClr>
+                </a:solidFill>
+                <a:latin typeface="Segoe UI Semilight" panose="020B0402040204020203" pitchFamily="34" charset="0"/>
+                <a:ea typeface="微软雅黑" pitchFamily="34" charset="-122"/>
+                <a:cs typeface="Segoe UI Semilight" panose="020B0402040204020203" pitchFamily="34" charset="0"/>
+              </a:rPr>
+              <a:t>油型气涌出危险性评价软件</a:t>
+            </a:r>
+          </a:p>
+        </p:txBody>
+      </p:sp>
+      <p:grpSp>
+        <p:nvGrpSpPr>
+          <p:cNvPr id="2" name="组合 1">
+            <a:extLst>
+              <a:ext uri="{FF2B5EF4-FFF2-40B4-BE49-F238E27FC236}">
+                <a16:creationId xmlns:a16="http://schemas.microsoft.com/office/drawing/2014/main" id="{143BA35B-E66B-4AC4-B5FC-5477E4564BE9}"/>
+              </a:ext>
+            </a:extLst>
+          </p:cNvPr>
+          <p:cNvGrpSpPr/>
+          <p:nvPr/>
+        </p:nvGrpSpPr>
+        <p:grpSpPr>
+          <a:xfrm>
+            <a:off x="1468120" y="1785302"/>
+            <a:ext cx="3959860" cy="2906395"/>
+            <a:chOff x="1468120" y="1785302"/>
+            <a:chExt cx="3959860" cy="2906395"/>
+          </a:xfrm>
+        </p:grpSpPr>
+        <p:pic>
+          <p:nvPicPr>
+            <p:cNvPr id="11" name="图片 10">
+              <a:extLst>
+                <a:ext uri="{FF2B5EF4-FFF2-40B4-BE49-F238E27FC236}">
+                  <a16:creationId xmlns:a16="http://schemas.microsoft.com/office/drawing/2014/main" id="{EC094EDC-7EA1-44A5-B39E-6165BD3E8B6B}"/>
+                </a:ext>
+              </a:extLst>
+            </p:cNvPr>
+            <p:cNvPicPr/>
+            <p:nvPr/>
+          </p:nvPicPr>
+          <p:blipFill>
+            <a:blip r:embed="rId3"/>
+            <a:stretch>
+              <a:fillRect/>
+            </a:stretch>
+          </p:blipFill>
+          <p:spPr>
+            <a:xfrm>
+              <a:off x="1468120" y="1785302"/>
+              <a:ext cx="3959860" cy="2906395"/>
+            </a:xfrm>
+            <a:prstGeom prst="rect">
+              <a:avLst/>
+            </a:prstGeom>
+          </p:spPr>
+        </p:pic>
+        <p:pic>
+          <p:nvPicPr>
+            <p:cNvPr id="12" name="图片 11">
+              <a:extLst>
+                <a:ext uri="{FF2B5EF4-FFF2-40B4-BE49-F238E27FC236}">
+                  <a16:creationId xmlns:a16="http://schemas.microsoft.com/office/drawing/2014/main" id="{49F8C166-4493-4E61-A5BC-412A564CF7CB}"/>
+                </a:ext>
+              </a:extLst>
+            </p:cNvPr>
+            <p:cNvPicPr>
+              <a:picLocks noChangeAspect="1"/>
+            </p:cNvPicPr>
+            <p:nvPr/>
+          </p:nvPicPr>
+          <p:blipFill>
+            <a:blip r:embed="rId4"/>
+            <a:stretch>
+              <a:fillRect/>
+            </a:stretch>
+          </p:blipFill>
+          <p:spPr>
+            <a:xfrm>
+              <a:off x="2707283" y="2717334"/>
+              <a:ext cx="2712005" cy="1078906"/>
+            </a:xfrm>
+            <a:prstGeom prst="rect">
+              <a:avLst/>
+            </a:prstGeom>
+          </p:spPr>
+        </p:pic>
+        <p:pic>
+          <p:nvPicPr>
+            <p:cNvPr id="13" name="图片 12">
+              <a:extLst>
+                <a:ext uri="{FF2B5EF4-FFF2-40B4-BE49-F238E27FC236}">
+                  <a16:creationId xmlns:a16="http://schemas.microsoft.com/office/drawing/2014/main" id="{0A1DF23A-8B2A-41B5-8E55-F0DB7DF25EDE}"/>
+                </a:ext>
+              </a:extLst>
+            </p:cNvPr>
+            <p:cNvPicPr>
+              <a:picLocks noChangeAspect="1"/>
+            </p:cNvPicPr>
+            <p:nvPr/>
+          </p:nvPicPr>
+          <p:blipFill>
+            <a:blip r:embed="rId5"/>
+            <a:stretch>
+              <a:fillRect/>
+            </a:stretch>
+          </p:blipFill>
+          <p:spPr>
+            <a:xfrm>
+              <a:off x="1482620" y="1831771"/>
+              <a:ext cx="242147" cy="209551"/>
+            </a:xfrm>
+            <a:prstGeom prst="rect">
+              <a:avLst/>
+            </a:prstGeom>
+          </p:spPr>
+        </p:pic>
+      </p:grpSp>
+    </p:spTree>
+    <p:extLst>
+      <p:ext uri="{BB962C8B-B14F-4D97-AF65-F5344CB8AC3E}">
+        <p14:creationId xmlns:p14="http://schemas.microsoft.com/office/powerpoint/2010/main" val="1242043453"/>
+      </p:ext>
+    </p:extLst>
+  </p:cSld>
+  <p:clrMapOvr>
+    <a:masterClrMapping/>
+  </p:clrMapOvr>
+  <mc:AlternateContent xmlns:mc="http://schemas.openxmlformats.org/markup-compatibility/2006" xmlns:p14="http://schemas.microsoft.com/office/powerpoint/2010/main">
+    <mc:Choice Requires="p14">
+      <p:transition spd="med" p14:dur="700">
+        <p:fade/>
+      </p:transition>
+    </mc:Choice>
+    <mc:Fallback xmlns="">
+      <p:transition spd="med">
+        <p:fade/>
+      </p:transition>
+    </mc:Fallback>
+  </mc:AlternateContent>
+</p:sld>
+</file>
+
+<file path=ppt/slides/slide21.xml><?xml version="1.0" encoding="utf-8"?>
+<p:sld xmlns:a="http://schemas.openxmlformats.org/drawingml/2006/main" xmlns:r="http://schemas.openxmlformats.org/officeDocument/2006/relationships" xmlns:p="http://schemas.openxmlformats.org/presentationml/2006/main">
+  <p:cSld>
+    <p:spTree>
+      <p:nvGrpSpPr>
+        <p:cNvPr id="1" name=""/>
+        <p:cNvGrpSpPr/>
+        <p:nvPr/>
+      </p:nvGrpSpPr>
+      <p:grpSpPr>
+        <a:xfrm>
+          <a:off x="0" y="0"/>
+          <a:ext cx="0" cy="0"/>
+          <a:chOff x="0" y="0"/>
+          <a:chExt cx="0" cy="0"/>
+        </a:xfrm>
+      </p:grpSpPr>
+      <p:sp>
+        <p:nvSpPr>
+          <p:cNvPr id="17" name="矩形 16"/>
+          <p:cNvSpPr/>
+          <p:nvPr/>
+        </p:nvSpPr>
+        <p:spPr>
+          <a:xfrm>
+            <a:off x="3473651" y="252859"/>
+            <a:ext cx="8718351" cy="484285"/>
+          </a:xfrm>
+          <a:prstGeom prst="rect">
+            <a:avLst/>
+          </a:prstGeom>
+          <a:gradFill>
+            <a:gsLst>
+              <a:gs pos="0">
+                <a:schemeClr val="accent1">
+                  <a:lumMod val="5000"/>
+                  <a:lumOff val="95000"/>
+                  <a:alpha val="0"/>
+                </a:schemeClr>
+              </a:gs>
+              <a:gs pos="78000">
+                <a:srgbClr val="157E9F"/>
+              </a:gs>
+            </a:gsLst>
+            <a:lin ang="10800000" scaled="0"/>
+          </a:gradFill>
+          <a:ln>
+            <a:noFill/>
+          </a:ln>
+          <a:effectLst>
+            <a:outerShdw blurRad="393700" dist="76200" dir="5820000" sx="99000" sy="99000" algn="t" rotWithShape="0">
+              <a:prstClr val="black">
+                <a:alpha val="50000"/>
+              </a:prstClr>
+            </a:outerShdw>
+          </a:effectLst>
+        </p:spPr>
+        <p:style>
+          <a:lnRef idx="2">
+            <a:schemeClr val="accent1">
+              <a:shade val="50000"/>
+            </a:schemeClr>
+          </a:lnRef>
+          <a:fillRef idx="1">
+            <a:schemeClr val="accent1"/>
+          </a:fillRef>
+          <a:effectRef idx="0">
+            <a:schemeClr val="accent1"/>
+          </a:effectRef>
+          <a:fontRef idx="minor">
+            <a:schemeClr val="lt1"/>
+          </a:fontRef>
+        </p:style>
+        <p:txBody>
+          <a:bodyPr lIns="91436" tIns="45718" rIns="91436" bIns="45718" rtlCol="0" anchor="ctr"/>
+          <a:lstStyle/>
+          <a:p>
+            <a:pPr algn="ctr"/>
+            <a:endParaRPr lang="zh-CN" altLang="en-US"/>
+          </a:p>
+        </p:txBody>
+      </p:sp>
+      <p:sp>
+        <p:nvSpPr>
+          <p:cNvPr id="18" name="圆角矩形 17"/>
+          <p:cNvSpPr/>
+          <p:nvPr/>
+        </p:nvSpPr>
+        <p:spPr>
+          <a:xfrm rot="10800000" flipV="1">
+            <a:off x="-5664" y="249441"/>
+            <a:ext cx="484287" cy="491115"/>
+          </a:xfrm>
+          <a:prstGeom prst="roundRect">
+            <a:avLst>
+              <a:gd name="adj" fmla="val 5039"/>
+            </a:avLst>
+          </a:prstGeom>
+          <a:solidFill>
+            <a:srgbClr val="157E9F"/>
+          </a:solidFill>
+          <a:ln>
+            <a:noFill/>
+          </a:ln>
+          <a:effectLst>
+            <a:outerShdw blurRad="50800" dist="38100" dir="5400000" algn="t" rotWithShape="0">
+              <a:prstClr val="black">
+                <a:alpha val="40000"/>
+              </a:prstClr>
+            </a:outerShdw>
+          </a:effectLst>
+        </p:spPr>
+        <p:style>
+          <a:lnRef idx="2">
+            <a:schemeClr val="accent1">
+              <a:shade val="50000"/>
+            </a:schemeClr>
+          </a:lnRef>
+          <a:fillRef idx="1">
+            <a:schemeClr val="accent1"/>
+          </a:fillRef>
+          <a:effectRef idx="0">
+            <a:schemeClr val="accent1"/>
+          </a:effectRef>
+          <a:fontRef idx="minor">
+            <a:schemeClr val="lt1"/>
+          </a:fontRef>
+        </p:style>
+        <p:txBody>
+          <a:bodyPr lIns="91436" tIns="45718" rIns="91436" bIns="45718" rtlCol="0" anchor="ctr"/>
+          <a:lstStyle/>
+          <a:p>
+            <a:pPr algn="ctr"/>
+            <a:r>
+              <a:rPr lang="en-US" altLang="zh-CN" sz="3600" dirty="0"/>
+              <a:t>4</a:t>
+            </a:r>
+            <a:endParaRPr lang="zh-CN" altLang="en-US" sz="3600" dirty="0"/>
+          </a:p>
+        </p:txBody>
+      </p:sp>
+      <p:sp>
+        <p:nvSpPr>
+          <p:cNvPr id="19" name="矩形 18"/>
+          <p:cNvSpPr/>
+          <p:nvPr/>
+        </p:nvSpPr>
+        <p:spPr>
+          <a:xfrm>
+            <a:off x="3966736" y="310334"/>
+            <a:ext cx="2032921" cy="369328"/>
+          </a:xfrm>
+          <a:prstGeom prst="rect">
+            <a:avLst/>
+          </a:prstGeom>
+        </p:spPr>
+        <p:txBody>
+          <a:bodyPr wrap="none" lIns="91436" tIns="45718" rIns="91436" bIns="45718">
+            <a:spAutoFit/>
+          </a:bodyPr>
+          <a:lstStyle/>
+          <a:p>
+            <a:pPr algn="ctr"/>
+            <a:r>
+              <a:rPr lang="en-US" altLang="zh-CN" dirty="0">
+                <a:solidFill>
+                  <a:schemeClr val="bg1"/>
+                </a:solidFill>
+                <a:latin typeface="微软雅黑" pitchFamily="34" charset="-122"/>
+                <a:ea typeface="微软雅黑" pitchFamily="34" charset="-122"/>
+              </a:rPr>
+              <a:t>FINISHED WORK</a:t>
+            </a:r>
+          </a:p>
+        </p:txBody>
+      </p:sp>
+      <p:sp>
+        <p:nvSpPr>
+          <p:cNvPr id="20" name="圆角矩形 19"/>
+          <p:cNvSpPr/>
+          <p:nvPr/>
+        </p:nvSpPr>
+        <p:spPr>
+          <a:xfrm rot="16200000" flipV="1">
+            <a:off x="11457520" y="249444"/>
+            <a:ext cx="484287" cy="491115"/>
+          </a:xfrm>
+          <a:prstGeom prst="roundRect">
+            <a:avLst>
+              <a:gd name="adj" fmla="val 5039"/>
+            </a:avLst>
+          </a:prstGeom>
+          <a:solidFill>
+            <a:srgbClr val="157E9F"/>
+          </a:solidFill>
+          <a:ln>
+            <a:noFill/>
+          </a:ln>
+          <a:effectLst>
+            <a:outerShdw blurRad="50800" dist="38100" dir="5400000" algn="t" rotWithShape="0">
+              <a:prstClr val="black">
+                <a:alpha val="40000"/>
+              </a:prstClr>
+            </a:outerShdw>
+          </a:effectLst>
+        </p:spPr>
+        <p:style>
+          <a:lnRef idx="2">
+            <a:schemeClr val="accent1">
+              <a:shade val="50000"/>
+            </a:schemeClr>
+          </a:lnRef>
+          <a:fillRef idx="1">
+            <a:schemeClr val="accent1"/>
+          </a:fillRef>
+          <a:effectRef idx="0">
+            <a:schemeClr val="accent1"/>
+          </a:effectRef>
+          <a:fontRef idx="minor">
+            <a:schemeClr val="lt1"/>
+          </a:fontRef>
+        </p:style>
+        <p:txBody>
+          <a:bodyPr rtlCol="0" anchor="ctr"/>
+          <a:lstStyle/>
+          <a:p>
+            <a:pPr algn="ctr"/>
+            <a:endParaRPr lang="zh-CN" altLang="en-US"/>
+          </a:p>
+        </p:txBody>
+      </p:sp>
+      <p:sp>
+        <p:nvSpPr>
+          <p:cNvPr id="21" name="Freeform 96"/>
+          <p:cNvSpPr/>
+          <p:nvPr/>
+        </p:nvSpPr>
+        <p:spPr bwMode="auto">
+          <a:xfrm>
+            <a:off x="11559368" y="359659"/>
+            <a:ext cx="280590" cy="270687"/>
+          </a:xfrm>
+          <a:custGeom>
+            <a:avLst/>
+            <a:gdLst>
+              <a:gd name="T0" fmla="*/ 184 w 216"/>
+              <a:gd name="T1" fmla="*/ 0 h 208"/>
+              <a:gd name="T2" fmla="*/ 152 w 216"/>
+              <a:gd name="T3" fmla="*/ 32 h 208"/>
+              <a:gd name="T4" fmla="*/ 154 w 216"/>
+              <a:gd name="T5" fmla="*/ 41 h 208"/>
+              <a:gd name="T6" fmla="*/ 60 w 216"/>
+              <a:gd name="T7" fmla="*/ 80 h 208"/>
+              <a:gd name="T8" fmla="*/ 32 w 216"/>
+              <a:gd name="T9" fmla="*/ 64 h 208"/>
+              <a:gd name="T10" fmla="*/ 0 w 216"/>
+              <a:gd name="T11" fmla="*/ 96 h 208"/>
+              <a:gd name="T12" fmla="*/ 32 w 216"/>
+              <a:gd name="T13" fmla="*/ 128 h 208"/>
+              <a:gd name="T14" fmla="*/ 56 w 216"/>
+              <a:gd name="T15" fmla="*/ 118 h 208"/>
+              <a:gd name="T16" fmla="*/ 116 w 216"/>
+              <a:gd name="T17" fmla="*/ 161 h 208"/>
+              <a:gd name="T18" fmla="*/ 112 w 216"/>
+              <a:gd name="T19" fmla="*/ 176 h 208"/>
+              <a:gd name="T20" fmla="*/ 144 w 216"/>
+              <a:gd name="T21" fmla="*/ 208 h 208"/>
+              <a:gd name="T22" fmla="*/ 176 w 216"/>
+              <a:gd name="T23" fmla="*/ 176 h 208"/>
+              <a:gd name="T24" fmla="*/ 144 w 216"/>
+              <a:gd name="T25" fmla="*/ 144 h 208"/>
+              <a:gd name="T26" fmla="*/ 121 w 216"/>
+              <a:gd name="T27" fmla="*/ 154 h 208"/>
+              <a:gd name="T28" fmla="*/ 61 w 216"/>
+              <a:gd name="T29" fmla="*/ 111 h 208"/>
+              <a:gd name="T30" fmla="*/ 64 w 216"/>
+              <a:gd name="T31" fmla="*/ 96 h 208"/>
+              <a:gd name="T32" fmla="*/ 63 w 216"/>
+              <a:gd name="T33" fmla="*/ 87 h 208"/>
+              <a:gd name="T34" fmla="*/ 157 w 216"/>
+              <a:gd name="T35" fmla="*/ 48 h 208"/>
+              <a:gd name="T36" fmla="*/ 184 w 216"/>
+              <a:gd name="T37" fmla="*/ 64 h 208"/>
+              <a:gd name="T38" fmla="*/ 216 w 216"/>
+              <a:gd name="T39" fmla="*/ 32 h 208"/>
+              <a:gd name="T40" fmla="*/ 184 w 216"/>
+              <a:gd name="T41" fmla="*/ 0 h 208"/>
+            </a:gdLst>
+            <a:ahLst/>
+            <a:cxnLst>
+              <a:cxn ang="0">
+                <a:pos x="T0" y="T1"/>
+              </a:cxn>
+              <a:cxn ang="0">
+                <a:pos x="T2" y="T3"/>
+              </a:cxn>
+              <a:cxn ang="0">
+                <a:pos x="T4" y="T5"/>
+              </a:cxn>
+              <a:cxn ang="0">
+                <a:pos x="T6" y="T7"/>
+              </a:cxn>
+              <a:cxn ang="0">
+                <a:pos x="T8" y="T9"/>
+              </a:cxn>
+              <a:cxn ang="0">
+                <a:pos x="T10" y="T11"/>
+              </a:cxn>
+              <a:cxn ang="0">
+                <a:pos x="T12" y="T13"/>
+              </a:cxn>
+              <a:cxn ang="0">
+                <a:pos x="T14" y="T15"/>
+              </a:cxn>
+              <a:cxn ang="0">
+                <a:pos x="T16" y="T17"/>
+              </a:cxn>
+              <a:cxn ang="0">
+                <a:pos x="T18" y="T19"/>
+              </a:cxn>
+              <a:cxn ang="0">
+                <a:pos x="T20" y="T21"/>
+              </a:cxn>
+              <a:cxn ang="0">
+                <a:pos x="T22" y="T23"/>
+              </a:cxn>
+              <a:cxn ang="0">
+                <a:pos x="T24" y="T25"/>
+              </a:cxn>
+              <a:cxn ang="0">
+                <a:pos x="T26" y="T27"/>
+              </a:cxn>
+              <a:cxn ang="0">
+                <a:pos x="T28" y="T29"/>
+              </a:cxn>
+              <a:cxn ang="0">
+                <a:pos x="T30" y="T31"/>
+              </a:cxn>
+              <a:cxn ang="0">
+                <a:pos x="T32" y="T33"/>
+              </a:cxn>
+              <a:cxn ang="0">
+                <a:pos x="T34" y="T35"/>
+              </a:cxn>
+              <a:cxn ang="0">
+                <a:pos x="T36" y="T37"/>
+              </a:cxn>
+              <a:cxn ang="0">
+                <a:pos x="T38" y="T39"/>
+              </a:cxn>
+              <a:cxn ang="0">
+                <a:pos x="T40" y="T41"/>
+              </a:cxn>
+            </a:cxnLst>
+            <a:rect l="0" t="0" r="r" b="b"/>
+            <a:pathLst>
+              <a:path w="216" h="208">
+                <a:moveTo>
+                  <a:pt x="184" y="0"/>
+                </a:moveTo>
+                <a:cubicBezTo>
+                  <a:pt x="167" y="0"/>
+                  <a:pt x="152" y="14"/>
+                  <a:pt x="152" y="32"/>
+                </a:cubicBezTo>
+                <a:cubicBezTo>
+                  <a:pt x="152" y="35"/>
+                  <a:pt x="153" y="38"/>
+                  <a:pt x="154" y="41"/>
+                </a:cubicBezTo>
+                <a:cubicBezTo>
+                  <a:pt x="60" y="80"/>
+                  <a:pt x="60" y="80"/>
+                  <a:pt x="60" y="80"/>
+                </a:cubicBezTo>
+                <a:cubicBezTo>
+                  <a:pt x="55" y="70"/>
+                  <a:pt x="44" y="64"/>
+                  <a:pt x="32" y="64"/>
+                </a:cubicBezTo>
+                <a:cubicBezTo>
+                  <a:pt x="15" y="64"/>
+                  <a:pt x="0" y="78"/>
+                  <a:pt x="0" y="96"/>
+                </a:cubicBezTo>
+                <a:cubicBezTo>
+                  <a:pt x="0" y="113"/>
+                  <a:pt x="15" y="128"/>
+                  <a:pt x="32" y="128"/>
+                </a:cubicBezTo>
+                <a:cubicBezTo>
+                  <a:pt x="42" y="128"/>
+                  <a:pt x="50" y="124"/>
+                  <a:pt x="56" y="118"/>
+                </a:cubicBezTo>
+                <a:cubicBezTo>
+                  <a:pt x="116" y="161"/>
+                  <a:pt x="116" y="161"/>
+                  <a:pt x="116" y="161"/>
+                </a:cubicBezTo>
+                <a:cubicBezTo>
+                  <a:pt x="114" y="165"/>
+                  <a:pt x="112" y="170"/>
+                  <a:pt x="112" y="176"/>
+                </a:cubicBezTo>
+                <a:cubicBezTo>
+                  <a:pt x="112" y="193"/>
+                  <a:pt x="127" y="208"/>
+                  <a:pt x="144" y="208"/>
+                </a:cubicBezTo>
+                <a:cubicBezTo>
+                  <a:pt x="162" y="208"/>
+                  <a:pt x="176" y="193"/>
+                  <a:pt x="176" y="176"/>
+                </a:cubicBezTo>
+                <a:cubicBezTo>
+                  <a:pt x="176" y="158"/>
+                  <a:pt x="162" y="144"/>
+                  <a:pt x="144" y="144"/>
+                </a:cubicBezTo>
+                <a:cubicBezTo>
+                  <a:pt x="135" y="144"/>
+                  <a:pt x="127" y="148"/>
+                  <a:pt x="121" y="154"/>
+                </a:cubicBezTo>
+                <a:cubicBezTo>
+                  <a:pt x="61" y="111"/>
+                  <a:pt x="61" y="111"/>
+                  <a:pt x="61" y="111"/>
+                </a:cubicBezTo>
+                <a:cubicBezTo>
+                  <a:pt x="63" y="107"/>
+                  <a:pt x="64" y="101"/>
+                  <a:pt x="64" y="96"/>
+                </a:cubicBezTo>
+                <a:cubicBezTo>
+                  <a:pt x="64" y="93"/>
+                  <a:pt x="64" y="90"/>
+                  <a:pt x="63" y="87"/>
+                </a:cubicBezTo>
+                <a:cubicBezTo>
+                  <a:pt x="157" y="48"/>
+                  <a:pt x="157" y="48"/>
+                  <a:pt x="157" y="48"/>
+                </a:cubicBezTo>
+                <a:cubicBezTo>
+                  <a:pt x="162" y="57"/>
+                  <a:pt x="173" y="64"/>
+                  <a:pt x="184" y="64"/>
+                </a:cubicBezTo>
+                <a:cubicBezTo>
+                  <a:pt x="202" y="64"/>
+                  <a:pt x="216" y="49"/>
+                  <a:pt x="216" y="32"/>
+                </a:cubicBezTo>
+                <a:cubicBezTo>
+                  <a:pt x="216" y="14"/>
+                  <a:pt x="202" y="0"/>
+                  <a:pt x="184" y="0"/>
+                </a:cubicBezTo>
+                <a:close/>
+              </a:path>
+            </a:pathLst>
+          </a:custGeom>
+          <a:solidFill>
+            <a:schemeClr val="bg1"/>
+          </a:solidFill>
+          <a:ln>
+            <a:noFill/>
+          </a:ln>
+        </p:spPr>
+        <p:txBody>
+          <a:bodyPr vert="horz" wrap="square" lIns="91440" tIns="45720" rIns="91440" bIns="45720" numCol="1" anchor="t" anchorCtr="0" compatLnSpc="1"/>
+          <a:lstStyle/>
+          <a:p>
+            <a:endParaRPr lang="zh-CN" altLang="en-US">
+              <a:solidFill>
+                <a:srgbClr val="AD1C21"/>
+              </a:solidFill>
+            </a:endParaRPr>
+          </a:p>
+        </p:txBody>
+      </p:sp>
+      <p:sp>
+        <p:nvSpPr>
+          <p:cNvPr id="22" name="矩形 21"/>
+          <p:cNvSpPr/>
+          <p:nvPr/>
+        </p:nvSpPr>
+        <p:spPr>
+          <a:xfrm>
+            <a:off x="633077" y="125666"/>
+            <a:ext cx="2444900" cy="662554"/>
+          </a:xfrm>
+          <a:prstGeom prst="rect">
+            <a:avLst/>
+          </a:prstGeom>
+        </p:spPr>
+        <p:txBody>
+          <a:bodyPr wrap="none">
+            <a:spAutoFit/>
+          </a:bodyPr>
+          <a:lstStyle/>
+          <a:p>
+            <a:pPr>
+              <a:lnSpc>
+                <a:spcPct val="150000"/>
+              </a:lnSpc>
+            </a:pPr>
+            <a:r>
+              <a:rPr lang="en-US" altLang="zh-CN" sz="2800" dirty="0">
+                <a:solidFill>
+                  <a:srgbClr val="157E9F"/>
+                </a:solidFill>
+                <a:latin typeface="方正清刻本悦宋简体" panose="02000000000000000000" pitchFamily="2" charset="-122"/>
+                <a:ea typeface="方正清刻本悦宋简体" panose="02000000000000000000" pitchFamily="2" charset="-122"/>
+              </a:rPr>
+              <a:t> </a:t>
+            </a:r>
+            <a:r>
+              <a:rPr lang="zh-CN" altLang="en-US" sz="2800" dirty="0">
+                <a:solidFill>
+                  <a:srgbClr val="157E9F"/>
+                </a:solidFill>
+                <a:latin typeface="方正清刻本悦宋简体" panose="02000000000000000000" pitchFamily="2" charset="-122"/>
+                <a:ea typeface="方正清刻本悦宋简体" panose="02000000000000000000" pitchFamily="2" charset="-122"/>
+              </a:rPr>
+              <a:t>已完成的工作</a:t>
+            </a:r>
+            <a:endParaRPr lang="en-US" altLang="zh-CN" sz="2800" dirty="0">
+              <a:solidFill>
+                <a:srgbClr val="157E9F"/>
+              </a:solidFill>
+              <a:latin typeface="方正清刻本悦宋简体" panose="02000000000000000000" pitchFamily="2" charset="-122"/>
+              <a:ea typeface="方正清刻本悦宋简体" panose="02000000000000000000" pitchFamily="2" charset="-122"/>
+            </a:endParaRPr>
+          </a:p>
+        </p:txBody>
+      </p:sp>
+      <p:sp>
+        <p:nvSpPr>
+          <p:cNvPr id="35" name="圆角矩形 34"/>
+          <p:cNvSpPr/>
+          <p:nvPr/>
+        </p:nvSpPr>
+        <p:spPr>
+          <a:xfrm rot="10800000" flipV="1">
+            <a:off x="824852" y="963311"/>
+            <a:ext cx="1299872" cy="491115"/>
+          </a:xfrm>
+          <a:prstGeom prst="roundRect">
+            <a:avLst>
+              <a:gd name="adj" fmla="val 5039"/>
+            </a:avLst>
+          </a:prstGeom>
+          <a:solidFill>
+            <a:srgbClr val="157E9F"/>
+          </a:solidFill>
+          <a:ln>
+            <a:noFill/>
+          </a:ln>
+          <a:effectLst>
+            <a:outerShdw blurRad="50800" dist="38100" dir="5400000" algn="t" rotWithShape="0">
+              <a:prstClr val="black">
+                <a:alpha val="40000"/>
+              </a:prstClr>
+            </a:outerShdw>
+          </a:effectLst>
+        </p:spPr>
+        <p:style>
+          <a:lnRef idx="2">
+            <a:schemeClr val="accent1">
+              <a:shade val="50000"/>
+            </a:schemeClr>
+          </a:lnRef>
+          <a:fillRef idx="1">
+            <a:schemeClr val="accent1"/>
+          </a:fillRef>
+          <a:effectRef idx="0">
+            <a:schemeClr val="accent1"/>
+          </a:effectRef>
+          <a:fontRef idx="minor">
+            <a:schemeClr val="lt1"/>
+          </a:fontRef>
+        </p:style>
+        <p:txBody>
+          <a:bodyPr lIns="91436" tIns="45718" rIns="91436" bIns="45718" rtlCol="0" anchor="ctr"/>
+          <a:lstStyle/>
+          <a:p>
+            <a:pPr algn="ctr"/>
+            <a:r>
+              <a:rPr lang="en-US" altLang="zh-CN" sz="2400" dirty="0">
+                <a:latin typeface="方正清刻本悦宋简体" panose="02000000000000000000" pitchFamily="2" charset="-122"/>
+                <a:ea typeface="方正清刻本悦宋简体" panose="02000000000000000000" pitchFamily="2" charset="-122"/>
+              </a:rPr>
+              <a:t>4</a:t>
+            </a:r>
+            <a:endParaRPr lang="zh-CN" altLang="en-US" sz="2400" dirty="0">
+              <a:latin typeface="方正清刻本悦宋简体" panose="02000000000000000000" pitchFamily="2" charset="-122"/>
+              <a:ea typeface="方正清刻本悦宋简体" panose="02000000000000000000" pitchFamily="2" charset="-122"/>
+            </a:endParaRPr>
+          </a:p>
+        </p:txBody>
+      </p:sp>
+      <p:sp>
+        <p:nvSpPr>
+          <p:cNvPr id="24" name="文本框 23">
+            <a:extLst>
+              <a:ext uri="{FF2B5EF4-FFF2-40B4-BE49-F238E27FC236}">
+                <a16:creationId xmlns:a16="http://schemas.microsoft.com/office/drawing/2014/main" id="{4BD851DA-3CC3-4FAA-9C50-B9558AE2E9DB}"/>
+              </a:ext>
+            </a:extLst>
+          </p:cNvPr>
+          <p:cNvSpPr txBox="1"/>
+          <p:nvPr/>
+        </p:nvSpPr>
+        <p:spPr>
+          <a:xfrm>
+            <a:off x="2314021" y="1003246"/>
+            <a:ext cx="3262423" cy="400105"/>
+          </a:xfrm>
+          <a:prstGeom prst="rect">
+            <a:avLst/>
+          </a:prstGeom>
+          <a:noFill/>
+        </p:spPr>
+        <p:txBody>
+          <a:bodyPr wrap="none" lIns="91436" tIns="45718" rIns="91436" bIns="45718" rtlCol="0">
+            <a:spAutoFit/>
+          </a:bodyPr>
+          <a:lstStyle/>
+          <a:p>
+            <a:r>
+              <a:rPr lang="zh-CN" altLang="en-US" sz="2000" dirty="0">
+                <a:solidFill>
+                  <a:schemeClr val="tx1">
+                    <a:lumMod val="75000"/>
+                    <a:lumOff val="25000"/>
+                  </a:schemeClr>
+                </a:solidFill>
+                <a:latin typeface="Segoe UI Semilight" panose="020B0402040204020203" pitchFamily="34" charset="0"/>
+                <a:ea typeface="微软雅黑" pitchFamily="34" charset="-122"/>
+                <a:cs typeface="Segoe UI Semilight" panose="020B0402040204020203" pitchFamily="34" charset="0"/>
+              </a:rPr>
+              <a:t>油型气涌出危险性评价软件</a:t>
+            </a:r>
+          </a:p>
+        </p:txBody>
+      </p:sp>
+      <p:grpSp>
+        <p:nvGrpSpPr>
+          <p:cNvPr id="2" name="组合 1">
+            <a:extLst>
+              <a:ext uri="{FF2B5EF4-FFF2-40B4-BE49-F238E27FC236}">
+                <a16:creationId xmlns:a16="http://schemas.microsoft.com/office/drawing/2014/main" id="{D19B802A-8AAE-44B4-823C-FC875795D9C1}"/>
+              </a:ext>
+            </a:extLst>
+          </p:cNvPr>
+          <p:cNvGrpSpPr/>
+          <p:nvPr/>
+        </p:nvGrpSpPr>
+        <p:grpSpPr>
+          <a:xfrm>
+            <a:off x="1036883" y="1873567"/>
+            <a:ext cx="3960000" cy="3040042"/>
+            <a:chOff x="1036883" y="1873567"/>
+            <a:chExt cx="3960000" cy="3040042"/>
+          </a:xfrm>
+        </p:grpSpPr>
+        <p:pic>
+          <p:nvPicPr>
+            <p:cNvPr id="11" name="图片 10">
+              <a:extLst>
+                <a:ext uri="{FF2B5EF4-FFF2-40B4-BE49-F238E27FC236}">
+                  <a16:creationId xmlns:a16="http://schemas.microsoft.com/office/drawing/2014/main" id="{47312B79-3379-474A-8B9A-F42263D323BA}"/>
+                </a:ext>
+              </a:extLst>
+            </p:cNvPr>
+            <p:cNvPicPr>
+              <a:picLocks noChangeAspect="1"/>
+            </p:cNvPicPr>
+            <p:nvPr/>
+          </p:nvPicPr>
+          <p:blipFill>
+            <a:blip r:embed="rId3"/>
+            <a:stretch>
+              <a:fillRect/>
+            </a:stretch>
+          </p:blipFill>
+          <p:spPr>
+            <a:xfrm>
+              <a:off x="1036883" y="1873567"/>
+              <a:ext cx="3960000" cy="3040042"/>
+            </a:xfrm>
+            <a:prstGeom prst="rect">
+              <a:avLst/>
+            </a:prstGeom>
+          </p:spPr>
+        </p:pic>
+        <p:pic>
+          <p:nvPicPr>
+            <p:cNvPr id="12" name="图片 11">
+              <a:extLst>
+                <a:ext uri="{FF2B5EF4-FFF2-40B4-BE49-F238E27FC236}">
+                  <a16:creationId xmlns:a16="http://schemas.microsoft.com/office/drawing/2014/main" id="{7103A1C1-DBC0-4ED1-A107-D7416EE62AEF}"/>
+                </a:ext>
+              </a:extLst>
+            </p:cNvPr>
+            <p:cNvPicPr>
+              <a:picLocks noChangeAspect="1"/>
+            </p:cNvPicPr>
+            <p:nvPr/>
+          </p:nvPicPr>
+          <p:blipFill>
+            <a:blip r:embed="rId4"/>
+            <a:stretch>
+              <a:fillRect/>
+            </a:stretch>
+          </p:blipFill>
+          <p:spPr>
+            <a:xfrm>
+              <a:off x="1071559" y="1924050"/>
+              <a:ext cx="242147" cy="209551"/>
+            </a:xfrm>
+            <a:prstGeom prst="rect">
+              <a:avLst/>
+            </a:prstGeom>
+          </p:spPr>
+        </p:pic>
+      </p:grpSp>
+    </p:spTree>
+    <p:extLst>
+      <p:ext uri="{BB962C8B-B14F-4D97-AF65-F5344CB8AC3E}">
+        <p14:creationId xmlns:p14="http://schemas.microsoft.com/office/powerpoint/2010/main" val="2102386850"/>
+      </p:ext>
+    </p:extLst>
+  </p:cSld>
+  <p:clrMapOvr>
+    <a:masterClrMapping/>
+  </p:clrMapOvr>
+  <mc:AlternateContent xmlns:mc="http://schemas.openxmlformats.org/markup-compatibility/2006" xmlns:p14="http://schemas.microsoft.com/office/powerpoint/2010/main">
+    <mc:Choice Requires="p14">
+      <p:transition spd="med" p14:dur="700">
+        <p:fade/>
+      </p:transition>
+    </mc:Choice>
+    <mc:Fallback xmlns="">
+      <p:transition spd="med">
+        <p:fade/>
+      </p:transition>
+    </mc:Fallback>
+  </mc:AlternateContent>
+</p:sld>
+</file>
+
+<file path=ppt/slides/slide22.xml><?xml version="1.0" encoding="utf-8"?>
+<p:sld xmlns:a="http://schemas.openxmlformats.org/drawingml/2006/main" xmlns:r="http://schemas.openxmlformats.org/officeDocument/2006/relationships" xmlns:p="http://schemas.openxmlformats.org/presentationml/2006/main">
+  <p:cSld>
+    <p:spTree>
+      <p:nvGrpSpPr>
+        <p:cNvPr id="1" name=""/>
+        <p:cNvGrpSpPr/>
+        <p:nvPr/>
+      </p:nvGrpSpPr>
+      <p:grpSpPr>
+        <a:xfrm>
+          <a:off x="0" y="0"/>
+          <a:ext cx="0" cy="0"/>
+          <a:chOff x="0" y="0"/>
+          <a:chExt cx="0" cy="0"/>
+        </a:xfrm>
+      </p:grpSpPr>
+      <p:sp>
+        <p:nvSpPr>
+          <p:cNvPr id="17" name="矩形 16"/>
+          <p:cNvSpPr/>
+          <p:nvPr/>
+        </p:nvSpPr>
+        <p:spPr>
+          <a:xfrm>
+            <a:off x="3473651" y="252859"/>
+            <a:ext cx="8718351" cy="484285"/>
+          </a:xfrm>
+          <a:prstGeom prst="rect">
+            <a:avLst/>
+          </a:prstGeom>
+          <a:gradFill>
+            <a:gsLst>
+              <a:gs pos="0">
+                <a:schemeClr val="accent1">
+                  <a:lumMod val="5000"/>
+                  <a:lumOff val="95000"/>
+                  <a:alpha val="0"/>
+                </a:schemeClr>
+              </a:gs>
+              <a:gs pos="78000">
+                <a:srgbClr val="157E9F"/>
+              </a:gs>
+            </a:gsLst>
+            <a:lin ang="10800000" scaled="0"/>
+          </a:gradFill>
+          <a:ln>
+            <a:noFill/>
+          </a:ln>
+          <a:effectLst>
+            <a:outerShdw blurRad="393700" dist="76200" dir="5820000" sx="99000" sy="99000" algn="t" rotWithShape="0">
+              <a:prstClr val="black">
+                <a:alpha val="50000"/>
+              </a:prstClr>
+            </a:outerShdw>
+          </a:effectLst>
+        </p:spPr>
+        <p:style>
+          <a:lnRef idx="2">
+            <a:schemeClr val="accent1">
+              <a:shade val="50000"/>
+            </a:schemeClr>
+          </a:lnRef>
+          <a:fillRef idx="1">
+            <a:schemeClr val="accent1"/>
+          </a:fillRef>
+          <a:effectRef idx="0">
+            <a:schemeClr val="accent1"/>
+          </a:effectRef>
+          <a:fontRef idx="minor">
+            <a:schemeClr val="lt1"/>
+          </a:fontRef>
+        </p:style>
+        <p:txBody>
+          <a:bodyPr lIns="91436" tIns="45718" rIns="91436" bIns="45718" rtlCol="0" anchor="ctr"/>
+          <a:lstStyle/>
+          <a:p>
+            <a:pPr algn="ctr"/>
+            <a:endParaRPr lang="zh-CN" altLang="en-US"/>
+          </a:p>
+        </p:txBody>
+      </p:sp>
+      <p:sp>
+        <p:nvSpPr>
+          <p:cNvPr id="18" name="圆角矩形 17"/>
+          <p:cNvSpPr/>
+          <p:nvPr/>
+        </p:nvSpPr>
+        <p:spPr>
+          <a:xfrm rot="10800000" flipV="1">
+            <a:off x="-5664" y="249441"/>
+            <a:ext cx="484287" cy="491115"/>
+          </a:xfrm>
+          <a:prstGeom prst="roundRect">
+            <a:avLst>
+              <a:gd name="adj" fmla="val 5039"/>
+            </a:avLst>
+          </a:prstGeom>
+          <a:solidFill>
+            <a:srgbClr val="157E9F"/>
+          </a:solidFill>
+          <a:ln>
+            <a:noFill/>
+          </a:ln>
+          <a:effectLst>
+            <a:outerShdw blurRad="50800" dist="38100" dir="5400000" algn="t" rotWithShape="0">
+              <a:prstClr val="black">
+                <a:alpha val="40000"/>
+              </a:prstClr>
+            </a:outerShdw>
+          </a:effectLst>
+        </p:spPr>
+        <p:style>
+          <a:lnRef idx="2">
+            <a:schemeClr val="accent1">
+              <a:shade val="50000"/>
+            </a:schemeClr>
+          </a:lnRef>
+          <a:fillRef idx="1">
+            <a:schemeClr val="accent1"/>
+          </a:fillRef>
+          <a:effectRef idx="0">
+            <a:schemeClr val="accent1"/>
+          </a:effectRef>
+          <a:fontRef idx="minor">
+            <a:schemeClr val="lt1"/>
+          </a:fontRef>
+        </p:style>
+        <p:txBody>
+          <a:bodyPr lIns="91436" tIns="45718" rIns="91436" bIns="45718" rtlCol="0" anchor="ctr"/>
+          <a:lstStyle/>
+          <a:p>
+            <a:pPr algn="ctr"/>
+            <a:r>
+              <a:rPr lang="en-US" altLang="zh-CN" sz="3600" dirty="0"/>
+              <a:t>4</a:t>
+            </a:r>
+            <a:endParaRPr lang="zh-CN" altLang="en-US" sz="3600" dirty="0"/>
+          </a:p>
+        </p:txBody>
+      </p:sp>
+      <p:sp>
+        <p:nvSpPr>
+          <p:cNvPr id="19" name="矩形 18"/>
+          <p:cNvSpPr/>
+          <p:nvPr/>
+        </p:nvSpPr>
+        <p:spPr>
+          <a:xfrm>
+            <a:off x="3966736" y="310334"/>
+            <a:ext cx="2032921" cy="369328"/>
+          </a:xfrm>
+          <a:prstGeom prst="rect">
+            <a:avLst/>
+          </a:prstGeom>
+        </p:spPr>
+        <p:txBody>
+          <a:bodyPr wrap="none" lIns="91436" tIns="45718" rIns="91436" bIns="45718">
+            <a:spAutoFit/>
+          </a:bodyPr>
+          <a:lstStyle/>
+          <a:p>
+            <a:pPr algn="ctr"/>
+            <a:r>
+              <a:rPr lang="en-US" altLang="zh-CN" dirty="0">
+                <a:solidFill>
+                  <a:schemeClr val="bg1"/>
+                </a:solidFill>
+                <a:latin typeface="微软雅黑" pitchFamily="34" charset="-122"/>
+                <a:ea typeface="微软雅黑" pitchFamily="34" charset="-122"/>
+              </a:rPr>
+              <a:t>FINISHED WORK</a:t>
+            </a:r>
+          </a:p>
+        </p:txBody>
+      </p:sp>
+      <p:sp>
+        <p:nvSpPr>
+          <p:cNvPr id="20" name="圆角矩形 19"/>
+          <p:cNvSpPr/>
+          <p:nvPr/>
+        </p:nvSpPr>
+        <p:spPr>
+          <a:xfrm rot="16200000" flipV="1">
+            <a:off x="11457520" y="249444"/>
+            <a:ext cx="484287" cy="491115"/>
+          </a:xfrm>
+          <a:prstGeom prst="roundRect">
+            <a:avLst>
+              <a:gd name="adj" fmla="val 5039"/>
+            </a:avLst>
+          </a:prstGeom>
+          <a:solidFill>
+            <a:srgbClr val="157E9F"/>
+          </a:solidFill>
+          <a:ln>
+            <a:noFill/>
+          </a:ln>
+          <a:effectLst>
+            <a:outerShdw blurRad="50800" dist="38100" dir="5400000" algn="t" rotWithShape="0">
+              <a:prstClr val="black">
+                <a:alpha val="40000"/>
+              </a:prstClr>
+            </a:outerShdw>
+          </a:effectLst>
+        </p:spPr>
+        <p:style>
+          <a:lnRef idx="2">
+            <a:schemeClr val="accent1">
+              <a:shade val="50000"/>
+            </a:schemeClr>
+          </a:lnRef>
+          <a:fillRef idx="1">
+            <a:schemeClr val="accent1"/>
+          </a:fillRef>
+          <a:effectRef idx="0">
+            <a:schemeClr val="accent1"/>
+          </a:effectRef>
+          <a:fontRef idx="minor">
+            <a:schemeClr val="lt1"/>
+          </a:fontRef>
+        </p:style>
+        <p:txBody>
+          <a:bodyPr rtlCol="0" anchor="ctr"/>
+          <a:lstStyle/>
+          <a:p>
+            <a:pPr algn="ctr"/>
+            <a:endParaRPr lang="zh-CN" altLang="en-US"/>
+          </a:p>
+        </p:txBody>
+      </p:sp>
+      <p:sp>
+        <p:nvSpPr>
+          <p:cNvPr id="21" name="Freeform 96"/>
+          <p:cNvSpPr/>
+          <p:nvPr/>
+        </p:nvSpPr>
+        <p:spPr bwMode="auto">
+          <a:xfrm>
+            <a:off x="11559368" y="359659"/>
+            <a:ext cx="280590" cy="270687"/>
+          </a:xfrm>
+          <a:custGeom>
+            <a:avLst/>
+            <a:gdLst>
+              <a:gd name="T0" fmla="*/ 184 w 216"/>
+              <a:gd name="T1" fmla="*/ 0 h 208"/>
+              <a:gd name="T2" fmla="*/ 152 w 216"/>
+              <a:gd name="T3" fmla="*/ 32 h 208"/>
+              <a:gd name="T4" fmla="*/ 154 w 216"/>
+              <a:gd name="T5" fmla="*/ 41 h 208"/>
+              <a:gd name="T6" fmla="*/ 60 w 216"/>
+              <a:gd name="T7" fmla="*/ 80 h 208"/>
+              <a:gd name="T8" fmla="*/ 32 w 216"/>
+              <a:gd name="T9" fmla="*/ 64 h 208"/>
+              <a:gd name="T10" fmla="*/ 0 w 216"/>
+              <a:gd name="T11" fmla="*/ 96 h 208"/>
+              <a:gd name="T12" fmla="*/ 32 w 216"/>
+              <a:gd name="T13" fmla="*/ 128 h 208"/>
+              <a:gd name="T14" fmla="*/ 56 w 216"/>
+              <a:gd name="T15" fmla="*/ 118 h 208"/>
+              <a:gd name="T16" fmla="*/ 116 w 216"/>
+              <a:gd name="T17" fmla="*/ 161 h 208"/>
+              <a:gd name="T18" fmla="*/ 112 w 216"/>
+              <a:gd name="T19" fmla="*/ 176 h 208"/>
+              <a:gd name="T20" fmla="*/ 144 w 216"/>
+              <a:gd name="T21" fmla="*/ 208 h 208"/>
+              <a:gd name="T22" fmla="*/ 176 w 216"/>
+              <a:gd name="T23" fmla="*/ 176 h 208"/>
+              <a:gd name="T24" fmla="*/ 144 w 216"/>
+              <a:gd name="T25" fmla="*/ 144 h 208"/>
+              <a:gd name="T26" fmla="*/ 121 w 216"/>
+              <a:gd name="T27" fmla="*/ 154 h 208"/>
+              <a:gd name="T28" fmla="*/ 61 w 216"/>
+              <a:gd name="T29" fmla="*/ 111 h 208"/>
+              <a:gd name="T30" fmla="*/ 64 w 216"/>
+              <a:gd name="T31" fmla="*/ 96 h 208"/>
+              <a:gd name="T32" fmla="*/ 63 w 216"/>
+              <a:gd name="T33" fmla="*/ 87 h 208"/>
+              <a:gd name="T34" fmla="*/ 157 w 216"/>
+              <a:gd name="T35" fmla="*/ 48 h 208"/>
+              <a:gd name="T36" fmla="*/ 184 w 216"/>
+              <a:gd name="T37" fmla="*/ 64 h 208"/>
+              <a:gd name="T38" fmla="*/ 216 w 216"/>
+              <a:gd name="T39" fmla="*/ 32 h 208"/>
+              <a:gd name="T40" fmla="*/ 184 w 216"/>
+              <a:gd name="T41" fmla="*/ 0 h 208"/>
+            </a:gdLst>
+            <a:ahLst/>
+            <a:cxnLst>
+              <a:cxn ang="0">
+                <a:pos x="T0" y="T1"/>
+              </a:cxn>
+              <a:cxn ang="0">
+                <a:pos x="T2" y="T3"/>
+              </a:cxn>
+              <a:cxn ang="0">
+                <a:pos x="T4" y="T5"/>
+              </a:cxn>
+              <a:cxn ang="0">
+                <a:pos x="T6" y="T7"/>
+              </a:cxn>
+              <a:cxn ang="0">
+                <a:pos x="T8" y="T9"/>
+              </a:cxn>
+              <a:cxn ang="0">
+                <a:pos x="T10" y="T11"/>
+              </a:cxn>
+              <a:cxn ang="0">
+                <a:pos x="T12" y="T13"/>
+              </a:cxn>
+              <a:cxn ang="0">
+                <a:pos x="T14" y="T15"/>
+              </a:cxn>
+              <a:cxn ang="0">
+                <a:pos x="T16" y="T17"/>
+              </a:cxn>
+              <a:cxn ang="0">
+                <a:pos x="T18" y="T19"/>
+              </a:cxn>
+              <a:cxn ang="0">
+                <a:pos x="T20" y="T21"/>
+              </a:cxn>
+              <a:cxn ang="0">
+                <a:pos x="T22" y="T23"/>
+              </a:cxn>
+              <a:cxn ang="0">
+                <a:pos x="T24" y="T25"/>
+              </a:cxn>
+              <a:cxn ang="0">
+                <a:pos x="T26" y="T27"/>
+              </a:cxn>
+              <a:cxn ang="0">
+                <a:pos x="T28" y="T29"/>
+              </a:cxn>
+              <a:cxn ang="0">
+                <a:pos x="T30" y="T31"/>
+              </a:cxn>
+              <a:cxn ang="0">
+                <a:pos x="T32" y="T33"/>
+              </a:cxn>
+              <a:cxn ang="0">
+                <a:pos x="T34" y="T35"/>
+              </a:cxn>
+              <a:cxn ang="0">
+                <a:pos x="T36" y="T37"/>
+              </a:cxn>
+              <a:cxn ang="0">
+                <a:pos x="T38" y="T39"/>
+              </a:cxn>
+              <a:cxn ang="0">
+                <a:pos x="T40" y="T41"/>
+              </a:cxn>
+            </a:cxnLst>
+            <a:rect l="0" t="0" r="r" b="b"/>
+            <a:pathLst>
+              <a:path w="216" h="208">
+                <a:moveTo>
+                  <a:pt x="184" y="0"/>
+                </a:moveTo>
+                <a:cubicBezTo>
+                  <a:pt x="167" y="0"/>
+                  <a:pt x="152" y="14"/>
+                  <a:pt x="152" y="32"/>
+                </a:cubicBezTo>
+                <a:cubicBezTo>
+                  <a:pt x="152" y="35"/>
+                  <a:pt x="153" y="38"/>
+                  <a:pt x="154" y="41"/>
+                </a:cubicBezTo>
+                <a:cubicBezTo>
+                  <a:pt x="60" y="80"/>
+                  <a:pt x="60" y="80"/>
+                  <a:pt x="60" y="80"/>
+                </a:cubicBezTo>
+                <a:cubicBezTo>
+                  <a:pt x="55" y="70"/>
+                  <a:pt x="44" y="64"/>
+                  <a:pt x="32" y="64"/>
+                </a:cubicBezTo>
+                <a:cubicBezTo>
+                  <a:pt x="15" y="64"/>
+                  <a:pt x="0" y="78"/>
+                  <a:pt x="0" y="96"/>
+                </a:cubicBezTo>
+                <a:cubicBezTo>
+                  <a:pt x="0" y="113"/>
+                  <a:pt x="15" y="128"/>
+                  <a:pt x="32" y="128"/>
+                </a:cubicBezTo>
+                <a:cubicBezTo>
+                  <a:pt x="42" y="128"/>
+                  <a:pt x="50" y="124"/>
+                  <a:pt x="56" y="118"/>
+                </a:cubicBezTo>
+                <a:cubicBezTo>
+                  <a:pt x="116" y="161"/>
+                  <a:pt x="116" y="161"/>
+                  <a:pt x="116" y="161"/>
+                </a:cubicBezTo>
+                <a:cubicBezTo>
+                  <a:pt x="114" y="165"/>
+                  <a:pt x="112" y="170"/>
+                  <a:pt x="112" y="176"/>
+                </a:cubicBezTo>
+                <a:cubicBezTo>
+                  <a:pt x="112" y="193"/>
+                  <a:pt x="127" y="208"/>
+                  <a:pt x="144" y="208"/>
+                </a:cubicBezTo>
+                <a:cubicBezTo>
+                  <a:pt x="162" y="208"/>
+                  <a:pt x="176" y="193"/>
+                  <a:pt x="176" y="176"/>
+                </a:cubicBezTo>
+                <a:cubicBezTo>
+                  <a:pt x="176" y="158"/>
+                  <a:pt x="162" y="144"/>
+                  <a:pt x="144" y="144"/>
+                </a:cubicBezTo>
+                <a:cubicBezTo>
+                  <a:pt x="135" y="144"/>
+                  <a:pt x="127" y="148"/>
+                  <a:pt x="121" y="154"/>
+                </a:cubicBezTo>
+                <a:cubicBezTo>
+                  <a:pt x="61" y="111"/>
+                  <a:pt x="61" y="111"/>
+                  <a:pt x="61" y="111"/>
+                </a:cubicBezTo>
+                <a:cubicBezTo>
+                  <a:pt x="63" y="107"/>
+                  <a:pt x="64" y="101"/>
+                  <a:pt x="64" y="96"/>
+                </a:cubicBezTo>
+                <a:cubicBezTo>
+                  <a:pt x="64" y="93"/>
+                  <a:pt x="64" y="90"/>
+                  <a:pt x="63" y="87"/>
+                </a:cubicBezTo>
+                <a:cubicBezTo>
+                  <a:pt x="157" y="48"/>
+                  <a:pt x="157" y="48"/>
+                  <a:pt x="157" y="48"/>
+                </a:cubicBezTo>
+                <a:cubicBezTo>
+                  <a:pt x="162" y="57"/>
+                  <a:pt x="173" y="64"/>
+                  <a:pt x="184" y="64"/>
+                </a:cubicBezTo>
+                <a:cubicBezTo>
+                  <a:pt x="202" y="64"/>
+                  <a:pt x="216" y="49"/>
+                  <a:pt x="216" y="32"/>
+                </a:cubicBezTo>
+                <a:cubicBezTo>
+                  <a:pt x="216" y="14"/>
+                  <a:pt x="202" y="0"/>
+                  <a:pt x="184" y="0"/>
+                </a:cubicBezTo>
+                <a:close/>
+              </a:path>
+            </a:pathLst>
+          </a:custGeom>
+          <a:solidFill>
+            <a:schemeClr val="bg1"/>
+          </a:solidFill>
+          <a:ln>
+            <a:noFill/>
+          </a:ln>
+        </p:spPr>
+        <p:txBody>
+          <a:bodyPr vert="horz" wrap="square" lIns="91440" tIns="45720" rIns="91440" bIns="45720" numCol="1" anchor="t" anchorCtr="0" compatLnSpc="1"/>
+          <a:lstStyle/>
+          <a:p>
+            <a:endParaRPr lang="zh-CN" altLang="en-US">
+              <a:solidFill>
+                <a:srgbClr val="AD1C21"/>
+              </a:solidFill>
+            </a:endParaRPr>
+          </a:p>
+        </p:txBody>
+      </p:sp>
+      <p:sp>
+        <p:nvSpPr>
+          <p:cNvPr id="22" name="矩形 21"/>
+          <p:cNvSpPr/>
+          <p:nvPr/>
+        </p:nvSpPr>
+        <p:spPr>
+          <a:xfrm>
+            <a:off x="633077" y="125666"/>
+            <a:ext cx="2444900" cy="662554"/>
+          </a:xfrm>
+          <a:prstGeom prst="rect">
+            <a:avLst/>
+          </a:prstGeom>
+        </p:spPr>
+        <p:txBody>
+          <a:bodyPr wrap="none">
+            <a:spAutoFit/>
+          </a:bodyPr>
+          <a:lstStyle/>
+          <a:p>
+            <a:pPr>
+              <a:lnSpc>
+                <a:spcPct val="150000"/>
+              </a:lnSpc>
+            </a:pPr>
+            <a:r>
+              <a:rPr lang="en-US" altLang="zh-CN" sz="2800" dirty="0">
+                <a:solidFill>
+                  <a:srgbClr val="157E9F"/>
+                </a:solidFill>
+                <a:latin typeface="方正清刻本悦宋简体" panose="02000000000000000000" pitchFamily="2" charset="-122"/>
+                <a:ea typeface="方正清刻本悦宋简体" panose="02000000000000000000" pitchFamily="2" charset="-122"/>
+              </a:rPr>
+              <a:t> </a:t>
+            </a:r>
+            <a:r>
+              <a:rPr lang="zh-CN" altLang="en-US" sz="2800" dirty="0">
+                <a:solidFill>
+                  <a:srgbClr val="157E9F"/>
+                </a:solidFill>
+                <a:latin typeface="方正清刻本悦宋简体" panose="02000000000000000000" pitchFamily="2" charset="-122"/>
+                <a:ea typeface="方正清刻本悦宋简体" panose="02000000000000000000" pitchFamily="2" charset="-122"/>
+              </a:rPr>
+              <a:t>已完成的工作</a:t>
+            </a:r>
+            <a:endParaRPr lang="en-US" altLang="zh-CN" sz="2800" dirty="0">
+              <a:solidFill>
+                <a:srgbClr val="157E9F"/>
+              </a:solidFill>
+              <a:latin typeface="方正清刻本悦宋简体" panose="02000000000000000000" pitchFamily="2" charset="-122"/>
+              <a:ea typeface="方正清刻本悦宋简体" panose="02000000000000000000" pitchFamily="2" charset="-122"/>
+            </a:endParaRPr>
+          </a:p>
+        </p:txBody>
+      </p:sp>
+      <p:sp>
+        <p:nvSpPr>
+          <p:cNvPr id="35" name="圆角矩形 34"/>
+          <p:cNvSpPr/>
+          <p:nvPr/>
+        </p:nvSpPr>
+        <p:spPr>
+          <a:xfrm rot="10800000" flipV="1">
+            <a:off x="824852" y="963311"/>
+            <a:ext cx="1299872" cy="491115"/>
+          </a:xfrm>
+          <a:prstGeom prst="roundRect">
+            <a:avLst>
+              <a:gd name="adj" fmla="val 5039"/>
+            </a:avLst>
+          </a:prstGeom>
+          <a:solidFill>
+            <a:srgbClr val="157E9F"/>
+          </a:solidFill>
+          <a:ln>
+            <a:noFill/>
+          </a:ln>
+          <a:effectLst>
+            <a:outerShdw blurRad="50800" dist="38100" dir="5400000" algn="t" rotWithShape="0">
+              <a:prstClr val="black">
+                <a:alpha val="40000"/>
+              </a:prstClr>
+            </a:outerShdw>
+          </a:effectLst>
+        </p:spPr>
+        <p:style>
+          <a:lnRef idx="2">
+            <a:schemeClr val="accent1">
+              <a:shade val="50000"/>
+            </a:schemeClr>
+          </a:lnRef>
+          <a:fillRef idx="1">
+            <a:schemeClr val="accent1"/>
+          </a:fillRef>
+          <a:effectRef idx="0">
+            <a:schemeClr val="accent1"/>
+          </a:effectRef>
+          <a:fontRef idx="minor">
+            <a:schemeClr val="lt1"/>
+          </a:fontRef>
+        </p:style>
+        <p:txBody>
+          <a:bodyPr lIns="91436" tIns="45718" rIns="91436" bIns="45718" rtlCol="0" anchor="ctr"/>
+          <a:lstStyle/>
+          <a:p>
+            <a:pPr algn="ctr"/>
+            <a:r>
+              <a:rPr lang="en-US" altLang="zh-CN" sz="2400" dirty="0">
+                <a:latin typeface="方正清刻本悦宋简体" panose="02000000000000000000" pitchFamily="2" charset="-122"/>
+                <a:ea typeface="方正清刻本悦宋简体" panose="02000000000000000000" pitchFamily="2" charset="-122"/>
+              </a:rPr>
+              <a:t>4</a:t>
+            </a:r>
+            <a:endParaRPr lang="zh-CN" altLang="en-US" sz="2400" dirty="0">
+              <a:latin typeface="方正清刻本悦宋简体" panose="02000000000000000000" pitchFamily="2" charset="-122"/>
+              <a:ea typeface="方正清刻本悦宋简体" panose="02000000000000000000" pitchFamily="2" charset="-122"/>
+            </a:endParaRPr>
+          </a:p>
+        </p:txBody>
+      </p:sp>
+      <p:sp>
+        <p:nvSpPr>
+          <p:cNvPr id="24" name="文本框 23">
+            <a:extLst>
+              <a:ext uri="{FF2B5EF4-FFF2-40B4-BE49-F238E27FC236}">
+                <a16:creationId xmlns:a16="http://schemas.microsoft.com/office/drawing/2014/main" id="{4BD851DA-3CC3-4FAA-9C50-B9558AE2E9DB}"/>
+              </a:ext>
+            </a:extLst>
+          </p:cNvPr>
+          <p:cNvSpPr txBox="1"/>
+          <p:nvPr/>
+        </p:nvSpPr>
+        <p:spPr>
+          <a:xfrm>
+            <a:off x="2314021" y="1003246"/>
+            <a:ext cx="3262423" cy="400105"/>
+          </a:xfrm>
+          <a:prstGeom prst="rect">
+            <a:avLst/>
+          </a:prstGeom>
+          <a:noFill/>
+        </p:spPr>
+        <p:txBody>
+          <a:bodyPr wrap="none" lIns="91436" tIns="45718" rIns="91436" bIns="45718" rtlCol="0">
+            <a:spAutoFit/>
+          </a:bodyPr>
+          <a:lstStyle/>
+          <a:p>
+            <a:r>
+              <a:rPr lang="zh-CN" altLang="en-US" sz="2000" dirty="0">
+                <a:solidFill>
+                  <a:schemeClr val="tx1">
+                    <a:lumMod val="75000"/>
+                    <a:lumOff val="25000"/>
+                  </a:schemeClr>
+                </a:solidFill>
+                <a:latin typeface="Segoe UI Semilight" panose="020B0402040204020203" pitchFamily="34" charset="0"/>
+                <a:ea typeface="微软雅黑" pitchFamily="34" charset="-122"/>
+                <a:cs typeface="Segoe UI Semilight" panose="020B0402040204020203" pitchFamily="34" charset="0"/>
+              </a:rPr>
+              <a:t>油型气涌出危险性评价软件</a:t>
+            </a:r>
+          </a:p>
+        </p:txBody>
+      </p:sp>
+      <p:grpSp>
+        <p:nvGrpSpPr>
+          <p:cNvPr id="2" name="组合 1">
+            <a:extLst>
+              <a:ext uri="{FF2B5EF4-FFF2-40B4-BE49-F238E27FC236}">
+                <a16:creationId xmlns:a16="http://schemas.microsoft.com/office/drawing/2014/main" id="{B906AF23-0137-4886-B4D4-F415281BBE6A}"/>
+              </a:ext>
+            </a:extLst>
+          </p:cNvPr>
+          <p:cNvGrpSpPr/>
+          <p:nvPr/>
+        </p:nvGrpSpPr>
+        <p:grpSpPr>
+          <a:xfrm>
+            <a:off x="470135" y="1749094"/>
+            <a:ext cx="3960000" cy="3041981"/>
+            <a:chOff x="470135" y="1749094"/>
+            <a:chExt cx="3960000" cy="3041981"/>
+          </a:xfrm>
+        </p:grpSpPr>
+        <p:pic>
+          <p:nvPicPr>
+            <p:cNvPr id="11" name="图片 10">
+              <a:extLst>
+                <a:ext uri="{FF2B5EF4-FFF2-40B4-BE49-F238E27FC236}">
+                  <a16:creationId xmlns:a16="http://schemas.microsoft.com/office/drawing/2014/main" id="{1C0AB517-F975-4C5A-A139-9C50EB04E711}"/>
+                </a:ext>
+              </a:extLst>
+            </p:cNvPr>
+            <p:cNvPicPr>
+              <a:picLocks noChangeAspect="1"/>
+            </p:cNvPicPr>
+            <p:nvPr/>
+          </p:nvPicPr>
+          <p:blipFill>
+            <a:blip r:embed="rId3"/>
+            <a:stretch>
+              <a:fillRect/>
+            </a:stretch>
+          </p:blipFill>
+          <p:spPr>
+            <a:xfrm>
+              <a:off x="470135" y="1749094"/>
+              <a:ext cx="3960000" cy="3041981"/>
+            </a:xfrm>
+            <a:prstGeom prst="rect">
+              <a:avLst/>
+            </a:prstGeom>
+          </p:spPr>
+        </p:pic>
+        <p:pic>
+          <p:nvPicPr>
+            <p:cNvPr id="12" name="图片 11">
+              <a:extLst>
+                <a:ext uri="{FF2B5EF4-FFF2-40B4-BE49-F238E27FC236}">
+                  <a16:creationId xmlns:a16="http://schemas.microsoft.com/office/drawing/2014/main" id="{539D33E3-D85F-4FEB-9210-7DC5838D54CA}"/>
+                </a:ext>
+              </a:extLst>
+            </p:cNvPr>
+            <p:cNvPicPr>
+              <a:picLocks noChangeAspect="1"/>
+            </p:cNvPicPr>
+            <p:nvPr/>
+          </p:nvPicPr>
+          <p:blipFill>
+            <a:blip r:embed="rId4"/>
+            <a:stretch>
+              <a:fillRect/>
+            </a:stretch>
+          </p:blipFill>
+          <p:spPr>
+            <a:xfrm>
+              <a:off x="506409" y="1809750"/>
+              <a:ext cx="242147" cy="209551"/>
+            </a:xfrm>
+            <a:prstGeom prst="rect">
+              <a:avLst/>
+            </a:prstGeom>
+          </p:spPr>
+        </p:pic>
+      </p:grpSp>
+    </p:spTree>
+    <p:extLst>
+      <p:ext uri="{BB962C8B-B14F-4D97-AF65-F5344CB8AC3E}">
+        <p14:creationId xmlns:p14="http://schemas.microsoft.com/office/powerpoint/2010/main" val="97596746"/>
+      </p:ext>
+    </p:extLst>
+  </p:cSld>
+  <p:clrMapOvr>
+    <a:masterClrMapping/>
+  </p:clrMapOvr>
+  <mc:AlternateContent xmlns:mc="http://schemas.openxmlformats.org/markup-compatibility/2006" xmlns:p14="http://schemas.microsoft.com/office/powerpoint/2010/main">
+    <mc:Choice Requires="p14">
+      <p:transition spd="med" p14:dur="700">
+        <p:fade/>
+      </p:transition>
+    </mc:Choice>
+    <mc:Fallback xmlns="">
+      <p:transition spd="med">
+        <p:fade/>
+      </p:transition>
+    </mc:Fallback>
+  </mc:AlternateContent>
+</p:sld>
+</file>
+
+<file path=ppt/slides/slide23.xml><?xml version="1.0" encoding="utf-8"?>
+<p:sld xmlns:a="http://schemas.openxmlformats.org/drawingml/2006/main" xmlns:r="http://schemas.openxmlformats.org/officeDocument/2006/relationships" xmlns:p="http://schemas.openxmlformats.org/presentationml/2006/main">
+  <p:cSld>
+    <p:spTree>
+      <p:nvGrpSpPr>
+        <p:cNvPr id="1" name=""/>
+        <p:cNvGrpSpPr/>
+        <p:nvPr/>
+      </p:nvGrpSpPr>
+      <p:grpSpPr>
+        <a:xfrm>
+          <a:off x="0" y="0"/>
+          <a:ext cx="0" cy="0"/>
+          <a:chOff x="0" y="0"/>
+          <a:chExt cx="0" cy="0"/>
+        </a:xfrm>
+      </p:grpSpPr>
+      <p:sp>
+        <p:nvSpPr>
+          <p:cNvPr id="17" name="矩形 16"/>
+          <p:cNvSpPr/>
+          <p:nvPr/>
+        </p:nvSpPr>
+        <p:spPr>
+          <a:xfrm>
+            <a:off x="3473651" y="252859"/>
+            <a:ext cx="8718351" cy="484285"/>
+          </a:xfrm>
+          <a:prstGeom prst="rect">
+            <a:avLst/>
+          </a:prstGeom>
+          <a:gradFill>
+            <a:gsLst>
+              <a:gs pos="0">
+                <a:schemeClr val="accent1">
+                  <a:lumMod val="5000"/>
+                  <a:lumOff val="95000"/>
+                  <a:alpha val="0"/>
+                </a:schemeClr>
+              </a:gs>
+              <a:gs pos="78000">
+                <a:srgbClr val="157E9F"/>
+              </a:gs>
+            </a:gsLst>
+            <a:lin ang="10800000" scaled="0"/>
+          </a:gradFill>
+          <a:ln>
+            <a:noFill/>
+          </a:ln>
+          <a:effectLst>
+            <a:outerShdw blurRad="393700" dist="76200" dir="5820000" sx="99000" sy="99000" algn="t" rotWithShape="0">
+              <a:prstClr val="black">
+                <a:alpha val="50000"/>
+              </a:prstClr>
+            </a:outerShdw>
+          </a:effectLst>
+        </p:spPr>
+        <p:style>
+          <a:lnRef idx="2">
+            <a:schemeClr val="accent1">
+              <a:shade val="50000"/>
+            </a:schemeClr>
+          </a:lnRef>
+          <a:fillRef idx="1">
+            <a:schemeClr val="accent1"/>
+          </a:fillRef>
+          <a:effectRef idx="0">
+            <a:schemeClr val="accent1"/>
+          </a:effectRef>
+          <a:fontRef idx="minor">
+            <a:schemeClr val="lt1"/>
+          </a:fontRef>
+        </p:style>
+        <p:txBody>
+          <a:bodyPr lIns="91436" tIns="45718" rIns="91436" bIns="45718" rtlCol="0" anchor="ctr"/>
+          <a:lstStyle/>
+          <a:p>
+            <a:pPr algn="ctr"/>
+            <a:endParaRPr lang="zh-CN" altLang="en-US"/>
+          </a:p>
+        </p:txBody>
+      </p:sp>
+      <p:sp>
+        <p:nvSpPr>
+          <p:cNvPr id="18" name="圆角矩形 17"/>
+          <p:cNvSpPr/>
+          <p:nvPr/>
+        </p:nvSpPr>
+        <p:spPr>
+          <a:xfrm rot="10800000" flipV="1">
+            <a:off x="-5664" y="249441"/>
+            <a:ext cx="484287" cy="491115"/>
+          </a:xfrm>
+          <a:prstGeom prst="roundRect">
+            <a:avLst>
+              <a:gd name="adj" fmla="val 5039"/>
+            </a:avLst>
+          </a:prstGeom>
+          <a:solidFill>
+            <a:srgbClr val="157E9F"/>
+          </a:solidFill>
+          <a:ln>
+            <a:noFill/>
+          </a:ln>
+          <a:effectLst>
+            <a:outerShdw blurRad="50800" dist="38100" dir="5400000" algn="t" rotWithShape="0">
+              <a:prstClr val="black">
+                <a:alpha val="40000"/>
+              </a:prstClr>
+            </a:outerShdw>
+          </a:effectLst>
+        </p:spPr>
+        <p:style>
+          <a:lnRef idx="2">
+            <a:schemeClr val="accent1">
+              <a:shade val="50000"/>
+            </a:schemeClr>
+          </a:lnRef>
+          <a:fillRef idx="1">
+            <a:schemeClr val="accent1"/>
+          </a:fillRef>
+          <a:effectRef idx="0">
+            <a:schemeClr val="accent1"/>
+          </a:effectRef>
+          <a:fontRef idx="minor">
+            <a:schemeClr val="lt1"/>
+          </a:fontRef>
+        </p:style>
+        <p:txBody>
+          <a:bodyPr lIns="91436" tIns="45718" rIns="91436" bIns="45718" rtlCol="0" anchor="ctr"/>
+          <a:lstStyle/>
+          <a:p>
+            <a:pPr algn="ctr"/>
+            <a:r>
+              <a:rPr lang="en-US" altLang="zh-CN" sz="3600" dirty="0"/>
+              <a:t>4</a:t>
+            </a:r>
+            <a:endParaRPr lang="zh-CN" altLang="en-US" sz="3600" dirty="0"/>
+          </a:p>
+        </p:txBody>
+      </p:sp>
+      <p:sp>
+        <p:nvSpPr>
+          <p:cNvPr id="19" name="矩形 18"/>
+          <p:cNvSpPr/>
+          <p:nvPr/>
+        </p:nvSpPr>
+        <p:spPr>
+          <a:xfrm>
+            <a:off x="3966736" y="310334"/>
+            <a:ext cx="2032921" cy="369328"/>
+          </a:xfrm>
+          <a:prstGeom prst="rect">
+            <a:avLst/>
+          </a:prstGeom>
+        </p:spPr>
+        <p:txBody>
+          <a:bodyPr wrap="none" lIns="91436" tIns="45718" rIns="91436" bIns="45718">
+            <a:spAutoFit/>
+          </a:bodyPr>
+          <a:lstStyle/>
+          <a:p>
+            <a:pPr algn="ctr"/>
+            <a:r>
+              <a:rPr lang="en-US" altLang="zh-CN" dirty="0">
+                <a:solidFill>
+                  <a:schemeClr val="bg1"/>
+                </a:solidFill>
+                <a:latin typeface="微软雅黑" pitchFamily="34" charset="-122"/>
+                <a:ea typeface="微软雅黑" pitchFamily="34" charset="-122"/>
+              </a:rPr>
+              <a:t>FINISHED WORK</a:t>
+            </a:r>
+          </a:p>
+        </p:txBody>
+      </p:sp>
+      <p:sp>
+        <p:nvSpPr>
+          <p:cNvPr id="20" name="圆角矩形 19"/>
+          <p:cNvSpPr/>
+          <p:nvPr/>
+        </p:nvSpPr>
+        <p:spPr>
+          <a:xfrm rot="16200000" flipV="1">
+            <a:off x="11457520" y="249444"/>
+            <a:ext cx="484287" cy="491115"/>
+          </a:xfrm>
+          <a:prstGeom prst="roundRect">
+            <a:avLst>
+              <a:gd name="adj" fmla="val 5039"/>
+            </a:avLst>
+          </a:prstGeom>
+          <a:solidFill>
+            <a:srgbClr val="157E9F"/>
+          </a:solidFill>
+          <a:ln>
+            <a:noFill/>
+          </a:ln>
+          <a:effectLst>
+            <a:outerShdw blurRad="50800" dist="38100" dir="5400000" algn="t" rotWithShape="0">
+              <a:prstClr val="black">
+                <a:alpha val="40000"/>
+              </a:prstClr>
+            </a:outerShdw>
+          </a:effectLst>
+        </p:spPr>
+        <p:style>
+          <a:lnRef idx="2">
+            <a:schemeClr val="accent1">
+              <a:shade val="50000"/>
+            </a:schemeClr>
+          </a:lnRef>
+          <a:fillRef idx="1">
+            <a:schemeClr val="accent1"/>
+          </a:fillRef>
+          <a:effectRef idx="0">
+            <a:schemeClr val="accent1"/>
+          </a:effectRef>
+          <a:fontRef idx="minor">
+            <a:schemeClr val="lt1"/>
+          </a:fontRef>
+        </p:style>
+        <p:txBody>
+          <a:bodyPr rtlCol="0" anchor="ctr"/>
+          <a:lstStyle/>
+          <a:p>
+            <a:pPr algn="ctr"/>
+            <a:endParaRPr lang="zh-CN" altLang="en-US"/>
+          </a:p>
+        </p:txBody>
+      </p:sp>
+      <p:sp>
+        <p:nvSpPr>
+          <p:cNvPr id="21" name="Freeform 96"/>
+          <p:cNvSpPr/>
+          <p:nvPr/>
+        </p:nvSpPr>
+        <p:spPr bwMode="auto">
+          <a:xfrm>
+            <a:off x="11559368" y="359659"/>
+            <a:ext cx="280590" cy="270687"/>
+          </a:xfrm>
+          <a:custGeom>
+            <a:avLst/>
+            <a:gdLst>
+              <a:gd name="T0" fmla="*/ 184 w 216"/>
+              <a:gd name="T1" fmla="*/ 0 h 208"/>
+              <a:gd name="T2" fmla="*/ 152 w 216"/>
+              <a:gd name="T3" fmla="*/ 32 h 208"/>
+              <a:gd name="T4" fmla="*/ 154 w 216"/>
+              <a:gd name="T5" fmla="*/ 41 h 208"/>
+              <a:gd name="T6" fmla="*/ 60 w 216"/>
+              <a:gd name="T7" fmla="*/ 80 h 208"/>
+              <a:gd name="T8" fmla="*/ 32 w 216"/>
+              <a:gd name="T9" fmla="*/ 64 h 208"/>
+              <a:gd name="T10" fmla="*/ 0 w 216"/>
+              <a:gd name="T11" fmla="*/ 96 h 208"/>
+              <a:gd name="T12" fmla="*/ 32 w 216"/>
+              <a:gd name="T13" fmla="*/ 128 h 208"/>
+              <a:gd name="T14" fmla="*/ 56 w 216"/>
+              <a:gd name="T15" fmla="*/ 118 h 208"/>
+              <a:gd name="T16" fmla="*/ 116 w 216"/>
+              <a:gd name="T17" fmla="*/ 161 h 208"/>
+              <a:gd name="T18" fmla="*/ 112 w 216"/>
+              <a:gd name="T19" fmla="*/ 176 h 208"/>
+              <a:gd name="T20" fmla="*/ 144 w 216"/>
+              <a:gd name="T21" fmla="*/ 208 h 208"/>
+              <a:gd name="T22" fmla="*/ 176 w 216"/>
+              <a:gd name="T23" fmla="*/ 176 h 208"/>
+              <a:gd name="T24" fmla="*/ 144 w 216"/>
+              <a:gd name="T25" fmla="*/ 144 h 208"/>
+              <a:gd name="T26" fmla="*/ 121 w 216"/>
+              <a:gd name="T27" fmla="*/ 154 h 208"/>
+              <a:gd name="T28" fmla="*/ 61 w 216"/>
+              <a:gd name="T29" fmla="*/ 111 h 208"/>
+              <a:gd name="T30" fmla="*/ 64 w 216"/>
+              <a:gd name="T31" fmla="*/ 96 h 208"/>
+              <a:gd name="T32" fmla="*/ 63 w 216"/>
+              <a:gd name="T33" fmla="*/ 87 h 208"/>
+              <a:gd name="T34" fmla="*/ 157 w 216"/>
+              <a:gd name="T35" fmla="*/ 48 h 208"/>
+              <a:gd name="T36" fmla="*/ 184 w 216"/>
+              <a:gd name="T37" fmla="*/ 64 h 208"/>
+              <a:gd name="T38" fmla="*/ 216 w 216"/>
+              <a:gd name="T39" fmla="*/ 32 h 208"/>
+              <a:gd name="T40" fmla="*/ 184 w 216"/>
+              <a:gd name="T41" fmla="*/ 0 h 208"/>
+            </a:gdLst>
+            <a:ahLst/>
+            <a:cxnLst>
+              <a:cxn ang="0">
+                <a:pos x="T0" y="T1"/>
+              </a:cxn>
+              <a:cxn ang="0">
+                <a:pos x="T2" y="T3"/>
+              </a:cxn>
+              <a:cxn ang="0">
+                <a:pos x="T4" y="T5"/>
+              </a:cxn>
+              <a:cxn ang="0">
+                <a:pos x="T6" y="T7"/>
+              </a:cxn>
+              <a:cxn ang="0">
+                <a:pos x="T8" y="T9"/>
+              </a:cxn>
+              <a:cxn ang="0">
+                <a:pos x="T10" y="T11"/>
+              </a:cxn>
+              <a:cxn ang="0">
+                <a:pos x="T12" y="T13"/>
+              </a:cxn>
+              <a:cxn ang="0">
+                <a:pos x="T14" y="T15"/>
+              </a:cxn>
+              <a:cxn ang="0">
+                <a:pos x="T16" y="T17"/>
+              </a:cxn>
+              <a:cxn ang="0">
+                <a:pos x="T18" y="T19"/>
+              </a:cxn>
+              <a:cxn ang="0">
+                <a:pos x="T20" y="T21"/>
+              </a:cxn>
+              <a:cxn ang="0">
+                <a:pos x="T22" y="T23"/>
+              </a:cxn>
+              <a:cxn ang="0">
+                <a:pos x="T24" y="T25"/>
+              </a:cxn>
+              <a:cxn ang="0">
+                <a:pos x="T26" y="T27"/>
+              </a:cxn>
+              <a:cxn ang="0">
+                <a:pos x="T28" y="T29"/>
+              </a:cxn>
+              <a:cxn ang="0">
+                <a:pos x="T30" y="T31"/>
+              </a:cxn>
+              <a:cxn ang="0">
+                <a:pos x="T32" y="T33"/>
+              </a:cxn>
+              <a:cxn ang="0">
+                <a:pos x="T34" y="T35"/>
+              </a:cxn>
+              <a:cxn ang="0">
+                <a:pos x="T36" y="T37"/>
+              </a:cxn>
+              <a:cxn ang="0">
+                <a:pos x="T38" y="T39"/>
+              </a:cxn>
+              <a:cxn ang="0">
+                <a:pos x="T40" y="T41"/>
+              </a:cxn>
+            </a:cxnLst>
+            <a:rect l="0" t="0" r="r" b="b"/>
+            <a:pathLst>
+              <a:path w="216" h="208">
+                <a:moveTo>
+                  <a:pt x="184" y="0"/>
+                </a:moveTo>
+                <a:cubicBezTo>
+                  <a:pt x="167" y="0"/>
+                  <a:pt x="152" y="14"/>
+                  <a:pt x="152" y="32"/>
+                </a:cubicBezTo>
+                <a:cubicBezTo>
+                  <a:pt x="152" y="35"/>
+                  <a:pt x="153" y="38"/>
+                  <a:pt x="154" y="41"/>
+                </a:cubicBezTo>
+                <a:cubicBezTo>
+                  <a:pt x="60" y="80"/>
+                  <a:pt x="60" y="80"/>
+                  <a:pt x="60" y="80"/>
+                </a:cubicBezTo>
+                <a:cubicBezTo>
+                  <a:pt x="55" y="70"/>
+                  <a:pt x="44" y="64"/>
+                  <a:pt x="32" y="64"/>
+                </a:cubicBezTo>
+                <a:cubicBezTo>
+                  <a:pt x="15" y="64"/>
+                  <a:pt x="0" y="78"/>
+                  <a:pt x="0" y="96"/>
+                </a:cubicBezTo>
+                <a:cubicBezTo>
+                  <a:pt x="0" y="113"/>
+                  <a:pt x="15" y="128"/>
+                  <a:pt x="32" y="128"/>
+                </a:cubicBezTo>
+                <a:cubicBezTo>
+                  <a:pt x="42" y="128"/>
+                  <a:pt x="50" y="124"/>
+                  <a:pt x="56" y="118"/>
+                </a:cubicBezTo>
+                <a:cubicBezTo>
+                  <a:pt x="116" y="161"/>
+                  <a:pt x="116" y="161"/>
+                  <a:pt x="116" y="161"/>
+                </a:cubicBezTo>
+                <a:cubicBezTo>
+                  <a:pt x="114" y="165"/>
+                  <a:pt x="112" y="170"/>
+                  <a:pt x="112" y="176"/>
+                </a:cubicBezTo>
+                <a:cubicBezTo>
+                  <a:pt x="112" y="193"/>
+                  <a:pt x="127" y="208"/>
+                  <a:pt x="144" y="208"/>
+                </a:cubicBezTo>
+                <a:cubicBezTo>
+                  <a:pt x="162" y="208"/>
+                  <a:pt x="176" y="193"/>
+                  <a:pt x="176" y="176"/>
+                </a:cubicBezTo>
+                <a:cubicBezTo>
+                  <a:pt x="176" y="158"/>
+                  <a:pt x="162" y="144"/>
+                  <a:pt x="144" y="144"/>
+                </a:cubicBezTo>
+                <a:cubicBezTo>
+                  <a:pt x="135" y="144"/>
+                  <a:pt x="127" y="148"/>
+                  <a:pt x="121" y="154"/>
+                </a:cubicBezTo>
+                <a:cubicBezTo>
+                  <a:pt x="61" y="111"/>
+                  <a:pt x="61" y="111"/>
+                  <a:pt x="61" y="111"/>
+                </a:cubicBezTo>
+                <a:cubicBezTo>
+                  <a:pt x="63" y="107"/>
+                  <a:pt x="64" y="101"/>
+                  <a:pt x="64" y="96"/>
+                </a:cubicBezTo>
+                <a:cubicBezTo>
+                  <a:pt x="64" y="93"/>
+                  <a:pt x="64" y="90"/>
+                  <a:pt x="63" y="87"/>
+                </a:cubicBezTo>
+                <a:cubicBezTo>
+                  <a:pt x="157" y="48"/>
+                  <a:pt x="157" y="48"/>
+                  <a:pt x="157" y="48"/>
+                </a:cubicBezTo>
+                <a:cubicBezTo>
+                  <a:pt x="162" y="57"/>
+                  <a:pt x="173" y="64"/>
+                  <a:pt x="184" y="64"/>
+                </a:cubicBezTo>
+                <a:cubicBezTo>
+                  <a:pt x="202" y="64"/>
+                  <a:pt x="216" y="49"/>
+                  <a:pt x="216" y="32"/>
+                </a:cubicBezTo>
+                <a:cubicBezTo>
+                  <a:pt x="216" y="14"/>
+                  <a:pt x="202" y="0"/>
+                  <a:pt x="184" y="0"/>
+                </a:cubicBezTo>
+                <a:close/>
+              </a:path>
+            </a:pathLst>
+          </a:custGeom>
+          <a:solidFill>
+            <a:schemeClr val="bg1"/>
+          </a:solidFill>
+          <a:ln>
+            <a:noFill/>
+          </a:ln>
+        </p:spPr>
+        <p:txBody>
+          <a:bodyPr vert="horz" wrap="square" lIns="91440" tIns="45720" rIns="91440" bIns="45720" numCol="1" anchor="t" anchorCtr="0" compatLnSpc="1"/>
+          <a:lstStyle/>
+          <a:p>
+            <a:endParaRPr lang="zh-CN" altLang="en-US">
+              <a:solidFill>
+                <a:srgbClr val="AD1C21"/>
+              </a:solidFill>
+            </a:endParaRPr>
+          </a:p>
+        </p:txBody>
+      </p:sp>
+      <p:sp>
+        <p:nvSpPr>
+          <p:cNvPr id="22" name="矩形 21"/>
+          <p:cNvSpPr/>
+          <p:nvPr/>
+        </p:nvSpPr>
+        <p:spPr>
+          <a:xfrm>
+            <a:off x="633077" y="125666"/>
+            <a:ext cx="2444900" cy="662554"/>
+          </a:xfrm>
+          <a:prstGeom prst="rect">
+            <a:avLst/>
+          </a:prstGeom>
+        </p:spPr>
+        <p:txBody>
+          <a:bodyPr wrap="none">
+            <a:spAutoFit/>
+          </a:bodyPr>
+          <a:lstStyle/>
+          <a:p>
+            <a:pPr>
+              <a:lnSpc>
+                <a:spcPct val="150000"/>
+              </a:lnSpc>
+            </a:pPr>
+            <a:r>
+              <a:rPr lang="en-US" altLang="zh-CN" sz="2800" dirty="0">
+                <a:solidFill>
+                  <a:srgbClr val="157E9F"/>
+                </a:solidFill>
+                <a:latin typeface="方正清刻本悦宋简体" panose="02000000000000000000" pitchFamily="2" charset="-122"/>
+                <a:ea typeface="方正清刻本悦宋简体" panose="02000000000000000000" pitchFamily="2" charset="-122"/>
+              </a:rPr>
+              <a:t> </a:t>
+            </a:r>
+            <a:r>
+              <a:rPr lang="zh-CN" altLang="en-US" sz="2800" dirty="0">
+                <a:solidFill>
+                  <a:srgbClr val="157E9F"/>
+                </a:solidFill>
+                <a:latin typeface="方正清刻本悦宋简体" panose="02000000000000000000" pitchFamily="2" charset="-122"/>
+                <a:ea typeface="方正清刻本悦宋简体" panose="02000000000000000000" pitchFamily="2" charset="-122"/>
+              </a:rPr>
+              <a:t>已完成的工作</a:t>
+            </a:r>
+            <a:endParaRPr lang="en-US" altLang="zh-CN" sz="2800" dirty="0">
+              <a:solidFill>
+                <a:srgbClr val="157E9F"/>
+              </a:solidFill>
+              <a:latin typeface="方正清刻本悦宋简体" panose="02000000000000000000" pitchFamily="2" charset="-122"/>
+              <a:ea typeface="方正清刻本悦宋简体" panose="02000000000000000000" pitchFamily="2" charset="-122"/>
+            </a:endParaRPr>
+          </a:p>
+        </p:txBody>
+      </p:sp>
+      <p:sp>
+        <p:nvSpPr>
+          <p:cNvPr id="35" name="圆角矩形 34"/>
+          <p:cNvSpPr/>
+          <p:nvPr/>
+        </p:nvSpPr>
+        <p:spPr>
+          <a:xfrm rot="10800000" flipV="1">
+            <a:off x="824852" y="963311"/>
+            <a:ext cx="1299872" cy="491115"/>
+          </a:xfrm>
+          <a:prstGeom prst="roundRect">
+            <a:avLst>
+              <a:gd name="adj" fmla="val 5039"/>
+            </a:avLst>
+          </a:prstGeom>
+          <a:solidFill>
+            <a:srgbClr val="157E9F"/>
+          </a:solidFill>
+          <a:ln>
+            <a:noFill/>
+          </a:ln>
+          <a:effectLst>
+            <a:outerShdw blurRad="50800" dist="38100" dir="5400000" algn="t" rotWithShape="0">
+              <a:prstClr val="black">
+                <a:alpha val="40000"/>
+              </a:prstClr>
+            </a:outerShdw>
+          </a:effectLst>
+        </p:spPr>
+        <p:style>
+          <a:lnRef idx="2">
+            <a:schemeClr val="accent1">
+              <a:shade val="50000"/>
+            </a:schemeClr>
+          </a:lnRef>
+          <a:fillRef idx="1">
+            <a:schemeClr val="accent1"/>
+          </a:fillRef>
+          <a:effectRef idx="0">
+            <a:schemeClr val="accent1"/>
+          </a:effectRef>
+          <a:fontRef idx="minor">
+            <a:schemeClr val="lt1"/>
+          </a:fontRef>
+        </p:style>
+        <p:txBody>
+          <a:bodyPr lIns="91436" tIns="45718" rIns="91436" bIns="45718" rtlCol="0" anchor="ctr"/>
+          <a:lstStyle/>
+          <a:p>
+            <a:pPr algn="ctr"/>
+            <a:r>
+              <a:rPr lang="en-US" altLang="zh-CN" sz="2400" dirty="0">
+                <a:latin typeface="方正清刻本悦宋简体" panose="02000000000000000000" pitchFamily="2" charset="-122"/>
+                <a:ea typeface="方正清刻本悦宋简体" panose="02000000000000000000" pitchFamily="2" charset="-122"/>
+              </a:rPr>
+              <a:t>4</a:t>
+            </a:r>
+            <a:endParaRPr lang="zh-CN" altLang="en-US" sz="2400" dirty="0">
+              <a:latin typeface="方正清刻本悦宋简体" panose="02000000000000000000" pitchFamily="2" charset="-122"/>
+              <a:ea typeface="方正清刻本悦宋简体" panose="02000000000000000000" pitchFamily="2" charset="-122"/>
+            </a:endParaRPr>
+          </a:p>
+        </p:txBody>
+      </p:sp>
+      <p:sp>
+        <p:nvSpPr>
+          <p:cNvPr id="24" name="文本框 23">
+            <a:extLst>
+              <a:ext uri="{FF2B5EF4-FFF2-40B4-BE49-F238E27FC236}">
+                <a16:creationId xmlns:a16="http://schemas.microsoft.com/office/drawing/2014/main" id="{4BD851DA-3CC3-4FAA-9C50-B9558AE2E9DB}"/>
+              </a:ext>
+            </a:extLst>
+          </p:cNvPr>
+          <p:cNvSpPr txBox="1"/>
+          <p:nvPr/>
+        </p:nvSpPr>
+        <p:spPr>
+          <a:xfrm>
+            <a:off x="2314021" y="1003246"/>
+            <a:ext cx="3262423" cy="400105"/>
+          </a:xfrm>
+          <a:prstGeom prst="rect">
+            <a:avLst/>
+          </a:prstGeom>
+          <a:noFill/>
+        </p:spPr>
+        <p:txBody>
+          <a:bodyPr wrap="none" lIns="91436" tIns="45718" rIns="91436" bIns="45718" rtlCol="0">
+            <a:spAutoFit/>
+          </a:bodyPr>
+          <a:lstStyle/>
+          <a:p>
+            <a:r>
+              <a:rPr lang="zh-CN" altLang="en-US" sz="2000" dirty="0">
+                <a:solidFill>
+                  <a:schemeClr val="tx1">
+                    <a:lumMod val="75000"/>
+                    <a:lumOff val="25000"/>
+                  </a:schemeClr>
+                </a:solidFill>
+                <a:latin typeface="Segoe UI Semilight" panose="020B0402040204020203" pitchFamily="34" charset="0"/>
+                <a:ea typeface="微软雅黑" pitchFamily="34" charset="-122"/>
+                <a:cs typeface="Segoe UI Semilight" panose="020B0402040204020203" pitchFamily="34" charset="0"/>
+              </a:rPr>
+              <a:t>油型气涌出危险性评价软件</a:t>
+            </a:r>
+          </a:p>
+        </p:txBody>
+      </p:sp>
+      <p:grpSp>
+        <p:nvGrpSpPr>
+          <p:cNvPr id="39" name="组合 38">
+            <a:extLst>
+              <a:ext uri="{FF2B5EF4-FFF2-40B4-BE49-F238E27FC236}">
+                <a16:creationId xmlns:a16="http://schemas.microsoft.com/office/drawing/2014/main" id="{3E97D61D-0851-44B8-AD45-C7ADD53A7D1E}"/>
+              </a:ext>
+            </a:extLst>
+          </p:cNvPr>
+          <p:cNvGrpSpPr/>
+          <p:nvPr/>
+        </p:nvGrpSpPr>
+        <p:grpSpPr>
+          <a:xfrm>
+            <a:off x="427850" y="1726869"/>
+            <a:ext cx="3960000" cy="3041981"/>
+            <a:chOff x="427850" y="1726869"/>
+            <a:chExt cx="3960000" cy="3041981"/>
+          </a:xfrm>
+        </p:grpSpPr>
+        <p:pic>
+          <p:nvPicPr>
+            <p:cNvPr id="15" name="图片 14">
+              <a:extLst>
+                <a:ext uri="{FF2B5EF4-FFF2-40B4-BE49-F238E27FC236}">
+                  <a16:creationId xmlns:a16="http://schemas.microsoft.com/office/drawing/2014/main" id="{6436A237-DEC8-4E83-B230-4191FF859925}"/>
+                </a:ext>
+              </a:extLst>
+            </p:cNvPr>
+            <p:cNvPicPr>
+              <a:picLocks noChangeAspect="1"/>
+            </p:cNvPicPr>
+            <p:nvPr/>
+          </p:nvPicPr>
+          <p:blipFill>
+            <a:blip r:embed="rId3"/>
+            <a:stretch>
+              <a:fillRect/>
+            </a:stretch>
+          </p:blipFill>
+          <p:spPr>
+            <a:xfrm>
+              <a:off x="427850" y="1726869"/>
+              <a:ext cx="3960000" cy="3041981"/>
+            </a:xfrm>
+            <a:prstGeom prst="rect">
+              <a:avLst/>
+            </a:prstGeom>
+          </p:spPr>
+        </p:pic>
+        <p:pic>
+          <p:nvPicPr>
+            <p:cNvPr id="38" name="图片 37">
+              <a:extLst>
+                <a:ext uri="{FF2B5EF4-FFF2-40B4-BE49-F238E27FC236}">
+                  <a16:creationId xmlns:a16="http://schemas.microsoft.com/office/drawing/2014/main" id="{5B29E5B5-90CC-4AED-AF1E-334FA18ED798}"/>
+                </a:ext>
+              </a:extLst>
+            </p:cNvPr>
+            <p:cNvPicPr>
+              <a:picLocks noChangeAspect="1"/>
+            </p:cNvPicPr>
+            <p:nvPr/>
+          </p:nvPicPr>
+          <p:blipFill>
+            <a:blip r:embed="rId4"/>
+            <a:stretch>
+              <a:fillRect/>
+            </a:stretch>
+          </p:blipFill>
+          <p:spPr>
+            <a:xfrm>
+              <a:off x="468309" y="1771650"/>
+              <a:ext cx="242147" cy="209551"/>
+            </a:xfrm>
+            <a:prstGeom prst="rect">
+              <a:avLst/>
+            </a:prstGeom>
+          </p:spPr>
+        </p:pic>
+      </p:grpSp>
+    </p:spTree>
+    <p:extLst>
+      <p:ext uri="{BB962C8B-B14F-4D97-AF65-F5344CB8AC3E}">
+        <p14:creationId xmlns:p14="http://schemas.microsoft.com/office/powerpoint/2010/main" val="3099716137"/>
+      </p:ext>
+    </p:extLst>
+  </p:cSld>
+  <p:clrMapOvr>
+    <a:masterClrMapping/>
+  </p:clrMapOvr>
+  <mc:AlternateContent xmlns:mc="http://schemas.openxmlformats.org/markup-compatibility/2006" xmlns:p14="http://schemas.microsoft.com/office/powerpoint/2010/main">
+    <mc:Choice Requires="p14">
+      <p:transition spd="med" p14:dur="700">
+        <p:fade/>
+      </p:transition>
+    </mc:Choice>
+    <mc:Fallback xmlns="">
+      <p:transition spd="med">
+        <p:fade/>
+      </p:transition>
+    </mc:Fallback>
+  </mc:AlternateContent>
+</p:sld>
+</file>
+
+<file path=ppt/slides/slide24.xml><?xml version="1.0" encoding="utf-8"?>
+<p:sld xmlns:a="http://schemas.openxmlformats.org/drawingml/2006/main" xmlns:r="http://schemas.openxmlformats.org/officeDocument/2006/relationships" xmlns:p="http://schemas.openxmlformats.org/presentationml/2006/main">
+  <p:cSld>
+    <p:bg>
+      <p:bgPr>
+        <a:pattFill prst="dkDnDiag">
+          <a:fgClr>
+            <a:schemeClr val="bg1">
+              <a:lumMod val="95000"/>
+            </a:schemeClr>
+          </a:fgClr>
+          <a:bgClr>
+            <a:schemeClr val="bg1"/>
+          </a:bgClr>
+        </a:pattFill>
+        <a:effectLst/>
+      </p:bgPr>
+    </p:bg>
+    <p:spTree>
+      <p:nvGrpSpPr>
+        <p:cNvPr id="1" name=""/>
+        <p:cNvGrpSpPr/>
+        <p:nvPr/>
+      </p:nvGrpSpPr>
+      <p:grpSpPr>
+        <a:xfrm>
+          <a:off x="0" y="0"/>
+          <a:ext cx="0" cy="0"/>
+          <a:chOff x="0" y="0"/>
+          <a:chExt cx="0" cy="0"/>
+        </a:xfrm>
+      </p:grpSpPr>
+      <p:sp>
+        <p:nvSpPr>
+          <p:cNvPr id="17" name="矩形 16"/>
+          <p:cNvSpPr/>
+          <p:nvPr/>
+        </p:nvSpPr>
+        <p:spPr>
+          <a:xfrm>
+            <a:off x="3473651" y="252859"/>
+            <a:ext cx="8718351" cy="484285"/>
+          </a:xfrm>
+          <a:prstGeom prst="rect">
+            <a:avLst/>
+          </a:prstGeom>
+          <a:gradFill>
+            <a:gsLst>
+              <a:gs pos="0">
+                <a:schemeClr val="accent1">
+                  <a:lumMod val="5000"/>
+                  <a:lumOff val="95000"/>
+                  <a:alpha val="0"/>
+                </a:schemeClr>
+              </a:gs>
+              <a:gs pos="78000">
+                <a:srgbClr val="157E9F"/>
+              </a:gs>
+            </a:gsLst>
+            <a:lin ang="10800000" scaled="0"/>
+          </a:gradFill>
+          <a:ln>
+            <a:noFill/>
+          </a:ln>
+          <a:effectLst>
+            <a:outerShdw blurRad="393700" dist="76200" dir="5820000" sx="99000" sy="99000" algn="t" rotWithShape="0">
+              <a:prstClr val="black">
+                <a:alpha val="50000"/>
+              </a:prstClr>
+            </a:outerShdw>
+          </a:effectLst>
+        </p:spPr>
+        <p:style>
+          <a:lnRef idx="2">
+            <a:schemeClr val="accent1">
+              <a:shade val="50000"/>
+            </a:schemeClr>
+          </a:lnRef>
+          <a:fillRef idx="1">
+            <a:schemeClr val="accent1"/>
+          </a:fillRef>
+          <a:effectRef idx="0">
+            <a:schemeClr val="accent1"/>
+          </a:effectRef>
+          <a:fontRef idx="minor">
+            <a:schemeClr val="lt1"/>
+          </a:fontRef>
+        </p:style>
+        <p:txBody>
+          <a:bodyPr lIns="91436" tIns="45718" rIns="91436" bIns="45718" rtlCol="0" anchor="ctr"/>
+          <a:lstStyle/>
+          <a:p>
+            <a:pPr algn="ctr"/>
+            <a:endParaRPr lang="zh-CN" altLang="en-US"/>
+          </a:p>
+        </p:txBody>
+      </p:sp>
+      <p:sp>
+        <p:nvSpPr>
+          <p:cNvPr id="18" name="圆角矩形 17"/>
+          <p:cNvSpPr/>
+          <p:nvPr/>
+        </p:nvSpPr>
+        <p:spPr>
+          <a:xfrm rot="10800000" flipV="1">
+            <a:off x="-5664" y="249441"/>
+            <a:ext cx="484287" cy="491115"/>
+          </a:xfrm>
+          <a:prstGeom prst="roundRect">
+            <a:avLst>
+              <a:gd name="adj" fmla="val 5039"/>
+            </a:avLst>
+          </a:prstGeom>
+          <a:solidFill>
+            <a:srgbClr val="157E9F"/>
+          </a:solidFill>
+          <a:ln>
+            <a:noFill/>
+          </a:ln>
+          <a:effectLst>
+            <a:outerShdw blurRad="50800" dist="38100" dir="5400000" algn="t" rotWithShape="0">
+              <a:prstClr val="black">
+                <a:alpha val="40000"/>
+              </a:prstClr>
+            </a:outerShdw>
+          </a:effectLst>
+        </p:spPr>
+        <p:style>
+          <a:lnRef idx="2">
+            <a:schemeClr val="accent1">
+              <a:shade val="50000"/>
+            </a:schemeClr>
+          </a:lnRef>
+          <a:fillRef idx="1">
+            <a:schemeClr val="accent1"/>
+          </a:fillRef>
+          <a:effectRef idx="0">
+            <a:schemeClr val="accent1"/>
+          </a:effectRef>
+          <a:fontRef idx="minor">
+            <a:schemeClr val="lt1"/>
+          </a:fontRef>
+        </p:style>
+        <p:txBody>
+          <a:bodyPr lIns="91436" tIns="45718" rIns="91436" bIns="45718" rtlCol="0" anchor="ctr"/>
+          <a:lstStyle/>
+          <a:p>
+            <a:pPr algn="ctr"/>
+            <a:r>
+              <a:rPr lang="en-US" altLang="zh-CN" sz="3600" dirty="0"/>
+              <a:t>5</a:t>
+            </a:r>
+            <a:endParaRPr lang="zh-CN" altLang="en-US" sz="3600" dirty="0"/>
+          </a:p>
+        </p:txBody>
+      </p:sp>
+      <p:sp>
+        <p:nvSpPr>
+          <p:cNvPr id="19" name="矩形 18"/>
+          <p:cNvSpPr/>
+          <p:nvPr/>
+        </p:nvSpPr>
+        <p:spPr>
+          <a:xfrm>
+            <a:off x="3958625" y="310334"/>
+            <a:ext cx="2049143" cy="369328"/>
+          </a:xfrm>
+          <a:prstGeom prst="rect">
+            <a:avLst/>
+          </a:prstGeom>
+        </p:spPr>
+        <p:txBody>
+          <a:bodyPr wrap="none" lIns="91436" tIns="45718" rIns="91436" bIns="45718">
+            <a:spAutoFit/>
+          </a:bodyPr>
+          <a:lstStyle/>
+          <a:p>
+            <a:pPr algn="ctr"/>
+            <a:r>
+              <a:rPr lang="en-US" altLang="zh-CN" dirty="0">
+                <a:solidFill>
+                  <a:schemeClr val="bg1"/>
+                </a:solidFill>
+                <a:latin typeface="微软雅黑" pitchFamily="34" charset="-122"/>
+                <a:ea typeface="微软雅黑" pitchFamily="34" charset="-122"/>
+              </a:rPr>
+              <a:t>RESEARCH PLAN</a:t>
+            </a:r>
+          </a:p>
+        </p:txBody>
+      </p:sp>
+      <p:sp>
+        <p:nvSpPr>
+          <p:cNvPr id="20" name="圆角矩形 19"/>
+          <p:cNvSpPr/>
+          <p:nvPr/>
+        </p:nvSpPr>
+        <p:spPr>
+          <a:xfrm rot="16200000" flipV="1">
+            <a:off x="11457520" y="249444"/>
+            <a:ext cx="484287" cy="491115"/>
+          </a:xfrm>
+          <a:prstGeom prst="roundRect">
+            <a:avLst>
+              <a:gd name="adj" fmla="val 5039"/>
+            </a:avLst>
+          </a:prstGeom>
+          <a:solidFill>
+            <a:srgbClr val="157E9F"/>
+          </a:solidFill>
+          <a:ln>
+            <a:noFill/>
+          </a:ln>
+          <a:effectLst>
+            <a:outerShdw blurRad="50800" dist="38100" dir="5400000" algn="t" rotWithShape="0">
+              <a:prstClr val="black">
+                <a:alpha val="40000"/>
+              </a:prstClr>
+            </a:outerShdw>
+          </a:effectLst>
+        </p:spPr>
+        <p:style>
+          <a:lnRef idx="2">
+            <a:schemeClr val="accent1">
+              <a:shade val="50000"/>
+            </a:schemeClr>
+          </a:lnRef>
+          <a:fillRef idx="1">
+            <a:schemeClr val="accent1"/>
+          </a:fillRef>
+          <a:effectRef idx="0">
+            <a:schemeClr val="accent1"/>
+          </a:effectRef>
+          <a:fontRef idx="minor">
+            <a:schemeClr val="lt1"/>
+          </a:fontRef>
+        </p:style>
+        <p:txBody>
+          <a:bodyPr rtlCol="0" anchor="ctr"/>
+          <a:lstStyle/>
+          <a:p>
+            <a:pPr algn="ctr"/>
+            <a:endParaRPr lang="zh-CN" altLang="en-US"/>
+          </a:p>
+        </p:txBody>
+      </p:sp>
+      <p:sp>
+        <p:nvSpPr>
+          <p:cNvPr id="21" name="Freeform 96"/>
+          <p:cNvSpPr/>
+          <p:nvPr/>
+        </p:nvSpPr>
+        <p:spPr bwMode="auto">
+          <a:xfrm>
+            <a:off x="11559368" y="359659"/>
+            <a:ext cx="280590" cy="270687"/>
+          </a:xfrm>
+          <a:custGeom>
+            <a:avLst/>
+            <a:gdLst>
+              <a:gd name="T0" fmla="*/ 184 w 216"/>
+              <a:gd name="T1" fmla="*/ 0 h 208"/>
+              <a:gd name="T2" fmla="*/ 152 w 216"/>
+              <a:gd name="T3" fmla="*/ 32 h 208"/>
+              <a:gd name="T4" fmla="*/ 154 w 216"/>
+              <a:gd name="T5" fmla="*/ 41 h 208"/>
+              <a:gd name="T6" fmla="*/ 60 w 216"/>
+              <a:gd name="T7" fmla="*/ 80 h 208"/>
+              <a:gd name="T8" fmla="*/ 32 w 216"/>
+              <a:gd name="T9" fmla="*/ 64 h 208"/>
+              <a:gd name="T10" fmla="*/ 0 w 216"/>
+              <a:gd name="T11" fmla="*/ 96 h 208"/>
+              <a:gd name="T12" fmla="*/ 32 w 216"/>
+              <a:gd name="T13" fmla="*/ 128 h 208"/>
+              <a:gd name="T14" fmla="*/ 56 w 216"/>
+              <a:gd name="T15" fmla="*/ 118 h 208"/>
+              <a:gd name="T16" fmla="*/ 116 w 216"/>
+              <a:gd name="T17" fmla="*/ 161 h 208"/>
+              <a:gd name="T18" fmla="*/ 112 w 216"/>
+              <a:gd name="T19" fmla="*/ 176 h 208"/>
+              <a:gd name="T20" fmla="*/ 144 w 216"/>
+              <a:gd name="T21" fmla="*/ 208 h 208"/>
+              <a:gd name="T22" fmla="*/ 176 w 216"/>
+              <a:gd name="T23" fmla="*/ 176 h 208"/>
+              <a:gd name="T24" fmla="*/ 144 w 216"/>
+              <a:gd name="T25" fmla="*/ 144 h 208"/>
+              <a:gd name="T26" fmla="*/ 121 w 216"/>
+              <a:gd name="T27" fmla="*/ 154 h 208"/>
+              <a:gd name="T28" fmla="*/ 61 w 216"/>
+              <a:gd name="T29" fmla="*/ 111 h 208"/>
+              <a:gd name="T30" fmla="*/ 64 w 216"/>
+              <a:gd name="T31" fmla="*/ 96 h 208"/>
+              <a:gd name="T32" fmla="*/ 63 w 216"/>
+              <a:gd name="T33" fmla="*/ 87 h 208"/>
+              <a:gd name="T34" fmla="*/ 157 w 216"/>
+              <a:gd name="T35" fmla="*/ 48 h 208"/>
+              <a:gd name="T36" fmla="*/ 184 w 216"/>
+              <a:gd name="T37" fmla="*/ 64 h 208"/>
+              <a:gd name="T38" fmla="*/ 216 w 216"/>
+              <a:gd name="T39" fmla="*/ 32 h 208"/>
+              <a:gd name="T40" fmla="*/ 184 w 216"/>
+              <a:gd name="T41" fmla="*/ 0 h 208"/>
+            </a:gdLst>
+            <a:ahLst/>
+            <a:cxnLst>
+              <a:cxn ang="0">
+                <a:pos x="T0" y="T1"/>
+              </a:cxn>
+              <a:cxn ang="0">
+                <a:pos x="T2" y="T3"/>
+              </a:cxn>
+              <a:cxn ang="0">
+                <a:pos x="T4" y="T5"/>
+              </a:cxn>
+              <a:cxn ang="0">
+                <a:pos x="T6" y="T7"/>
+              </a:cxn>
+              <a:cxn ang="0">
+                <a:pos x="T8" y="T9"/>
+              </a:cxn>
+              <a:cxn ang="0">
+                <a:pos x="T10" y="T11"/>
+              </a:cxn>
+              <a:cxn ang="0">
+                <a:pos x="T12" y="T13"/>
+              </a:cxn>
+              <a:cxn ang="0">
+                <a:pos x="T14" y="T15"/>
+              </a:cxn>
+              <a:cxn ang="0">
+                <a:pos x="T16" y="T17"/>
+              </a:cxn>
+              <a:cxn ang="0">
+                <a:pos x="T18" y="T19"/>
+              </a:cxn>
+              <a:cxn ang="0">
+                <a:pos x="T20" y="T21"/>
+              </a:cxn>
+              <a:cxn ang="0">
+                <a:pos x="T22" y="T23"/>
+              </a:cxn>
+              <a:cxn ang="0">
+                <a:pos x="T24" y="T25"/>
+              </a:cxn>
+              <a:cxn ang="0">
+                <a:pos x="T26" y="T27"/>
+              </a:cxn>
+              <a:cxn ang="0">
+                <a:pos x="T28" y="T29"/>
+              </a:cxn>
+              <a:cxn ang="0">
+                <a:pos x="T30" y="T31"/>
+              </a:cxn>
+              <a:cxn ang="0">
+                <a:pos x="T32" y="T33"/>
+              </a:cxn>
+              <a:cxn ang="0">
+                <a:pos x="T34" y="T35"/>
+              </a:cxn>
+              <a:cxn ang="0">
+                <a:pos x="T36" y="T37"/>
+              </a:cxn>
+              <a:cxn ang="0">
+                <a:pos x="T38" y="T39"/>
+              </a:cxn>
+              <a:cxn ang="0">
+                <a:pos x="T40" y="T41"/>
+              </a:cxn>
+            </a:cxnLst>
+            <a:rect l="0" t="0" r="r" b="b"/>
+            <a:pathLst>
+              <a:path w="216" h="208">
+                <a:moveTo>
+                  <a:pt x="184" y="0"/>
+                </a:moveTo>
+                <a:cubicBezTo>
+                  <a:pt x="167" y="0"/>
+                  <a:pt x="152" y="14"/>
+                  <a:pt x="152" y="32"/>
+                </a:cubicBezTo>
+                <a:cubicBezTo>
+                  <a:pt x="152" y="35"/>
+                  <a:pt x="153" y="38"/>
+                  <a:pt x="154" y="41"/>
+                </a:cubicBezTo>
+                <a:cubicBezTo>
+                  <a:pt x="60" y="80"/>
+                  <a:pt x="60" y="80"/>
+                  <a:pt x="60" y="80"/>
+                </a:cubicBezTo>
+                <a:cubicBezTo>
+                  <a:pt x="55" y="70"/>
+                  <a:pt x="44" y="64"/>
+                  <a:pt x="32" y="64"/>
+                </a:cubicBezTo>
+                <a:cubicBezTo>
+                  <a:pt x="15" y="64"/>
+                  <a:pt x="0" y="78"/>
+                  <a:pt x="0" y="96"/>
+                </a:cubicBezTo>
+                <a:cubicBezTo>
+                  <a:pt x="0" y="113"/>
+                  <a:pt x="15" y="128"/>
+                  <a:pt x="32" y="128"/>
+                </a:cubicBezTo>
+                <a:cubicBezTo>
+                  <a:pt x="42" y="128"/>
+                  <a:pt x="50" y="124"/>
+                  <a:pt x="56" y="118"/>
+                </a:cubicBezTo>
+                <a:cubicBezTo>
+                  <a:pt x="116" y="161"/>
+                  <a:pt x="116" y="161"/>
+                  <a:pt x="116" y="161"/>
+                </a:cubicBezTo>
+                <a:cubicBezTo>
+                  <a:pt x="114" y="165"/>
+                  <a:pt x="112" y="170"/>
+                  <a:pt x="112" y="176"/>
+                </a:cubicBezTo>
+                <a:cubicBezTo>
+                  <a:pt x="112" y="193"/>
+                  <a:pt x="127" y="208"/>
+                  <a:pt x="144" y="208"/>
+                </a:cubicBezTo>
+                <a:cubicBezTo>
+                  <a:pt x="162" y="208"/>
+                  <a:pt x="176" y="193"/>
+                  <a:pt x="176" y="176"/>
+                </a:cubicBezTo>
+                <a:cubicBezTo>
+                  <a:pt x="176" y="158"/>
+                  <a:pt x="162" y="144"/>
+                  <a:pt x="144" y="144"/>
+                </a:cubicBezTo>
+                <a:cubicBezTo>
+                  <a:pt x="135" y="144"/>
+                  <a:pt x="127" y="148"/>
+                  <a:pt x="121" y="154"/>
+                </a:cubicBezTo>
+                <a:cubicBezTo>
+                  <a:pt x="61" y="111"/>
+                  <a:pt x="61" y="111"/>
+                  <a:pt x="61" y="111"/>
+                </a:cubicBezTo>
+                <a:cubicBezTo>
+                  <a:pt x="63" y="107"/>
+                  <a:pt x="64" y="101"/>
+                  <a:pt x="64" y="96"/>
+                </a:cubicBezTo>
+                <a:cubicBezTo>
+                  <a:pt x="64" y="93"/>
+                  <a:pt x="64" y="90"/>
+                  <a:pt x="63" y="87"/>
+                </a:cubicBezTo>
+                <a:cubicBezTo>
+                  <a:pt x="157" y="48"/>
+                  <a:pt x="157" y="48"/>
+                  <a:pt x="157" y="48"/>
+                </a:cubicBezTo>
+                <a:cubicBezTo>
+                  <a:pt x="162" y="57"/>
+                  <a:pt x="173" y="64"/>
+                  <a:pt x="184" y="64"/>
+                </a:cubicBezTo>
+                <a:cubicBezTo>
+                  <a:pt x="202" y="64"/>
+                  <a:pt x="216" y="49"/>
+                  <a:pt x="216" y="32"/>
+                </a:cubicBezTo>
+                <a:cubicBezTo>
+                  <a:pt x="216" y="14"/>
+                  <a:pt x="202" y="0"/>
+                  <a:pt x="184" y="0"/>
+                </a:cubicBezTo>
+                <a:close/>
+              </a:path>
+            </a:pathLst>
+          </a:custGeom>
+          <a:solidFill>
+            <a:schemeClr val="bg1"/>
+          </a:solidFill>
+          <a:ln>
+            <a:noFill/>
+          </a:ln>
+        </p:spPr>
+        <p:txBody>
+          <a:bodyPr vert="horz" wrap="square" lIns="91440" tIns="45720" rIns="91440" bIns="45720" numCol="1" anchor="t" anchorCtr="0" compatLnSpc="1"/>
+          <a:lstStyle/>
+          <a:p>
+            <a:endParaRPr lang="zh-CN" altLang="en-US">
+              <a:solidFill>
+                <a:srgbClr val="AD1C21"/>
+              </a:solidFill>
+            </a:endParaRPr>
+          </a:p>
+        </p:txBody>
+      </p:sp>
+      <p:sp>
+        <p:nvSpPr>
+          <p:cNvPr id="22" name="矩形 21"/>
+          <p:cNvSpPr/>
+          <p:nvPr/>
+        </p:nvSpPr>
+        <p:spPr>
+          <a:xfrm>
+            <a:off x="633077" y="125666"/>
+            <a:ext cx="2444900" cy="662554"/>
+          </a:xfrm>
+          <a:prstGeom prst="rect">
+            <a:avLst/>
+          </a:prstGeom>
+        </p:spPr>
+        <p:txBody>
+          <a:bodyPr wrap="none">
+            <a:spAutoFit/>
+          </a:bodyPr>
+          <a:lstStyle/>
+          <a:p>
+            <a:pPr>
+              <a:lnSpc>
+                <a:spcPct val="150000"/>
+              </a:lnSpc>
+            </a:pPr>
+            <a:r>
+              <a:rPr lang="en-US" altLang="zh-CN" sz="2800" dirty="0">
+                <a:solidFill>
+                  <a:srgbClr val="157E9F"/>
+                </a:solidFill>
+                <a:latin typeface="方正清刻本悦宋简体" panose="02000000000000000000" pitchFamily="2" charset="-122"/>
+                <a:ea typeface="方正清刻本悦宋简体" panose="02000000000000000000" pitchFamily="2" charset="-122"/>
+              </a:rPr>
+              <a:t> </a:t>
+            </a:r>
+            <a:r>
+              <a:rPr lang="zh-CN" altLang="en-US" sz="2800" dirty="0">
+                <a:solidFill>
+                  <a:srgbClr val="157E9F"/>
+                </a:solidFill>
+                <a:latin typeface="方正清刻本悦宋简体" panose="02000000000000000000" pitchFamily="2" charset="-122"/>
+                <a:ea typeface="方正清刻本悦宋简体" panose="02000000000000000000" pitchFamily="2" charset="-122"/>
+              </a:rPr>
+              <a:t>研究计划安排</a:t>
+            </a:r>
+            <a:endParaRPr lang="en-US" altLang="zh-CN" sz="2800" dirty="0">
+              <a:solidFill>
+                <a:srgbClr val="157E9F"/>
+              </a:solidFill>
+              <a:latin typeface="方正清刻本悦宋简体" panose="02000000000000000000" pitchFamily="2" charset="-122"/>
+              <a:ea typeface="方正清刻本悦宋简体" panose="02000000000000000000" pitchFamily="2" charset="-122"/>
+            </a:endParaRPr>
+          </a:p>
+        </p:txBody>
+      </p:sp>
+      <p:sp>
+        <p:nvSpPr>
+          <p:cNvPr id="52" name="矩形 51"/>
+          <p:cNvSpPr/>
+          <p:nvPr/>
+        </p:nvSpPr>
+        <p:spPr>
+          <a:xfrm>
+            <a:off x="633077" y="1285684"/>
+            <a:ext cx="8725645" cy="2053892"/>
+          </a:xfrm>
+          <a:prstGeom prst="rect">
+            <a:avLst/>
+          </a:prstGeom>
+        </p:spPr>
+        <p:txBody>
+          <a:bodyPr wrap="square" lIns="91436" tIns="45718" rIns="91436" bIns="45718">
+            <a:spAutoFit/>
+          </a:bodyPr>
+          <a:lstStyle/>
+          <a:p>
+            <a:pPr marL="285750" indent="-285750">
+              <a:lnSpc>
+                <a:spcPct val="130000"/>
+              </a:lnSpc>
+              <a:buFont typeface="Wingdings" panose="05000000000000000000" pitchFamily="2" charset="2"/>
+              <a:buChar char="u"/>
+            </a:pPr>
+            <a:r>
+              <a:rPr lang="en-US" altLang="zh-CN" sz="2000" dirty="0">
+                <a:solidFill>
+                  <a:schemeClr val="bg2">
+                    <a:lumMod val="50000"/>
+                  </a:schemeClr>
+                </a:solidFill>
+                <a:latin typeface="微软雅黑" pitchFamily="34" charset="-122"/>
+                <a:ea typeface="微软雅黑" pitchFamily="34" charset="-122"/>
+              </a:rPr>
+              <a:t>2023.5-2023.8</a:t>
+            </a:r>
+            <a:r>
+              <a:rPr lang="zh-CN" altLang="en-US" sz="2000" dirty="0">
+                <a:solidFill>
+                  <a:schemeClr val="bg2">
+                    <a:lumMod val="50000"/>
+                  </a:schemeClr>
+                </a:solidFill>
+                <a:latin typeface="微软雅黑" pitchFamily="34" charset="-122"/>
+                <a:ea typeface="微软雅黑" pitchFamily="34" charset="-122"/>
+              </a:rPr>
+              <a:t>：整理实验数据，建立油型气涌出危险性评价模型</a:t>
+            </a:r>
+            <a:endParaRPr lang="en-US" altLang="zh-CN" sz="2000" dirty="0">
+              <a:solidFill>
+                <a:schemeClr val="bg2">
+                  <a:lumMod val="50000"/>
+                </a:schemeClr>
+              </a:solidFill>
+              <a:latin typeface="微软雅黑" pitchFamily="34" charset="-122"/>
+              <a:ea typeface="微软雅黑" pitchFamily="34" charset="-122"/>
+            </a:endParaRPr>
+          </a:p>
+          <a:p>
+            <a:pPr marL="285750" indent="-285750">
+              <a:lnSpc>
+                <a:spcPct val="130000"/>
+              </a:lnSpc>
+              <a:buFont typeface="Wingdings" panose="05000000000000000000" pitchFamily="2" charset="2"/>
+              <a:buChar char="u"/>
+            </a:pPr>
+            <a:r>
+              <a:rPr lang="en-US" altLang="zh-CN" sz="2000" dirty="0">
+                <a:solidFill>
+                  <a:schemeClr val="bg2">
+                    <a:lumMod val="50000"/>
+                  </a:schemeClr>
+                </a:solidFill>
+                <a:latin typeface="微软雅黑" pitchFamily="34" charset="-122"/>
+                <a:ea typeface="微软雅黑" pitchFamily="34" charset="-122"/>
+              </a:rPr>
+              <a:t>2023.8-2023.10</a:t>
+            </a:r>
+            <a:r>
+              <a:rPr lang="zh-CN" altLang="en-US" sz="2000" dirty="0">
+                <a:solidFill>
+                  <a:schemeClr val="bg2">
+                    <a:lumMod val="50000"/>
+                  </a:schemeClr>
+                </a:solidFill>
+                <a:latin typeface="微软雅黑" pitchFamily="34" charset="-122"/>
+                <a:ea typeface="微软雅黑" pitchFamily="34" charset="-122"/>
+              </a:rPr>
+              <a:t>：可视化界面的开发与改进；</a:t>
+            </a:r>
+            <a:endParaRPr lang="en-US" altLang="zh-CN" sz="2000" dirty="0">
+              <a:solidFill>
+                <a:schemeClr val="bg2">
+                  <a:lumMod val="50000"/>
+                </a:schemeClr>
+              </a:solidFill>
+              <a:latin typeface="微软雅黑" pitchFamily="34" charset="-122"/>
+              <a:ea typeface="微软雅黑" pitchFamily="34" charset="-122"/>
+            </a:endParaRPr>
+          </a:p>
+          <a:p>
+            <a:pPr marL="285750" indent="-285750">
+              <a:lnSpc>
+                <a:spcPct val="130000"/>
+              </a:lnSpc>
+              <a:buFont typeface="Wingdings" panose="05000000000000000000" pitchFamily="2" charset="2"/>
+              <a:buChar char="u"/>
+            </a:pPr>
+            <a:r>
+              <a:rPr lang="en-US" altLang="zh-CN" sz="2000" dirty="0">
+                <a:solidFill>
+                  <a:schemeClr val="bg2">
+                    <a:lumMod val="50000"/>
+                  </a:schemeClr>
+                </a:solidFill>
+                <a:latin typeface="微软雅黑" pitchFamily="34" charset="-122"/>
+                <a:ea typeface="微软雅黑" pitchFamily="34" charset="-122"/>
+              </a:rPr>
+              <a:t>2023.10-2023.1</a:t>
+            </a:r>
+            <a:r>
+              <a:rPr lang="zh-CN" altLang="en-US" sz="2000" dirty="0">
+                <a:solidFill>
+                  <a:schemeClr val="bg2">
+                    <a:lumMod val="50000"/>
+                  </a:schemeClr>
+                </a:solidFill>
+                <a:latin typeface="微软雅黑" pitchFamily="34" charset="-122"/>
+                <a:ea typeface="微软雅黑" pitchFamily="34" charset="-122"/>
+              </a:rPr>
+              <a:t>：工程实际应用，拟定油型气防治方案；</a:t>
+            </a:r>
+            <a:endParaRPr lang="en-US" altLang="zh-CN" sz="2000" dirty="0">
+              <a:solidFill>
+                <a:schemeClr val="bg2">
+                  <a:lumMod val="50000"/>
+                </a:schemeClr>
+              </a:solidFill>
+              <a:latin typeface="微软雅黑" pitchFamily="34" charset="-122"/>
+              <a:ea typeface="微软雅黑" pitchFamily="34" charset="-122"/>
+            </a:endParaRPr>
+          </a:p>
+          <a:p>
+            <a:pPr marL="285750" indent="-285750">
+              <a:lnSpc>
+                <a:spcPct val="130000"/>
+              </a:lnSpc>
+              <a:buFont typeface="Wingdings" panose="05000000000000000000" pitchFamily="2" charset="2"/>
+              <a:buChar char="u"/>
+            </a:pPr>
+            <a:r>
+              <a:rPr lang="en-US" altLang="zh-CN" sz="2000" dirty="0">
+                <a:solidFill>
+                  <a:schemeClr val="bg2">
+                    <a:lumMod val="50000"/>
+                  </a:schemeClr>
+                </a:solidFill>
+                <a:latin typeface="微软雅黑" pitchFamily="34" charset="-122"/>
+                <a:ea typeface="微软雅黑" pitchFamily="34" charset="-122"/>
+              </a:rPr>
+              <a:t>2024.1-2024.4</a:t>
+            </a:r>
+            <a:r>
+              <a:rPr lang="zh-CN" altLang="en-US" sz="2000" dirty="0">
+                <a:solidFill>
+                  <a:schemeClr val="bg2">
+                    <a:lumMod val="50000"/>
+                  </a:schemeClr>
+                </a:solidFill>
+                <a:latin typeface="微软雅黑" pitchFamily="34" charset="-122"/>
+                <a:ea typeface="微软雅黑" pitchFamily="34" charset="-122"/>
+              </a:rPr>
+              <a:t>：整理资料，撰写论文；</a:t>
+            </a:r>
+            <a:endParaRPr lang="en-US" altLang="zh-CN" sz="2000" dirty="0">
+              <a:solidFill>
+                <a:schemeClr val="bg2">
+                  <a:lumMod val="50000"/>
+                </a:schemeClr>
+              </a:solidFill>
+              <a:latin typeface="微软雅黑" pitchFamily="34" charset="-122"/>
+              <a:ea typeface="微软雅黑" pitchFamily="34" charset="-122"/>
+            </a:endParaRPr>
+          </a:p>
+          <a:p>
+            <a:pPr marL="285750" indent="-285750">
+              <a:lnSpc>
+                <a:spcPct val="130000"/>
+              </a:lnSpc>
+              <a:buFont typeface="Wingdings" panose="05000000000000000000" pitchFamily="2" charset="2"/>
+              <a:buChar char="u"/>
+            </a:pPr>
+            <a:r>
+              <a:rPr lang="en-US" altLang="zh-CN" sz="2000" dirty="0">
+                <a:solidFill>
+                  <a:schemeClr val="bg2">
+                    <a:lumMod val="50000"/>
+                  </a:schemeClr>
+                </a:solidFill>
+                <a:latin typeface="微软雅黑" pitchFamily="34" charset="-122"/>
+                <a:ea typeface="微软雅黑" pitchFamily="34" charset="-122"/>
+              </a:rPr>
+              <a:t>2024.4-2024.5</a:t>
+            </a:r>
+            <a:r>
+              <a:rPr lang="zh-CN" altLang="en-US" sz="2000" dirty="0">
+                <a:solidFill>
+                  <a:schemeClr val="bg2">
+                    <a:lumMod val="50000"/>
+                  </a:schemeClr>
+                </a:solidFill>
+                <a:latin typeface="微软雅黑" pitchFamily="34" charset="-122"/>
+                <a:ea typeface="微软雅黑" pitchFamily="34" charset="-122"/>
+              </a:rPr>
+              <a:t>：修改论文，毕业答辩。</a:t>
+            </a:r>
+            <a:endParaRPr lang="en-US" altLang="zh-CN" sz="2000" dirty="0">
+              <a:solidFill>
+                <a:schemeClr val="bg2">
+                  <a:lumMod val="50000"/>
+                </a:schemeClr>
+              </a:solidFill>
+              <a:latin typeface="微软雅黑" pitchFamily="34" charset="-122"/>
+              <a:ea typeface="微软雅黑" pitchFamily="34" charset="-122"/>
+            </a:endParaRPr>
+          </a:p>
+        </p:txBody>
+      </p:sp>
+    </p:spTree>
+  </p:cSld>
+  <p:clrMapOvr>
+    <a:masterClrMapping/>
+  </p:clrMapOvr>
+  <mc:AlternateContent xmlns:mc="http://schemas.openxmlformats.org/markup-compatibility/2006" xmlns:p14="http://schemas.microsoft.com/office/powerpoint/2010/main">
+    <mc:Choice Requires="p14">
+      <p:transition spd="med" p14:dur="700">
+        <p:fade/>
+      </p:transition>
+    </mc:Choice>
+    <mc:Fallback xmlns="">
+      <p:transition spd="med">
+        <p:fade/>
+      </p:transition>
+    </mc:Fallback>
+  </mc:AlternateContent>
+</p:sld>
+</file>
+
+<file path=ppt/slides/slide25.xml><?xml version="1.0" encoding="utf-8"?>
+<p:sld xmlns:a="http://schemas.openxmlformats.org/drawingml/2006/main" xmlns:r="http://schemas.openxmlformats.org/officeDocument/2006/relationships" xmlns:p="http://schemas.openxmlformats.org/presentationml/2006/main">
+  <p:cSld>
+    <p:bg>
+      <p:bgPr>
+        <a:pattFill prst="dkDnDiag">
+          <a:fgClr>
+            <a:schemeClr val="bg1">
+              <a:lumMod val="95000"/>
+            </a:schemeClr>
+          </a:fgClr>
+          <a:bgClr>
+            <a:schemeClr val="bg1"/>
+          </a:bgClr>
+        </a:pattFill>
+        <a:effectLst/>
+      </p:bgPr>
+    </p:bg>
+    <p:spTree>
+      <p:nvGrpSpPr>
+        <p:cNvPr id="1" name=""/>
+        <p:cNvGrpSpPr/>
+        <p:nvPr/>
+      </p:nvGrpSpPr>
+      <p:grpSpPr>
+        <a:xfrm>
+          <a:off x="0" y="0"/>
+          <a:ext cx="0" cy="0"/>
+          <a:chOff x="0" y="0"/>
+          <a:chExt cx="0" cy="0"/>
+        </a:xfrm>
+      </p:grpSpPr>
+      <p:pic>
+        <p:nvPicPr>
+          <p:cNvPr id="3" name="图片 2">
+            <a:extLst>
+              <a:ext uri="{FF2B5EF4-FFF2-40B4-BE49-F238E27FC236}">
+                <a16:creationId xmlns:a16="http://schemas.microsoft.com/office/drawing/2014/main" id="{BBCE54A0-421E-42DB-9F2D-26457A673588}"/>
+              </a:ext>
+            </a:extLst>
+          </p:cNvPr>
+          <p:cNvPicPr>
+            <a:picLocks noChangeAspect="1"/>
+          </p:cNvPicPr>
+          <p:nvPr/>
+        </p:nvPicPr>
+        <p:blipFill>
+          <a:blip r:embed="rId3">
+            <a:extLst>
+              <a:ext uri="{28A0092B-C50C-407E-A947-70E740481C1C}">
+                <a14:useLocalDpi xmlns:a14="http://schemas.microsoft.com/office/drawing/2010/main" val="0"/>
+              </a:ext>
+            </a:extLst>
+          </a:blip>
+          <a:stretch>
+            <a:fillRect/>
+          </a:stretch>
+        </p:blipFill>
+        <p:spPr>
+          <a:xfrm>
+            <a:off x="-597528" y="1551029"/>
+            <a:ext cx="7653027" cy="5739770"/>
+          </a:xfrm>
+          <a:prstGeom prst="rect">
+            <a:avLst/>
+          </a:prstGeom>
+        </p:spPr>
+      </p:pic>
+      <p:sp>
+        <p:nvSpPr>
+          <p:cNvPr id="15" name="矩形 14"/>
+          <p:cNvSpPr/>
+          <p:nvPr/>
+        </p:nvSpPr>
+        <p:spPr>
+          <a:xfrm>
+            <a:off x="4724252" y="2729383"/>
+            <a:ext cx="5262979" cy="1446550"/>
+          </a:xfrm>
+          <a:prstGeom prst="rect">
+            <a:avLst/>
+          </a:prstGeom>
+        </p:spPr>
+        <p:txBody>
+          <a:bodyPr wrap="none">
+            <a:spAutoFit/>
+          </a:bodyPr>
+          <a:lstStyle/>
+          <a:p>
+            <a:pPr algn="ctr"/>
+            <a:r>
+              <a:rPr kumimoji="1" lang="zh-CN" altLang="en-US" sz="4400" b="1" dirty="0">
+                <a:solidFill>
+                  <a:srgbClr val="0D5267"/>
+                </a:solidFill>
+                <a:latin typeface="方正清刻本悦宋简体" panose="02000000000000000000" pitchFamily="2" charset="-122"/>
+                <a:ea typeface="方正清刻本悦宋简体" panose="02000000000000000000" pitchFamily="2" charset="-122"/>
+              </a:rPr>
+              <a:t>谢谢！</a:t>
+            </a:r>
+            <a:endParaRPr kumimoji="1" lang="en-US" altLang="zh-CN" sz="4400" b="1" dirty="0">
+              <a:solidFill>
+                <a:srgbClr val="0D5267"/>
+              </a:solidFill>
+              <a:latin typeface="方正清刻本悦宋简体" panose="02000000000000000000" pitchFamily="2" charset="-122"/>
+              <a:ea typeface="方正清刻本悦宋简体" panose="02000000000000000000" pitchFamily="2" charset="-122"/>
+            </a:endParaRPr>
+          </a:p>
+          <a:p>
+            <a:r>
+              <a:rPr kumimoji="1" lang="zh-CN" altLang="en-US" sz="4400" b="1" dirty="0">
+                <a:solidFill>
+                  <a:srgbClr val="0D5267"/>
+                </a:solidFill>
+                <a:latin typeface="方正清刻本悦宋简体" panose="02000000000000000000" pitchFamily="2" charset="-122"/>
+                <a:ea typeface="方正清刻本悦宋简体" panose="02000000000000000000" pitchFamily="2" charset="-122"/>
+              </a:rPr>
+              <a:t>请各位老师批评指正</a:t>
+            </a:r>
+            <a:endParaRPr kumimoji="1" lang="en-US" altLang="zh-CN" sz="4400" b="1" dirty="0">
+              <a:solidFill>
+                <a:srgbClr val="0D5267"/>
+              </a:solidFill>
+              <a:latin typeface="方正清刻本悦宋简体" panose="02000000000000000000" pitchFamily="2" charset="-122"/>
+              <a:ea typeface="方正清刻本悦宋简体" panose="02000000000000000000" pitchFamily="2" charset="-122"/>
+            </a:endParaRPr>
+          </a:p>
+        </p:txBody>
+      </p:sp>
+      <p:cxnSp>
+        <p:nvCxnSpPr>
+          <p:cNvPr id="69" name="直接连接符 68"/>
+          <p:cNvCxnSpPr/>
+          <p:nvPr/>
+        </p:nvCxnSpPr>
+        <p:spPr>
+          <a:xfrm>
+            <a:off x="4725501" y="2592712"/>
+            <a:ext cx="5185097" cy="0"/>
+          </a:xfrm>
+          <a:prstGeom prst="line">
+            <a:avLst/>
+          </a:prstGeom>
+          <a:ln>
+            <a:solidFill>
+              <a:srgbClr val="157E9F"/>
+            </a:solidFill>
+          </a:ln>
+        </p:spPr>
+        <p:style>
+          <a:lnRef idx="1">
+            <a:schemeClr val="accent1"/>
+          </a:lnRef>
+          <a:fillRef idx="0">
+            <a:schemeClr val="accent1"/>
+          </a:fillRef>
+          <a:effectRef idx="0">
+            <a:schemeClr val="accent1"/>
+          </a:effectRef>
+          <a:fontRef idx="minor">
+            <a:schemeClr val="tx1"/>
+          </a:fontRef>
+        </p:style>
+      </p:cxnSp>
+      <p:cxnSp>
+        <p:nvCxnSpPr>
+          <p:cNvPr id="71" name="直接连接符 70"/>
+          <p:cNvCxnSpPr/>
+          <p:nvPr/>
+        </p:nvCxnSpPr>
+        <p:spPr>
+          <a:xfrm>
+            <a:off x="4725501" y="4084188"/>
+            <a:ext cx="5185097" cy="0"/>
+          </a:xfrm>
+          <a:prstGeom prst="line">
+            <a:avLst/>
+          </a:prstGeom>
+          <a:ln>
+            <a:solidFill>
+              <a:srgbClr val="157E9F"/>
+            </a:solidFill>
+          </a:ln>
+        </p:spPr>
+        <p:style>
+          <a:lnRef idx="1">
+            <a:schemeClr val="accent1"/>
+          </a:lnRef>
+          <a:fillRef idx="0">
+            <a:schemeClr val="accent1"/>
+          </a:fillRef>
+          <a:effectRef idx="0">
+            <a:schemeClr val="accent1"/>
+          </a:effectRef>
+          <a:fontRef idx="minor">
+            <a:schemeClr val="tx1"/>
+          </a:fontRef>
+        </p:style>
+      </p:cxnSp>
     </p:spTree>
   </p:cSld>
   <p:clrMapOvr>
